--- a/DesignPatternsJEE1.pptx
+++ b/DesignPatternsJEE1.pptx
@@ -5,7 +5,7 @@
     <p:sldMasterId id="2147483672" r:id="rId1"/>
   </p:sldMasterIdLst>
   <p:notesMasterIdLst>
-    <p:notesMasterId r:id="rId28"/>
+    <p:notesMasterId r:id="rId29"/>
   </p:notesMasterIdLst>
   <p:sldIdLst>
     <p:sldId id="256" r:id="rId2"/>
@@ -21,48 +21,49 @@
     <p:sldId id="313" r:id="rId12"/>
     <p:sldId id="259" r:id="rId13"/>
     <p:sldId id="260" r:id="rId14"/>
-    <p:sldId id="261" r:id="rId15"/>
-    <p:sldId id="262" r:id="rId16"/>
-    <p:sldId id="297" r:id="rId17"/>
-    <p:sldId id="298" r:id="rId18"/>
-    <p:sldId id="263" r:id="rId19"/>
-    <p:sldId id="317" r:id="rId20"/>
-    <p:sldId id="300" r:id="rId21"/>
-    <p:sldId id="301" r:id="rId22"/>
-    <p:sldId id="303" r:id="rId23"/>
-    <p:sldId id="264" r:id="rId24"/>
-    <p:sldId id="302" r:id="rId25"/>
-    <p:sldId id="304" r:id="rId26"/>
-    <p:sldId id="305" r:id="rId27"/>
+    <p:sldId id="318" r:id="rId15"/>
+    <p:sldId id="261" r:id="rId16"/>
+    <p:sldId id="262" r:id="rId17"/>
+    <p:sldId id="297" r:id="rId18"/>
+    <p:sldId id="298" r:id="rId19"/>
+    <p:sldId id="263" r:id="rId20"/>
+    <p:sldId id="317" r:id="rId21"/>
+    <p:sldId id="300" r:id="rId22"/>
+    <p:sldId id="301" r:id="rId23"/>
+    <p:sldId id="303" r:id="rId24"/>
+    <p:sldId id="264" r:id="rId25"/>
+    <p:sldId id="302" r:id="rId26"/>
+    <p:sldId id="304" r:id="rId27"/>
+    <p:sldId id="305" r:id="rId28"/>
   </p:sldIdLst>
   <p:sldSz cx="9144000" cy="5143500" type="screen16x9"/>
   <p:notesSz cx="6858000" cy="9144000"/>
   <p:embeddedFontLst>
     <p:embeddedFont>
       <p:font typeface="IBM Plex Sans KR" panose="020B0604020202020204" charset="-127"/>
-      <p:regular r:id="rId29"/>
-      <p:bold r:id="rId30"/>
+      <p:regular r:id="rId30"/>
+      <p:bold r:id="rId31"/>
+    </p:embeddedFont>
+    <p:embeddedFont>
+      <p:font typeface="Anuphan" panose="020B0604020202020204" charset="-34"/>
+      <p:regular r:id="rId32"/>
+      <p:bold r:id="rId33"/>
+    </p:embeddedFont>
+    <p:embeddedFont>
+      <p:font typeface="Bebas Neue" panose="020B0604020202020204" charset="0"/>
+      <p:regular r:id="rId34"/>
     </p:embeddedFont>
     <p:embeddedFont>
       <p:font typeface="Raleway" panose="020B0604020202020204" charset="0"/>
-      <p:regular r:id="rId31"/>
-      <p:bold r:id="rId32"/>
-      <p:italic r:id="rId33"/>
-      <p:boldItalic r:id="rId34"/>
-    </p:embeddedFont>
-    <p:embeddedFont>
-      <p:font typeface="Anuphan" panose="020B0604020202020204" charset="-34"/>
       <p:regular r:id="rId35"/>
       <p:bold r:id="rId36"/>
-    </p:embeddedFont>
-    <p:embeddedFont>
-      <p:font typeface="Bebas Neue" panose="020B0604020202020204" charset="0"/>
-      <p:regular r:id="rId37"/>
+      <p:italic r:id="rId37"/>
+      <p:boldItalic r:id="rId38"/>
     </p:embeddedFont>
     <p:embeddedFont>
       <p:font typeface="Nunito Light" panose="020B0604020202020204" charset="0"/>
-      <p:regular r:id="rId38"/>
-      <p:italic r:id="rId39"/>
+      <p:regular r:id="rId39"/>
+      <p:italic r:id="rId40"/>
     </p:embeddedFont>
   </p:embeddedFontLst>
   <p:defaultTextStyle>
@@ -852,6 +853,115 @@
   <p:cSld>
     <p:spTree>
       <p:nvGrpSpPr>
+        <p:cNvPr id="1" name="Shape 338"/>
+        <p:cNvGrpSpPr/>
+        <p:nvPr/>
+      </p:nvGrpSpPr>
+      <p:grpSpPr>
+        <a:xfrm>
+          <a:off x="0" y="0"/>
+          <a:ext cx="0" cy="0"/>
+          <a:chOff x="0" y="0"/>
+          <a:chExt cx="0" cy="0"/>
+        </a:xfrm>
+      </p:grpSpPr>
+      <p:sp>
+        <p:nvSpPr>
+          <p:cNvPr id="339" name="Google Shape;339;g1125d80b419_0_200:notes"/>
+          <p:cNvSpPr>
+            <a:spLocks noGrp="1" noRot="1" noChangeAspect="1"/>
+          </p:cNvSpPr>
+          <p:nvPr>
+            <p:ph type="sldImg" idx="2"/>
+          </p:nvPr>
+        </p:nvSpPr>
+        <p:spPr>
+          <a:xfrm>
+            <a:off x="381000" y="685800"/>
+            <a:ext cx="6096000" cy="3429000"/>
+          </a:xfrm>
+          <a:custGeom>
+            <a:avLst/>
+            <a:gdLst/>
+            <a:ahLst/>
+            <a:cxnLst/>
+            <a:rect l="l" t="t" r="r" b="b"/>
+            <a:pathLst>
+              <a:path w="120000" h="120000" extrusionOk="0">
+                <a:moveTo>
+                  <a:pt x="0" y="0"/>
+                </a:moveTo>
+                <a:lnTo>
+                  <a:pt x="120000" y="0"/>
+                </a:lnTo>
+                <a:lnTo>
+                  <a:pt x="120000" y="120000"/>
+                </a:lnTo>
+                <a:lnTo>
+                  <a:pt x="0" y="120000"/>
+                </a:lnTo>
+                <a:close/>
+              </a:path>
+            </a:pathLst>
+          </a:custGeom>
+        </p:spPr>
+      </p:sp>
+      <p:sp>
+        <p:nvSpPr>
+          <p:cNvPr id="340" name="Google Shape;340;g1125d80b419_0_200:notes"/>
+          <p:cNvSpPr txBox="1">
+            <a:spLocks noGrp="1"/>
+          </p:cNvSpPr>
+          <p:nvPr>
+            <p:ph type="body" idx="1"/>
+          </p:nvPr>
+        </p:nvSpPr>
+        <p:spPr>
+          <a:xfrm>
+            <a:off x="685800" y="4343400"/>
+            <a:ext cx="5486400" cy="4114800"/>
+          </a:xfrm>
+          <a:prstGeom prst="rect">
+            <a:avLst/>
+          </a:prstGeom>
+        </p:spPr>
+        <p:txBody>
+          <a:bodyPr spcFirstLastPara="1" wrap="square" lIns="91425" tIns="91425" rIns="91425" bIns="91425" anchor="t" anchorCtr="0">
+            <a:noAutofit/>
+          </a:bodyPr>
+          <a:lstStyle/>
+          <a:p>
+            <a:pPr marL="0" lvl="0" indent="0" algn="l" rtl="0">
+              <a:spcBef>
+                <a:spcPts val="0"/>
+              </a:spcBef>
+              <a:spcAft>
+                <a:spcPts val="0"/>
+              </a:spcAft>
+              <a:buNone/>
+            </a:pPr>
+            <a:endParaRPr dirty="0"/>
+          </a:p>
+        </p:txBody>
+      </p:sp>
+    </p:spTree>
+    <p:extLst>
+      <p:ext uri="{BB962C8B-B14F-4D97-AF65-F5344CB8AC3E}">
+        <p14:creationId xmlns:p14="http://schemas.microsoft.com/office/powerpoint/2010/main" val="596373775"/>
+      </p:ext>
+    </p:extLst>
+  </p:cSld>
+  <p:clrMapOvr>
+    <a:masterClrMapping/>
+  </p:clrMapOvr>
+</p:notes>
+</file>
+
+<file path=ppt/notesSlides/notesSlide11.xml><?xml version="1.0" encoding="utf-8"?>
+<p:notes xmlns:a="http://schemas.openxmlformats.org/drawingml/2006/main" xmlns:r="http://schemas.openxmlformats.org/officeDocument/2006/relationships" xmlns:p="http://schemas.openxmlformats.org/presentationml/2006/main" showMasterSp="0" showMasterPhAnim="0">
+  <p:cSld>
+    <p:spTree>
+      <p:nvGrpSpPr>
         <p:cNvPr id="1" name="Shape 357"/>
         <p:cNvGrpSpPr/>
         <p:nvPr/>
@@ -956,7 +1066,7 @@
 </p:notes>
 </file>
 
-<file path=ppt/notesSlides/notesSlide11.xml><?xml version="1.0" encoding="utf-8"?>
+<file path=ppt/notesSlides/notesSlide12.xml><?xml version="1.0" encoding="utf-8"?>
 <p:notes xmlns:a="http://schemas.openxmlformats.org/drawingml/2006/main" xmlns:r="http://schemas.openxmlformats.org/officeDocument/2006/relationships" xmlns:p="http://schemas.openxmlformats.org/presentationml/2006/main" showMasterSp="0" showMasterPhAnim="0">
   <p:cSld>
     <p:spTree>
@@ -1056,115 +1166,6 @@
     <p:extLst>
       <p:ext uri="{BB962C8B-B14F-4D97-AF65-F5344CB8AC3E}">
         <p14:creationId xmlns:p14="http://schemas.microsoft.com/office/powerpoint/2010/main" val="1160380309"/>
-      </p:ext>
-    </p:extLst>
-  </p:cSld>
-  <p:clrMapOvr>
-    <a:masterClrMapping/>
-  </p:clrMapOvr>
-</p:notes>
-</file>
-
-<file path=ppt/notesSlides/notesSlide12.xml><?xml version="1.0" encoding="utf-8"?>
-<p:notes xmlns:a="http://schemas.openxmlformats.org/drawingml/2006/main" xmlns:r="http://schemas.openxmlformats.org/officeDocument/2006/relationships" xmlns:p="http://schemas.openxmlformats.org/presentationml/2006/main" showMasterSp="0" showMasterPhAnim="0">
-  <p:cSld>
-    <p:spTree>
-      <p:nvGrpSpPr>
-        <p:cNvPr id="1" name="Shape 357"/>
-        <p:cNvGrpSpPr/>
-        <p:nvPr/>
-      </p:nvGrpSpPr>
-      <p:grpSpPr>
-        <a:xfrm>
-          <a:off x="0" y="0"/>
-          <a:ext cx="0" cy="0"/>
-          <a:chOff x="0" y="0"/>
-          <a:chExt cx="0" cy="0"/>
-        </a:xfrm>
-      </p:grpSpPr>
-      <p:sp>
-        <p:nvSpPr>
-          <p:cNvPr id="358" name="Google Shape;358;g110860aa576_0_0:notes"/>
-          <p:cNvSpPr>
-            <a:spLocks noGrp="1" noRot="1" noChangeAspect="1"/>
-          </p:cNvSpPr>
-          <p:nvPr>
-            <p:ph type="sldImg" idx="2"/>
-          </p:nvPr>
-        </p:nvSpPr>
-        <p:spPr>
-          <a:xfrm>
-            <a:off x="381000" y="685800"/>
-            <a:ext cx="6096000" cy="3429000"/>
-          </a:xfrm>
-          <a:custGeom>
-            <a:avLst/>
-            <a:gdLst/>
-            <a:ahLst/>
-            <a:cxnLst/>
-            <a:rect l="l" t="t" r="r" b="b"/>
-            <a:pathLst>
-              <a:path w="120000" h="120000" extrusionOk="0">
-                <a:moveTo>
-                  <a:pt x="0" y="0"/>
-                </a:moveTo>
-                <a:lnTo>
-                  <a:pt x="120000" y="0"/>
-                </a:lnTo>
-                <a:lnTo>
-                  <a:pt x="120000" y="120000"/>
-                </a:lnTo>
-                <a:lnTo>
-                  <a:pt x="0" y="120000"/>
-                </a:lnTo>
-                <a:close/>
-              </a:path>
-            </a:pathLst>
-          </a:custGeom>
-        </p:spPr>
-      </p:sp>
-      <p:sp>
-        <p:nvSpPr>
-          <p:cNvPr id="359" name="Google Shape;359;g110860aa576_0_0:notes"/>
-          <p:cNvSpPr txBox="1">
-            <a:spLocks noGrp="1"/>
-          </p:cNvSpPr>
-          <p:nvPr>
-            <p:ph type="body" idx="1"/>
-          </p:nvPr>
-        </p:nvSpPr>
-        <p:spPr>
-          <a:xfrm>
-            <a:off x="685800" y="4343400"/>
-            <a:ext cx="5486400" cy="4114800"/>
-          </a:xfrm>
-          <a:prstGeom prst="rect">
-            <a:avLst/>
-          </a:prstGeom>
-        </p:spPr>
-        <p:txBody>
-          <a:bodyPr spcFirstLastPara="1" wrap="square" lIns="91425" tIns="91425" rIns="91425" bIns="91425" anchor="t" anchorCtr="0">
-            <a:noAutofit/>
-          </a:bodyPr>
-          <a:lstStyle/>
-          <a:p>
-            <a:pPr marL="0" lvl="0" indent="0" algn="l" rtl="0">
-              <a:spcBef>
-                <a:spcPts val="0"/>
-              </a:spcBef>
-              <a:spcAft>
-                <a:spcPts val="0"/>
-              </a:spcAft>
-              <a:buNone/>
-            </a:pPr>
-            <a:endParaRPr/>
-          </a:p>
-        </p:txBody>
-      </p:sp>
-    </p:spTree>
-    <p:extLst>
-      <p:ext uri="{BB962C8B-B14F-4D97-AF65-F5344CB8AC3E}">
-        <p14:creationId xmlns:p14="http://schemas.microsoft.com/office/powerpoint/2010/main" val="4004158681"/>
       </p:ext>
     </p:extLst>
   </p:cSld>
@@ -1273,7 +1274,7 @@
     </p:spTree>
     <p:extLst>
       <p:ext uri="{BB962C8B-B14F-4D97-AF65-F5344CB8AC3E}">
-        <p14:creationId xmlns:p14="http://schemas.microsoft.com/office/powerpoint/2010/main" val="2944015049"/>
+        <p14:creationId xmlns:p14="http://schemas.microsoft.com/office/powerpoint/2010/main" val="4004158681"/>
       </p:ext>
     </p:extLst>
   </p:cSld>
@@ -1288,7 +1289,7 @@
   <p:cSld>
     <p:spTree>
       <p:nvGrpSpPr>
-        <p:cNvPr id="1" name="Shape 412"/>
+        <p:cNvPr id="1" name="Shape 357"/>
         <p:cNvGrpSpPr/>
         <p:nvPr/>
       </p:nvGrpSpPr>
@@ -1302,7 +1303,7 @@
       </p:grpSpPr>
       <p:sp>
         <p:nvSpPr>
-          <p:cNvPr id="413" name="Google Shape;413;g1125d80b419_0_79:notes"/>
+          <p:cNvPr id="358" name="Google Shape;358;g110860aa576_0_0:notes"/>
           <p:cNvSpPr>
             <a:spLocks noGrp="1" noRot="1" noChangeAspect="1"/>
           </p:cNvSpPr>
@@ -1343,7 +1344,7 @@
       </p:sp>
       <p:sp>
         <p:nvSpPr>
-          <p:cNvPr id="414" name="Google Shape;414;g1125d80b419_0_79:notes"/>
+          <p:cNvPr id="359" name="Google Shape;359;g110860aa576_0_0:notes"/>
           <p:cNvSpPr txBox="1">
             <a:spLocks noGrp="1"/>
           </p:cNvSpPr>
@@ -1382,7 +1383,7 @@
     </p:spTree>
     <p:extLst>
       <p:ext uri="{BB962C8B-B14F-4D97-AF65-F5344CB8AC3E}">
-        <p14:creationId xmlns:p14="http://schemas.microsoft.com/office/powerpoint/2010/main" val="81465005"/>
+        <p14:creationId xmlns:p14="http://schemas.microsoft.com/office/powerpoint/2010/main" val="2944015049"/>
       </p:ext>
     </p:extLst>
   </p:cSld>
@@ -1491,6 +1492,115 @@
     </p:spTree>
     <p:extLst>
       <p:ext uri="{BB962C8B-B14F-4D97-AF65-F5344CB8AC3E}">
+        <p14:creationId xmlns:p14="http://schemas.microsoft.com/office/powerpoint/2010/main" val="81465005"/>
+      </p:ext>
+    </p:extLst>
+  </p:cSld>
+  <p:clrMapOvr>
+    <a:masterClrMapping/>
+  </p:clrMapOvr>
+</p:notes>
+</file>
+
+<file path=ppt/notesSlides/notesSlide16.xml><?xml version="1.0" encoding="utf-8"?>
+<p:notes xmlns:a="http://schemas.openxmlformats.org/drawingml/2006/main" xmlns:r="http://schemas.openxmlformats.org/officeDocument/2006/relationships" xmlns:p="http://schemas.openxmlformats.org/presentationml/2006/main" showMasterSp="0" showMasterPhAnim="0">
+  <p:cSld>
+    <p:spTree>
+      <p:nvGrpSpPr>
+        <p:cNvPr id="1" name="Shape 412"/>
+        <p:cNvGrpSpPr/>
+        <p:nvPr/>
+      </p:nvGrpSpPr>
+      <p:grpSpPr>
+        <a:xfrm>
+          <a:off x="0" y="0"/>
+          <a:ext cx="0" cy="0"/>
+          <a:chOff x="0" y="0"/>
+          <a:chExt cx="0" cy="0"/>
+        </a:xfrm>
+      </p:grpSpPr>
+      <p:sp>
+        <p:nvSpPr>
+          <p:cNvPr id="413" name="Google Shape;413;g1125d80b419_0_79:notes"/>
+          <p:cNvSpPr>
+            <a:spLocks noGrp="1" noRot="1" noChangeAspect="1"/>
+          </p:cNvSpPr>
+          <p:nvPr>
+            <p:ph type="sldImg" idx="2"/>
+          </p:nvPr>
+        </p:nvSpPr>
+        <p:spPr>
+          <a:xfrm>
+            <a:off x="381000" y="685800"/>
+            <a:ext cx="6096000" cy="3429000"/>
+          </a:xfrm>
+          <a:custGeom>
+            <a:avLst/>
+            <a:gdLst/>
+            <a:ahLst/>
+            <a:cxnLst/>
+            <a:rect l="l" t="t" r="r" b="b"/>
+            <a:pathLst>
+              <a:path w="120000" h="120000" extrusionOk="0">
+                <a:moveTo>
+                  <a:pt x="0" y="0"/>
+                </a:moveTo>
+                <a:lnTo>
+                  <a:pt x="120000" y="0"/>
+                </a:lnTo>
+                <a:lnTo>
+                  <a:pt x="120000" y="120000"/>
+                </a:lnTo>
+                <a:lnTo>
+                  <a:pt x="0" y="120000"/>
+                </a:lnTo>
+                <a:close/>
+              </a:path>
+            </a:pathLst>
+          </a:custGeom>
+        </p:spPr>
+      </p:sp>
+      <p:sp>
+        <p:nvSpPr>
+          <p:cNvPr id="414" name="Google Shape;414;g1125d80b419_0_79:notes"/>
+          <p:cNvSpPr txBox="1">
+            <a:spLocks noGrp="1"/>
+          </p:cNvSpPr>
+          <p:nvPr>
+            <p:ph type="body" idx="1"/>
+          </p:nvPr>
+        </p:nvSpPr>
+        <p:spPr>
+          <a:xfrm>
+            <a:off x="685800" y="4343400"/>
+            <a:ext cx="5486400" cy="4114800"/>
+          </a:xfrm>
+          <a:prstGeom prst="rect">
+            <a:avLst/>
+          </a:prstGeom>
+        </p:spPr>
+        <p:txBody>
+          <a:bodyPr spcFirstLastPara="1" wrap="square" lIns="91425" tIns="91425" rIns="91425" bIns="91425" anchor="t" anchorCtr="0">
+            <a:noAutofit/>
+          </a:bodyPr>
+          <a:lstStyle/>
+          <a:p>
+            <a:pPr marL="0" lvl="0" indent="0" algn="l" rtl="0">
+              <a:spcBef>
+                <a:spcPts val="0"/>
+              </a:spcBef>
+              <a:spcAft>
+                <a:spcPts val="0"/>
+              </a:spcAft>
+              <a:buNone/>
+            </a:pPr>
+            <a:endParaRPr/>
+          </a:p>
+        </p:txBody>
+      </p:sp>
+    </p:spTree>
+    <p:extLst>
+      <p:ext uri="{BB962C8B-B14F-4D97-AF65-F5344CB8AC3E}">
         <p14:creationId xmlns:p14="http://schemas.microsoft.com/office/powerpoint/2010/main" val="2141583407"/>
       </p:ext>
     </p:extLst>
@@ -1501,7 +1611,7 @@
 </p:notes>
 </file>
 
-<file path=ppt/notesSlides/notesSlide16.xml><?xml version="1.0" encoding="utf-8"?>
+<file path=ppt/notesSlides/notesSlide17.xml><?xml version="1.0" encoding="utf-8"?>
 <p:notes xmlns:a="http://schemas.openxmlformats.org/drawingml/2006/main" xmlns:r="http://schemas.openxmlformats.org/officeDocument/2006/relationships" xmlns:p="http://schemas.openxmlformats.org/presentationml/2006/main" showMasterSp="0" showMasterPhAnim="0">
   <p:cSld>
     <p:spTree>
@@ -1601,115 +1711,6 @@
     <p:extLst>
       <p:ext uri="{BB962C8B-B14F-4D97-AF65-F5344CB8AC3E}">
         <p14:creationId xmlns:p14="http://schemas.microsoft.com/office/powerpoint/2010/main" val="33053508"/>
-      </p:ext>
-    </p:extLst>
-  </p:cSld>
-  <p:clrMapOvr>
-    <a:masterClrMapping/>
-  </p:clrMapOvr>
-</p:notes>
-</file>
-
-<file path=ppt/notesSlides/notesSlide17.xml><?xml version="1.0" encoding="utf-8"?>
-<p:notes xmlns:a="http://schemas.openxmlformats.org/drawingml/2006/main" xmlns:r="http://schemas.openxmlformats.org/officeDocument/2006/relationships" xmlns:p="http://schemas.openxmlformats.org/presentationml/2006/main" showMasterSp="0" showMasterPhAnim="0">
-  <p:cSld>
-    <p:spTree>
-      <p:nvGrpSpPr>
-        <p:cNvPr id="1" name="Shape 338"/>
-        <p:cNvGrpSpPr/>
-        <p:nvPr/>
-      </p:nvGrpSpPr>
-      <p:grpSpPr>
-        <a:xfrm>
-          <a:off x="0" y="0"/>
-          <a:ext cx="0" cy="0"/>
-          <a:chOff x="0" y="0"/>
-          <a:chExt cx="0" cy="0"/>
-        </a:xfrm>
-      </p:grpSpPr>
-      <p:sp>
-        <p:nvSpPr>
-          <p:cNvPr id="339" name="Google Shape;339;g1125d80b419_0_200:notes"/>
-          <p:cNvSpPr>
-            <a:spLocks noGrp="1" noRot="1" noChangeAspect="1"/>
-          </p:cNvSpPr>
-          <p:nvPr>
-            <p:ph type="sldImg" idx="2"/>
-          </p:nvPr>
-        </p:nvSpPr>
-        <p:spPr>
-          <a:xfrm>
-            <a:off x="381000" y="685800"/>
-            <a:ext cx="6096000" cy="3429000"/>
-          </a:xfrm>
-          <a:custGeom>
-            <a:avLst/>
-            <a:gdLst/>
-            <a:ahLst/>
-            <a:cxnLst/>
-            <a:rect l="l" t="t" r="r" b="b"/>
-            <a:pathLst>
-              <a:path w="120000" h="120000" extrusionOk="0">
-                <a:moveTo>
-                  <a:pt x="0" y="0"/>
-                </a:moveTo>
-                <a:lnTo>
-                  <a:pt x="120000" y="0"/>
-                </a:lnTo>
-                <a:lnTo>
-                  <a:pt x="120000" y="120000"/>
-                </a:lnTo>
-                <a:lnTo>
-                  <a:pt x="0" y="120000"/>
-                </a:lnTo>
-                <a:close/>
-              </a:path>
-            </a:pathLst>
-          </a:custGeom>
-        </p:spPr>
-      </p:sp>
-      <p:sp>
-        <p:nvSpPr>
-          <p:cNvPr id="340" name="Google Shape;340;g1125d80b419_0_200:notes"/>
-          <p:cNvSpPr txBox="1">
-            <a:spLocks noGrp="1"/>
-          </p:cNvSpPr>
-          <p:nvPr>
-            <p:ph type="body" idx="1"/>
-          </p:nvPr>
-        </p:nvSpPr>
-        <p:spPr>
-          <a:xfrm>
-            <a:off x="685800" y="4343400"/>
-            <a:ext cx="5486400" cy="4114800"/>
-          </a:xfrm>
-          <a:prstGeom prst="rect">
-            <a:avLst/>
-          </a:prstGeom>
-        </p:spPr>
-        <p:txBody>
-          <a:bodyPr spcFirstLastPara="1" wrap="square" lIns="91425" tIns="91425" rIns="91425" bIns="91425" anchor="t" anchorCtr="0">
-            <a:noAutofit/>
-          </a:bodyPr>
-          <a:lstStyle/>
-          <a:p>
-            <a:pPr marL="0" lvl="0" indent="0" algn="l" rtl="0">
-              <a:spcBef>
-                <a:spcPts val="0"/>
-              </a:spcBef>
-              <a:spcAft>
-                <a:spcPts val="0"/>
-              </a:spcAft>
-              <a:buNone/>
-            </a:pPr>
-            <a:endParaRPr dirty="0"/>
-          </a:p>
-        </p:txBody>
-      </p:sp>
-    </p:spTree>
-    <p:extLst>
-      <p:ext uri="{BB962C8B-B14F-4D97-AF65-F5344CB8AC3E}">
-        <p14:creationId xmlns:p14="http://schemas.microsoft.com/office/powerpoint/2010/main" val="578537262"/>
       </p:ext>
     </p:extLst>
   </p:cSld>
@@ -1818,7 +1819,7 @@
     </p:spTree>
     <p:extLst>
       <p:ext uri="{BB962C8B-B14F-4D97-AF65-F5344CB8AC3E}">
-        <p14:creationId xmlns:p14="http://schemas.microsoft.com/office/powerpoint/2010/main" val="3165176965"/>
+        <p14:creationId xmlns:p14="http://schemas.microsoft.com/office/powerpoint/2010/main" val="578537262"/>
       </p:ext>
     </p:extLst>
   </p:cSld>
@@ -1833,7 +1834,7 @@
   <p:cSld>
     <p:spTree>
       <p:nvGrpSpPr>
-        <p:cNvPr id="1" name="Shape 425"/>
+        <p:cNvPr id="1" name="Shape 338"/>
         <p:cNvGrpSpPr/>
         <p:nvPr/>
       </p:nvGrpSpPr>
@@ -1847,7 +1848,7 @@
       </p:grpSpPr>
       <p:sp>
         <p:nvSpPr>
-          <p:cNvPr id="426" name="Google Shape;426;g1125d80b419_0_108:notes"/>
+          <p:cNvPr id="339" name="Google Shape;339;g1125d80b419_0_200:notes"/>
           <p:cNvSpPr>
             <a:spLocks noGrp="1" noRot="1" noChangeAspect="1"/>
           </p:cNvSpPr>
@@ -1888,7 +1889,7 @@
       </p:sp>
       <p:sp>
         <p:nvSpPr>
-          <p:cNvPr id="427" name="Google Shape;427;g1125d80b419_0_108:notes"/>
+          <p:cNvPr id="340" name="Google Shape;340;g1125d80b419_0_200:notes"/>
           <p:cNvSpPr txBox="1">
             <a:spLocks noGrp="1"/>
           </p:cNvSpPr>
@@ -1920,11 +1921,16 @@
               </a:spcAft>
               <a:buNone/>
             </a:pPr>
-            <a:endParaRPr/>
+            <a:endParaRPr dirty="0"/>
           </a:p>
         </p:txBody>
       </p:sp>
     </p:spTree>
+    <p:extLst>
+      <p:ext uri="{BB962C8B-B14F-4D97-AF65-F5344CB8AC3E}">
+        <p14:creationId xmlns:p14="http://schemas.microsoft.com/office/powerpoint/2010/main" val="3165176965"/>
+      </p:ext>
+    </p:extLst>
   </p:cSld>
   <p:clrMapOvr>
     <a:masterClrMapping/>
@@ -2041,6 +2047,110 @@
   <p:cSld>
     <p:spTree>
       <p:nvGrpSpPr>
+        <p:cNvPr id="1" name="Shape 425"/>
+        <p:cNvGrpSpPr/>
+        <p:nvPr/>
+      </p:nvGrpSpPr>
+      <p:grpSpPr>
+        <a:xfrm>
+          <a:off x="0" y="0"/>
+          <a:ext cx="0" cy="0"/>
+          <a:chOff x="0" y="0"/>
+          <a:chExt cx="0" cy="0"/>
+        </a:xfrm>
+      </p:grpSpPr>
+      <p:sp>
+        <p:nvSpPr>
+          <p:cNvPr id="426" name="Google Shape;426;g1125d80b419_0_108:notes"/>
+          <p:cNvSpPr>
+            <a:spLocks noGrp="1" noRot="1" noChangeAspect="1"/>
+          </p:cNvSpPr>
+          <p:nvPr>
+            <p:ph type="sldImg" idx="2"/>
+          </p:nvPr>
+        </p:nvSpPr>
+        <p:spPr>
+          <a:xfrm>
+            <a:off x="381000" y="685800"/>
+            <a:ext cx="6096000" cy="3429000"/>
+          </a:xfrm>
+          <a:custGeom>
+            <a:avLst/>
+            <a:gdLst/>
+            <a:ahLst/>
+            <a:cxnLst/>
+            <a:rect l="l" t="t" r="r" b="b"/>
+            <a:pathLst>
+              <a:path w="120000" h="120000" extrusionOk="0">
+                <a:moveTo>
+                  <a:pt x="0" y="0"/>
+                </a:moveTo>
+                <a:lnTo>
+                  <a:pt x="120000" y="0"/>
+                </a:lnTo>
+                <a:lnTo>
+                  <a:pt x="120000" y="120000"/>
+                </a:lnTo>
+                <a:lnTo>
+                  <a:pt x="0" y="120000"/>
+                </a:lnTo>
+                <a:close/>
+              </a:path>
+            </a:pathLst>
+          </a:custGeom>
+        </p:spPr>
+      </p:sp>
+      <p:sp>
+        <p:nvSpPr>
+          <p:cNvPr id="427" name="Google Shape;427;g1125d80b419_0_108:notes"/>
+          <p:cNvSpPr txBox="1">
+            <a:spLocks noGrp="1"/>
+          </p:cNvSpPr>
+          <p:nvPr>
+            <p:ph type="body" idx="1"/>
+          </p:nvPr>
+        </p:nvSpPr>
+        <p:spPr>
+          <a:xfrm>
+            <a:off x="685800" y="4343400"/>
+            <a:ext cx="5486400" cy="4114800"/>
+          </a:xfrm>
+          <a:prstGeom prst="rect">
+            <a:avLst/>
+          </a:prstGeom>
+        </p:spPr>
+        <p:txBody>
+          <a:bodyPr spcFirstLastPara="1" wrap="square" lIns="91425" tIns="91425" rIns="91425" bIns="91425" anchor="t" anchorCtr="0">
+            <a:noAutofit/>
+          </a:bodyPr>
+          <a:lstStyle/>
+          <a:p>
+            <a:pPr marL="0" lvl="0" indent="0" algn="l" rtl="0">
+              <a:spcBef>
+                <a:spcPts val="0"/>
+              </a:spcBef>
+              <a:spcAft>
+                <a:spcPts val="0"/>
+              </a:spcAft>
+              <a:buNone/>
+            </a:pPr>
+            <a:endParaRPr/>
+          </a:p>
+        </p:txBody>
+      </p:sp>
+    </p:spTree>
+  </p:cSld>
+  <p:clrMapOvr>
+    <a:masterClrMapping/>
+  </p:clrMapOvr>
+</p:notes>
+</file>
+
+<file path=ppt/notesSlides/notesSlide21.xml><?xml version="1.0" encoding="utf-8"?>
+<p:notes xmlns:a="http://schemas.openxmlformats.org/drawingml/2006/main" xmlns:r="http://schemas.openxmlformats.org/officeDocument/2006/relationships" xmlns:p="http://schemas.openxmlformats.org/presentationml/2006/main" showMasterSp="0" showMasterPhAnim="0">
+  <p:cSld>
+    <p:spTree>
+      <p:nvGrpSpPr>
         <p:cNvPr id="1" name="Shape 357"/>
         <p:cNvGrpSpPr/>
         <p:nvPr/>
@@ -2145,7 +2255,7 @@
 </p:notes>
 </file>
 
-<file path=ppt/notesSlides/notesSlide21.xml><?xml version="1.0" encoding="utf-8"?>
+<file path=ppt/notesSlides/notesSlide22.xml><?xml version="1.0" encoding="utf-8"?>
 <p:notes xmlns:a="http://schemas.openxmlformats.org/drawingml/2006/main" xmlns:r="http://schemas.openxmlformats.org/officeDocument/2006/relationships" xmlns:p="http://schemas.openxmlformats.org/presentationml/2006/main" showMasterSp="0" showMasterPhAnim="0">
   <p:cSld>
     <p:spTree>
@@ -2254,7 +2364,7 @@
 </p:notes>
 </file>
 
-<file path=ppt/notesSlides/notesSlide22.xml><?xml version="1.0" encoding="utf-8"?>
+<file path=ppt/notesSlides/notesSlide23.xml><?xml version="1.0" encoding="utf-8"?>
 <p:notes xmlns:a="http://schemas.openxmlformats.org/drawingml/2006/main" xmlns:r="http://schemas.openxmlformats.org/officeDocument/2006/relationships" xmlns:p="http://schemas.openxmlformats.org/presentationml/2006/main" showMasterSp="0" showMasterPhAnim="0">
   <p:cSld>
     <p:spTree>
@@ -22331,8 +22441,9 @@
             </a:pPr>
             <a:r>
               <a:rPr lang="fr-FR" sz="1600" dirty="0"/>
-              <a:t>Le design pattern Composite est un modèle de conception structurel qui permet de composer des objets en une structure arborescente pour représenter des hiérarchies tout en traitant les objets individuels et les composites de manière uniforme. </a:t>
-            </a:r>
+              <a:t>Composite est un modèle de conception structurelle qui vous permet de composer des objets dans des structures arborescentes, puis de travailler avec ces structures comme s'il s'agissait d'objets individuels.</a:t>
+            </a:r>
+            <a:endParaRPr lang="fr-FR" sz="1600" dirty="0"/>
           </a:p>
         </p:txBody>
       </p:sp>
@@ -23046,6 +23157,513 @@
   <p:cSld>
     <p:spTree>
       <p:nvGrpSpPr>
+        <p:cNvPr id="1" name="Shape 341"/>
+        <p:cNvGrpSpPr/>
+        <p:nvPr/>
+      </p:nvGrpSpPr>
+      <p:grpSpPr>
+        <a:xfrm>
+          <a:off x="0" y="0"/>
+          <a:ext cx="0" cy="0"/>
+          <a:chOff x="0" y="0"/>
+          <a:chExt cx="0" cy="0"/>
+        </a:xfrm>
+      </p:grpSpPr>
+      <p:grpSp>
+        <p:nvGrpSpPr>
+          <p:cNvPr id="349" name="Google Shape;349;p31"/>
+          <p:cNvGrpSpPr/>
+          <p:nvPr/>
+        </p:nvGrpSpPr>
+        <p:grpSpPr>
+          <a:xfrm rot="-10117237" flipH="1">
+            <a:off x="371487" y="4178745"/>
+            <a:ext cx="813271" cy="642730"/>
+            <a:chOff x="7800400" y="280725"/>
+            <a:chExt cx="1861508" cy="1471154"/>
+          </a:xfrm>
+        </p:grpSpPr>
+        <p:sp>
+          <p:nvSpPr>
+            <p:cNvPr id="350" name="Google Shape;350;p31"/>
+            <p:cNvSpPr/>
+            <p:nvPr/>
+          </p:nvSpPr>
+          <p:spPr>
+            <a:xfrm>
+              <a:off x="7800400" y="484927"/>
+              <a:ext cx="1458012" cy="1262825"/>
+            </a:xfrm>
+            <a:custGeom>
+              <a:avLst/>
+              <a:gdLst/>
+              <a:ahLst/>
+              <a:cxnLst/>
+              <a:rect l="l" t="t" r="r" b="b"/>
+              <a:pathLst>
+                <a:path w="46074" h="39906" fill="none" extrusionOk="0">
+                  <a:moveTo>
+                    <a:pt x="34562" y="1"/>
+                  </a:moveTo>
+                  <a:lnTo>
+                    <a:pt x="11513" y="1"/>
+                  </a:lnTo>
+                  <a:lnTo>
+                    <a:pt x="1" y="19954"/>
+                  </a:lnTo>
+                  <a:lnTo>
+                    <a:pt x="11513" y="39906"/>
+                  </a:lnTo>
+                  <a:lnTo>
+                    <a:pt x="34562" y="39906"/>
+                  </a:lnTo>
+                  <a:lnTo>
+                    <a:pt x="46074" y="19954"/>
+                  </a:lnTo>
+                  <a:close/>
+                </a:path>
+              </a:pathLst>
+            </a:custGeom>
+            <a:noFill/>
+            <a:ln w="13575" cap="flat" cmpd="sng">
+              <a:solidFill>
+                <a:schemeClr val="dk2"/>
+              </a:solidFill>
+              <a:prstDash val="solid"/>
+              <a:miter lim="2065"/>
+              <a:headEnd type="none" w="sm" len="sm"/>
+              <a:tailEnd type="none" w="sm" len="sm"/>
+            </a:ln>
+          </p:spPr>
+          <p:txBody>
+            <a:bodyPr spcFirstLastPara="1" wrap="square" lIns="91425" tIns="91425" rIns="91425" bIns="91425" anchor="ctr" anchorCtr="0">
+              <a:noAutofit/>
+            </a:bodyPr>
+            <a:lstStyle/>
+            <a:p>
+              <a:pPr marL="0" lvl="0" indent="0" algn="l" rtl="0">
+                <a:spcBef>
+                  <a:spcPts val="0"/>
+                </a:spcBef>
+                <a:spcAft>
+                  <a:spcPts val="0"/>
+                </a:spcAft>
+                <a:buNone/>
+              </a:pPr>
+              <a:endParaRPr dirty="0"/>
+            </a:p>
+          </p:txBody>
+        </p:sp>
+        <p:sp>
+          <p:nvSpPr>
+            <p:cNvPr id="351" name="Google Shape;351;p31"/>
+            <p:cNvSpPr/>
+            <p:nvPr/>
+          </p:nvSpPr>
+          <p:spPr>
+            <a:xfrm>
+              <a:off x="8203042" y="283225"/>
+              <a:ext cx="1458866" cy="1262825"/>
+            </a:xfrm>
+            <a:custGeom>
+              <a:avLst/>
+              <a:gdLst/>
+              <a:ahLst/>
+              <a:cxnLst/>
+              <a:rect l="l" t="t" r="r" b="b"/>
+              <a:pathLst>
+                <a:path w="46101" h="39906" fill="none" extrusionOk="0">
+                  <a:moveTo>
+                    <a:pt x="34589" y="0"/>
+                  </a:moveTo>
+                  <a:lnTo>
+                    <a:pt x="11540" y="0"/>
+                  </a:lnTo>
+                  <a:lnTo>
+                    <a:pt x="1" y="19952"/>
+                  </a:lnTo>
+                  <a:lnTo>
+                    <a:pt x="11540" y="39905"/>
+                  </a:lnTo>
+                  <a:lnTo>
+                    <a:pt x="34589" y="39905"/>
+                  </a:lnTo>
+                  <a:lnTo>
+                    <a:pt x="46101" y="19952"/>
+                  </a:lnTo>
+                  <a:close/>
+                </a:path>
+              </a:pathLst>
+            </a:custGeom>
+            <a:noFill/>
+            <a:ln w="13575" cap="flat" cmpd="sng">
+              <a:solidFill>
+                <a:schemeClr val="dk2"/>
+              </a:solidFill>
+              <a:prstDash val="solid"/>
+              <a:miter lim="2065"/>
+              <a:headEnd type="none" w="sm" len="sm"/>
+              <a:tailEnd type="none" w="sm" len="sm"/>
+            </a:ln>
+          </p:spPr>
+          <p:txBody>
+            <a:bodyPr spcFirstLastPara="1" wrap="square" lIns="91425" tIns="91425" rIns="91425" bIns="91425" anchor="ctr" anchorCtr="0">
+              <a:noAutofit/>
+            </a:bodyPr>
+            <a:lstStyle/>
+            <a:p>
+              <a:pPr marL="0" lvl="0" indent="0" algn="l" rtl="0">
+                <a:spcBef>
+                  <a:spcPts val="0"/>
+                </a:spcBef>
+                <a:spcAft>
+                  <a:spcPts val="0"/>
+                </a:spcAft>
+                <a:buNone/>
+              </a:pPr>
+              <a:endParaRPr dirty="0"/>
+            </a:p>
+          </p:txBody>
+        </p:sp>
+        <p:sp>
+          <p:nvSpPr>
+            <p:cNvPr id="352" name="Google Shape;352;p31"/>
+            <p:cNvSpPr/>
+            <p:nvPr/>
+          </p:nvSpPr>
+          <p:spPr>
+            <a:xfrm>
+              <a:off x="7800400" y="914563"/>
+              <a:ext cx="402683" cy="201832"/>
+            </a:xfrm>
+            <a:custGeom>
+              <a:avLst/>
+              <a:gdLst/>
+              <a:ahLst/>
+              <a:cxnLst/>
+              <a:rect l="l" t="t" r="r" b="b"/>
+              <a:pathLst>
+                <a:path w="12725" h="6378" fill="none" extrusionOk="0">
+                  <a:moveTo>
+                    <a:pt x="1" y="6377"/>
+                  </a:moveTo>
+                  <a:lnTo>
+                    <a:pt x="12725" y="1"/>
+                  </a:lnTo>
+                </a:path>
+              </a:pathLst>
+            </a:custGeom>
+            <a:noFill/>
+            <a:ln w="13575" cap="flat" cmpd="sng">
+              <a:solidFill>
+                <a:schemeClr val="dk2"/>
+              </a:solidFill>
+              <a:prstDash val="solid"/>
+              <a:miter lim="2065"/>
+              <a:headEnd type="none" w="sm" len="sm"/>
+              <a:tailEnd type="none" w="sm" len="sm"/>
+            </a:ln>
+          </p:spPr>
+          <p:txBody>
+            <a:bodyPr spcFirstLastPara="1" wrap="square" lIns="91425" tIns="91425" rIns="91425" bIns="91425" anchor="ctr" anchorCtr="0">
+              <a:noAutofit/>
+            </a:bodyPr>
+            <a:lstStyle/>
+            <a:p>
+              <a:pPr marL="0" lvl="0" indent="0" algn="l" rtl="0">
+                <a:spcBef>
+                  <a:spcPts val="0"/>
+                </a:spcBef>
+                <a:spcAft>
+                  <a:spcPts val="0"/>
+                </a:spcAft>
+                <a:buNone/>
+              </a:pPr>
+              <a:endParaRPr dirty="0"/>
+            </a:p>
+          </p:txBody>
+        </p:sp>
+        <p:sp>
+          <p:nvSpPr>
+            <p:cNvPr id="353" name="Google Shape;353;p31"/>
+            <p:cNvSpPr/>
+            <p:nvPr/>
+          </p:nvSpPr>
+          <p:spPr>
+            <a:xfrm>
+              <a:off x="8898172" y="283225"/>
+              <a:ext cx="403537" cy="200946"/>
+            </a:xfrm>
+            <a:custGeom>
+              <a:avLst/>
+              <a:gdLst/>
+              <a:ahLst/>
+              <a:cxnLst/>
+              <a:rect l="l" t="t" r="r" b="b"/>
+              <a:pathLst>
+                <a:path w="12752" h="6350" fill="none" extrusionOk="0">
+                  <a:moveTo>
+                    <a:pt x="1" y="6350"/>
+                  </a:moveTo>
+                  <a:lnTo>
+                    <a:pt x="12752" y="0"/>
+                  </a:lnTo>
+                </a:path>
+              </a:pathLst>
+            </a:custGeom>
+            <a:noFill/>
+            <a:ln w="13575" cap="flat" cmpd="sng">
+              <a:solidFill>
+                <a:schemeClr val="dk2"/>
+              </a:solidFill>
+              <a:prstDash val="solid"/>
+              <a:miter lim="2065"/>
+              <a:headEnd type="none" w="sm" len="sm"/>
+              <a:tailEnd type="none" w="sm" len="sm"/>
+            </a:ln>
+          </p:spPr>
+          <p:txBody>
+            <a:bodyPr spcFirstLastPara="1" wrap="square" lIns="91425" tIns="91425" rIns="91425" bIns="91425" anchor="ctr" anchorCtr="0">
+              <a:noAutofit/>
+            </a:bodyPr>
+            <a:lstStyle/>
+            <a:p>
+              <a:pPr marL="0" lvl="0" indent="0" algn="l" rtl="0">
+                <a:spcBef>
+                  <a:spcPts val="0"/>
+                </a:spcBef>
+                <a:spcAft>
+                  <a:spcPts val="0"/>
+                </a:spcAft>
+                <a:buNone/>
+              </a:pPr>
+              <a:endParaRPr dirty="0"/>
+            </a:p>
+          </p:txBody>
+        </p:sp>
+        <p:sp>
+          <p:nvSpPr>
+            <p:cNvPr id="354" name="Google Shape;354;p31"/>
+            <p:cNvSpPr/>
+            <p:nvPr/>
+          </p:nvSpPr>
+          <p:spPr>
+            <a:xfrm>
+              <a:off x="8161430" y="280725"/>
+              <a:ext cx="403537" cy="200977"/>
+            </a:xfrm>
+            <a:custGeom>
+              <a:avLst/>
+              <a:gdLst/>
+              <a:ahLst/>
+              <a:cxnLst/>
+              <a:rect l="l" t="t" r="r" b="b"/>
+              <a:pathLst>
+                <a:path w="12752" h="6351" fill="none" extrusionOk="0">
+                  <a:moveTo>
+                    <a:pt x="0" y="6350"/>
+                  </a:moveTo>
+                  <a:lnTo>
+                    <a:pt x="12752" y="1"/>
+                  </a:lnTo>
+                </a:path>
+              </a:pathLst>
+            </a:custGeom>
+            <a:noFill/>
+            <a:ln w="13575" cap="flat" cmpd="sng">
+              <a:solidFill>
+                <a:schemeClr val="dk2"/>
+              </a:solidFill>
+              <a:prstDash val="solid"/>
+              <a:miter lim="2065"/>
+              <a:headEnd type="none" w="sm" len="sm"/>
+              <a:tailEnd type="none" w="sm" len="sm"/>
+            </a:ln>
+          </p:spPr>
+          <p:txBody>
+            <a:bodyPr spcFirstLastPara="1" wrap="square" lIns="91425" tIns="91425" rIns="91425" bIns="91425" anchor="ctr" anchorCtr="0">
+              <a:noAutofit/>
+            </a:bodyPr>
+            <a:lstStyle/>
+            <a:p>
+              <a:pPr marL="0" lvl="0" indent="0" algn="l" rtl="0">
+                <a:spcBef>
+                  <a:spcPts val="0"/>
+                </a:spcBef>
+                <a:spcAft>
+                  <a:spcPts val="0"/>
+                </a:spcAft>
+                <a:buNone/>
+              </a:pPr>
+              <a:endParaRPr dirty="0"/>
+            </a:p>
+          </p:txBody>
+        </p:sp>
+        <p:sp>
+          <p:nvSpPr>
+            <p:cNvPr id="355" name="Google Shape;355;p31"/>
+            <p:cNvSpPr/>
+            <p:nvPr/>
+          </p:nvSpPr>
+          <p:spPr>
+            <a:xfrm>
+              <a:off x="8161430" y="1550047"/>
+              <a:ext cx="403537" cy="201832"/>
+            </a:xfrm>
+            <a:custGeom>
+              <a:avLst/>
+              <a:gdLst/>
+              <a:ahLst/>
+              <a:cxnLst/>
+              <a:rect l="l" t="t" r="r" b="b"/>
+              <a:pathLst>
+                <a:path w="12752" h="6378" fill="none" extrusionOk="0">
+                  <a:moveTo>
+                    <a:pt x="0" y="6377"/>
+                  </a:moveTo>
+                  <a:lnTo>
+                    <a:pt x="12752" y="0"/>
+                  </a:lnTo>
+                </a:path>
+              </a:pathLst>
+            </a:custGeom>
+            <a:noFill/>
+            <a:ln w="13575" cap="flat" cmpd="sng">
+              <a:solidFill>
+                <a:schemeClr val="dk2"/>
+              </a:solidFill>
+              <a:prstDash val="solid"/>
+              <a:miter lim="2065"/>
+              <a:headEnd type="none" w="sm" len="sm"/>
+              <a:tailEnd type="none" w="sm" len="sm"/>
+            </a:ln>
+          </p:spPr>
+          <p:txBody>
+            <a:bodyPr spcFirstLastPara="1" wrap="square" lIns="91425" tIns="91425" rIns="91425" bIns="91425" anchor="ctr" anchorCtr="0">
+              <a:noAutofit/>
+            </a:bodyPr>
+            <a:lstStyle/>
+            <a:p>
+              <a:pPr marL="0" lvl="0" indent="0" algn="l" rtl="0">
+                <a:spcBef>
+                  <a:spcPts val="0"/>
+                </a:spcBef>
+                <a:spcAft>
+                  <a:spcPts val="0"/>
+                </a:spcAft>
+                <a:buNone/>
+              </a:pPr>
+              <a:endParaRPr dirty="0"/>
+            </a:p>
+          </p:txBody>
+        </p:sp>
+        <p:sp>
+          <p:nvSpPr>
+            <p:cNvPr id="356" name="Google Shape;356;p31"/>
+            <p:cNvSpPr/>
+            <p:nvPr/>
+          </p:nvSpPr>
+          <p:spPr>
+            <a:xfrm>
+              <a:off x="8897317" y="1548401"/>
+              <a:ext cx="403569" cy="200977"/>
+            </a:xfrm>
+            <a:custGeom>
+              <a:avLst/>
+              <a:gdLst/>
+              <a:ahLst/>
+              <a:cxnLst/>
+              <a:rect l="l" t="t" r="r" b="b"/>
+              <a:pathLst>
+                <a:path w="12753" h="6351" fill="none" extrusionOk="0">
+                  <a:moveTo>
+                    <a:pt x="1" y="6351"/>
+                  </a:moveTo>
+                  <a:lnTo>
+                    <a:pt x="12752" y="1"/>
+                  </a:lnTo>
+                </a:path>
+              </a:pathLst>
+            </a:custGeom>
+            <a:noFill/>
+            <a:ln w="13575" cap="flat" cmpd="sng">
+              <a:solidFill>
+                <a:schemeClr val="dk2"/>
+              </a:solidFill>
+              <a:prstDash val="solid"/>
+              <a:miter lim="2065"/>
+              <a:headEnd type="none" w="sm" len="sm"/>
+              <a:tailEnd type="none" w="sm" len="sm"/>
+            </a:ln>
+          </p:spPr>
+          <p:txBody>
+            <a:bodyPr spcFirstLastPara="1" wrap="square" lIns="91425" tIns="91425" rIns="91425" bIns="91425" anchor="ctr" anchorCtr="0">
+              <a:noAutofit/>
+            </a:bodyPr>
+            <a:lstStyle/>
+            <a:p>
+              <a:pPr marL="0" lvl="0" indent="0" algn="l" rtl="0">
+                <a:spcBef>
+                  <a:spcPts val="0"/>
+                </a:spcBef>
+                <a:spcAft>
+                  <a:spcPts val="0"/>
+                </a:spcAft>
+                <a:buNone/>
+              </a:pPr>
+              <a:endParaRPr dirty="0"/>
+            </a:p>
+          </p:txBody>
+        </p:sp>
+      </p:grpSp>
+      <p:pic>
+        <p:nvPicPr>
+          <p:cNvPr id="5" name="Picture 4"/>
+          <p:cNvPicPr>
+            <a:picLocks noChangeAspect="1"/>
+          </p:cNvPicPr>
+          <p:nvPr/>
+        </p:nvPicPr>
+        <p:blipFill>
+          <a:blip r:embed="rId3">
+            <a:extLst>
+              <a:ext uri="{28A0092B-C50C-407E-A947-70E740481C1C}">
+                <a14:useLocalDpi xmlns:a14="http://schemas.microsoft.com/office/drawing/2010/main" val="0"/>
+              </a:ext>
+            </a:extLst>
+          </a:blip>
+          <a:stretch>
+            <a:fillRect/>
+          </a:stretch>
+        </p:blipFill>
+        <p:spPr>
+          <a:xfrm>
+            <a:off x="0" y="285750"/>
+            <a:ext cx="9144000" cy="4572000"/>
+          </a:xfrm>
+          <a:prstGeom prst="rect">
+            <a:avLst/>
+          </a:prstGeom>
+        </p:spPr>
+      </p:pic>
+    </p:spTree>
+    <p:extLst>
+      <p:ext uri="{BB962C8B-B14F-4D97-AF65-F5344CB8AC3E}">
+        <p14:creationId xmlns:p14="http://schemas.microsoft.com/office/powerpoint/2010/main" val="3627552734"/>
+      </p:ext>
+    </p:extLst>
+  </p:cSld>
+  <p:clrMapOvr>
+    <a:masterClrMapping/>
+  </p:clrMapOvr>
+</p:sld>
+</file>
+
+<file path=ppt/slides/slide15.xml><?xml version="1.0" encoding="utf-8"?>
+<p:sld xmlns:a="http://schemas.openxmlformats.org/drawingml/2006/main" xmlns:r="http://schemas.openxmlformats.org/officeDocument/2006/relationships" xmlns:p="http://schemas.openxmlformats.org/presentationml/2006/main">
+  <p:cSld>
+    <p:spTree>
+      <p:nvGrpSpPr>
         <p:cNvPr id="1" name="Shape 360"/>
         <p:cNvGrpSpPr/>
         <p:nvPr/>
@@ -23113,8 +23731,8 @@
         </p:nvSpPr>
         <p:spPr>
           <a:xfrm>
-            <a:off x="175641" y="2435647"/>
-            <a:ext cx="2701373" cy="1826413"/>
+            <a:off x="175641" y="1271239"/>
+            <a:ext cx="2701373" cy="2990821"/>
           </a:xfrm>
           <a:prstGeom prst="rect">
             <a:avLst/>
@@ -23128,10 +23746,10 @@
           <a:p>
             <a:pPr marL="0" lvl="0" indent="0"/>
             <a:r>
-              <a:rPr lang="fr-FR" sz="1400" dirty="0"/>
+              <a:rPr lang="fr-FR" sz="1600" dirty="0"/>
               <a:t>Les interfaces utilisateur, les structures de dossiers, les documents et d'autres types de graphes hiérarchiques peuvent être représentés avec des arbres et des graphes hiérarchiques. </a:t>
             </a:r>
-            <a:endParaRPr dirty="0"/>
+            <a:endParaRPr sz="1400" dirty="0"/>
           </a:p>
         </p:txBody>
       </p:sp>
@@ -23147,8 +23765,8 @@
         </p:nvSpPr>
         <p:spPr>
           <a:xfrm>
-            <a:off x="3352800" y="2455760"/>
-            <a:ext cx="2676293" cy="1786275"/>
+            <a:off x="3352800" y="1271240"/>
+            <a:ext cx="2676293" cy="2970796"/>
           </a:xfrm>
           <a:prstGeom prst="rect">
             <a:avLst/>
@@ -23162,8 +23780,12 @@
           <a:p>
             <a:pPr marL="0" lvl="0" indent="0"/>
             <a:r>
+              <a:rPr lang="fr-FR" sz="1600" dirty="0"/>
+              <a:t>manipulation uniforme d'ensembles d'objets polymorphes, qu'ils soient des objets individuels ou des composites</a:t>
+            </a:r>
+            <a:r>
               <a:rPr lang="fr-FR" sz="1400" dirty="0"/>
-              <a:t>manipulation uniforme d'ensembles d'objets polymorphes, qu'ils soient des objets individuels ou des composites.</a:t>
+              <a:t>.</a:t>
             </a:r>
             <a:endParaRPr sz="1400" dirty="0"/>
           </a:p>
@@ -23179,8 +23801,8 @@
         </p:nvSpPr>
         <p:spPr>
           <a:xfrm>
-            <a:off x="6413881" y="2435647"/>
-            <a:ext cx="2581436" cy="1826413"/>
+            <a:off x="6413881" y="1271239"/>
+            <a:ext cx="2581436" cy="2990822"/>
           </a:xfrm>
           <a:prstGeom prst="rect">
             <a:avLst/>
@@ -23446,297 +24068,10 @@
           <a:p>
             <a:pPr marL="0" indent="0"/>
             <a:r>
-              <a:rPr lang="fr-FR" sz="1400" dirty="0"/>
-              <a:t>Récursivité dans la conception de logiciels pour traiter des structures imbriquées</a:t>
-            </a:r>
-            <a:endParaRPr lang="en-US" sz="1400" dirty="0"/>
-          </a:p>
-        </p:txBody>
-      </p:sp>
-      <p:sp>
-        <p:nvSpPr>
-          <p:cNvPr id="18" name="Google Shape;362;p32"/>
-          <p:cNvSpPr txBox="1">
-            <a:spLocks/>
-          </p:cNvSpPr>
-          <p:nvPr/>
-        </p:nvSpPr>
-        <p:spPr>
-          <a:xfrm>
-            <a:off x="591015" y="1039937"/>
-            <a:ext cx="7961970" cy="840901"/>
-          </a:xfrm>
-          <a:prstGeom prst="rect">
-            <a:avLst/>
-          </a:prstGeom>
-          <a:solidFill>
-            <a:schemeClr val="lt2"/>
-          </a:solidFill>
-          <a:ln>
-            <a:noFill/>
-          </a:ln>
-        </p:spPr>
-        <p:txBody>
-          <a:bodyPr spcFirstLastPara="1" wrap="square" lIns="91425" tIns="91425" rIns="91425" bIns="91425" anchor="ctr" anchorCtr="0">
-            <a:noAutofit/>
-          </a:bodyPr>
-          <a:lstStyle>
-            <a:defPPr marR="0" lvl="0" algn="l" rtl="0">
-              <a:lnSpc>
-                <a:spcPct val="100000"/>
-              </a:lnSpc>
-              <a:spcBef>
-                <a:spcPts val="0"/>
-              </a:spcBef>
-              <a:spcAft>
-                <a:spcPts val="0"/>
-              </a:spcAft>
-            </a:defPPr>
-            <a:lvl1pPr marL="457200" marR="0" lvl="0" indent="-304800" algn="ctr" rtl="0">
-              <a:lnSpc>
-                <a:spcPct val="100000"/>
-              </a:lnSpc>
-              <a:spcBef>
-                <a:spcPts val="0"/>
-              </a:spcBef>
-              <a:spcAft>
-                <a:spcPts val="0"/>
-              </a:spcAft>
-              <a:buClr>
-                <a:schemeClr val="dk1"/>
-              </a:buClr>
-              <a:buSzPts val="1200"/>
-              <a:buFont typeface="Anuphan"/>
-              <a:buNone/>
-              <a:defRPr sz="1200" b="0" i="0" u="none" strike="noStrike" cap="none">
-                <a:solidFill>
-                  <a:schemeClr val="dk1"/>
-                </a:solidFill>
-                <a:latin typeface="Anuphan"/>
-                <a:ea typeface="Anuphan"/>
-                <a:cs typeface="Anuphan"/>
-                <a:sym typeface="Anuphan"/>
-              </a:defRPr>
-            </a:lvl1pPr>
-            <a:lvl2pPr marL="914400" marR="0" lvl="1" indent="-304800" algn="ctr" rtl="0">
-              <a:lnSpc>
-                <a:spcPct val="100000"/>
-              </a:lnSpc>
-              <a:spcBef>
-                <a:spcPts val="0"/>
-              </a:spcBef>
-              <a:spcAft>
-                <a:spcPts val="0"/>
-              </a:spcAft>
-              <a:buClr>
-                <a:schemeClr val="dk1"/>
-              </a:buClr>
-              <a:buSzPts val="1200"/>
-              <a:buFont typeface="Anuphan"/>
-              <a:buNone/>
-              <a:defRPr sz="1200" b="0" i="0" u="none" strike="noStrike" cap="none">
-                <a:solidFill>
-                  <a:schemeClr val="dk1"/>
-                </a:solidFill>
-                <a:latin typeface="Anuphan"/>
-                <a:ea typeface="Anuphan"/>
-                <a:cs typeface="Anuphan"/>
-                <a:sym typeface="Anuphan"/>
-              </a:defRPr>
-            </a:lvl2pPr>
-            <a:lvl3pPr marL="1371600" marR="0" lvl="2" indent="-304800" algn="ctr" rtl="0">
-              <a:lnSpc>
-                <a:spcPct val="100000"/>
-              </a:lnSpc>
-              <a:spcBef>
-                <a:spcPts val="0"/>
-              </a:spcBef>
-              <a:spcAft>
-                <a:spcPts val="0"/>
-              </a:spcAft>
-              <a:buClr>
-                <a:schemeClr val="dk1"/>
-              </a:buClr>
-              <a:buSzPts val="1200"/>
-              <a:buFont typeface="Anuphan"/>
-              <a:buNone/>
-              <a:defRPr sz="1200" b="0" i="0" u="none" strike="noStrike" cap="none">
-                <a:solidFill>
-                  <a:schemeClr val="dk1"/>
-                </a:solidFill>
-                <a:latin typeface="Anuphan"/>
-                <a:ea typeface="Anuphan"/>
-                <a:cs typeface="Anuphan"/>
-                <a:sym typeface="Anuphan"/>
-              </a:defRPr>
-            </a:lvl3pPr>
-            <a:lvl4pPr marL="1828800" marR="0" lvl="3" indent="-304800" algn="ctr" rtl="0">
-              <a:lnSpc>
-                <a:spcPct val="100000"/>
-              </a:lnSpc>
-              <a:spcBef>
-                <a:spcPts val="0"/>
-              </a:spcBef>
-              <a:spcAft>
-                <a:spcPts val="0"/>
-              </a:spcAft>
-              <a:buClr>
-                <a:schemeClr val="dk1"/>
-              </a:buClr>
-              <a:buSzPts val="1200"/>
-              <a:buFont typeface="Anuphan"/>
-              <a:buNone/>
-              <a:defRPr sz="1200" b="0" i="0" u="none" strike="noStrike" cap="none">
-                <a:solidFill>
-                  <a:schemeClr val="dk1"/>
-                </a:solidFill>
-                <a:latin typeface="Anuphan"/>
-                <a:ea typeface="Anuphan"/>
-                <a:cs typeface="Anuphan"/>
-                <a:sym typeface="Anuphan"/>
-              </a:defRPr>
-            </a:lvl4pPr>
-            <a:lvl5pPr marL="2286000" marR="0" lvl="4" indent="-304800" algn="ctr" rtl="0">
-              <a:lnSpc>
-                <a:spcPct val="100000"/>
-              </a:lnSpc>
-              <a:spcBef>
-                <a:spcPts val="0"/>
-              </a:spcBef>
-              <a:spcAft>
-                <a:spcPts val="0"/>
-              </a:spcAft>
-              <a:buClr>
-                <a:schemeClr val="dk1"/>
-              </a:buClr>
-              <a:buSzPts val="1200"/>
-              <a:buFont typeface="Anuphan"/>
-              <a:buNone/>
-              <a:defRPr sz="1200" b="0" i="0" u="none" strike="noStrike" cap="none">
-                <a:solidFill>
-                  <a:schemeClr val="dk1"/>
-                </a:solidFill>
-                <a:latin typeface="Anuphan"/>
-                <a:ea typeface="Anuphan"/>
-                <a:cs typeface="Anuphan"/>
-                <a:sym typeface="Anuphan"/>
-              </a:defRPr>
-            </a:lvl5pPr>
-            <a:lvl6pPr marL="2743200" marR="0" lvl="5" indent="-304800" algn="ctr" rtl="0">
-              <a:lnSpc>
-                <a:spcPct val="100000"/>
-              </a:lnSpc>
-              <a:spcBef>
-                <a:spcPts val="0"/>
-              </a:spcBef>
-              <a:spcAft>
-                <a:spcPts val="0"/>
-              </a:spcAft>
-              <a:buClr>
-                <a:schemeClr val="dk1"/>
-              </a:buClr>
-              <a:buSzPts val="1200"/>
-              <a:buFont typeface="Anuphan"/>
-              <a:buNone/>
-              <a:defRPr sz="1200" b="0" i="0" u="none" strike="noStrike" cap="none">
-                <a:solidFill>
-                  <a:schemeClr val="dk1"/>
-                </a:solidFill>
-                <a:latin typeface="Anuphan"/>
-                <a:ea typeface="Anuphan"/>
-                <a:cs typeface="Anuphan"/>
-                <a:sym typeface="Anuphan"/>
-              </a:defRPr>
-            </a:lvl6pPr>
-            <a:lvl7pPr marL="3200400" marR="0" lvl="6" indent="-304800" algn="ctr" rtl="0">
-              <a:lnSpc>
-                <a:spcPct val="100000"/>
-              </a:lnSpc>
-              <a:spcBef>
-                <a:spcPts val="0"/>
-              </a:spcBef>
-              <a:spcAft>
-                <a:spcPts val="0"/>
-              </a:spcAft>
-              <a:buClr>
-                <a:schemeClr val="dk1"/>
-              </a:buClr>
-              <a:buSzPts val="1200"/>
-              <a:buFont typeface="Anuphan"/>
-              <a:buNone/>
-              <a:defRPr sz="1200" b="0" i="0" u="none" strike="noStrike" cap="none">
-                <a:solidFill>
-                  <a:schemeClr val="dk1"/>
-                </a:solidFill>
-                <a:latin typeface="Anuphan"/>
-                <a:ea typeface="Anuphan"/>
-                <a:cs typeface="Anuphan"/>
-                <a:sym typeface="Anuphan"/>
-              </a:defRPr>
-            </a:lvl7pPr>
-            <a:lvl8pPr marL="3657600" marR="0" lvl="7" indent="-304800" algn="ctr" rtl="0">
-              <a:lnSpc>
-                <a:spcPct val="100000"/>
-              </a:lnSpc>
-              <a:spcBef>
-                <a:spcPts val="0"/>
-              </a:spcBef>
-              <a:spcAft>
-                <a:spcPts val="0"/>
-              </a:spcAft>
-              <a:buClr>
-                <a:schemeClr val="dk1"/>
-              </a:buClr>
-              <a:buSzPts val="1200"/>
-              <a:buFont typeface="Anuphan"/>
-              <a:buNone/>
-              <a:defRPr sz="1200" b="0" i="0" u="none" strike="noStrike" cap="none">
-                <a:solidFill>
-                  <a:schemeClr val="dk1"/>
-                </a:solidFill>
-                <a:latin typeface="Anuphan"/>
-                <a:ea typeface="Anuphan"/>
-                <a:cs typeface="Anuphan"/>
-                <a:sym typeface="Anuphan"/>
-              </a:defRPr>
-            </a:lvl8pPr>
-            <a:lvl9pPr marL="4114800" marR="0" lvl="8" indent="-304800" algn="ctr" rtl="0">
-              <a:lnSpc>
-                <a:spcPct val="100000"/>
-              </a:lnSpc>
-              <a:spcBef>
-                <a:spcPts val="0"/>
-              </a:spcBef>
-              <a:spcAft>
-                <a:spcPts val="0"/>
-              </a:spcAft>
-              <a:buClr>
-                <a:schemeClr val="dk1"/>
-              </a:buClr>
-              <a:buSzPts val="1200"/>
-              <a:buFont typeface="Anuphan"/>
-              <a:buNone/>
-              <a:defRPr sz="1200" b="0" i="0" u="none" strike="noStrike" cap="none">
-                <a:solidFill>
-                  <a:schemeClr val="dk1"/>
-                </a:solidFill>
-                <a:latin typeface="Anuphan"/>
-                <a:ea typeface="Anuphan"/>
-                <a:cs typeface="Anuphan"/>
-                <a:sym typeface="Anuphan"/>
-              </a:defRPr>
-            </a:lvl9pPr>
-          </a:lstStyle>
-          <a:p>
-            <a:pPr marL="0" indent="0"/>
-            <a:r>
-              <a:rPr lang="en-US" sz="1400" dirty="0"/>
-              <a:t>Le design pattern Composite </a:t>
-            </a:r>
-            <a:r>
-              <a:rPr lang="fr-FR" sz="1400" dirty="0"/>
-              <a:t>est principalement utilisé dans les structures hiérarchiques avec des objets individuels et des composites. Il est pertinent dans les cas suivants :</a:t>
-            </a:r>
+              <a:rPr lang="fr-FR" sz="1600" dirty="0"/>
+              <a:t>Récursivité dans le développement de logiciels pour traiter des structures complexes</a:t>
+            </a:r>
+            <a:endParaRPr lang="en-US" sz="1600" dirty="0"/>
           </a:p>
         </p:txBody>
       </p:sp>
@@ -23753,7 +24088,7 @@
 </p:sld>
 </file>
 
-<file path=ppt/slides/slide15.xml><?xml version="1.0" encoding="utf-8"?>
+<file path=ppt/slides/slide16.xml><?xml version="1.0" encoding="utf-8"?>
 <p:sld xmlns:a="http://schemas.openxmlformats.org/drawingml/2006/main" xmlns:r="http://schemas.openxmlformats.org/officeDocument/2006/relationships" xmlns:p="http://schemas.openxmlformats.org/presentationml/2006/main">
   <p:cSld>
     <p:spTree>
@@ -23843,8 +24178,12 @@
           <a:p>
             <a:pPr marL="0" lvl="0" indent="0"/>
             <a:r>
+              <a:rPr lang="fr-FR" sz="1400" dirty="0" smtClean="0"/>
+              <a:t>définissant </a:t>
+            </a:r>
+            <a:r>
               <a:rPr lang="fr-FR" sz="1400" dirty="0"/>
-              <a:t>Le design pattern Composite repose sur le Composant, définissant une interface commune pour tous les éléments de la structure, qu'ils soient des Feuilles ou des Composites.</a:t>
+              <a:t>une interface commune pour tous les éléments de la structure, qu'ils soient des Feuilles ou des Composites.</a:t>
             </a:r>
             <a:endParaRPr sz="1400" dirty="0"/>
           </a:p>
@@ -25961,362 +26300,6 @@
 </p:sld>
 </file>
 
-<file path=ppt/slides/slide16.xml><?xml version="1.0" encoding="utf-8"?>
-<p:sld xmlns:a="http://schemas.openxmlformats.org/drawingml/2006/main" xmlns:r="http://schemas.openxmlformats.org/officeDocument/2006/relationships" xmlns:p="http://schemas.openxmlformats.org/presentationml/2006/main">
-  <p:cSld>
-    <p:spTree>
-      <p:nvGrpSpPr>
-        <p:cNvPr id="1" name="Shape 360"/>
-        <p:cNvGrpSpPr/>
-        <p:nvPr/>
-      </p:nvGrpSpPr>
-      <p:grpSpPr>
-        <a:xfrm>
-          <a:off x="0" y="0"/>
-          <a:ext cx="0" cy="0"/>
-          <a:chOff x="0" y="0"/>
-          <a:chExt cx="0" cy="0"/>
-        </a:xfrm>
-      </p:grpSpPr>
-      <p:sp>
-        <p:nvSpPr>
-          <p:cNvPr id="361" name="Google Shape;361;p32"/>
-          <p:cNvSpPr txBox="1">
-            <a:spLocks noGrp="1"/>
-          </p:cNvSpPr>
-          <p:nvPr>
-            <p:ph type="title"/>
-          </p:nvPr>
-        </p:nvSpPr>
-        <p:spPr>
-          <a:xfrm>
-            <a:off x="591015" y="489633"/>
-            <a:ext cx="7704000" cy="572700"/>
-          </a:xfrm>
-          <a:prstGeom prst="rect">
-            <a:avLst/>
-          </a:prstGeom>
-          <a:effectLst>
-            <a:outerShdw dist="171450" dir="19080000" algn="bl" rotWithShape="0">
-              <a:schemeClr val="dk2"/>
-            </a:outerShdw>
-          </a:effectLst>
-        </p:spPr>
-        <p:txBody>
-          <a:bodyPr spcFirstLastPara="1" wrap="square" lIns="91425" tIns="91425" rIns="91425" bIns="91425" anchor="t" anchorCtr="0">
-            <a:noAutofit/>
-          </a:bodyPr>
-          <a:lstStyle/>
-          <a:p>
-            <a:pPr lvl="0"/>
-            <a:r>
-              <a:rPr lang="en-US" b="0" dirty="0" err="1"/>
-              <a:t>Exemple</a:t>
-            </a:r>
-            <a:r>
-              <a:rPr lang="en-US" b="0" dirty="0"/>
-              <a:t> d'utilisation</a:t>
-            </a:r>
-            <a:endParaRPr dirty="0"/>
-          </a:p>
-        </p:txBody>
-      </p:sp>
-      <p:sp>
-        <p:nvSpPr>
-          <p:cNvPr id="18" name="Google Shape;362;p32"/>
-          <p:cNvSpPr txBox="1">
-            <a:spLocks/>
-          </p:cNvSpPr>
-          <p:nvPr/>
-        </p:nvSpPr>
-        <p:spPr>
-          <a:xfrm>
-            <a:off x="462030" y="1353016"/>
-            <a:ext cx="7961970" cy="2326886"/>
-          </a:xfrm>
-          <a:prstGeom prst="rect">
-            <a:avLst/>
-          </a:prstGeom>
-          <a:solidFill>
-            <a:schemeClr val="lt2"/>
-          </a:solidFill>
-          <a:ln>
-            <a:noFill/>
-          </a:ln>
-        </p:spPr>
-        <p:txBody>
-          <a:bodyPr spcFirstLastPara="1" wrap="square" lIns="91425" tIns="91425" rIns="91425" bIns="91425" anchor="ctr" anchorCtr="0">
-            <a:noAutofit/>
-          </a:bodyPr>
-          <a:lstStyle>
-            <a:defPPr marR="0" lvl="0" algn="l" rtl="0">
-              <a:lnSpc>
-                <a:spcPct val="100000"/>
-              </a:lnSpc>
-              <a:spcBef>
-                <a:spcPts val="0"/>
-              </a:spcBef>
-              <a:spcAft>
-                <a:spcPts val="0"/>
-              </a:spcAft>
-            </a:defPPr>
-            <a:lvl1pPr marL="457200" marR="0" lvl="0" indent="-304800" algn="ctr" rtl="0">
-              <a:lnSpc>
-                <a:spcPct val="100000"/>
-              </a:lnSpc>
-              <a:spcBef>
-                <a:spcPts val="0"/>
-              </a:spcBef>
-              <a:spcAft>
-                <a:spcPts val="0"/>
-              </a:spcAft>
-              <a:buClr>
-                <a:schemeClr val="dk1"/>
-              </a:buClr>
-              <a:buSzPts val="1200"/>
-              <a:buFont typeface="Anuphan"/>
-              <a:buNone/>
-              <a:defRPr sz="1200" b="0" i="0" u="none" strike="noStrike" cap="none">
-                <a:solidFill>
-                  <a:schemeClr val="dk1"/>
-                </a:solidFill>
-                <a:latin typeface="Anuphan"/>
-                <a:ea typeface="Anuphan"/>
-                <a:cs typeface="Anuphan"/>
-                <a:sym typeface="Anuphan"/>
-              </a:defRPr>
-            </a:lvl1pPr>
-            <a:lvl2pPr marL="914400" marR="0" lvl="1" indent="-304800" algn="ctr" rtl="0">
-              <a:lnSpc>
-                <a:spcPct val="100000"/>
-              </a:lnSpc>
-              <a:spcBef>
-                <a:spcPts val="0"/>
-              </a:spcBef>
-              <a:spcAft>
-                <a:spcPts val="0"/>
-              </a:spcAft>
-              <a:buClr>
-                <a:schemeClr val="dk1"/>
-              </a:buClr>
-              <a:buSzPts val="1200"/>
-              <a:buFont typeface="Anuphan"/>
-              <a:buNone/>
-              <a:defRPr sz="1200" b="0" i="0" u="none" strike="noStrike" cap="none">
-                <a:solidFill>
-                  <a:schemeClr val="dk1"/>
-                </a:solidFill>
-                <a:latin typeface="Anuphan"/>
-                <a:ea typeface="Anuphan"/>
-                <a:cs typeface="Anuphan"/>
-                <a:sym typeface="Anuphan"/>
-              </a:defRPr>
-            </a:lvl2pPr>
-            <a:lvl3pPr marL="1371600" marR="0" lvl="2" indent="-304800" algn="ctr" rtl="0">
-              <a:lnSpc>
-                <a:spcPct val="100000"/>
-              </a:lnSpc>
-              <a:spcBef>
-                <a:spcPts val="0"/>
-              </a:spcBef>
-              <a:spcAft>
-                <a:spcPts val="0"/>
-              </a:spcAft>
-              <a:buClr>
-                <a:schemeClr val="dk1"/>
-              </a:buClr>
-              <a:buSzPts val="1200"/>
-              <a:buFont typeface="Anuphan"/>
-              <a:buNone/>
-              <a:defRPr sz="1200" b="0" i="0" u="none" strike="noStrike" cap="none">
-                <a:solidFill>
-                  <a:schemeClr val="dk1"/>
-                </a:solidFill>
-                <a:latin typeface="Anuphan"/>
-                <a:ea typeface="Anuphan"/>
-                <a:cs typeface="Anuphan"/>
-                <a:sym typeface="Anuphan"/>
-              </a:defRPr>
-            </a:lvl3pPr>
-            <a:lvl4pPr marL="1828800" marR="0" lvl="3" indent="-304800" algn="ctr" rtl="0">
-              <a:lnSpc>
-                <a:spcPct val="100000"/>
-              </a:lnSpc>
-              <a:spcBef>
-                <a:spcPts val="0"/>
-              </a:spcBef>
-              <a:spcAft>
-                <a:spcPts val="0"/>
-              </a:spcAft>
-              <a:buClr>
-                <a:schemeClr val="dk1"/>
-              </a:buClr>
-              <a:buSzPts val="1200"/>
-              <a:buFont typeface="Anuphan"/>
-              <a:buNone/>
-              <a:defRPr sz="1200" b="0" i="0" u="none" strike="noStrike" cap="none">
-                <a:solidFill>
-                  <a:schemeClr val="dk1"/>
-                </a:solidFill>
-                <a:latin typeface="Anuphan"/>
-                <a:ea typeface="Anuphan"/>
-                <a:cs typeface="Anuphan"/>
-                <a:sym typeface="Anuphan"/>
-              </a:defRPr>
-            </a:lvl4pPr>
-            <a:lvl5pPr marL="2286000" marR="0" lvl="4" indent="-304800" algn="ctr" rtl="0">
-              <a:lnSpc>
-                <a:spcPct val="100000"/>
-              </a:lnSpc>
-              <a:spcBef>
-                <a:spcPts val="0"/>
-              </a:spcBef>
-              <a:spcAft>
-                <a:spcPts val="0"/>
-              </a:spcAft>
-              <a:buClr>
-                <a:schemeClr val="dk1"/>
-              </a:buClr>
-              <a:buSzPts val="1200"/>
-              <a:buFont typeface="Anuphan"/>
-              <a:buNone/>
-              <a:defRPr sz="1200" b="0" i="0" u="none" strike="noStrike" cap="none">
-                <a:solidFill>
-                  <a:schemeClr val="dk1"/>
-                </a:solidFill>
-                <a:latin typeface="Anuphan"/>
-                <a:ea typeface="Anuphan"/>
-                <a:cs typeface="Anuphan"/>
-                <a:sym typeface="Anuphan"/>
-              </a:defRPr>
-            </a:lvl5pPr>
-            <a:lvl6pPr marL="2743200" marR="0" lvl="5" indent="-304800" algn="ctr" rtl="0">
-              <a:lnSpc>
-                <a:spcPct val="100000"/>
-              </a:lnSpc>
-              <a:spcBef>
-                <a:spcPts val="0"/>
-              </a:spcBef>
-              <a:spcAft>
-                <a:spcPts val="0"/>
-              </a:spcAft>
-              <a:buClr>
-                <a:schemeClr val="dk1"/>
-              </a:buClr>
-              <a:buSzPts val="1200"/>
-              <a:buFont typeface="Anuphan"/>
-              <a:buNone/>
-              <a:defRPr sz="1200" b="0" i="0" u="none" strike="noStrike" cap="none">
-                <a:solidFill>
-                  <a:schemeClr val="dk1"/>
-                </a:solidFill>
-                <a:latin typeface="Anuphan"/>
-                <a:ea typeface="Anuphan"/>
-                <a:cs typeface="Anuphan"/>
-                <a:sym typeface="Anuphan"/>
-              </a:defRPr>
-            </a:lvl6pPr>
-            <a:lvl7pPr marL="3200400" marR="0" lvl="6" indent="-304800" algn="ctr" rtl="0">
-              <a:lnSpc>
-                <a:spcPct val="100000"/>
-              </a:lnSpc>
-              <a:spcBef>
-                <a:spcPts val="0"/>
-              </a:spcBef>
-              <a:spcAft>
-                <a:spcPts val="0"/>
-              </a:spcAft>
-              <a:buClr>
-                <a:schemeClr val="dk1"/>
-              </a:buClr>
-              <a:buSzPts val="1200"/>
-              <a:buFont typeface="Anuphan"/>
-              <a:buNone/>
-              <a:defRPr sz="1200" b="0" i="0" u="none" strike="noStrike" cap="none">
-                <a:solidFill>
-                  <a:schemeClr val="dk1"/>
-                </a:solidFill>
-                <a:latin typeface="Anuphan"/>
-                <a:ea typeface="Anuphan"/>
-                <a:cs typeface="Anuphan"/>
-                <a:sym typeface="Anuphan"/>
-              </a:defRPr>
-            </a:lvl7pPr>
-            <a:lvl8pPr marL="3657600" marR="0" lvl="7" indent="-304800" algn="ctr" rtl="0">
-              <a:lnSpc>
-                <a:spcPct val="100000"/>
-              </a:lnSpc>
-              <a:spcBef>
-                <a:spcPts val="0"/>
-              </a:spcBef>
-              <a:spcAft>
-                <a:spcPts val="0"/>
-              </a:spcAft>
-              <a:buClr>
-                <a:schemeClr val="dk1"/>
-              </a:buClr>
-              <a:buSzPts val="1200"/>
-              <a:buFont typeface="Anuphan"/>
-              <a:buNone/>
-              <a:defRPr sz="1200" b="0" i="0" u="none" strike="noStrike" cap="none">
-                <a:solidFill>
-                  <a:schemeClr val="dk1"/>
-                </a:solidFill>
-                <a:latin typeface="Anuphan"/>
-                <a:ea typeface="Anuphan"/>
-                <a:cs typeface="Anuphan"/>
-                <a:sym typeface="Anuphan"/>
-              </a:defRPr>
-            </a:lvl8pPr>
-            <a:lvl9pPr marL="4114800" marR="0" lvl="8" indent="-304800" algn="ctr" rtl="0">
-              <a:lnSpc>
-                <a:spcPct val="100000"/>
-              </a:lnSpc>
-              <a:spcBef>
-                <a:spcPts val="0"/>
-              </a:spcBef>
-              <a:spcAft>
-                <a:spcPts val="0"/>
-              </a:spcAft>
-              <a:buClr>
-                <a:schemeClr val="dk1"/>
-              </a:buClr>
-              <a:buSzPts val="1200"/>
-              <a:buFont typeface="Anuphan"/>
-              <a:buNone/>
-              <a:defRPr sz="1200" b="0" i="0" u="none" strike="noStrike" cap="none">
-                <a:solidFill>
-                  <a:schemeClr val="dk1"/>
-                </a:solidFill>
-                <a:latin typeface="Anuphan"/>
-                <a:ea typeface="Anuphan"/>
-                <a:cs typeface="Anuphan"/>
-                <a:sym typeface="Anuphan"/>
-              </a:defRPr>
-            </a:lvl9pPr>
-          </a:lstStyle>
-          <a:p>
-            <a:pPr marL="0" indent="0"/>
-            <a:r>
-              <a:rPr lang="fr-FR" sz="1600" dirty="0"/>
-              <a:t>Imaginons une entreprise complexe avec plusieurs départements et des employés pour chaque département. Les départements peuvent être des composites avec des employés individuels (feuilles) et d'autres composites (sous-départements). Nous pouvons gérer cette structure complexe de manière homogène grâce au modèle de design composite. Par exemple, un département peut être considéré comme un groupe d'employés et d'autres sous-départements, ce qui simplifie la gestion globale.</a:t>
-            </a:r>
-          </a:p>
-        </p:txBody>
-      </p:sp>
-    </p:spTree>
-    <p:extLst>
-      <p:ext uri="{BB962C8B-B14F-4D97-AF65-F5344CB8AC3E}">
-        <p14:creationId xmlns:p14="http://schemas.microsoft.com/office/powerpoint/2010/main" val="1170289366"/>
-      </p:ext>
-    </p:extLst>
-  </p:cSld>
-  <p:clrMapOvr>
-    <a:masterClrMapping/>
-  </p:clrMapOvr>
-</p:sld>
-</file>
-
 <file path=ppt/slides/slide17.xml><?xml version="1.0" encoding="utf-8"?>
 <p:sld xmlns:a="http://schemas.openxmlformats.org/drawingml/2006/main" xmlns:r="http://schemas.openxmlformats.org/officeDocument/2006/relationships" xmlns:p="http://schemas.openxmlformats.org/presentationml/2006/main">
   <p:cSld>
@@ -26366,6 +26349,363 @@
           <a:p>
             <a:pPr lvl="0"/>
             <a:r>
+              <a:rPr lang="en-US" b="0" dirty="0" err="1"/>
+              <a:t>Exemple</a:t>
+            </a:r>
+            <a:r>
+              <a:rPr lang="en-US" b="0" dirty="0"/>
+              <a:t> d'utilisation</a:t>
+            </a:r>
+            <a:endParaRPr dirty="0"/>
+          </a:p>
+        </p:txBody>
+      </p:sp>
+      <p:sp>
+        <p:nvSpPr>
+          <p:cNvPr id="18" name="Google Shape;362;p32"/>
+          <p:cNvSpPr txBox="1">
+            <a:spLocks/>
+          </p:cNvSpPr>
+          <p:nvPr/>
+        </p:nvSpPr>
+        <p:spPr>
+          <a:xfrm>
+            <a:off x="462030" y="1353016"/>
+            <a:ext cx="7961970" cy="2326886"/>
+          </a:xfrm>
+          <a:prstGeom prst="rect">
+            <a:avLst/>
+          </a:prstGeom>
+          <a:solidFill>
+            <a:schemeClr val="lt2"/>
+          </a:solidFill>
+          <a:ln>
+            <a:noFill/>
+          </a:ln>
+        </p:spPr>
+        <p:txBody>
+          <a:bodyPr spcFirstLastPara="1" wrap="square" lIns="91425" tIns="91425" rIns="91425" bIns="91425" anchor="ctr" anchorCtr="0">
+            <a:noAutofit/>
+          </a:bodyPr>
+          <a:lstStyle>
+            <a:defPPr marR="0" lvl="0" algn="l" rtl="0">
+              <a:lnSpc>
+                <a:spcPct val="100000"/>
+              </a:lnSpc>
+              <a:spcBef>
+                <a:spcPts val="0"/>
+              </a:spcBef>
+              <a:spcAft>
+                <a:spcPts val="0"/>
+              </a:spcAft>
+            </a:defPPr>
+            <a:lvl1pPr marL="457200" marR="0" lvl="0" indent="-304800" algn="ctr" rtl="0">
+              <a:lnSpc>
+                <a:spcPct val="100000"/>
+              </a:lnSpc>
+              <a:spcBef>
+                <a:spcPts val="0"/>
+              </a:spcBef>
+              <a:spcAft>
+                <a:spcPts val="0"/>
+              </a:spcAft>
+              <a:buClr>
+                <a:schemeClr val="dk1"/>
+              </a:buClr>
+              <a:buSzPts val="1200"/>
+              <a:buFont typeface="Anuphan"/>
+              <a:buNone/>
+              <a:defRPr sz="1200" b="0" i="0" u="none" strike="noStrike" cap="none">
+                <a:solidFill>
+                  <a:schemeClr val="dk1"/>
+                </a:solidFill>
+                <a:latin typeface="Anuphan"/>
+                <a:ea typeface="Anuphan"/>
+                <a:cs typeface="Anuphan"/>
+                <a:sym typeface="Anuphan"/>
+              </a:defRPr>
+            </a:lvl1pPr>
+            <a:lvl2pPr marL="914400" marR="0" lvl="1" indent="-304800" algn="ctr" rtl="0">
+              <a:lnSpc>
+                <a:spcPct val="100000"/>
+              </a:lnSpc>
+              <a:spcBef>
+                <a:spcPts val="0"/>
+              </a:spcBef>
+              <a:spcAft>
+                <a:spcPts val="0"/>
+              </a:spcAft>
+              <a:buClr>
+                <a:schemeClr val="dk1"/>
+              </a:buClr>
+              <a:buSzPts val="1200"/>
+              <a:buFont typeface="Anuphan"/>
+              <a:buNone/>
+              <a:defRPr sz="1200" b="0" i="0" u="none" strike="noStrike" cap="none">
+                <a:solidFill>
+                  <a:schemeClr val="dk1"/>
+                </a:solidFill>
+                <a:latin typeface="Anuphan"/>
+                <a:ea typeface="Anuphan"/>
+                <a:cs typeface="Anuphan"/>
+                <a:sym typeface="Anuphan"/>
+              </a:defRPr>
+            </a:lvl2pPr>
+            <a:lvl3pPr marL="1371600" marR="0" lvl="2" indent="-304800" algn="ctr" rtl="0">
+              <a:lnSpc>
+                <a:spcPct val="100000"/>
+              </a:lnSpc>
+              <a:spcBef>
+                <a:spcPts val="0"/>
+              </a:spcBef>
+              <a:spcAft>
+                <a:spcPts val="0"/>
+              </a:spcAft>
+              <a:buClr>
+                <a:schemeClr val="dk1"/>
+              </a:buClr>
+              <a:buSzPts val="1200"/>
+              <a:buFont typeface="Anuphan"/>
+              <a:buNone/>
+              <a:defRPr sz="1200" b="0" i="0" u="none" strike="noStrike" cap="none">
+                <a:solidFill>
+                  <a:schemeClr val="dk1"/>
+                </a:solidFill>
+                <a:latin typeface="Anuphan"/>
+                <a:ea typeface="Anuphan"/>
+                <a:cs typeface="Anuphan"/>
+                <a:sym typeface="Anuphan"/>
+              </a:defRPr>
+            </a:lvl3pPr>
+            <a:lvl4pPr marL="1828800" marR="0" lvl="3" indent="-304800" algn="ctr" rtl="0">
+              <a:lnSpc>
+                <a:spcPct val="100000"/>
+              </a:lnSpc>
+              <a:spcBef>
+                <a:spcPts val="0"/>
+              </a:spcBef>
+              <a:spcAft>
+                <a:spcPts val="0"/>
+              </a:spcAft>
+              <a:buClr>
+                <a:schemeClr val="dk1"/>
+              </a:buClr>
+              <a:buSzPts val="1200"/>
+              <a:buFont typeface="Anuphan"/>
+              <a:buNone/>
+              <a:defRPr sz="1200" b="0" i="0" u="none" strike="noStrike" cap="none">
+                <a:solidFill>
+                  <a:schemeClr val="dk1"/>
+                </a:solidFill>
+                <a:latin typeface="Anuphan"/>
+                <a:ea typeface="Anuphan"/>
+                <a:cs typeface="Anuphan"/>
+                <a:sym typeface="Anuphan"/>
+              </a:defRPr>
+            </a:lvl4pPr>
+            <a:lvl5pPr marL="2286000" marR="0" lvl="4" indent="-304800" algn="ctr" rtl="0">
+              <a:lnSpc>
+                <a:spcPct val="100000"/>
+              </a:lnSpc>
+              <a:spcBef>
+                <a:spcPts val="0"/>
+              </a:spcBef>
+              <a:spcAft>
+                <a:spcPts val="0"/>
+              </a:spcAft>
+              <a:buClr>
+                <a:schemeClr val="dk1"/>
+              </a:buClr>
+              <a:buSzPts val="1200"/>
+              <a:buFont typeface="Anuphan"/>
+              <a:buNone/>
+              <a:defRPr sz="1200" b="0" i="0" u="none" strike="noStrike" cap="none">
+                <a:solidFill>
+                  <a:schemeClr val="dk1"/>
+                </a:solidFill>
+                <a:latin typeface="Anuphan"/>
+                <a:ea typeface="Anuphan"/>
+                <a:cs typeface="Anuphan"/>
+                <a:sym typeface="Anuphan"/>
+              </a:defRPr>
+            </a:lvl5pPr>
+            <a:lvl6pPr marL="2743200" marR="0" lvl="5" indent="-304800" algn="ctr" rtl="0">
+              <a:lnSpc>
+                <a:spcPct val="100000"/>
+              </a:lnSpc>
+              <a:spcBef>
+                <a:spcPts val="0"/>
+              </a:spcBef>
+              <a:spcAft>
+                <a:spcPts val="0"/>
+              </a:spcAft>
+              <a:buClr>
+                <a:schemeClr val="dk1"/>
+              </a:buClr>
+              <a:buSzPts val="1200"/>
+              <a:buFont typeface="Anuphan"/>
+              <a:buNone/>
+              <a:defRPr sz="1200" b="0" i="0" u="none" strike="noStrike" cap="none">
+                <a:solidFill>
+                  <a:schemeClr val="dk1"/>
+                </a:solidFill>
+                <a:latin typeface="Anuphan"/>
+                <a:ea typeface="Anuphan"/>
+                <a:cs typeface="Anuphan"/>
+                <a:sym typeface="Anuphan"/>
+              </a:defRPr>
+            </a:lvl6pPr>
+            <a:lvl7pPr marL="3200400" marR="0" lvl="6" indent="-304800" algn="ctr" rtl="0">
+              <a:lnSpc>
+                <a:spcPct val="100000"/>
+              </a:lnSpc>
+              <a:spcBef>
+                <a:spcPts val="0"/>
+              </a:spcBef>
+              <a:spcAft>
+                <a:spcPts val="0"/>
+              </a:spcAft>
+              <a:buClr>
+                <a:schemeClr val="dk1"/>
+              </a:buClr>
+              <a:buSzPts val="1200"/>
+              <a:buFont typeface="Anuphan"/>
+              <a:buNone/>
+              <a:defRPr sz="1200" b="0" i="0" u="none" strike="noStrike" cap="none">
+                <a:solidFill>
+                  <a:schemeClr val="dk1"/>
+                </a:solidFill>
+                <a:latin typeface="Anuphan"/>
+                <a:ea typeface="Anuphan"/>
+                <a:cs typeface="Anuphan"/>
+                <a:sym typeface="Anuphan"/>
+              </a:defRPr>
+            </a:lvl7pPr>
+            <a:lvl8pPr marL="3657600" marR="0" lvl="7" indent="-304800" algn="ctr" rtl="0">
+              <a:lnSpc>
+                <a:spcPct val="100000"/>
+              </a:lnSpc>
+              <a:spcBef>
+                <a:spcPts val="0"/>
+              </a:spcBef>
+              <a:spcAft>
+                <a:spcPts val="0"/>
+              </a:spcAft>
+              <a:buClr>
+                <a:schemeClr val="dk1"/>
+              </a:buClr>
+              <a:buSzPts val="1200"/>
+              <a:buFont typeface="Anuphan"/>
+              <a:buNone/>
+              <a:defRPr sz="1200" b="0" i="0" u="none" strike="noStrike" cap="none">
+                <a:solidFill>
+                  <a:schemeClr val="dk1"/>
+                </a:solidFill>
+                <a:latin typeface="Anuphan"/>
+                <a:ea typeface="Anuphan"/>
+                <a:cs typeface="Anuphan"/>
+                <a:sym typeface="Anuphan"/>
+              </a:defRPr>
+            </a:lvl8pPr>
+            <a:lvl9pPr marL="4114800" marR="0" lvl="8" indent="-304800" algn="ctr" rtl="0">
+              <a:lnSpc>
+                <a:spcPct val="100000"/>
+              </a:lnSpc>
+              <a:spcBef>
+                <a:spcPts val="0"/>
+              </a:spcBef>
+              <a:spcAft>
+                <a:spcPts val="0"/>
+              </a:spcAft>
+              <a:buClr>
+                <a:schemeClr val="dk1"/>
+              </a:buClr>
+              <a:buSzPts val="1200"/>
+              <a:buFont typeface="Anuphan"/>
+              <a:buNone/>
+              <a:defRPr sz="1200" b="0" i="0" u="none" strike="noStrike" cap="none">
+                <a:solidFill>
+                  <a:schemeClr val="dk1"/>
+                </a:solidFill>
+                <a:latin typeface="Anuphan"/>
+                <a:ea typeface="Anuphan"/>
+                <a:cs typeface="Anuphan"/>
+                <a:sym typeface="Anuphan"/>
+              </a:defRPr>
+            </a:lvl9pPr>
+          </a:lstStyle>
+          <a:p>
+            <a:pPr marL="0" indent="0"/>
+            <a:r>
+              <a:rPr lang="fr-FR" sz="1600" dirty="0"/>
+              <a:t>Imaginons une entreprise complexe avec plusieurs départements et des travailleurs pour chacun. Les départements peuvent être des feuilles avec des employés individuels et des sous-départements. Grâce au modèle de design composite, nous pouvons gérer cette structure complexe de manière homogène..</a:t>
+            </a:r>
+            <a:endParaRPr lang="fr-FR" sz="1600" dirty="0"/>
+          </a:p>
+        </p:txBody>
+      </p:sp>
+    </p:spTree>
+    <p:extLst>
+      <p:ext uri="{BB962C8B-B14F-4D97-AF65-F5344CB8AC3E}">
+        <p14:creationId xmlns:p14="http://schemas.microsoft.com/office/powerpoint/2010/main" val="1170289366"/>
+      </p:ext>
+    </p:extLst>
+  </p:cSld>
+  <p:clrMapOvr>
+    <a:masterClrMapping/>
+  </p:clrMapOvr>
+</p:sld>
+</file>
+
+<file path=ppt/slides/slide18.xml><?xml version="1.0" encoding="utf-8"?>
+<p:sld xmlns:a="http://schemas.openxmlformats.org/drawingml/2006/main" xmlns:r="http://schemas.openxmlformats.org/officeDocument/2006/relationships" xmlns:p="http://schemas.openxmlformats.org/presentationml/2006/main">
+  <p:cSld>
+    <p:spTree>
+      <p:nvGrpSpPr>
+        <p:cNvPr id="1" name="Shape 360"/>
+        <p:cNvGrpSpPr/>
+        <p:nvPr/>
+      </p:nvGrpSpPr>
+      <p:grpSpPr>
+        <a:xfrm>
+          <a:off x="0" y="0"/>
+          <a:ext cx="0" cy="0"/>
+          <a:chOff x="0" y="0"/>
+          <a:chExt cx="0" cy="0"/>
+        </a:xfrm>
+      </p:grpSpPr>
+      <p:sp>
+        <p:nvSpPr>
+          <p:cNvPr id="361" name="Google Shape;361;p32"/>
+          <p:cNvSpPr txBox="1">
+            <a:spLocks noGrp="1"/>
+          </p:cNvSpPr>
+          <p:nvPr>
+            <p:ph type="title"/>
+          </p:nvPr>
+        </p:nvSpPr>
+        <p:spPr>
+          <a:xfrm>
+            <a:off x="591015" y="489633"/>
+            <a:ext cx="7704000" cy="572700"/>
+          </a:xfrm>
+          <a:prstGeom prst="rect">
+            <a:avLst/>
+          </a:prstGeom>
+          <a:effectLst>
+            <a:outerShdw dist="171450" dir="19080000" algn="bl" rotWithShape="0">
+              <a:schemeClr val="dk2"/>
+            </a:outerShdw>
+          </a:effectLst>
+        </p:spPr>
+        <p:txBody>
+          <a:bodyPr spcFirstLastPara="1" wrap="square" lIns="91425" tIns="91425" rIns="91425" bIns="91425" anchor="t" anchorCtr="0">
+            <a:noAutofit/>
+          </a:bodyPr>
+          <a:lstStyle/>
+          <a:p>
+            <a:pPr lvl="0"/>
+            <a:r>
               <a:rPr lang="en-US" b="0" dirty="0"/>
               <a:t>une représentation UML</a:t>
             </a:r>
@@ -26375,7 +26715,7 @@
       </p:sp>
       <p:pic>
         <p:nvPicPr>
-          <p:cNvPr id="3" name="Picture 2"/>
+          <p:cNvPr id="4" name="Picture 3"/>
           <p:cNvPicPr>
             <a:picLocks noChangeAspect="1"/>
           </p:cNvPicPr>
@@ -26389,8 +26729,8 @@
         </p:blipFill>
         <p:spPr>
           <a:xfrm>
-            <a:off x="2387495" y="1143674"/>
-            <a:ext cx="4111040" cy="3691546"/>
+            <a:off x="2312048" y="1121788"/>
+            <a:ext cx="4438158" cy="3881969"/>
           </a:xfrm>
           <a:prstGeom prst="rect">
             <a:avLst/>
@@ -26410,7 +26750,7 @@
 </p:sld>
 </file>
 
-<file path=ppt/slides/slide18.xml><?xml version="1.0" encoding="utf-8"?>
+<file path=ppt/slides/slide19.xml><?xml version="1.0" encoding="utf-8"?>
 <p:sld xmlns:a="http://schemas.openxmlformats.org/drawingml/2006/main" xmlns:r="http://schemas.openxmlformats.org/officeDocument/2006/relationships" xmlns:p="http://schemas.openxmlformats.org/presentationml/2006/main">
   <p:cSld>
     <p:spTree>
@@ -26439,12 +26779,24 @@
         </p:nvSpPr>
         <p:spPr>
           <a:xfrm>
-            <a:off x="1059658" y="1229539"/>
-            <a:ext cx="2783796" cy="3535674"/>
+            <a:off x="1059657" y="1229539"/>
+            <a:ext cx="3148069" cy="3535674"/>
           </a:xfrm>
           <a:prstGeom prst="rect">
             <a:avLst/>
           </a:prstGeom>
+          <a:solidFill>
+            <a:schemeClr val="bg2">
+              <a:lumMod val="10000"/>
+            </a:schemeClr>
+          </a:solidFill>
+          <a:ln>
+            <a:solidFill>
+              <a:schemeClr val="tx2">
+                <a:lumMod val="10000"/>
+              </a:schemeClr>
+            </a:solidFill>
+          </a:ln>
         </p:spPr>
         <p:txBody>
           <a:bodyPr spcFirstLastPara="1" wrap="square" lIns="91425" tIns="91425" rIns="91425" bIns="91425" anchor="ctr" anchorCtr="0">
@@ -26454,47 +26806,129 @@
           <a:p>
             <a:pPr marL="0" lvl="0" indent="0" algn="l"/>
             <a:r>
-              <a:rPr lang="en-US" sz="1400" dirty="0"/>
-              <a:t>Interface </a:t>
-            </a:r>
-            <a:r>
-              <a:rPr lang="en-US" sz="1400" b="1" dirty="0" err="1"/>
-              <a:t>EntrepriseComponent</a:t>
-            </a:r>
-            <a:endParaRPr lang="en-US" sz="1400" b="1" dirty="0"/>
+              <a:rPr lang="en-US" sz="1600" dirty="0">
+                <a:solidFill>
+                  <a:schemeClr val="bg1"/>
+                </a:solidFill>
+              </a:rPr>
+              <a:t>abstract class </a:t>
+            </a:r>
+            <a:r>
+              <a:rPr lang="en-US" sz="1600" b="1" dirty="0" err="1">
+                <a:solidFill>
+                  <a:schemeClr val="bg1"/>
+                </a:solidFill>
+              </a:rPr>
+              <a:t>Composant</a:t>
+            </a:r>
+            <a:r>
+              <a:rPr lang="en-US" sz="1600" dirty="0" smtClean="0">
+                <a:solidFill>
+                  <a:schemeClr val="bg1"/>
+                </a:solidFill>
+              </a:rPr>
+              <a:t>{ </a:t>
+            </a:r>
+            <a:r>
+              <a:rPr lang="en-US" sz="1600" dirty="0">
+                <a:solidFill>
+                  <a:schemeClr val="bg1"/>
+                </a:solidFill>
+              </a:rPr>
+              <a:t>protected String nom; </a:t>
+            </a:r>
+            <a:endParaRPr lang="en-US" sz="1600" dirty="0" smtClean="0">
+              <a:solidFill>
+                <a:schemeClr val="bg1"/>
+              </a:solidFill>
+            </a:endParaRPr>
           </a:p>
           <a:p>
             <a:pPr marL="0" lvl="0" indent="0" algn="l"/>
             <a:r>
-              <a:rPr lang="en-US" sz="1400" dirty="0"/>
-              <a:t> { </a:t>
-            </a:r>
-          </a:p>
-          <a:p>
-            <a:pPr marL="0" lvl="0" indent="0" algn="l"/>
-            <a:r>
-              <a:rPr lang="en-US" sz="1400" dirty="0"/>
-              <a:t>	void </a:t>
-            </a:r>
-            <a:r>
-              <a:rPr lang="en-US" sz="1400" dirty="0" err="1"/>
+              <a:rPr lang="en-US" sz="1600" dirty="0" smtClean="0">
+                <a:solidFill>
+                  <a:schemeClr val="bg1"/>
+                </a:solidFill>
+              </a:rPr>
+              <a:t>public </a:t>
+            </a:r>
+            <a:r>
+              <a:rPr lang="en-US" sz="1600" dirty="0" err="1">
+                <a:solidFill>
+                  <a:schemeClr val="bg1"/>
+                </a:solidFill>
+              </a:rPr>
+              <a:t>Composant</a:t>
+            </a:r>
+            <a:r>
+              <a:rPr lang="en-US" sz="1600" dirty="0" smtClean="0">
+                <a:solidFill>
+                  <a:schemeClr val="bg1"/>
+                </a:solidFill>
+              </a:rPr>
+              <a:t>(String </a:t>
+            </a:r>
+            <a:r>
+              <a:rPr lang="en-US" sz="1600" dirty="0">
+                <a:solidFill>
+                  <a:schemeClr val="bg1"/>
+                </a:solidFill>
+              </a:rPr>
+              <a:t>nom) { </a:t>
+            </a:r>
+            <a:r>
+              <a:rPr lang="en-US" sz="1600" dirty="0" err="1">
+                <a:solidFill>
+                  <a:schemeClr val="bg1"/>
+                </a:solidFill>
+              </a:rPr>
+              <a:t>this.nom</a:t>
+            </a:r>
+            <a:r>
+              <a:rPr lang="en-US" sz="1600" dirty="0">
+                <a:solidFill>
+                  <a:schemeClr val="bg1"/>
+                </a:solidFill>
+              </a:rPr>
+              <a:t> = nom; } public abstract void </a:t>
+            </a:r>
+            <a:r>
+              <a:rPr lang="en-US" sz="1600" dirty="0" err="1">
+                <a:solidFill>
+                  <a:schemeClr val="bg1"/>
+                </a:solidFill>
+              </a:rPr>
               <a:t>afficherDetails</a:t>
             </a:r>
             <a:r>
-              <a:rPr lang="en-US" sz="1400" dirty="0"/>
-              <a:t>();</a:t>
-            </a:r>
-          </a:p>
-          <a:p>
-            <a:pPr marL="0" lvl="0" indent="0" algn="l"/>
-            <a:r>
-              <a:rPr lang="en-US" sz="1400" dirty="0"/>
-              <a:t> } </a:t>
+              <a:rPr lang="en-US" sz="1600" dirty="0">
+                <a:solidFill>
+                  <a:schemeClr val="bg1"/>
+                </a:solidFill>
+              </a:rPr>
+              <a:t>(); }</a:t>
+            </a:r>
+            <a:r>
+              <a:rPr lang="en-US" sz="1800" dirty="0">
+                <a:solidFill>
+                  <a:schemeClr val="bg1"/>
+                </a:solidFill>
+              </a:rPr>
+              <a:t/>
             </a:r>
             <a:br>
-              <a:rPr lang="en-US" sz="1400" dirty="0"/>
+              <a:rPr lang="en-US" sz="1800" dirty="0">
+                <a:solidFill>
+                  <a:schemeClr val="bg1"/>
+                </a:solidFill>
+              </a:rPr>
             </a:br>
-            <a:endParaRPr sz="1400" dirty="0"/>
+            <a:endParaRPr sz="1800" dirty="0">
+              <a:solidFill>
+                <a:schemeClr val="bg1"/>
+              </a:solidFill>
+            </a:endParaRPr>
           </a:p>
         </p:txBody>
       </p:sp>
@@ -26511,7 +26945,7 @@
         <p:spPr>
           <a:xfrm>
             <a:off x="1059658" y="772039"/>
-            <a:ext cx="2783795" cy="457500"/>
+            <a:ext cx="3148068" cy="457500"/>
           </a:xfrm>
           <a:prstGeom prst="rect">
             <a:avLst/>
@@ -26545,11 +26979,23 @@
         <p:spPr>
           <a:xfrm>
             <a:off x="4855922" y="1222181"/>
-            <a:ext cx="2692231" cy="3535673"/>
+            <a:ext cx="2987102" cy="3535673"/>
           </a:xfrm>
           <a:prstGeom prst="rect">
             <a:avLst/>
           </a:prstGeom>
+          <a:solidFill>
+            <a:schemeClr val="bg2">
+              <a:lumMod val="10000"/>
+            </a:schemeClr>
+          </a:solidFill>
+          <a:ln>
+            <a:solidFill>
+              <a:schemeClr val="tx2">
+                <a:lumMod val="10000"/>
+              </a:schemeClr>
+            </a:solidFill>
+          </a:ln>
         </p:spPr>
         <p:txBody>
           <a:bodyPr spcFirstLastPara="1" wrap="square" lIns="91425" tIns="91425" rIns="91425" bIns="91425" anchor="ctr" anchorCtr="0">
@@ -26559,109 +27005,197 @@
           <a:p>
             <a:pPr marL="0" lvl="0" indent="0" algn="l"/>
             <a:r>
-              <a:rPr lang="en-US" sz="1400" dirty="0"/>
+              <a:rPr lang="en-US" sz="1600" dirty="0">
+                <a:solidFill>
+                  <a:schemeClr val="bg1"/>
+                </a:solidFill>
+              </a:rPr>
               <a:t>class </a:t>
             </a:r>
             <a:r>
-              <a:rPr lang="en-US" sz="1400" b="1" dirty="0" err="1"/>
+              <a:rPr lang="en-US" sz="1600" b="1" dirty="0" err="1">
+                <a:solidFill>
+                  <a:schemeClr val="bg1"/>
+                </a:solidFill>
+              </a:rPr>
               <a:t>Employe</a:t>
             </a:r>
             <a:r>
-              <a:rPr lang="en-US" sz="1400" dirty="0"/>
-              <a:t> implements </a:t>
-            </a:r>
-            <a:r>
-              <a:rPr lang="en-US" sz="1400" dirty="0" err="1"/>
-              <a:t>EntrepriseComponent</a:t>
-            </a:r>
-            <a:endParaRPr lang="en-US" sz="1400" dirty="0"/>
+              <a:rPr lang="en-US" sz="1600" dirty="0">
+                <a:solidFill>
+                  <a:schemeClr val="bg1"/>
+                </a:solidFill>
+              </a:rPr>
+              <a:t> extends </a:t>
+            </a:r>
+            <a:r>
+              <a:rPr lang="en-US" sz="1600" b="1" dirty="0" err="1">
+                <a:solidFill>
+                  <a:schemeClr val="bg1"/>
+                </a:solidFill>
+              </a:rPr>
+              <a:t>Composant</a:t>
+            </a:r>
+            <a:r>
+              <a:rPr lang="en-US" sz="1600" dirty="0" smtClean="0">
+                <a:solidFill>
+                  <a:schemeClr val="bg1"/>
+                </a:solidFill>
+              </a:rPr>
+              <a:t> </a:t>
+            </a:r>
+            <a:r>
+              <a:rPr lang="en-US" sz="1600" dirty="0">
+                <a:solidFill>
+                  <a:schemeClr val="bg1"/>
+                </a:solidFill>
+              </a:rPr>
+              <a:t>{ </a:t>
+            </a:r>
+            <a:endParaRPr lang="en-US" sz="1600" dirty="0" smtClean="0">
+              <a:solidFill>
+                <a:schemeClr val="bg1"/>
+              </a:solidFill>
+            </a:endParaRPr>
           </a:p>
           <a:p>
             <a:pPr marL="0" lvl="0" indent="0" algn="l"/>
             <a:r>
-              <a:rPr lang="en-US" sz="1400" dirty="0"/>
-              <a:t> { </a:t>
-            </a:r>
+              <a:rPr lang="en-US" sz="1600" dirty="0" smtClean="0">
+                <a:solidFill>
+                  <a:schemeClr val="bg1"/>
+                </a:solidFill>
+              </a:rPr>
+              <a:t>public </a:t>
+            </a:r>
+            <a:r>
+              <a:rPr lang="en-US" sz="1600" dirty="0" err="1">
+                <a:solidFill>
+                  <a:schemeClr val="bg1"/>
+                </a:solidFill>
+              </a:rPr>
+              <a:t>Employe</a:t>
+            </a:r>
+            <a:r>
+              <a:rPr lang="en-US" sz="1600" dirty="0">
+                <a:solidFill>
+                  <a:schemeClr val="bg1"/>
+                </a:solidFill>
+              </a:rPr>
+              <a:t>(String nom) { super(nom); } </a:t>
+            </a:r>
+            <a:endParaRPr lang="en-US" sz="1600" dirty="0" smtClean="0">
+              <a:solidFill>
+                <a:schemeClr val="bg1"/>
+              </a:solidFill>
+            </a:endParaRPr>
           </a:p>
           <a:p>
             <a:pPr marL="0" lvl="0" indent="0" algn="l"/>
             <a:r>
-              <a:rPr lang="en-US" sz="1400" dirty="0"/>
-              <a:t>    private String nom;</a:t>
-            </a:r>
+              <a:rPr lang="en-US" sz="1600" dirty="0" smtClean="0">
+                <a:solidFill>
+                  <a:schemeClr val="bg1"/>
+                </a:solidFill>
+              </a:rPr>
+              <a:t>public </a:t>
+            </a:r>
+            <a:r>
+              <a:rPr lang="en-US" sz="1600" dirty="0">
+                <a:solidFill>
+                  <a:schemeClr val="bg1"/>
+                </a:solidFill>
+              </a:rPr>
+              <a:t>void </a:t>
+            </a:r>
+            <a:r>
+              <a:rPr lang="en-US" sz="1600" dirty="0" err="1">
+                <a:solidFill>
+                  <a:schemeClr val="bg1"/>
+                </a:solidFill>
+              </a:rPr>
+              <a:t>afficherDetails</a:t>
+            </a:r>
+            <a:r>
+              <a:rPr lang="en-US" sz="1600" dirty="0">
+                <a:solidFill>
+                  <a:schemeClr val="bg1"/>
+                </a:solidFill>
+              </a:rPr>
+              <a:t>() { </a:t>
+            </a:r>
+            <a:r>
+              <a:rPr lang="en-US" sz="1600" dirty="0" err="1" smtClean="0">
+                <a:solidFill>
+                  <a:schemeClr val="bg1"/>
+                </a:solidFill>
+              </a:rPr>
+              <a:t>System.out.println</a:t>
+            </a:r>
+            <a:endParaRPr lang="en-US" sz="1600" dirty="0" smtClean="0">
+              <a:solidFill>
+                <a:schemeClr val="bg1"/>
+              </a:solidFill>
+            </a:endParaRPr>
           </a:p>
           <a:p>
             <a:pPr marL="0" lvl="0" indent="0" algn="l"/>
             <a:r>
-              <a:rPr lang="en-US" sz="1400" dirty="0"/>
-              <a:t> public </a:t>
-            </a:r>
-            <a:r>
-              <a:rPr lang="en-US" sz="1400" dirty="0" err="1"/>
-              <a:t>Employe</a:t>
-            </a:r>
-            <a:r>
-              <a:rPr lang="en-US" sz="1400" dirty="0"/>
-              <a:t>(String nom)</a:t>
+              <a:rPr lang="en-US" sz="1600" dirty="0" smtClean="0">
+                <a:solidFill>
+                  <a:schemeClr val="bg1"/>
+                </a:solidFill>
+              </a:rPr>
+              <a:t>("</a:t>
+            </a:r>
+            <a:r>
+              <a:rPr lang="en-US" sz="1600" dirty="0" err="1">
+                <a:solidFill>
+                  <a:schemeClr val="bg1"/>
+                </a:solidFill>
+              </a:rPr>
+              <a:t>Employé</a:t>
+            </a:r>
+            <a:r>
+              <a:rPr lang="en-US" sz="1600" dirty="0">
+                <a:solidFill>
+                  <a:schemeClr val="bg1"/>
+                </a:solidFill>
+              </a:rPr>
+              <a:t> : " + nom</a:t>
+            </a:r>
+            <a:r>
+              <a:rPr lang="en-US" sz="1600" dirty="0" smtClean="0">
+                <a:solidFill>
+                  <a:schemeClr val="bg1"/>
+                </a:solidFill>
+              </a:rPr>
+              <a:t>);</a:t>
             </a:r>
           </a:p>
           <a:p>
             <a:pPr marL="0" lvl="0" indent="0" algn="l"/>
             <a:r>
-              <a:rPr lang="en-US" sz="1400" dirty="0"/>
-              <a:t> {     </a:t>
-            </a:r>
-            <a:r>
-              <a:rPr lang="en-US" sz="1400" dirty="0" err="1"/>
-              <a:t>this.nom</a:t>
-            </a:r>
-            <a:r>
-              <a:rPr lang="en-US" sz="1400" dirty="0"/>
-              <a:t> = nom; } </a:t>
-            </a:r>
-          </a:p>
-          <a:p>
-            <a:pPr marL="0" lvl="0" indent="0" algn="l"/>
-            <a:endParaRPr lang="en-US" sz="1400" dirty="0"/>
-          </a:p>
-          <a:p>
-            <a:pPr marL="0" lvl="0" indent="0" algn="l"/>
-            <a:r>
-              <a:rPr lang="en-US" sz="1400" dirty="0"/>
-              <a:t>public void </a:t>
-            </a:r>
-            <a:r>
-              <a:rPr lang="en-US" sz="1400" dirty="0" err="1"/>
-              <a:t>afficherDetails</a:t>
-            </a:r>
-            <a:r>
-              <a:rPr lang="en-US" sz="1400" dirty="0"/>
-              <a:t>() { </a:t>
-            </a:r>
-            <a:r>
-              <a:rPr lang="en-US" sz="1400" dirty="0" err="1"/>
-              <a:t>System.out.println</a:t>
-            </a:r>
-            <a:r>
-              <a:rPr lang="en-US" sz="1400" dirty="0"/>
-              <a:t>("</a:t>
-            </a:r>
-            <a:r>
-              <a:rPr lang="en-US" sz="1400" dirty="0" err="1"/>
-              <a:t>Employé</a:t>
-            </a:r>
-            <a:r>
-              <a:rPr lang="en-US" sz="1400" dirty="0"/>
-              <a:t> : " + nom); </a:t>
-            </a:r>
-          </a:p>
-          <a:p>
-            <a:pPr marL="0" lvl="0" indent="0" algn="l"/>
-            <a:r>
-              <a:rPr lang="en-US" sz="1400" dirty="0"/>
-              <a:t>} }</a:t>
-            </a:r>
-            <a:endParaRPr sz="1400" dirty="0"/>
+              <a:rPr lang="en-US" sz="1600" dirty="0" smtClean="0">
+                <a:solidFill>
+                  <a:schemeClr val="bg1"/>
+                </a:solidFill>
+              </a:rPr>
+              <a:t> } </a:t>
+            </a:r>
+            <a:r>
+              <a:rPr lang="en-US" sz="1600" dirty="0">
+                <a:solidFill>
+                  <a:schemeClr val="bg1"/>
+                </a:solidFill>
+              </a:rPr>
+              <a:t>}</a:t>
+            </a:r>
+            <a:endParaRPr sz="1800" dirty="0">
+              <a:solidFill>
+                <a:schemeClr val="bg1"/>
+              </a:solidFill>
+            </a:endParaRPr>
           </a:p>
         </p:txBody>
       </p:sp>
@@ -26677,8 +27211,8 @@
         </p:nvSpPr>
         <p:spPr>
           <a:xfrm>
-            <a:off x="4838697" y="720315"/>
-            <a:ext cx="2692230" cy="457500"/>
+            <a:off x="4838696" y="720315"/>
+            <a:ext cx="3004327" cy="457500"/>
           </a:xfrm>
           <a:prstGeom prst="rect">
             <a:avLst/>
@@ -29641,7 +30175,501 @@
 </p:sld>
 </file>
 
-<file path=ppt/slides/slide19.xml><?xml version="1.0" encoding="utf-8"?>
+<file path=ppt/slides/slide2.xml><?xml version="1.0" encoding="utf-8"?>
+<p:sld xmlns:a="http://schemas.openxmlformats.org/drawingml/2006/main" xmlns:r="http://schemas.openxmlformats.org/officeDocument/2006/relationships" xmlns:p="http://schemas.openxmlformats.org/presentationml/2006/main">
+  <p:cSld>
+    <p:spTree>
+      <p:nvGrpSpPr>
+        <p:cNvPr id="1" name="Shape 306"/>
+        <p:cNvGrpSpPr/>
+        <p:nvPr/>
+      </p:nvGrpSpPr>
+      <p:grpSpPr>
+        <a:xfrm>
+          <a:off x="0" y="0"/>
+          <a:ext cx="0" cy="0"/>
+          <a:chOff x="0" y="0"/>
+          <a:chExt cx="0" cy="0"/>
+        </a:xfrm>
+      </p:grpSpPr>
+      <p:sp>
+        <p:nvSpPr>
+          <p:cNvPr id="307" name="Google Shape;307;p29"/>
+          <p:cNvSpPr txBox="1">
+            <a:spLocks noGrp="1"/>
+          </p:cNvSpPr>
+          <p:nvPr>
+            <p:ph type="title"/>
+          </p:nvPr>
+        </p:nvSpPr>
+        <p:spPr>
+          <a:xfrm>
+            <a:off x="720000" y="445025"/>
+            <a:ext cx="7704000" cy="572700"/>
+          </a:xfrm>
+          <a:prstGeom prst="rect">
+            <a:avLst/>
+          </a:prstGeom>
+          <a:effectLst>
+            <a:outerShdw dist="171450" dir="19080000" algn="bl" rotWithShape="0">
+              <a:schemeClr val="dk2"/>
+            </a:outerShdw>
+          </a:effectLst>
+        </p:spPr>
+        <p:txBody>
+          <a:bodyPr spcFirstLastPara="1" wrap="square" lIns="91425" tIns="91425" rIns="91425" bIns="91425" anchor="t" anchorCtr="0">
+            <a:noAutofit/>
+          </a:bodyPr>
+          <a:lstStyle/>
+          <a:p>
+            <a:pPr marL="0" lvl="0" indent="0" algn="ctr" rtl="0">
+              <a:spcBef>
+                <a:spcPts val="0"/>
+              </a:spcBef>
+              <a:spcAft>
+                <a:spcPts val="0"/>
+              </a:spcAft>
+              <a:buNone/>
+            </a:pPr>
+            <a:r>
+              <a:rPr lang="en-US" dirty="0"/>
+              <a:t>Plan</a:t>
+            </a:r>
+            <a:endParaRPr dirty="0"/>
+          </a:p>
+        </p:txBody>
+      </p:sp>
+      <p:sp>
+        <p:nvSpPr>
+          <p:cNvPr id="308" name="Google Shape;308;p29"/>
+          <p:cNvSpPr txBox="1">
+            <a:spLocks noGrp="1"/>
+          </p:cNvSpPr>
+          <p:nvPr>
+            <p:ph type="title" idx="3"/>
+          </p:nvPr>
+        </p:nvSpPr>
+        <p:spPr>
+          <a:xfrm>
+            <a:off x="4796575" y="2006825"/>
+            <a:ext cx="678000" cy="572700"/>
+          </a:xfrm>
+          <a:prstGeom prst="rect">
+            <a:avLst/>
+          </a:prstGeom>
+        </p:spPr>
+        <p:txBody>
+          <a:bodyPr spcFirstLastPara="1" wrap="square" lIns="91425" tIns="91425" rIns="91425" bIns="91425" anchor="ctr" anchorCtr="0">
+            <a:noAutofit/>
+          </a:bodyPr>
+          <a:lstStyle/>
+          <a:p>
+            <a:pPr marL="0" lvl="0" indent="0" algn="ctr" rtl="0">
+              <a:spcBef>
+                <a:spcPts val="0"/>
+              </a:spcBef>
+              <a:spcAft>
+                <a:spcPts val="0"/>
+              </a:spcAft>
+              <a:buNone/>
+            </a:pPr>
+            <a:r>
+              <a:rPr lang="en"/>
+              <a:t>04</a:t>
+            </a:r>
+            <a:endParaRPr dirty="0"/>
+          </a:p>
+        </p:txBody>
+      </p:sp>
+      <p:sp>
+        <p:nvSpPr>
+          <p:cNvPr id="309" name="Google Shape;309;p29"/>
+          <p:cNvSpPr txBox="1">
+            <a:spLocks noGrp="1"/>
+          </p:cNvSpPr>
+          <p:nvPr>
+            <p:ph type="title" idx="4"/>
+          </p:nvPr>
+        </p:nvSpPr>
+        <p:spPr>
+          <a:xfrm>
+            <a:off x="1213325" y="2548550"/>
+            <a:ext cx="678000" cy="572700"/>
+          </a:xfrm>
+          <a:prstGeom prst="rect">
+            <a:avLst/>
+          </a:prstGeom>
+        </p:spPr>
+        <p:txBody>
+          <a:bodyPr spcFirstLastPara="1" wrap="square" lIns="91425" tIns="91425" rIns="91425" bIns="91425" anchor="ctr" anchorCtr="0">
+            <a:noAutofit/>
+          </a:bodyPr>
+          <a:lstStyle/>
+          <a:p>
+            <a:pPr marL="0" lvl="0" indent="0" algn="ctr" rtl="0">
+              <a:spcBef>
+                <a:spcPts val="0"/>
+              </a:spcBef>
+              <a:spcAft>
+                <a:spcPts val="0"/>
+              </a:spcAft>
+              <a:buNone/>
+            </a:pPr>
+            <a:r>
+              <a:rPr lang="en"/>
+              <a:t>02</a:t>
+            </a:r>
+            <a:endParaRPr dirty="0"/>
+          </a:p>
+        </p:txBody>
+      </p:sp>
+      <p:sp>
+        <p:nvSpPr>
+          <p:cNvPr id="310" name="Google Shape;310;p29"/>
+          <p:cNvSpPr txBox="1">
+            <a:spLocks noGrp="1"/>
+          </p:cNvSpPr>
+          <p:nvPr>
+            <p:ph type="title" idx="5"/>
+          </p:nvPr>
+        </p:nvSpPr>
+        <p:spPr>
+          <a:xfrm>
+            <a:off x="4796575" y="3045277"/>
+            <a:ext cx="678000" cy="572700"/>
+          </a:xfrm>
+          <a:prstGeom prst="rect">
+            <a:avLst/>
+          </a:prstGeom>
+        </p:spPr>
+        <p:txBody>
+          <a:bodyPr spcFirstLastPara="1" wrap="square" lIns="91425" tIns="91425" rIns="91425" bIns="91425" anchor="ctr" anchorCtr="0">
+            <a:noAutofit/>
+          </a:bodyPr>
+          <a:lstStyle/>
+          <a:p>
+            <a:pPr marL="0" lvl="0" indent="0" algn="ctr" rtl="0">
+              <a:spcBef>
+                <a:spcPts val="0"/>
+              </a:spcBef>
+              <a:spcAft>
+                <a:spcPts val="0"/>
+              </a:spcAft>
+              <a:buNone/>
+            </a:pPr>
+            <a:r>
+              <a:rPr lang="en"/>
+              <a:t>05</a:t>
+            </a:r>
+            <a:endParaRPr dirty="0"/>
+          </a:p>
+        </p:txBody>
+      </p:sp>
+      <p:sp>
+        <p:nvSpPr>
+          <p:cNvPr id="311" name="Google Shape;311;p29"/>
+          <p:cNvSpPr txBox="1">
+            <a:spLocks noGrp="1"/>
+          </p:cNvSpPr>
+          <p:nvPr>
+            <p:ph type="title" idx="6"/>
+          </p:nvPr>
+        </p:nvSpPr>
+        <p:spPr>
+          <a:xfrm>
+            <a:off x="1213325" y="3515125"/>
+            <a:ext cx="678000" cy="572700"/>
+          </a:xfrm>
+          <a:prstGeom prst="rect">
+            <a:avLst/>
+          </a:prstGeom>
+        </p:spPr>
+        <p:txBody>
+          <a:bodyPr spcFirstLastPara="1" wrap="square" lIns="91425" tIns="91425" rIns="91425" bIns="91425" anchor="ctr" anchorCtr="0">
+            <a:noAutofit/>
+          </a:bodyPr>
+          <a:lstStyle/>
+          <a:p>
+            <a:pPr marL="0" lvl="0" indent="0" algn="ctr" rtl="0">
+              <a:spcBef>
+                <a:spcPts val="0"/>
+              </a:spcBef>
+              <a:spcAft>
+                <a:spcPts val="0"/>
+              </a:spcAft>
+              <a:buNone/>
+            </a:pPr>
+            <a:r>
+              <a:rPr lang="en"/>
+              <a:t>03</a:t>
+            </a:r>
+            <a:endParaRPr dirty="0"/>
+          </a:p>
+        </p:txBody>
+      </p:sp>
+      <p:sp>
+        <p:nvSpPr>
+          <p:cNvPr id="313" name="Google Shape;313;p29"/>
+          <p:cNvSpPr txBox="1">
+            <a:spLocks noGrp="1"/>
+          </p:cNvSpPr>
+          <p:nvPr>
+            <p:ph type="subTitle" idx="1"/>
+          </p:nvPr>
+        </p:nvSpPr>
+        <p:spPr>
+          <a:xfrm>
+            <a:off x="1909050" y="2548550"/>
+            <a:ext cx="2456100" cy="572700"/>
+          </a:xfrm>
+          <a:prstGeom prst="rect">
+            <a:avLst/>
+          </a:prstGeom>
+        </p:spPr>
+        <p:txBody>
+          <a:bodyPr spcFirstLastPara="1" wrap="square" lIns="91425" tIns="91425" rIns="91425" bIns="91425" anchor="ctr" anchorCtr="0">
+            <a:noAutofit/>
+          </a:bodyPr>
+          <a:lstStyle/>
+          <a:p>
+            <a:pPr marL="0" lvl="0" indent="0" algn="l" rtl="0">
+              <a:spcBef>
+                <a:spcPts val="0"/>
+              </a:spcBef>
+              <a:spcAft>
+                <a:spcPts val="0"/>
+              </a:spcAft>
+              <a:buNone/>
+            </a:pPr>
+            <a:r>
+              <a:rPr lang="en-US" dirty="0"/>
+              <a:t>Observer Pattern</a:t>
+            </a:r>
+            <a:endParaRPr dirty="0"/>
+          </a:p>
+        </p:txBody>
+      </p:sp>
+      <p:sp>
+        <p:nvSpPr>
+          <p:cNvPr id="314" name="Google Shape;314;p29"/>
+          <p:cNvSpPr txBox="1">
+            <a:spLocks noGrp="1"/>
+          </p:cNvSpPr>
+          <p:nvPr>
+            <p:ph type="subTitle" idx="9"/>
+          </p:nvPr>
+        </p:nvSpPr>
+        <p:spPr>
+          <a:xfrm>
+            <a:off x="5474575" y="2006825"/>
+            <a:ext cx="2456100" cy="572700"/>
+          </a:xfrm>
+          <a:prstGeom prst="rect">
+            <a:avLst/>
+          </a:prstGeom>
+        </p:spPr>
+        <p:txBody>
+          <a:bodyPr spcFirstLastPara="1" wrap="square" lIns="91425" tIns="91425" rIns="91425" bIns="91425" anchor="ctr" anchorCtr="0">
+            <a:noAutofit/>
+          </a:bodyPr>
+          <a:lstStyle/>
+          <a:p>
+            <a:pPr marL="0" lvl="0" indent="0"/>
+            <a:r>
+              <a:rPr lang="en-US" dirty="0"/>
+              <a:t>Builder Pattern</a:t>
+            </a:r>
+            <a:endParaRPr dirty="0"/>
+          </a:p>
+        </p:txBody>
+      </p:sp>
+      <p:sp>
+        <p:nvSpPr>
+          <p:cNvPr id="315" name="Google Shape;315;p29"/>
+          <p:cNvSpPr txBox="1">
+            <a:spLocks noGrp="1"/>
+          </p:cNvSpPr>
+          <p:nvPr>
+            <p:ph type="subTitle" idx="13"/>
+          </p:nvPr>
+        </p:nvSpPr>
+        <p:spPr>
+          <a:xfrm>
+            <a:off x="1909050" y="3515025"/>
+            <a:ext cx="2456100" cy="572700"/>
+          </a:xfrm>
+          <a:prstGeom prst="rect">
+            <a:avLst/>
+          </a:prstGeom>
+        </p:spPr>
+        <p:txBody>
+          <a:bodyPr spcFirstLastPara="1" wrap="square" lIns="91425" tIns="91425" rIns="91425" bIns="91425" anchor="ctr" anchorCtr="0">
+            <a:noAutofit/>
+          </a:bodyPr>
+          <a:lstStyle/>
+          <a:p>
+            <a:pPr marL="0" indent="0"/>
+            <a:r>
+              <a:rPr lang="en-US" dirty="0"/>
+              <a:t/>
+            </a:r>
+            <a:br>
+              <a:rPr lang="en-US" dirty="0"/>
+            </a:br>
+            <a:r>
+              <a:rPr lang="en-US" dirty="0"/>
+              <a:t>Composite  Pattern</a:t>
+            </a:r>
+          </a:p>
+          <a:p>
+            <a:pPr marL="0" lvl="0" indent="0" algn="l" rtl="0">
+              <a:spcBef>
+                <a:spcPts val="0"/>
+              </a:spcBef>
+              <a:spcAft>
+                <a:spcPts val="0"/>
+              </a:spcAft>
+              <a:buNone/>
+            </a:pPr>
+            <a:endParaRPr dirty="0"/>
+          </a:p>
+        </p:txBody>
+      </p:sp>
+      <p:sp>
+        <p:nvSpPr>
+          <p:cNvPr id="316" name="Google Shape;316;p29"/>
+          <p:cNvSpPr txBox="1">
+            <a:spLocks noGrp="1"/>
+          </p:cNvSpPr>
+          <p:nvPr>
+            <p:ph type="subTitle" idx="14"/>
+          </p:nvPr>
+        </p:nvSpPr>
+        <p:spPr>
+          <a:xfrm>
+            <a:off x="5474575" y="3045275"/>
+            <a:ext cx="2456100" cy="572700"/>
+          </a:xfrm>
+          <a:prstGeom prst="rect">
+            <a:avLst/>
+          </a:prstGeom>
+        </p:spPr>
+        <p:txBody>
+          <a:bodyPr spcFirstLastPara="1" wrap="square" lIns="91425" tIns="91425" rIns="91425" bIns="91425" anchor="ctr" anchorCtr="0">
+            <a:noAutofit/>
+          </a:bodyPr>
+          <a:lstStyle/>
+          <a:p>
+            <a:pPr marL="0" lvl="0" indent="0" algn="l" rtl="0">
+              <a:spcBef>
+                <a:spcPts val="0"/>
+              </a:spcBef>
+              <a:spcAft>
+                <a:spcPts val="0"/>
+              </a:spcAft>
+              <a:buNone/>
+            </a:pPr>
+            <a:r>
+              <a:rPr lang="en-US" dirty="0"/>
+              <a:t>Conclusion</a:t>
+            </a:r>
+            <a:endParaRPr dirty="0"/>
+          </a:p>
+        </p:txBody>
+      </p:sp>
+      <p:sp>
+        <p:nvSpPr>
+          <p:cNvPr id="318" name="Google Shape;318;p29"/>
+          <p:cNvSpPr txBox="1">
+            <a:spLocks noGrp="1"/>
+          </p:cNvSpPr>
+          <p:nvPr>
+            <p:ph type="title" idx="2"/>
+          </p:nvPr>
+        </p:nvSpPr>
+        <p:spPr>
+          <a:xfrm>
+            <a:off x="1219393" y="1582025"/>
+            <a:ext cx="678000" cy="572700"/>
+          </a:xfrm>
+          <a:prstGeom prst="rect">
+            <a:avLst/>
+          </a:prstGeom>
+        </p:spPr>
+        <p:txBody>
+          <a:bodyPr spcFirstLastPara="1" wrap="square" lIns="91425" tIns="91425" rIns="91425" bIns="91425" anchor="ctr" anchorCtr="0">
+            <a:noAutofit/>
+          </a:bodyPr>
+          <a:lstStyle/>
+          <a:p>
+            <a:pPr marL="0" lvl="0" indent="0" algn="ctr" rtl="0">
+              <a:spcBef>
+                <a:spcPts val="0"/>
+              </a:spcBef>
+              <a:spcAft>
+                <a:spcPts val="0"/>
+              </a:spcAft>
+              <a:buNone/>
+            </a:pPr>
+            <a:r>
+              <a:rPr lang="en"/>
+              <a:t>01</a:t>
+            </a:r>
+            <a:endParaRPr dirty="0"/>
+          </a:p>
+        </p:txBody>
+      </p:sp>
+      <p:sp>
+        <p:nvSpPr>
+          <p:cNvPr id="319" name="Google Shape;319;p29"/>
+          <p:cNvSpPr txBox="1">
+            <a:spLocks noGrp="1"/>
+          </p:cNvSpPr>
+          <p:nvPr>
+            <p:ph type="subTitle" idx="8"/>
+          </p:nvPr>
+        </p:nvSpPr>
+        <p:spPr>
+          <a:xfrm>
+            <a:off x="1909050" y="1582025"/>
+            <a:ext cx="2456100" cy="572700"/>
+          </a:xfrm>
+          <a:prstGeom prst="rect">
+            <a:avLst/>
+          </a:prstGeom>
+        </p:spPr>
+        <p:txBody>
+          <a:bodyPr spcFirstLastPara="1" wrap="square" lIns="91425" tIns="91425" rIns="91425" bIns="91425" anchor="ctr" anchorCtr="0">
+            <a:noAutofit/>
+          </a:bodyPr>
+          <a:lstStyle/>
+          <a:p>
+            <a:pPr marL="0" lvl="0" indent="0" algn="l" rtl="0">
+              <a:spcBef>
+                <a:spcPts val="0"/>
+              </a:spcBef>
+              <a:spcAft>
+                <a:spcPts val="0"/>
+              </a:spcAft>
+              <a:buNone/>
+            </a:pPr>
+            <a:r>
+              <a:rPr lang="en-US" dirty="0"/>
+              <a:t>Introduction</a:t>
+            </a:r>
+            <a:endParaRPr dirty="0"/>
+          </a:p>
+        </p:txBody>
+      </p:sp>
+    </p:spTree>
+  </p:cSld>
+  <p:clrMapOvr>
+    <a:masterClrMapping/>
+  </p:clrMapOvr>
+</p:sld>
+</file>
+
+<file path=ppt/slides/slide20.xml><?xml version="1.0" encoding="utf-8"?>
 <p:sld xmlns:a="http://schemas.openxmlformats.org/drawingml/2006/main" xmlns:r="http://schemas.openxmlformats.org/officeDocument/2006/relationships" xmlns:p="http://schemas.openxmlformats.org/presentationml/2006/main">
   <p:cSld>
     <p:spTree>
@@ -29670,12 +30698,24 @@
         </p:nvSpPr>
         <p:spPr>
           <a:xfrm>
-            <a:off x="2607994" y="961985"/>
-            <a:ext cx="4021878" cy="3795868"/>
+            <a:off x="1838562" y="971230"/>
+            <a:ext cx="5560741" cy="3795868"/>
           </a:xfrm>
           <a:prstGeom prst="rect">
             <a:avLst/>
           </a:prstGeom>
+          <a:solidFill>
+            <a:schemeClr val="bg2">
+              <a:lumMod val="10000"/>
+            </a:schemeClr>
+          </a:solidFill>
+          <a:ln>
+            <a:solidFill>
+              <a:schemeClr val="tx2">
+                <a:lumMod val="10000"/>
+              </a:schemeClr>
+            </a:solidFill>
+          </a:ln>
         </p:spPr>
         <p:txBody>
           <a:bodyPr spcFirstLastPara="1" wrap="square" lIns="91425" tIns="91425" rIns="91425" bIns="91425" anchor="ctr" anchorCtr="0">
@@ -29685,217 +30725,464 @@
           <a:p>
             <a:pPr marL="0" lvl="0" indent="0" algn="l"/>
             <a:r>
-              <a:rPr lang="en-US" sz="1400" dirty="0"/>
+              <a:rPr lang="en-US" sz="1600" dirty="0">
+                <a:solidFill>
+                  <a:schemeClr val="bg1"/>
+                </a:solidFill>
+              </a:rPr>
               <a:t>class </a:t>
             </a:r>
             <a:r>
-              <a:rPr lang="en-US" sz="1400" b="1" dirty="0" err="1"/>
+              <a:rPr lang="en-US" sz="1600" b="1" dirty="0" err="1">
+                <a:solidFill>
+                  <a:schemeClr val="bg1"/>
+                </a:solidFill>
+              </a:rPr>
               <a:t>Departement</a:t>
             </a:r>
             <a:r>
-              <a:rPr lang="en-US" sz="1400" dirty="0"/>
-              <a:t> implements </a:t>
-            </a:r>
-            <a:r>
-              <a:rPr lang="en-US" sz="1400" dirty="0" err="1"/>
-              <a:t>EntrepriseComponent</a:t>
-            </a:r>
-            <a:r>
-              <a:rPr lang="en-US" sz="1400" dirty="0"/>
-              <a:t> { </a:t>
+              <a:rPr lang="en-US" sz="1600" dirty="0">
+                <a:solidFill>
+                  <a:schemeClr val="bg1"/>
+                </a:solidFill>
+              </a:rPr>
+              <a:t> extends </a:t>
+            </a:r>
+            <a:r>
+              <a:rPr lang="en-US" sz="1600" b="1" dirty="0" err="1">
+                <a:solidFill>
+                  <a:schemeClr val="bg1"/>
+                </a:solidFill>
+              </a:rPr>
+              <a:t>Composant</a:t>
+            </a:r>
+            <a:r>
+              <a:rPr lang="en-US" sz="1600" dirty="0" smtClean="0">
+                <a:solidFill>
+                  <a:schemeClr val="bg1"/>
+                </a:solidFill>
+              </a:rPr>
+              <a:t> {</a:t>
             </a:r>
           </a:p>
           <a:p>
             <a:pPr marL="0" lvl="0" indent="0" algn="l"/>
             <a:r>
-              <a:rPr lang="en-US" sz="1400" dirty="0"/>
-              <a:t>private String nom; </a:t>
-            </a:r>
+              <a:rPr lang="en-US" sz="1600" dirty="0" smtClean="0">
+                <a:solidFill>
+                  <a:schemeClr val="bg1"/>
+                </a:solidFill>
+              </a:rPr>
+              <a:t> </a:t>
+            </a:r>
+            <a:r>
+              <a:rPr lang="en-US" sz="1600" dirty="0">
+                <a:solidFill>
+                  <a:schemeClr val="bg1"/>
+                </a:solidFill>
+              </a:rPr>
+              <a:t>private List</a:t>
+            </a:r>
+            <a:r>
+              <a:rPr lang="en-US" sz="1600" dirty="0" smtClean="0">
+                <a:solidFill>
+                  <a:schemeClr val="bg1"/>
+                </a:solidFill>
+              </a:rPr>
+              <a:t>&lt;</a:t>
+            </a:r>
+            <a:r>
+              <a:rPr lang="en-US" sz="1600" b="1" dirty="0">
+                <a:solidFill>
+                  <a:schemeClr val="bg1"/>
+                </a:solidFill>
+              </a:rPr>
+              <a:t> </a:t>
+            </a:r>
+            <a:r>
+              <a:rPr lang="en-US" sz="1600" dirty="0" err="1">
+                <a:solidFill>
+                  <a:schemeClr val="bg1"/>
+                </a:solidFill>
+              </a:rPr>
+              <a:t>Composant</a:t>
+            </a:r>
+            <a:r>
+              <a:rPr lang="en-US" sz="1600" b="1" dirty="0">
+                <a:solidFill>
+                  <a:schemeClr val="bg1"/>
+                </a:solidFill>
+              </a:rPr>
+              <a:t> </a:t>
+            </a:r>
+            <a:r>
+              <a:rPr lang="en-US" sz="1600" dirty="0" smtClean="0">
+                <a:solidFill>
+                  <a:schemeClr val="bg1"/>
+                </a:solidFill>
+              </a:rPr>
+              <a:t>&gt; </a:t>
+            </a:r>
+            <a:r>
+              <a:rPr lang="en-US" sz="1600" dirty="0" err="1">
+                <a:solidFill>
+                  <a:schemeClr val="bg1"/>
+                </a:solidFill>
+              </a:rPr>
+              <a:t>membres</a:t>
+            </a:r>
+            <a:r>
+              <a:rPr lang="en-US" sz="1600" dirty="0">
+                <a:solidFill>
+                  <a:schemeClr val="bg1"/>
+                </a:solidFill>
+              </a:rPr>
+              <a:t> = new </a:t>
+            </a:r>
+            <a:r>
+              <a:rPr lang="en-US" sz="1600" dirty="0" err="1">
+                <a:solidFill>
+                  <a:schemeClr val="bg1"/>
+                </a:solidFill>
+              </a:rPr>
+              <a:t>ArrayList</a:t>
+            </a:r>
+            <a:r>
+              <a:rPr lang="en-US" sz="1600" dirty="0">
+                <a:solidFill>
+                  <a:schemeClr val="bg1"/>
+                </a:solidFill>
+              </a:rPr>
+              <a:t>&lt;&gt;(); public </a:t>
+            </a:r>
+            <a:r>
+              <a:rPr lang="en-US" sz="1600" dirty="0" err="1">
+                <a:solidFill>
+                  <a:schemeClr val="bg1"/>
+                </a:solidFill>
+              </a:rPr>
+              <a:t>Departement</a:t>
+            </a:r>
+            <a:r>
+              <a:rPr lang="en-US" sz="1600" dirty="0">
+                <a:solidFill>
+                  <a:schemeClr val="bg1"/>
+                </a:solidFill>
+              </a:rPr>
+              <a:t>(String nom) { super(nom); } </a:t>
+            </a:r>
+            <a:endParaRPr lang="en-US" sz="1600" dirty="0" smtClean="0">
+              <a:solidFill>
+                <a:schemeClr val="bg1"/>
+              </a:solidFill>
+            </a:endParaRPr>
           </a:p>
           <a:p>
             <a:pPr marL="0" lvl="0" indent="0" algn="l"/>
             <a:r>
-              <a:rPr lang="en-US" sz="1400" dirty="0"/>
-              <a:t>private List&lt;</a:t>
-            </a:r>
-            <a:r>
-              <a:rPr lang="en-US" sz="1400" dirty="0" err="1"/>
-              <a:t>EntrepriseComponent</a:t>
-            </a:r>
-            <a:r>
-              <a:rPr lang="en-US" sz="1400" dirty="0"/>
-              <a:t>&gt; </a:t>
-            </a:r>
-            <a:r>
-              <a:rPr lang="en-US" sz="1400" dirty="0" err="1"/>
-              <a:t>membres</a:t>
-            </a:r>
-            <a:r>
-              <a:rPr lang="en-US" sz="1400" dirty="0"/>
-              <a:t> = new </a:t>
-            </a:r>
-            <a:r>
-              <a:rPr lang="en-US" sz="1400" dirty="0" err="1"/>
-              <a:t>ArrayList</a:t>
-            </a:r>
-            <a:r>
-              <a:rPr lang="en-US" sz="1400" dirty="0"/>
-              <a:t>&lt;&gt;(); public </a:t>
-            </a:r>
-            <a:r>
-              <a:rPr lang="en-US" sz="1400" dirty="0" err="1"/>
-              <a:t>Departement</a:t>
-            </a:r>
-            <a:r>
-              <a:rPr lang="en-US" sz="1400" dirty="0"/>
-              <a:t>(String nom) { </a:t>
-            </a:r>
-            <a:r>
-              <a:rPr lang="en-US" sz="1400" dirty="0" err="1"/>
-              <a:t>this.nom</a:t>
-            </a:r>
-            <a:r>
-              <a:rPr lang="en-US" sz="1400" dirty="0"/>
-              <a:t> = nom; } </a:t>
-            </a:r>
+              <a:rPr lang="en-US" sz="1600" dirty="0" smtClean="0">
+                <a:solidFill>
+                  <a:schemeClr val="bg1"/>
+                </a:solidFill>
+              </a:rPr>
+              <a:t>public </a:t>
+            </a:r>
+            <a:r>
+              <a:rPr lang="en-US" sz="1600" dirty="0">
+                <a:solidFill>
+                  <a:schemeClr val="bg1"/>
+                </a:solidFill>
+              </a:rPr>
+              <a:t>void </a:t>
+            </a:r>
+            <a:r>
+              <a:rPr lang="en-US" sz="1600" dirty="0" err="1" smtClean="0">
+                <a:solidFill>
+                  <a:schemeClr val="bg1"/>
+                </a:solidFill>
+              </a:rPr>
+              <a:t>ajouterMembre</a:t>
+            </a:r>
+            <a:r>
+              <a:rPr lang="en-US" sz="1600" dirty="0" smtClean="0">
+                <a:solidFill>
+                  <a:schemeClr val="bg1"/>
+                </a:solidFill>
+              </a:rPr>
+              <a:t>(</a:t>
+            </a:r>
+            <a:r>
+              <a:rPr lang="en-US" sz="1600" b="1" dirty="0" err="1">
+                <a:solidFill>
+                  <a:schemeClr val="bg1"/>
+                </a:solidFill>
+              </a:rPr>
+              <a:t>Composant</a:t>
+            </a:r>
+            <a:r>
+              <a:rPr lang="en-US" sz="1600" dirty="0" smtClean="0">
+                <a:solidFill>
+                  <a:schemeClr val="bg1"/>
+                </a:solidFill>
+              </a:rPr>
+              <a:t> </a:t>
+            </a:r>
+            <a:r>
+              <a:rPr lang="en-US" sz="1600" dirty="0" err="1">
+                <a:solidFill>
+                  <a:schemeClr val="bg1"/>
+                </a:solidFill>
+              </a:rPr>
+              <a:t>membre</a:t>
+            </a:r>
+            <a:r>
+              <a:rPr lang="en-US" sz="1600" dirty="0">
+                <a:solidFill>
+                  <a:schemeClr val="bg1"/>
+                </a:solidFill>
+              </a:rPr>
+              <a:t>) { </a:t>
+            </a:r>
+            <a:r>
+              <a:rPr lang="en-US" sz="1600" dirty="0" err="1">
+                <a:solidFill>
+                  <a:schemeClr val="bg1"/>
+                </a:solidFill>
+              </a:rPr>
+              <a:t>membres.add</a:t>
+            </a:r>
+            <a:r>
+              <a:rPr lang="en-US" sz="1600" dirty="0">
+                <a:solidFill>
+                  <a:schemeClr val="bg1"/>
+                </a:solidFill>
+              </a:rPr>
+              <a:t>(</a:t>
+            </a:r>
+            <a:r>
+              <a:rPr lang="en-US" sz="1600" dirty="0" err="1">
+                <a:solidFill>
+                  <a:schemeClr val="bg1"/>
+                </a:solidFill>
+              </a:rPr>
+              <a:t>membre</a:t>
+            </a:r>
+            <a:r>
+              <a:rPr lang="en-US" sz="1600" dirty="0">
+                <a:solidFill>
+                  <a:schemeClr val="bg1"/>
+                </a:solidFill>
+              </a:rPr>
+              <a:t>); } </a:t>
+            </a:r>
+            <a:endParaRPr lang="en-US" sz="1600" dirty="0" smtClean="0">
+              <a:solidFill>
+                <a:schemeClr val="bg1"/>
+              </a:solidFill>
+            </a:endParaRPr>
           </a:p>
           <a:p>
             <a:pPr marL="0" lvl="0" indent="0" algn="l"/>
             <a:r>
-              <a:rPr lang="en-US" sz="1400" dirty="0"/>
-              <a:t>public void </a:t>
-            </a:r>
-            <a:r>
-              <a:rPr lang="en-US" sz="1400" dirty="0" err="1"/>
-              <a:t>ajouterMembre</a:t>
-            </a:r>
-            <a:r>
-              <a:rPr lang="en-US" sz="1400" dirty="0"/>
-              <a:t>(</a:t>
-            </a:r>
-            <a:r>
-              <a:rPr lang="en-US" sz="1400" dirty="0" err="1"/>
-              <a:t>EntrepriseComponent</a:t>
-            </a:r>
-            <a:r>
-              <a:rPr lang="en-US" sz="1400" dirty="0"/>
+              <a:rPr lang="en-US" sz="1600" dirty="0" smtClean="0">
+                <a:solidFill>
+                  <a:schemeClr val="bg1"/>
+                </a:solidFill>
+              </a:rPr>
+              <a:t>public </a:t>
+            </a:r>
+            <a:r>
+              <a:rPr lang="en-US" sz="1600" dirty="0">
+                <a:solidFill>
+                  <a:schemeClr val="bg1"/>
+                </a:solidFill>
+              </a:rPr>
+              <a:t>void </a:t>
+            </a:r>
+            <a:r>
+              <a:rPr lang="en-US" sz="1600" dirty="0" err="1">
+                <a:solidFill>
+                  <a:schemeClr val="bg1"/>
+                </a:solidFill>
+              </a:rPr>
+              <a:t>afficherDetails</a:t>
+            </a:r>
+            <a:r>
+              <a:rPr lang="en-US" sz="1600" dirty="0">
+                <a:solidFill>
+                  <a:schemeClr val="bg1"/>
+                </a:solidFill>
+              </a:rPr>
+              <a:t>() { </a:t>
+            </a:r>
+            <a:r>
+              <a:rPr lang="en-US" sz="1600" dirty="0" err="1">
+                <a:solidFill>
+                  <a:schemeClr val="bg1"/>
+                </a:solidFill>
+              </a:rPr>
+              <a:t>System.out.println</a:t>
+            </a:r>
+            <a:r>
+              <a:rPr lang="en-US" sz="1600" dirty="0">
+                <a:solidFill>
+                  <a:schemeClr val="bg1"/>
+                </a:solidFill>
+              </a:rPr>
+              <a:t>("</a:t>
+            </a:r>
+            <a:r>
+              <a:rPr lang="en-US" sz="1600" dirty="0" err="1">
+                <a:solidFill>
+                  <a:schemeClr val="bg1"/>
+                </a:solidFill>
+              </a:rPr>
+              <a:t>Département</a:t>
+            </a:r>
+            <a:r>
+              <a:rPr lang="en-US" sz="1600" dirty="0">
+                <a:solidFill>
+                  <a:schemeClr val="bg1"/>
+                </a:solidFill>
+              </a:rPr>
+              <a:t> : " + nom); </a:t>
+            </a:r>
+            <a:r>
+              <a:rPr lang="en-US" sz="1600" dirty="0" err="1">
+                <a:solidFill>
+                  <a:schemeClr val="bg1"/>
+                </a:solidFill>
+              </a:rPr>
+              <a:t>System.out.println</a:t>
+            </a:r>
+            <a:r>
+              <a:rPr lang="en-US" sz="1600" dirty="0">
+                <a:solidFill>
+                  <a:schemeClr val="bg1"/>
+                </a:solidFill>
+              </a:rPr>
+              <a:t>("</a:t>
+            </a:r>
+            <a:r>
+              <a:rPr lang="en-US" sz="1600" dirty="0" err="1">
+                <a:solidFill>
+                  <a:schemeClr val="bg1"/>
+                </a:solidFill>
+              </a:rPr>
+              <a:t>Membres</a:t>
+            </a:r>
+            <a:r>
+              <a:rPr lang="en-US" sz="1600" dirty="0">
+                <a:solidFill>
+                  <a:schemeClr val="bg1"/>
+                </a:solidFill>
+              </a:rPr>
               <a:t> </a:t>
             </a:r>
             <a:r>
-              <a:rPr lang="en-US" sz="1400" dirty="0" err="1"/>
-              <a:t>membre</a:t>
-            </a:r>
-            <a:r>
-              <a:rPr lang="en-US" sz="1400" dirty="0"/>
-              <a:t>) </a:t>
+              <a:rPr lang="en-US" sz="1600" dirty="0" smtClean="0">
+                <a:solidFill>
+                  <a:schemeClr val="bg1"/>
+                </a:solidFill>
+              </a:rPr>
+              <a:t>:");</a:t>
             </a:r>
           </a:p>
           <a:p>
             <a:pPr marL="0" lvl="0" indent="0" algn="l"/>
             <a:r>
-              <a:rPr lang="en-US" sz="1400" dirty="0"/>
-              <a:t>{ </a:t>
-            </a:r>
-            <a:r>
-              <a:rPr lang="en-US" sz="1400" dirty="0" err="1"/>
-              <a:t>membres.add</a:t>
-            </a:r>
-            <a:r>
-              <a:rPr lang="en-US" sz="1400" dirty="0"/>
+              <a:rPr lang="en-US" sz="1600" dirty="0" smtClean="0">
+                <a:solidFill>
+                  <a:schemeClr val="bg1"/>
+                </a:solidFill>
+              </a:rPr>
+              <a:t> </a:t>
+            </a:r>
+            <a:r>
+              <a:rPr lang="en-US" sz="1600" dirty="0">
+                <a:solidFill>
+                  <a:schemeClr val="bg1"/>
+                </a:solidFill>
+              </a:rPr>
+              <a:t>for </a:t>
+            </a:r>
+            <a:r>
+              <a:rPr lang="en-US" sz="1600" dirty="0" smtClean="0">
+                <a:solidFill>
+                  <a:schemeClr val="bg1"/>
+                </a:solidFill>
+              </a:rPr>
               <a:t>(</a:t>
             </a:r>
             <a:r>
-              <a:rPr lang="en-US" sz="1400" dirty="0" err="1"/>
+              <a:rPr lang="en-US" sz="1600" b="1" dirty="0" err="1">
+                <a:solidFill>
+                  <a:schemeClr val="bg1"/>
+                </a:solidFill>
+              </a:rPr>
+              <a:t>Composant</a:t>
+            </a:r>
+            <a:r>
+              <a:rPr lang="en-US" sz="1600" dirty="0" smtClean="0">
+                <a:solidFill>
+                  <a:schemeClr val="bg1"/>
+                </a:solidFill>
+              </a:rPr>
+              <a:t> </a:t>
+            </a:r>
+            <a:r>
+              <a:rPr lang="en-US" sz="1600" dirty="0" err="1">
+                <a:solidFill>
+                  <a:schemeClr val="bg1"/>
+                </a:solidFill>
+              </a:rPr>
               <a:t>membre</a:t>
             </a:r>
             <a:r>
-              <a:rPr lang="en-US" sz="1400" dirty="0"/>
-              <a:t>); } </a:t>
-            </a:r>
-          </a:p>
-          <a:p>
-            <a:pPr marL="0" lvl="0" indent="0" algn="l"/>
-            <a:r>
-              <a:rPr lang="en-US" sz="1400" dirty="0"/>
-              <a:t>public void </a:t>
-            </a:r>
-            <a:r>
-              <a:rPr lang="en-US" sz="1400" dirty="0" err="1"/>
-              <a:t>afficherDetails</a:t>
-            </a:r>
-            <a:r>
-              <a:rPr lang="en-US" sz="1400" dirty="0"/>
-              <a:t>() { </a:t>
-            </a:r>
-            <a:r>
-              <a:rPr lang="en-US" sz="1400" dirty="0" err="1"/>
-              <a:t>System.out.println</a:t>
-            </a:r>
-            <a:r>
-              <a:rPr lang="en-US" sz="1400" dirty="0"/>
-              <a:t>("</a:t>
-            </a:r>
-            <a:r>
-              <a:rPr lang="en-US" sz="1400" dirty="0" err="1"/>
-              <a:t>Département</a:t>
-            </a:r>
-            <a:r>
-              <a:rPr lang="en-US" sz="1400" dirty="0"/>
-              <a:t> : " + nom); </a:t>
-            </a:r>
-            <a:r>
-              <a:rPr lang="en-US" sz="1400" dirty="0" err="1"/>
-              <a:t>System.out.println</a:t>
-            </a:r>
-            <a:r>
-              <a:rPr lang="en-US" sz="1400" dirty="0"/>
-              <a:t>("</a:t>
-            </a:r>
-            <a:r>
-              <a:rPr lang="en-US" sz="1400" dirty="0" err="1"/>
-              <a:t>Membres</a:t>
-            </a:r>
-            <a:r>
-              <a:rPr lang="en-US" sz="1400" dirty="0"/>
-              <a:t> :"); for (</a:t>
-            </a:r>
-            <a:r>
-              <a:rPr lang="en-US" sz="1400" dirty="0" err="1"/>
-              <a:t>EntrepriseComponent</a:t>
-            </a:r>
-            <a:r>
-              <a:rPr lang="en-US" sz="1400" dirty="0"/>
-              <a:t> </a:t>
-            </a:r>
-            <a:r>
-              <a:rPr lang="en-US" sz="1400" dirty="0" err="1"/>
-              <a:t>membre</a:t>
-            </a:r>
-            <a:r>
-              <a:rPr lang="en-US" sz="1400" dirty="0"/>
+              <a:rPr lang="en-US" sz="1600" dirty="0">
+                <a:solidFill>
+                  <a:schemeClr val="bg1"/>
+                </a:solidFill>
+              </a:rPr>
               <a:t> : </a:t>
             </a:r>
             <a:r>
-              <a:rPr lang="en-US" sz="1400" dirty="0" err="1"/>
+              <a:rPr lang="en-US" sz="1600" dirty="0" err="1">
+                <a:solidFill>
+                  <a:schemeClr val="bg1"/>
+                </a:solidFill>
+              </a:rPr>
               <a:t>membres</a:t>
             </a:r>
             <a:r>
-              <a:rPr lang="en-US" sz="1400" dirty="0"/>
+              <a:rPr lang="en-US" sz="1600" dirty="0">
+                <a:solidFill>
+                  <a:schemeClr val="bg1"/>
+                </a:solidFill>
+              </a:rPr>
               <a:t>) { </a:t>
             </a:r>
             <a:r>
-              <a:rPr lang="en-US" sz="1400" dirty="0" err="1"/>
+              <a:rPr lang="en-US" sz="1600" dirty="0" err="1">
+                <a:solidFill>
+                  <a:schemeClr val="bg1"/>
+                </a:solidFill>
+              </a:rPr>
               <a:t>membre.afficherDetails</a:t>
             </a:r>
             <a:r>
-              <a:rPr lang="en-US" sz="1400" dirty="0"/>
+              <a:rPr lang="en-US" sz="1600" dirty="0">
+                <a:solidFill>
+                  <a:schemeClr val="bg1"/>
+                </a:solidFill>
+              </a:rPr>
               <a:t>(); } } }</a:t>
             </a:r>
-            <a:r>
-              <a:rPr lang="en-US" sz="1600" dirty="0"/>
-              <a:t>} }</a:t>
-            </a:r>
-            <a:endParaRPr sz="1600" dirty="0"/>
+            <a:endParaRPr sz="2000" dirty="0">
+              <a:solidFill>
+                <a:schemeClr val="bg1"/>
+              </a:solidFill>
+            </a:endParaRPr>
           </a:p>
         </p:txBody>
       </p:sp>
@@ -29911,8 +31198,8 @@
         </p:nvSpPr>
         <p:spPr>
           <a:xfrm>
-            <a:off x="2607994" y="485382"/>
-            <a:ext cx="4034948" cy="457500"/>
+            <a:off x="1838562" y="485382"/>
+            <a:ext cx="5560741" cy="457500"/>
           </a:xfrm>
           <a:prstGeom prst="rect">
             <a:avLst/>
@@ -29940,7 +31227,7 @@
         </p:nvSpPr>
         <p:spPr>
           <a:xfrm>
-            <a:off x="4286724" y="126219"/>
+            <a:off x="4152910" y="126219"/>
             <a:ext cx="664418" cy="330815"/>
           </a:xfrm>
           <a:custGeom>
@@ -31464,499 +32751,7 @@
 </p:sld>
 </file>
 
-<file path=ppt/slides/slide2.xml><?xml version="1.0" encoding="utf-8"?>
-<p:sld xmlns:a="http://schemas.openxmlformats.org/drawingml/2006/main" xmlns:r="http://schemas.openxmlformats.org/officeDocument/2006/relationships" xmlns:p="http://schemas.openxmlformats.org/presentationml/2006/main">
-  <p:cSld>
-    <p:spTree>
-      <p:nvGrpSpPr>
-        <p:cNvPr id="1" name="Shape 306"/>
-        <p:cNvGrpSpPr/>
-        <p:nvPr/>
-      </p:nvGrpSpPr>
-      <p:grpSpPr>
-        <a:xfrm>
-          <a:off x="0" y="0"/>
-          <a:ext cx="0" cy="0"/>
-          <a:chOff x="0" y="0"/>
-          <a:chExt cx="0" cy="0"/>
-        </a:xfrm>
-      </p:grpSpPr>
-      <p:sp>
-        <p:nvSpPr>
-          <p:cNvPr id="307" name="Google Shape;307;p29"/>
-          <p:cNvSpPr txBox="1">
-            <a:spLocks noGrp="1"/>
-          </p:cNvSpPr>
-          <p:nvPr>
-            <p:ph type="title"/>
-          </p:nvPr>
-        </p:nvSpPr>
-        <p:spPr>
-          <a:xfrm>
-            <a:off x="720000" y="445025"/>
-            <a:ext cx="7704000" cy="572700"/>
-          </a:xfrm>
-          <a:prstGeom prst="rect">
-            <a:avLst/>
-          </a:prstGeom>
-          <a:effectLst>
-            <a:outerShdw dist="171450" dir="19080000" algn="bl" rotWithShape="0">
-              <a:schemeClr val="dk2"/>
-            </a:outerShdw>
-          </a:effectLst>
-        </p:spPr>
-        <p:txBody>
-          <a:bodyPr spcFirstLastPara="1" wrap="square" lIns="91425" tIns="91425" rIns="91425" bIns="91425" anchor="t" anchorCtr="0">
-            <a:noAutofit/>
-          </a:bodyPr>
-          <a:lstStyle/>
-          <a:p>
-            <a:pPr marL="0" lvl="0" indent="0" algn="ctr" rtl="0">
-              <a:spcBef>
-                <a:spcPts val="0"/>
-              </a:spcBef>
-              <a:spcAft>
-                <a:spcPts val="0"/>
-              </a:spcAft>
-              <a:buNone/>
-            </a:pPr>
-            <a:r>
-              <a:rPr lang="en-US" dirty="0"/>
-              <a:t>Plan</a:t>
-            </a:r>
-            <a:endParaRPr dirty="0"/>
-          </a:p>
-        </p:txBody>
-      </p:sp>
-      <p:sp>
-        <p:nvSpPr>
-          <p:cNvPr id="308" name="Google Shape;308;p29"/>
-          <p:cNvSpPr txBox="1">
-            <a:spLocks noGrp="1"/>
-          </p:cNvSpPr>
-          <p:nvPr>
-            <p:ph type="title" idx="3"/>
-          </p:nvPr>
-        </p:nvSpPr>
-        <p:spPr>
-          <a:xfrm>
-            <a:off x="4796575" y="2006825"/>
-            <a:ext cx="678000" cy="572700"/>
-          </a:xfrm>
-          <a:prstGeom prst="rect">
-            <a:avLst/>
-          </a:prstGeom>
-        </p:spPr>
-        <p:txBody>
-          <a:bodyPr spcFirstLastPara="1" wrap="square" lIns="91425" tIns="91425" rIns="91425" bIns="91425" anchor="ctr" anchorCtr="0">
-            <a:noAutofit/>
-          </a:bodyPr>
-          <a:lstStyle/>
-          <a:p>
-            <a:pPr marL="0" lvl="0" indent="0" algn="ctr" rtl="0">
-              <a:spcBef>
-                <a:spcPts val="0"/>
-              </a:spcBef>
-              <a:spcAft>
-                <a:spcPts val="0"/>
-              </a:spcAft>
-              <a:buNone/>
-            </a:pPr>
-            <a:r>
-              <a:rPr lang="en"/>
-              <a:t>04</a:t>
-            </a:r>
-            <a:endParaRPr dirty="0"/>
-          </a:p>
-        </p:txBody>
-      </p:sp>
-      <p:sp>
-        <p:nvSpPr>
-          <p:cNvPr id="309" name="Google Shape;309;p29"/>
-          <p:cNvSpPr txBox="1">
-            <a:spLocks noGrp="1"/>
-          </p:cNvSpPr>
-          <p:nvPr>
-            <p:ph type="title" idx="4"/>
-          </p:nvPr>
-        </p:nvSpPr>
-        <p:spPr>
-          <a:xfrm>
-            <a:off x="1213325" y="2548550"/>
-            <a:ext cx="678000" cy="572700"/>
-          </a:xfrm>
-          <a:prstGeom prst="rect">
-            <a:avLst/>
-          </a:prstGeom>
-        </p:spPr>
-        <p:txBody>
-          <a:bodyPr spcFirstLastPara="1" wrap="square" lIns="91425" tIns="91425" rIns="91425" bIns="91425" anchor="ctr" anchorCtr="0">
-            <a:noAutofit/>
-          </a:bodyPr>
-          <a:lstStyle/>
-          <a:p>
-            <a:pPr marL="0" lvl="0" indent="0" algn="ctr" rtl="0">
-              <a:spcBef>
-                <a:spcPts val="0"/>
-              </a:spcBef>
-              <a:spcAft>
-                <a:spcPts val="0"/>
-              </a:spcAft>
-              <a:buNone/>
-            </a:pPr>
-            <a:r>
-              <a:rPr lang="en"/>
-              <a:t>02</a:t>
-            </a:r>
-            <a:endParaRPr dirty="0"/>
-          </a:p>
-        </p:txBody>
-      </p:sp>
-      <p:sp>
-        <p:nvSpPr>
-          <p:cNvPr id="310" name="Google Shape;310;p29"/>
-          <p:cNvSpPr txBox="1">
-            <a:spLocks noGrp="1"/>
-          </p:cNvSpPr>
-          <p:nvPr>
-            <p:ph type="title" idx="5"/>
-          </p:nvPr>
-        </p:nvSpPr>
-        <p:spPr>
-          <a:xfrm>
-            <a:off x="4796575" y="3045277"/>
-            <a:ext cx="678000" cy="572700"/>
-          </a:xfrm>
-          <a:prstGeom prst="rect">
-            <a:avLst/>
-          </a:prstGeom>
-        </p:spPr>
-        <p:txBody>
-          <a:bodyPr spcFirstLastPara="1" wrap="square" lIns="91425" tIns="91425" rIns="91425" bIns="91425" anchor="ctr" anchorCtr="0">
-            <a:noAutofit/>
-          </a:bodyPr>
-          <a:lstStyle/>
-          <a:p>
-            <a:pPr marL="0" lvl="0" indent="0" algn="ctr" rtl="0">
-              <a:spcBef>
-                <a:spcPts val="0"/>
-              </a:spcBef>
-              <a:spcAft>
-                <a:spcPts val="0"/>
-              </a:spcAft>
-              <a:buNone/>
-            </a:pPr>
-            <a:r>
-              <a:rPr lang="en"/>
-              <a:t>05</a:t>
-            </a:r>
-            <a:endParaRPr dirty="0"/>
-          </a:p>
-        </p:txBody>
-      </p:sp>
-      <p:sp>
-        <p:nvSpPr>
-          <p:cNvPr id="311" name="Google Shape;311;p29"/>
-          <p:cNvSpPr txBox="1">
-            <a:spLocks noGrp="1"/>
-          </p:cNvSpPr>
-          <p:nvPr>
-            <p:ph type="title" idx="6"/>
-          </p:nvPr>
-        </p:nvSpPr>
-        <p:spPr>
-          <a:xfrm>
-            <a:off x="1213325" y="3515125"/>
-            <a:ext cx="678000" cy="572700"/>
-          </a:xfrm>
-          <a:prstGeom prst="rect">
-            <a:avLst/>
-          </a:prstGeom>
-        </p:spPr>
-        <p:txBody>
-          <a:bodyPr spcFirstLastPara="1" wrap="square" lIns="91425" tIns="91425" rIns="91425" bIns="91425" anchor="ctr" anchorCtr="0">
-            <a:noAutofit/>
-          </a:bodyPr>
-          <a:lstStyle/>
-          <a:p>
-            <a:pPr marL="0" lvl="0" indent="0" algn="ctr" rtl="0">
-              <a:spcBef>
-                <a:spcPts val="0"/>
-              </a:spcBef>
-              <a:spcAft>
-                <a:spcPts val="0"/>
-              </a:spcAft>
-              <a:buNone/>
-            </a:pPr>
-            <a:r>
-              <a:rPr lang="en"/>
-              <a:t>03</a:t>
-            </a:r>
-            <a:endParaRPr dirty="0"/>
-          </a:p>
-        </p:txBody>
-      </p:sp>
-      <p:sp>
-        <p:nvSpPr>
-          <p:cNvPr id="313" name="Google Shape;313;p29"/>
-          <p:cNvSpPr txBox="1">
-            <a:spLocks noGrp="1"/>
-          </p:cNvSpPr>
-          <p:nvPr>
-            <p:ph type="subTitle" idx="1"/>
-          </p:nvPr>
-        </p:nvSpPr>
-        <p:spPr>
-          <a:xfrm>
-            <a:off x="1909050" y="2548550"/>
-            <a:ext cx="2456100" cy="572700"/>
-          </a:xfrm>
-          <a:prstGeom prst="rect">
-            <a:avLst/>
-          </a:prstGeom>
-        </p:spPr>
-        <p:txBody>
-          <a:bodyPr spcFirstLastPara="1" wrap="square" lIns="91425" tIns="91425" rIns="91425" bIns="91425" anchor="ctr" anchorCtr="0">
-            <a:noAutofit/>
-          </a:bodyPr>
-          <a:lstStyle/>
-          <a:p>
-            <a:pPr marL="0" lvl="0" indent="0" algn="l" rtl="0">
-              <a:spcBef>
-                <a:spcPts val="0"/>
-              </a:spcBef>
-              <a:spcAft>
-                <a:spcPts val="0"/>
-              </a:spcAft>
-              <a:buNone/>
-            </a:pPr>
-            <a:r>
-              <a:rPr lang="en-US" dirty="0"/>
-              <a:t>Observer Pattern</a:t>
-            </a:r>
-            <a:endParaRPr dirty="0"/>
-          </a:p>
-        </p:txBody>
-      </p:sp>
-      <p:sp>
-        <p:nvSpPr>
-          <p:cNvPr id="314" name="Google Shape;314;p29"/>
-          <p:cNvSpPr txBox="1">
-            <a:spLocks noGrp="1"/>
-          </p:cNvSpPr>
-          <p:nvPr>
-            <p:ph type="subTitle" idx="9"/>
-          </p:nvPr>
-        </p:nvSpPr>
-        <p:spPr>
-          <a:xfrm>
-            <a:off x="5474575" y="2006825"/>
-            <a:ext cx="2456100" cy="572700"/>
-          </a:xfrm>
-          <a:prstGeom prst="rect">
-            <a:avLst/>
-          </a:prstGeom>
-        </p:spPr>
-        <p:txBody>
-          <a:bodyPr spcFirstLastPara="1" wrap="square" lIns="91425" tIns="91425" rIns="91425" bIns="91425" anchor="ctr" anchorCtr="0">
-            <a:noAutofit/>
-          </a:bodyPr>
-          <a:lstStyle/>
-          <a:p>
-            <a:pPr marL="0" lvl="0" indent="0" algn="l" rtl="0">
-              <a:spcBef>
-                <a:spcPts val="0"/>
-              </a:spcBef>
-              <a:spcAft>
-                <a:spcPts val="0"/>
-              </a:spcAft>
-              <a:buNone/>
-            </a:pPr>
-            <a:r>
-              <a:rPr lang="en-US" dirty="0"/>
-              <a:t>Composite  Pattern</a:t>
-            </a:r>
-            <a:endParaRPr dirty="0"/>
-          </a:p>
-        </p:txBody>
-      </p:sp>
-      <p:sp>
-        <p:nvSpPr>
-          <p:cNvPr id="315" name="Google Shape;315;p29"/>
-          <p:cNvSpPr txBox="1">
-            <a:spLocks noGrp="1"/>
-          </p:cNvSpPr>
-          <p:nvPr>
-            <p:ph type="subTitle" idx="13"/>
-          </p:nvPr>
-        </p:nvSpPr>
-        <p:spPr>
-          <a:xfrm>
-            <a:off x="1909050" y="3515025"/>
-            <a:ext cx="2456100" cy="572700"/>
-          </a:xfrm>
-          <a:prstGeom prst="rect">
-            <a:avLst/>
-          </a:prstGeom>
-        </p:spPr>
-        <p:txBody>
-          <a:bodyPr spcFirstLastPara="1" wrap="square" lIns="91425" tIns="91425" rIns="91425" bIns="91425" anchor="ctr" anchorCtr="0">
-            <a:noAutofit/>
-          </a:bodyPr>
-          <a:lstStyle/>
-          <a:p>
-            <a:pPr marL="0" lvl="0" indent="0" algn="l" rtl="0">
-              <a:spcBef>
-                <a:spcPts val="0"/>
-              </a:spcBef>
-              <a:spcAft>
-                <a:spcPts val="0"/>
-              </a:spcAft>
-              <a:buNone/>
-            </a:pPr>
-            <a:r>
-              <a:rPr lang="en-US" dirty="0"/>
-              <a:t>Builder Pattern</a:t>
-            </a:r>
-            <a:endParaRPr dirty="0"/>
-          </a:p>
-        </p:txBody>
-      </p:sp>
-      <p:sp>
-        <p:nvSpPr>
-          <p:cNvPr id="316" name="Google Shape;316;p29"/>
-          <p:cNvSpPr txBox="1">
-            <a:spLocks noGrp="1"/>
-          </p:cNvSpPr>
-          <p:nvPr>
-            <p:ph type="subTitle" idx="14"/>
-          </p:nvPr>
-        </p:nvSpPr>
-        <p:spPr>
-          <a:xfrm>
-            <a:off x="5474575" y="3045275"/>
-            <a:ext cx="2456100" cy="572700"/>
-          </a:xfrm>
-          <a:prstGeom prst="rect">
-            <a:avLst/>
-          </a:prstGeom>
-        </p:spPr>
-        <p:txBody>
-          <a:bodyPr spcFirstLastPara="1" wrap="square" lIns="91425" tIns="91425" rIns="91425" bIns="91425" anchor="ctr" anchorCtr="0">
-            <a:noAutofit/>
-          </a:bodyPr>
-          <a:lstStyle/>
-          <a:p>
-            <a:pPr marL="0" lvl="0" indent="0" algn="l" rtl="0">
-              <a:spcBef>
-                <a:spcPts val="0"/>
-              </a:spcBef>
-              <a:spcAft>
-                <a:spcPts val="0"/>
-              </a:spcAft>
-              <a:buNone/>
-            </a:pPr>
-            <a:r>
-              <a:rPr lang="en-US" dirty="0"/>
-              <a:t>Conclusion</a:t>
-            </a:r>
-            <a:endParaRPr dirty="0"/>
-          </a:p>
-        </p:txBody>
-      </p:sp>
-      <p:sp>
-        <p:nvSpPr>
-          <p:cNvPr id="318" name="Google Shape;318;p29"/>
-          <p:cNvSpPr txBox="1">
-            <a:spLocks noGrp="1"/>
-          </p:cNvSpPr>
-          <p:nvPr>
-            <p:ph type="title" idx="2"/>
-          </p:nvPr>
-        </p:nvSpPr>
-        <p:spPr>
-          <a:xfrm>
-            <a:off x="1219393" y="1582025"/>
-            <a:ext cx="678000" cy="572700"/>
-          </a:xfrm>
-          <a:prstGeom prst="rect">
-            <a:avLst/>
-          </a:prstGeom>
-        </p:spPr>
-        <p:txBody>
-          <a:bodyPr spcFirstLastPara="1" wrap="square" lIns="91425" tIns="91425" rIns="91425" bIns="91425" anchor="ctr" anchorCtr="0">
-            <a:noAutofit/>
-          </a:bodyPr>
-          <a:lstStyle/>
-          <a:p>
-            <a:pPr marL="0" lvl="0" indent="0" algn="ctr" rtl="0">
-              <a:spcBef>
-                <a:spcPts val="0"/>
-              </a:spcBef>
-              <a:spcAft>
-                <a:spcPts val="0"/>
-              </a:spcAft>
-              <a:buNone/>
-            </a:pPr>
-            <a:r>
-              <a:rPr lang="en"/>
-              <a:t>01</a:t>
-            </a:r>
-            <a:endParaRPr dirty="0"/>
-          </a:p>
-        </p:txBody>
-      </p:sp>
-      <p:sp>
-        <p:nvSpPr>
-          <p:cNvPr id="319" name="Google Shape;319;p29"/>
-          <p:cNvSpPr txBox="1">
-            <a:spLocks noGrp="1"/>
-          </p:cNvSpPr>
-          <p:nvPr>
-            <p:ph type="subTitle" idx="8"/>
-          </p:nvPr>
-        </p:nvSpPr>
-        <p:spPr>
-          <a:xfrm>
-            <a:off x="1909050" y="1582025"/>
-            <a:ext cx="2456100" cy="572700"/>
-          </a:xfrm>
-          <a:prstGeom prst="rect">
-            <a:avLst/>
-          </a:prstGeom>
-        </p:spPr>
-        <p:txBody>
-          <a:bodyPr spcFirstLastPara="1" wrap="square" lIns="91425" tIns="91425" rIns="91425" bIns="91425" anchor="ctr" anchorCtr="0">
-            <a:noAutofit/>
-          </a:bodyPr>
-          <a:lstStyle/>
-          <a:p>
-            <a:pPr marL="0" lvl="0" indent="0" algn="l" rtl="0">
-              <a:spcBef>
-                <a:spcPts val="0"/>
-              </a:spcBef>
-              <a:spcAft>
-                <a:spcPts val="0"/>
-              </a:spcAft>
-              <a:buNone/>
-            </a:pPr>
-            <a:r>
-              <a:rPr lang="en-US" dirty="0"/>
-              <a:t>Introduction</a:t>
-            </a:r>
-            <a:endParaRPr dirty="0"/>
-          </a:p>
-        </p:txBody>
-      </p:sp>
-    </p:spTree>
-  </p:cSld>
-  <p:clrMapOvr>
-    <a:masterClrMapping/>
-  </p:clrMapOvr>
-</p:sld>
-</file>
-
-<file path=ppt/slides/slide20.xml><?xml version="1.0" encoding="utf-8"?>
+<file path=ppt/slides/slide21.xml><?xml version="1.0" encoding="utf-8"?>
 <p:sld xmlns:a="http://schemas.openxmlformats.org/drawingml/2006/main" xmlns:r="http://schemas.openxmlformats.org/officeDocument/2006/relationships" xmlns:p="http://schemas.openxmlformats.org/presentationml/2006/main">
   <p:cSld>
     <p:spTree>
@@ -32731,7 +33526,7 @@
 </p:sld>
 </file>
 
-<file path=ppt/slides/slide21.xml><?xml version="1.0" encoding="utf-8"?>
+<file path=ppt/slides/slide22.xml><?xml version="1.0" encoding="utf-8"?>
 <p:sld xmlns:a="http://schemas.openxmlformats.org/drawingml/2006/main" xmlns:r="http://schemas.openxmlformats.org/officeDocument/2006/relationships" xmlns:p="http://schemas.openxmlformats.org/presentationml/2006/main">
   <p:cSld>
     <p:spTree>
@@ -34796,7 +35591,7 @@
 </p:sld>
 </file>
 
-<file path=ppt/slides/slide22.xml><?xml version="1.0" encoding="utf-8"?>
+<file path=ppt/slides/slide23.xml><?xml version="1.0" encoding="utf-8"?>
 <p:sld xmlns:a="http://schemas.openxmlformats.org/drawingml/2006/main" xmlns:r="http://schemas.openxmlformats.org/officeDocument/2006/relationships" xmlns:p="http://schemas.openxmlformats.org/presentationml/2006/main">
   <p:cSld>
     <p:spTree>
@@ -37948,7 +38743,7 @@
 </p:sld>
 </file>
 
-<file path=ppt/slides/slide23.xml><?xml version="1.0" encoding="utf-8"?>
+<file path=ppt/slides/slide24.xml><?xml version="1.0" encoding="utf-8"?>
 <p:sld xmlns:a="http://schemas.openxmlformats.org/drawingml/2006/main" xmlns:r="http://schemas.openxmlformats.org/officeDocument/2006/relationships" xmlns:p="http://schemas.openxmlformats.org/presentationml/2006/main">
   <p:cSld>
     <p:spTree>
@@ -38922,7 +39717,7 @@
 </p:sld>
 </file>
 
-<file path=ppt/slides/slide24.xml><?xml version="1.0" encoding="utf-8"?>
+<file path=ppt/slides/slide25.xml><?xml version="1.0" encoding="utf-8"?>
 <p:sld xmlns:a="http://schemas.openxmlformats.org/drawingml/2006/main" xmlns:r="http://schemas.openxmlformats.org/officeDocument/2006/relationships" xmlns:p="http://schemas.openxmlformats.org/presentationml/2006/main">
   <p:cSld>
     <p:spTree>
@@ -39021,7 +39816,7 @@
 </p:sld>
 </file>
 
-<file path=ppt/slides/slide25.xml><?xml version="1.0" encoding="utf-8"?>
+<file path=ppt/slides/slide26.xml><?xml version="1.0" encoding="utf-8"?>
 <p:sld xmlns:a="http://schemas.openxmlformats.org/drawingml/2006/main" xmlns:r="http://schemas.openxmlformats.org/officeDocument/2006/relationships" xmlns:p="http://schemas.openxmlformats.org/presentationml/2006/main">
   <p:cSld>
     <p:spTree>
@@ -40451,7 +41246,7 @@
 </p:sld>
 </file>
 
-<file path=ppt/slides/slide26.xml><?xml version="1.0" encoding="utf-8"?>
+<file path=ppt/slides/slide27.xml><?xml version="1.0" encoding="utf-8"?>
 <p:sld xmlns:a="http://schemas.openxmlformats.org/drawingml/2006/main" xmlns:r="http://schemas.openxmlformats.org/officeDocument/2006/relationships" xmlns:p="http://schemas.openxmlformats.org/presentationml/2006/main">
   <p:cSld>
     <p:spTree>

--- a/DesignPatternsJEE1.pptx
+++ b/DesignPatternsJEE1.pptx
@@ -5,7 +5,7 @@
     <p:sldMasterId id="2147483672" r:id="rId1"/>
   </p:sldMasterIdLst>
   <p:notesMasterIdLst>
-    <p:notesMasterId r:id="rId29"/>
+    <p:notesMasterId r:id="rId30"/>
   </p:notesMasterIdLst>
   <p:sldIdLst>
     <p:sldId id="256" r:id="rId2"/>
@@ -30,40 +30,45 @@
     <p:sldId id="317" r:id="rId21"/>
     <p:sldId id="300" r:id="rId22"/>
     <p:sldId id="301" r:id="rId23"/>
-    <p:sldId id="303" r:id="rId24"/>
+    <p:sldId id="302" r:id="rId24"/>
     <p:sldId id="264" r:id="rId25"/>
-    <p:sldId id="302" r:id="rId26"/>
-    <p:sldId id="304" r:id="rId27"/>
-    <p:sldId id="305" r:id="rId28"/>
+    <p:sldId id="319" r:id="rId26"/>
+    <p:sldId id="320" r:id="rId27"/>
+    <p:sldId id="321" r:id="rId28"/>
+    <p:sldId id="304" r:id="rId29"/>
   </p:sldIdLst>
   <p:sldSz cx="9144000" cy="5143500" type="screen16x9"/>
   <p:notesSz cx="6858000" cy="9144000"/>
   <p:embeddedFontLst>
     <p:embeddedFont>
       <p:font typeface="IBM Plex Sans KR" panose="020B0604020202020204" charset="-127"/>
-      <p:regular r:id="rId30"/>
-      <p:bold r:id="rId31"/>
+      <p:regular r:id="rId31"/>
+      <p:bold r:id="rId32"/>
+    </p:embeddedFont>
+    <p:embeddedFont>
+      <p:font typeface="Algerian" panose="04020705040A02060702" pitchFamily="82" charset="0"/>
+      <p:regular r:id="rId33"/>
     </p:embeddedFont>
     <p:embeddedFont>
       <p:font typeface="Anuphan" panose="020B0604020202020204" charset="-34"/>
-      <p:regular r:id="rId32"/>
-      <p:bold r:id="rId33"/>
+      <p:regular r:id="rId34"/>
+      <p:bold r:id="rId35"/>
     </p:embeddedFont>
     <p:embeddedFont>
-      <p:font typeface="Bebas Neue" panose="020B0604020202020204" charset="0"/>
-      <p:regular r:id="rId34"/>
+      <p:font typeface="Bebas Neue" panose="020B0606020202050201" pitchFamily="34" charset="0"/>
+      <p:regular r:id="rId36"/>
     </p:embeddedFont>
     <p:embeddedFont>
-      <p:font typeface="Raleway" panose="020B0604020202020204" charset="0"/>
-      <p:regular r:id="rId35"/>
-      <p:bold r:id="rId36"/>
-      <p:italic r:id="rId37"/>
-      <p:boldItalic r:id="rId38"/>
+      <p:font typeface="Nunito Light" pitchFamily="2" charset="0"/>
+      <p:regular r:id="rId37"/>
+      <p:italic r:id="rId38"/>
     </p:embeddedFont>
     <p:embeddedFont>
-      <p:font typeface="Nunito Light" panose="020B0604020202020204" charset="0"/>
+      <p:font typeface="Raleway" pitchFamily="2" charset="0"/>
       <p:regular r:id="rId39"/>
-      <p:italic r:id="rId40"/>
+      <p:bold r:id="rId40"/>
+      <p:italic r:id="rId41"/>
+      <p:boldItalic r:id="rId42"/>
     </p:embeddedFont>
   </p:embeddedFontLst>
   <p:defaultTextStyle>
@@ -1834,7 +1839,7 @@
   <p:cSld>
     <p:spTree>
       <p:nvGrpSpPr>
-        <p:cNvPr id="1" name="Shape 338"/>
+        <p:cNvPr id="1" name="Shape 357"/>
         <p:cNvGrpSpPr/>
         <p:nvPr/>
       </p:nvGrpSpPr>
@@ -1848,7 +1853,7 @@
       </p:grpSpPr>
       <p:sp>
         <p:nvSpPr>
-          <p:cNvPr id="339" name="Google Shape;339;g1125d80b419_0_200:notes"/>
+          <p:cNvPr id="358" name="Google Shape;358;g110860aa576_0_0:notes"/>
           <p:cNvSpPr>
             <a:spLocks noGrp="1" noRot="1" noChangeAspect="1"/>
           </p:cNvSpPr>
@@ -1889,7 +1894,7 @@
       </p:sp>
       <p:sp>
         <p:nvSpPr>
-          <p:cNvPr id="340" name="Google Shape;340;g1125d80b419_0_200:notes"/>
+          <p:cNvPr id="359" name="Google Shape;359;g110860aa576_0_0:notes"/>
           <p:cNvSpPr txBox="1">
             <a:spLocks noGrp="1"/>
           </p:cNvSpPr>
@@ -1921,14 +1926,14 @@
               </a:spcAft>
               <a:buNone/>
             </a:pPr>
-            <a:endParaRPr dirty="0"/>
+            <a:endParaRPr/>
           </a:p>
         </p:txBody>
       </p:sp>
     </p:spTree>
     <p:extLst>
       <p:ext uri="{BB962C8B-B14F-4D97-AF65-F5344CB8AC3E}">
-        <p14:creationId xmlns:p14="http://schemas.microsoft.com/office/powerpoint/2010/main" val="3165176965"/>
+        <p14:creationId xmlns:p14="http://schemas.microsoft.com/office/powerpoint/2010/main" val="868861877"/>
       </p:ext>
     </p:extLst>
   </p:cSld>
@@ -2151,7 +2156,7 @@
   <p:cSld>
     <p:spTree>
       <p:nvGrpSpPr>
-        <p:cNvPr id="1" name="Shape 357"/>
+        <p:cNvPr id="1" name="Shape 425"/>
         <p:cNvGrpSpPr/>
         <p:nvPr/>
       </p:nvGrpSpPr>
@@ -2165,7 +2170,7 @@
       </p:grpSpPr>
       <p:sp>
         <p:nvSpPr>
-          <p:cNvPr id="358" name="Google Shape;358;g110860aa576_0_0:notes"/>
+          <p:cNvPr id="426" name="Google Shape;426;g1125d80b419_0_108:notes"/>
           <p:cNvSpPr>
             <a:spLocks noGrp="1" noRot="1" noChangeAspect="1"/>
           </p:cNvSpPr>
@@ -2206,7 +2211,7 @@
       </p:sp>
       <p:sp>
         <p:nvSpPr>
-          <p:cNvPr id="359" name="Google Shape;359;g110860aa576_0_0:notes"/>
+          <p:cNvPr id="427" name="Google Shape;427;g1125d80b419_0_108:notes"/>
           <p:cNvSpPr txBox="1">
             <a:spLocks noGrp="1"/>
           </p:cNvSpPr>
@@ -2245,7 +2250,7 @@
     </p:spTree>
     <p:extLst>
       <p:ext uri="{BB962C8B-B14F-4D97-AF65-F5344CB8AC3E}">
-        <p14:creationId xmlns:p14="http://schemas.microsoft.com/office/powerpoint/2010/main" val="868861877"/>
+        <p14:creationId xmlns:p14="http://schemas.microsoft.com/office/powerpoint/2010/main" val="3424637961"/>
       </p:ext>
     </p:extLst>
   </p:cSld>
@@ -2354,7 +2359,7 @@
     </p:spTree>
     <p:extLst>
       <p:ext uri="{BB962C8B-B14F-4D97-AF65-F5344CB8AC3E}">
-        <p14:creationId xmlns:p14="http://schemas.microsoft.com/office/powerpoint/2010/main" val="3208344032"/>
+        <p14:creationId xmlns:p14="http://schemas.microsoft.com/office/powerpoint/2010/main" val="2264330988"/>
       </p:ext>
     </p:extLst>
   </p:cSld>
@@ -2365,6 +2370,115 @@
 </file>
 
 <file path=ppt/notesSlides/notesSlide23.xml><?xml version="1.0" encoding="utf-8"?>
+<p:notes xmlns:a="http://schemas.openxmlformats.org/drawingml/2006/main" xmlns:r="http://schemas.openxmlformats.org/officeDocument/2006/relationships" xmlns:p="http://schemas.openxmlformats.org/presentationml/2006/main" showMasterSp="0" showMasterPhAnim="0">
+  <p:cSld>
+    <p:spTree>
+      <p:nvGrpSpPr>
+        <p:cNvPr id="1" name="Shape 338"/>
+        <p:cNvGrpSpPr/>
+        <p:nvPr/>
+      </p:nvGrpSpPr>
+      <p:grpSpPr>
+        <a:xfrm>
+          <a:off x="0" y="0"/>
+          <a:ext cx="0" cy="0"/>
+          <a:chOff x="0" y="0"/>
+          <a:chExt cx="0" cy="0"/>
+        </a:xfrm>
+      </p:grpSpPr>
+      <p:sp>
+        <p:nvSpPr>
+          <p:cNvPr id="339" name="Google Shape;339;g1125d80b419_0_200:notes"/>
+          <p:cNvSpPr>
+            <a:spLocks noGrp="1" noRot="1" noChangeAspect="1"/>
+          </p:cNvSpPr>
+          <p:nvPr>
+            <p:ph type="sldImg" idx="2"/>
+          </p:nvPr>
+        </p:nvSpPr>
+        <p:spPr>
+          <a:xfrm>
+            <a:off x="381000" y="685800"/>
+            <a:ext cx="6096000" cy="3429000"/>
+          </a:xfrm>
+          <a:custGeom>
+            <a:avLst/>
+            <a:gdLst/>
+            <a:ahLst/>
+            <a:cxnLst/>
+            <a:rect l="l" t="t" r="r" b="b"/>
+            <a:pathLst>
+              <a:path w="120000" h="120000" extrusionOk="0">
+                <a:moveTo>
+                  <a:pt x="0" y="0"/>
+                </a:moveTo>
+                <a:lnTo>
+                  <a:pt x="120000" y="0"/>
+                </a:lnTo>
+                <a:lnTo>
+                  <a:pt x="120000" y="120000"/>
+                </a:lnTo>
+                <a:lnTo>
+                  <a:pt x="0" y="120000"/>
+                </a:lnTo>
+                <a:close/>
+              </a:path>
+            </a:pathLst>
+          </a:custGeom>
+        </p:spPr>
+      </p:sp>
+      <p:sp>
+        <p:nvSpPr>
+          <p:cNvPr id="340" name="Google Shape;340;g1125d80b419_0_200:notes"/>
+          <p:cNvSpPr txBox="1">
+            <a:spLocks noGrp="1"/>
+          </p:cNvSpPr>
+          <p:nvPr>
+            <p:ph type="body" idx="1"/>
+          </p:nvPr>
+        </p:nvSpPr>
+        <p:spPr>
+          <a:xfrm>
+            <a:off x="685800" y="4343400"/>
+            <a:ext cx="5486400" cy="4114800"/>
+          </a:xfrm>
+          <a:prstGeom prst="rect">
+            <a:avLst/>
+          </a:prstGeom>
+        </p:spPr>
+        <p:txBody>
+          <a:bodyPr spcFirstLastPara="1" wrap="square" lIns="91425" tIns="91425" rIns="91425" bIns="91425" anchor="t" anchorCtr="0">
+            <a:noAutofit/>
+          </a:bodyPr>
+          <a:lstStyle/>
+          <a:p>
+            <a:pPr marL="0" lvl="0" indent="0" algn="l" rtl="0">
+              <a:spcBef>
+                <a:spcPts val="0"/>
+              </a:spcBef>
+              <a:spcAft>
+                <a:spcPts val="0"/>
+              </a:spcAft>
+              <a:buNone/>
+            </a:pPr>
+            <a:endParaRPr dirty="0"/>
+          </a:p>
+        </p:txBody>
+      </p:sp>
+    </p:spTree>
+    <p:extLst>
+      <p:ext uri="{BB962C8B-B14F-4D97-AF65-F5344CB8AC3E}">
+        <p14:creationId xmlns:p14="http://schemas.microsoft.com/office/powerpoint/2010/main" val="3488046753"/>
+      </p:ext>
+    </p:extLst>
+  </p:cSld>
+  <p:clrMapOvr>
+    <a:masterClrMapping/>
+  </p:clrMapOvr>
+</p:notes>
+</file>
+
+<file path=ppt/notesSlides/notesSlide24.xml><?xml version="1.0" encoding="utf-8"?>
 <p:notes xmlns:a="http://schemas.openxmlformats.org/drawingml/2006/main" xmlns:r="http://schemas.openxmlformats.org/officeDocument/2006/relationships" xmlns:p="http://schemas.openxmlformats.org/presentationml/2006/main" showMasterSp="0" showMasterPhAnim="0">
   <p:cSld>
     <p:spTree>
@@ -2463,7 +2577,7 @@
     </p:spTree>
     <p:extLst>
       <p:ext uri="{BB962C8B-B14F-4D97-AF65-F5344CB8AC3E}">
-        <p14:creationId xmlns:p14="http://schemas.microsoft.com/office/powerpoint/2010/main" val="3887903885"/>
+        <p14:creationId xmlns:p14="http://schemas.microsoft.com/office/powerpoint/2010/main" val="3208344032"/>
       </p:ext>
     </p:extLst>
   </p:cSld>
@@ -21309,28 +21423,23 @@
             </a:br>
             <a:r>
               <a:rPr lang="en-US" dirty="0"/>
-              <a:t>	+ BACHRI OTMANE</a:t>
+              <a:t>	+ IDRISSI ABDELKARIN </a:t>
             </a:r>
           </a:p>
           <a:p>
             <a:pPr lvl="2"/>
             <a:r>
-              <a:rPr lang="en-US" dirty="0" smtClean="0"/>
+              <a:rPr lang="en-US" dirty="0"/>
               <a:t>	+ ARAMALI MOHAMED</a:t>
             </a:r>
-            <a:endParaRPr lang="fr-FR" dirty="0" smtClean="0"/>
+            <a:endParaRPr lang="fr-FR" dirty="0"/>
           </a:p>
           <a:p>
             <a:pPr lvl="2"/>
             <a:r>
               <a:rPr lang="en-US" dirty="0"/>
-              <a:t>	+ IDRISSI </a:t>
+              <a:t>	+ BACHRI OTMANE</a:t>
             </a:r>
-            <a:r>
-              <a:rPr lang="en-US" dirty="0" smtClean="0"/>
-              <a:t>ABDELKARIN</a:t>
-            </a:r>
-            <a:endParaRPr lang="en-US" dirty="0"/>
           </a:p>
         </p:txBody>
       </p:sp>
@@ -22443,7 +22552,6 @@
               <a:rPr lang="fr-FR" sz="1600" dirty="0"/>
               <a:t>Composite est un modèle de conception structurelle qui vous permet de composer des objets dans des structures arborescentes, puis de travailler avec ces structures comme s'il s'agissait d'objets individuels.</a:t>
             </a:r>
-            <a:endParaRPr lang="fr-FR" sz="1600" dirty="0"/>
           </a:p>
         </p:txBody>
       </p:sp>
@@ -24178,12 +24286,8 @@
           <a:p>
             <a:pPr marL="0" lvl="0" indent="0"/>
             <a:r>
-              <a:rPr lang="fr-FR" sz="1400" dirty="0" smtClean="0"/>
-              <a:t>définissant </a:t>
-            </a:r>
-            <a:r>
               <a:rPr lang="fr-FR" sz="1400" dirty="0"/>
-              <a:t>une interface commune pour tous les éléments de la structure, qu'ils soient des Feuilles ou des Composites.</a:t>
+              <a:t>définissant une interface commune pour tous les éléments de la structure, qu'ils soient des Feuilles ou des Composites.</a:t>
             </a:r>
             <a:endParaRPr sz="1400" dirty="0"/>
           </a:p>
@@ -26640,7 +26744,6 @@
               <a:rPr lang="fr-FR" sz="1600" dirty="0"/>
               <a:t>Imaginons une entreprise complexe avec plusieurs départements et des travailleurs pour chacun. Les départements peuvent être des feuilles avec des employés individuels et des sous-départements. Grâce au modèle de design composite, nous pouvons gérer cette structure complexe de manière homogène..</a:t>
             </a:r>
-            <a:endParaRPr lang="fr-FR" sz="1600" dirty="0"/>
           </a:p>
         </p:txBody>
       </p:sp>
@@ -26822,31 +26925,18 @@
               <a:t>Composant</a:t>
             </a:r>
             <a:r>
-              <a:rPr lang="en-US" sz="1600" dirty="0" smtClean="0">
-                <a:solidFill>
-                  <a:schemeClr val="bg1"/>
-                </a:solidFill>
-              </a:rPr>
-              <a:t>{ </a:t>
-            </a:r>
-            <a:r>
               <a:rPr lang="en-US" sz="1600" dirty="0">
                 <a:solidFill>
                   <a:schemeClr val="bg1"/>
                 </a:solidFill>
               </a:rPr>
-              <a:t>protected String nom; </a:t>
+              <a:t>{ protected String nom; </a:t>
             </a:r>
-            <a:endParaRPr lang="en-US" sz="1600" dirty="0" smtClean="0">
-              <a:solidFill>
-                <a:schemeClr val="bg1"/>
-              </a:solidFill>
-            </a:endParaRPr>
           </a:p>
           <a:p>
             <a:pPr marL="0" lvl="0" indent="0" algn="l"/>
             <a:r>
-              <a:rPr lang="en-US" sz="1600" dirty="0" smtClean="0">
+              <a:rPr lang="en-US" sz="1600" dirty="0">
                 <a:solidFill>
                   <a:schemeClr val="bg1"/>
                 </a:solidFill>
@@ -26862,20 +26952,12 @@
               <a:t>Composant</a:t>
             </a:r>
             <a:r>
-              <a:rPr lang="en-US" sz="1600" dirty="0" smtClean="0">
-                <a:solidFill>
-                  <a:schemeClr val="bg1"/>
-                </a:solidFill>
-              </a:rPr>
-              <a:t>(String </a:t>
-            </a:r>
-            <a:r>
               <a:rPr lang="en-US" sz="1600" dirty="0">
                 <a:solidFill>
                   <a:schemeClr val="bg1"/>
                 </a:solidFill>
               </a:rPr>
-              <a:t>nom) { </a:t>
+              <a:t>(String nom) { </a:t>
             </a:r>
             <a:r>
               <a:rPr lang="en-US" sz="1600" dirty="0" err="1">
@@ -26908,14 +26990,6 @@
                 </a:solidFill>
               </a:rPr>
               <a:t>(); }</a:t>
-            </a:r>
-            <a:r>
-              <a:rPr lang="en-US" sz="1800" dirty="0">
-                <a:solidFill>
-                  <a:schemeClr val="bg1"/>
-                </a:solidFill>
-              </a:rPr>
-              <a:t/>
             </a:r>
             <a:br>
               <a:rPr lang="en-US" sz="1800" dirty="0">
@@ -27037,31 +27111,18 @@
               <a:t>Composant</a:t>
             </a:r>
             <a:r>
-              <a:rPr lang="en-US" sz="1600" dirty="0" smtClean="0">
-                <a:solidFill>
-                  <a:schemeClr val="bg1"/>
-                </a:solidFill>
-              </a:rPr>
-              <a:t> </a:t>
-            </a:r>
-            <a:r>
               <a:rPr lang="en-US" sz="1600" dirty="0">
                 <a:solidFill>
                   <a:schemeClr val="bg1"/>
                 </a:solidFill>
               </a:rPr>
-              <a:t>{ </a:t>
+              <a:t> { </a:t>
             </a:r>
-            <a:endParaRPr lang="en-US" sz="1600" dirty="0" smtClean="0">
-              <a:solidFill>
-                <a:schemeClr val="bg1"/>
-              </a:solidFill>
-            </a:endParaRPr>
           </a:p>
           <a:p>
             <a:pPr marL="0" lvl="0" indent="0" algn="l"/>
             <a:r>
-              <a:rPr lang="en-US" sz="1600" dirty="0" smtClean="0">
+              <a:rPr lang="en-US" sz="1600" dirty="0">
                 <a:solidFill>
                   <a:schemeClr val="bg1"/>
                 </a:solidFill>
@@ -27084,29 +27145,16 @@
               </a:rPr>
               <a:t>(String nom) { super(nom); } </a:t>
             </a:r>
-            <a:endParaRPr lang="en-US" sz="1600" dirty="0" smtClean="0">
-              <a:solidFill>
-                <a:schemeClr val="bg1"/>
-              </a:solidFill>
-            </a:endParaRPr>
           </a:p>
           <a:p>
             <a:pPr marL="0" lvl="0" indent="0" algn="l"/>
-            <a:r>
-              <a:rPr lang="en-US" sz="1600" dirty="0" smtClean="0">
-                <a:solidFill>
-                  <a:schemeClr val="bg1"/>
-                </a:solidFill>
-              </a:rPr>
-              <a:t>public </a:t>
-            </a:r>
             <a:r>
               <a:rPr lang="en-US" sz="1600" dirty="0">
                 <a:solidFill>
                   <a:schemeClr val="bg1"/>
                 </a:solidFill>
               </a:rPr>
-              <a:t>void </a:t>
+              <a:t>public void </a:t>
             </a:r>
             <a:r>
               <a:rPr lang="en-US" sz="1600" dirty="0" err="1">
@@ -27125,14 +27173,14 @@
               <a:t>() { </a:t>
             </a:r>
             <a:r>
-              <a:rPr lang="en-US" sz="1600" dirty="0" err="1" smtClean="0">
+              <a:rPr lang="en-US" sz="1600" dirty="0" err="1">
                 <a:solidFill>
                   <a:schemeClr val="bg1"/>
                 </a:solidFill>
               </a:rPr>
               <a:t>System.out.println</a:t>
             </a:r>
-            <a:endParaRPr lang="en-US" sz="1600" dirty="0" smtClean="0">
+            <a:endParaRPr lang="en-US" sz="1600" dirty="0">
               <a:solidFill>
                 <a:schemeClr val="bg1"/>
               </a:solidFill>
@@ -27141,7 +27189,7 @@
           <a:p>
             <a:pPr marL="0" lvl="0" indent="0" algn="l"/>
             <a:r>
-              <a:rPr lang="en-US" sz="1600" dirty="0" smtClean="0">
+              <a:rPr lang="en-US" sz="1600" dirty="0">
                 <a:solidFill>
                   <a:schemeClr val="bg1"/>
                 </a:solidFill>
@@ -27162,34 +27210,18 @@
                   <a:schemeClr val="bg1"/>
                 </a:solidFill>
               </a:rPr>
-              <a:t> : " + nom</a:t>
-            </a:r>
-            <a:r>
-              <a:rPr lang="en-US" sz="1600" dirty="0" smtClean="0">
-                <a:solidFill>
-                  <a:schemeClr val="bg1"/>
-                </a:solidFill>
-              </a:rPr>
-              <a:t>);</a:t>
+              <a:t> : " + nom);</a:t>
             </a:r>
           </a:p>
           <a:p>
             <a:pPr marL="0" lvl="0" indent="0" algn="l"/>
-            <a:r>
-              <a:rPr lang="en-US" sz="1600" dirty="0" smtClean="0">
-                <a:solidFill>
-                  <a:schemeClr val="bg1"/>
-                </a:solidFill>
-              </a:rPr>
-              <a:t> } </a:t>
-            </a:r>
             <a:r>
               <a:rPr lang="en-US" sz="1600" dirty="0">
                 <a:solidFill>
                   <a:schemeClr val="bg1"/>
                 </a:solidFill>
               </a:rPr>
-              <a:t>}</a:t>
+              <a:t> } }</a:t>
             </a:r>
             <a:endParaRPr sz="1800" dirty="0">
               <a:solidFill>
@@ -30509,10 +30541,6 @@
           <a:lstStyle/>
           <a:p>
             <a:pPr marL="0" indent="0"/>
-            <a:r>
-              <a:rPr lang="en-US" dirty="0"/>
-              <a:t/>
-            </a:r>
             <a:br>
               <a:rPr lang="en-US" dirty="0"/>
             </a:br>
@@ -30757,7 +30785,7 @@
               <a:t>Composant</a:t>
             </a:r>
             <a:r>
-              <a:rPr lang="en-US" sz="1600" dirty="0" smtClean="0">
+              <a:rPr lang="en-US" sz="1600" dirty="0">
                 <a:solidFill>
                   <a:schemeClr val="bg1"/>
                 </a:solidFill>
@@ -30768,28 +30796,12 @@
           <a:p>
             <a:pPr marL="0" lvl="0" indent="0" algn="l"/>
             <a:r>
-              <a:rPr lang="en-US" sz="1600" dirty="0" smtClean="0">
-                <a:solidFill>
-                  <a:schemeClr val="bg1"/>
-                </a:solidFill>
-              </a:rPr>
-              <a:t> </a:t>
-            </a:r>
-            <a:r>
               <a:rPr lang="en-US" sz="1600" dirty="0">
                 <a:solidFill>
                   <a:schemeClr val="bg1"/>
                 </a:solidFill>
               </a:rPr>
-              <a:t>private List</a:t>
-            </a:r>
-            <a:r>
-              <a:rPr lang="en-US" sz="1600" dirty="0" smtClean="0">
-                <a:solidFill>
-                  <a:schemeClr val="bg1"/>
-                </a:solidFill>
-              </a:rPr>
-              <a:t>&lt;</a:t>
+              <a:t> private List&lt;</a:t>
             </a:r>
             <a:r>
               <a:rPr lang="en-US" sz="1600" b="1" dirty="0">
@@ -30816,7 +30828,7 @@
               <a:t> </a:t>
             </a:r>
             <a:r>
-              <a:rPr lang="en-US" sz="1600" dirty="0" smtClean="0">
+              <a:rPr lang="en-US" sz="1600" dirty="0">
                 <a:solidFill>
                   <a:schemeClr val="bg1"/>
                 </a:solidFill>
@@ -30871,32 +30883,19 @@
               </a:rPr>
               <a:t>(String nom) { super(nom); } </a:t>
             </a:r>
-            <a:endParaRPr lang="en-US" sz="1600" dirty="0" smtClean="0">
-              <a:solidFill>
-                <a:schemeClr val="bg1"/>
-              </a:solidFill>
-            </a:endParaRPr>
           </a:p>
           <a:p>
             <a:pPr marL="0" lvl="0" indent="0" algn="l"/>
-            <a:r>
-              <a:rPr lang="en-US" sz="1600" dirty="0" smtClean="0">
-                <a:solidFill>
-                  <a:schemeClr val="bg1"/>
-                </a:solidFill>
-              </a:rPr>
-              <a:t>public </a:t>
-            </a:r>
             <a:r>
               <a:rPr lang="en-US" sz="1600" dirty="0">
                 <a:solidFill>
                   <a:schemeClr val="bg1"/>
                 </a:solidFill>
               </a:rPr>
-              <a:t>void </a:t>
+              <a:t>public void </a:t>
             </a:r>
             <a:r>
-              <a:rPr lang="en-US" sz="1600" dirty="0" err="1" smtClean="0">
+              <a:rPr lang="en-US" sz="1600" dirty="0" err="1">
                 <a:solidFill>
                   <a:schemeClr val="bg1"/>
                 </a:solidFill>
@@ -30904,7 +30903,7 @@
               <a:t>ajouterMembre</a:t>
             </a:r>
             <a:r>
-              <a:rPr lang="en-US" sz="1600" dirty="0" smtClean="0">
+              <a:rPr lang="en-US" sz="1600" dirty="0">
                 <a:solidFill>
                   <a:schemeClr val="bg1"/>
                 </a:solidFill>
@@ -30920,7 +30919,7 @@
               <a:t>Composant</a:t>
             </a:r>
             <a:r>
-              <a:rPr lang="en-US" sz="1600" dirty="0" smtClean="0">
+              <a:rPr lang="en-US" sz="1600" dirty="0">
                 <a:solidFill>
                   <a:schemeClr val="bg1"/>
                 </a:solidFill>
@@ -30975,29 +30974,16 @@
               </a:rPr>
               <a:t>); } </a:t>
             </a:r>
-            <a:endParaRPr lang="en-US" sz="1600" dirty="0" smtClean="0">
-              <a:solidFill>
-                <a:schemeClr val="bg1"/>
-              </a:solidFill>
-            </a:endParaRPr>
           </a:p>
           <a:p>
             <a:pPr marL="0" lvl="0" indent="0" algn="l"/>
-            <a:r>
-              <a:rPr lang="en-US" sz="1600" dirty="0" smtClean="0">
-                <a:solidFill>
-                  <a:schemeClr val="bg1"/>
-                </a:solidFill>
-              </a:rPr>
-              <a:t>public </a:t>
-            </a:r>
             <a:r>
               <a:rPr lang="en-US" sz="1600" dirty="0">
                 <a:solidFill>
                   <a:schemeClr val="bg1"/>
                 </a:solidFill>
               </a:rPr>
-              <a:t>void </a:t>
+              <a:t>public void </a:t>
             </a:r>
             <a:r>
               <a:rPr lang="en-US" sz="1600" dirty="0" err="1">
@@ -31077,42 +31063,18 @@
                   <a:schemeClr val="bg1"/>
                 </a:solidFill>
               </a:rPr>
-              <a:t> </a:t>
-            </a:r>
-            <a:r>
-              <a:rPr lang="en-US" sz="1600" dirty="0" smtClean="0">
-                <a:solidFill>
-                  <a:schemeClr val="bg1"/>
-                </a:solidFill>
-              </a:rPr>
-              <a:t>:");</a:t>
+              <a:t> :");</a:t>
             </a:r>
           </a:p>
           <a:p>
             <a:pPr marL="0" lvl="0" indent="0" algn="l"/>
-            <a:r>
-              <a:rPr lang="en-US" sz="1600" dirty="0" smtClean="0">
-                <a:solidFill>
-                  <a:schemeClr val="bg1"/>
-                </a:solidFill>
-              </a:rPr>
-              <a:t> </a:t>
-            </a:r>
             <a:r>
               <a:rPr lang="en-US" sz="1600" dirty="0">
                 <a:solidFill>
                   <a:schemeClr val="bg1"/>
                 </a:solidFill>
               </a:rPr>
-              <a:t>for </a:t>
-            </a:r>
-            <a:r>
-              <a:rPr lang="en-US" sz="1600" dirty="0" smtClean="0">
-                <a:solidFill>
-                  <a:schemeClr val="bg1"/>
-                </a:solidFill>
-              </a:rPr>
-              <a:t>(</a:t>
+              <a:t> for (</a:t>
             </a:r>
             <a:r>
               <a:rPr lang="en-US" sz="1600" b="1" dirty="0" err="1">
@@ -31123,7 +31085,7 @@
               <a:t>Composant</a:t>
             </a:r>
             <a:r>
-              <a:rPr lang="en-US" sz="1600" dirty="0" smtClean="0">
+              <a:rPr lang="en-US" sz="1600" dirty="0">
                 <a:solidFill>
                   <a:schemeClr val="bg1"/>
                 </a:solidFill>
@@ -33555,7 +33517,7 @@
         </p:nvSpPr>
         <p:spPr>
           <a:xfrm>
-            <a:off x="720000" y="1435205"/>
+            <a:off x="180753" y="1326812"/>
             <a:ext cx="4248600" cy="572700"/>
           </a:xfrm>
           <a:prstGeom prst="rect">
@@ -33601,8 +33563,8 @@
         </p:nvSpPr>
         <p:spPr>
           <a:xfrm>
-            <a:off x="881543" y="2062478"/>
-            <a:ext cx="3943800" cy="2298579"/>
+            <a:off x="180753" y="2104366"/>
+            <a:ext cx="4801460" cy="2482117"/>
           </a:xfrm>
           <a:prstGeom prst="rect">
             <a:avLst/>
@@ -33617,9 +33579,15 @@
             <a:pPr marL="0" lvl="0" indent="0">
               <a:buNone/>
             </a:pPr>
+            <a:endParaRPr lang="fr-FR" sz="1400" dirty="0"/>
+          </a:p>
+          <a:p>
+            <a:pPr marL="0" lvl="0" indent="0">
+              <a:buNone/>
+            </a:pPr>
             <a:r>
               <a:rPr lang="fr-FR" sz="1400" dirty="0"/>
-              <a:t>Imaginez un objet complexe qui nécessite une initialisation laborieuse, étape par étape, de nombreux champs et objets imbriqués. Un tel code d'initialisation est généralement enfoui dans un constructeur monstrueux avec de nombreux paramètres. Ou pire encore : dispersés partout dans le code client.</a:t>
+              <a:t>Pensez à un objet compliqué qui demande beaucoup d'étapes pour être créé. Il peut avoir beaucoup de champs et d'objets imbriqués, ce qui rend la tâche d'initialisation très complexe. Habituellement, ce type de configuration est caché à l'intérieur d'un constructeur énorme avec un tas de paramètres. C'est là qu'intervient le pattern Builder : il rend la création de ces objets complexes beaucoup plus simple et plus ordonnée.</a:t>
             </a:r>
             <a:endParaRPr sz="1400" dirty="0"/>
           </a:p>
@@ -33633,7 +33601,7 @@
         </p:nvGrpSpPr>
         <p:grpSpPr>
           <a:xfrm rot="-682722" flipH="1">
-            <a:off x="4455377" y="-311614"/>
+            <a:off x="4455377" y="-290348"/>
             <a:ext cx="1802474" cy="1222709"/>
             <a:chOff x="710475" y="4431950"/>
             <a:chExt cx="1470700" cy="997650"/>
@@ -35596,6 +35564,423 @@
   <p:cSld>
     <p:spTree>
       <p:nvGrpSpPr>
+        <p:cNvPr id="1" name="Shape 360"/>
+        <p:cNvGrpSpPr/>
+        <p:nvPr/>
+      </p:nvGrpSpPr>
+      <p:grpSpPr>
+        <a:xfrm>
+          <a:off x="0" y="0"/>
+          <a:ext cx="0" cy="0"/>
+          <a:chOff x="0" y="0"/>
+          <a:chExt cx="0" cy="0"/>
+        </a:xfrm>
+      </p:grpSpPr>
+      <p:sp>
+        <p:nvSpPr>
+          <p:cNvPr id="361" name="Google Shape;361;p32"/>
+          <p:cNvSpPr txBox="1">
+            <a:spLocks noGrp="1"/>
+          </p:cNvSpPr>
+          <p:nvPr>
+            <p:ph type="title"/>
+          </p:nvPr>
+        </p:nvSpPr>
+        <p:spPr>
+          <a:xfrm>
+            <a:off x="33405" y="280083"/>
+            <a:ext cx="4409610" cy="572700"/>
+          </a:xfrm>
+          <a:prstGeom prst="rect">
+            <a:avLst/>
+          </a:prstGeom>
+          <a:effectLst>
+            <a:outerShdw dist="171450" dir="19080000" algn="bl" rotWithShape="0">
+              <a:schemeClr val="dk2"/>
+            </a:outerShdw>
+          </a:effectLst>
+        </p:spPr>
+        <p:txBody>
+          <a:bodyPr spcFirstLastPara="1" wrap="square" lIns="91425" tIns="91425" rIns="91425" bIns="91425" anchor="t" anchorCtr="0">
+            <a:noAutofit/>
+          </a:bodyPr>
+          <a:lstStyle/>
+          <a:p>
+            <a:pPr lvl="0"/>
+            <a:r>
+              <a:rPr lang="en-US" b="0" dirty="0"/>
+              <a:t>une représentation UML</a:t>
+            </a:r>
+            <a:endParaRPr dirty="0"/>
+          </a:p>
+        </p:txBody>
+      </p:sp>
+      <p:pic>
+        <p:nvPicPr>
+          <p:cNvPr id="2" name="Image 1">
+            <a:extLst>
+              <a:ext uri="{FF2B5EF4-FFF2-40B4-BE49-F238E27FC236}">
+                <a16:creationId xmlns:a16="http://schemas.microsoft.com/office/drawing/2014/main" id="{080F4313-F914-3D71-7398-354586B7586A}"/>
+              </a:ext>
+            </a:extLst>
+          </p:cNvPr>
+          <p:cNvPicPr>
+            <a:picLocks noChangeAspect="1"/>
+          </p:cNvPicPr>
+          <p:nvPr/>
+        </p:nvPicPr>
+        <p:blipFill>
+          <a:blip r:embed="rId3"/>
+          <a:stretch>
+            <a:fillRect/>
+          </a:stretch>
+        </p:blipFill>
+        <p:spPr>
+          <a:xfrm>
+            <a:off x="305355" y="1489278"/>
+            <a:ext cx="8275320" cy="2830160"/>
+          </a:xfrm>
+          <a:prstGeom prst="rect">
+            <a:avLst/>
+          </a:prstGeom>
+        </p:spPr>
+      </p:pic>
+    </p:spTree>
+    <p:extLst>
+      <p:ext uri="{BB962C8B-B14F-4D97-AF65-F5344CB8AC3E}">
+        <p14:creationId xmlns:p14="http://schemas.microsoft.com/office/powerpoint/2010/main" val="3976560969"/>
+      </p:ext>
+    </p:extLst>
+  </p:cSld>
+  <p:clrMapOvr>
+    <a:masterClrMapping/>
+  </p:clrMapOvr>
+</p:sld>
+</file>
+
+<file path=ppt/slides/slide24.xml><?xml version="1.0" encoding="utf-8"?>
+<p:sld xmlns:a="http://schemas.openxmlformats.org/drawingml/2006/main" xmlns:r="http://schemas.openxmlformats.org/officeDocument/2006/relationships" xmlns:p="http://schemas.openxmlformats.org/presentationml/2006/main">
+  <p:cSld>
+    <p:spTree>
+      <p:nvGrpSpPr>
+        <p:cNvPr id="1" name="Shape 428"/>
+        <p:cNvGrpSpPr/>
+        <p:nvPr/>
+      </p:nvGrpSpPr>
+      <p:grpSpPr>
+        <a:xfrm>
+          <a:off x="0" y="0"/>
+          <a:ext cx="0" cy="0"/>
+          <a:chOff x="0" y="0"/>
+          <a:chExt cx="0" cy="0"/>
+        </a:xfrm>
+      </p:grpSpPr>
+      <p:sp>
+        <p:nvSpPr>
+          <p:cNvPr id="429" name="Google Shape;429;p35"/>
+          <p:cNvSpPr txBox="1">
+            <a:spLocks noGrp="1"/>
+          </p:cNvSpPr>
+          <p:nvPr>
+            <p:ph type="title"/>
+          </p:nvPr>
+        </p:nvSpPr>
+        <p:spPr>
+          <a:xfrm>
+            <a:off x="552893" y="179211"/>
+            <a:ext cx="7704000" cy="572700"/>
+          </a:xfrm>
+          <a:prstGeom prst="rect">
+            <a:avLst/>
+          </a:prstGeom>
+          <a:solidFill>
+            <a:schemeClr val="dk1"/>
+          </a:solidFill>
+          <a:effectLst>
+            <a:outerShdw dist="171450" dir="19140000" algn="bl" rotWithShape="0">
+              <a:schemeClr val="dk2"/>
+            </a:outerShdw>
+          </a:effectLst>
+        </p:spPr>
+        <p:txBody>
+          <a:bodyPr spcFirstLastPara="1" wrap="square" lIns="91425" tIns="91425" rIns="91425" bIns="91425" anchor="t" anchorCtr="0">
+            <a:noAutofit/>
+          </a:bodyPr>
+          <a:lstStyle/>
+          <a:p>
+            <a:pPr marL="0" lvl="0" indent="0" algn="ctr" rtl="0">
+              <a:spcBef>
+                <a:spcPts val="0"/>
+              </a:spcBef>
+              <a:spcAft>
+                <a:spcPts val="0"/>
+              </a:spcAft>
+              <a:buNone/>
+            </a:pPr>
+            <a:r>
+              <a:rPr lang="fr-FR" dirty="0">
+                <a:solidFill>
+                  <a:schemeClr val="lt1"/>
+                </a:solidFill>
+              </a:rPr>
+              <a:t>simple implémentation en Java</a:t>
+            </a:r>
+          </a:p>
+        </p:txBody>
+      </p:sp>
+      <p:pic>
+        <p:nvPicPr>
+          <p:cNvPr id="3" name="Image 2">
+            <a:extLst>
+              <a:ext uri="{FF2B5EF4-FFF2-40B4-BE49-F238E27FC236}">
+                <a16:creationId xmlns:a16="http://schemas.microsoft.com/office/drawing/2014/main" id="{92189513-AA3F-0BE7-EB68-A650BFB883D7}"/>
+              </a:ext>
+            </a:extLst>
+          </p:cNvPr>
+          <p:cNvPicPr>
+            <a:picLocks noChangeAspect="1"/>
+          </p:cNvPicPr>
+          <p:nvPr/>
+        </p:nvPicPr>
+        <p:blipFill>
+          <a:blip r:embed="rId3"/>
+          <a:stretch>
+            <a:fillRect/>
+          </a:stretch>
+        </p:blipFill>
+        <p:spPr>
+          <a:xfrm>
+            <a:off x="1263113" y="954676"/>
+            <a:ext cx="6283560" cy="3482456"/>
+          </a:xfrm>
+          <a:prstGeom prst="rect">
+            <a:avLst/>
+          </a:prstGeom>
+        </p:spPr>
+      </p:pic>
+    </p:spTree>
+  </p:cSld>
+  <p:clrMapOvr>
+    <a:masterClrMapping/>
+  </p:clrMapOvr>
+</p:sld>
+</file>
+
+<file path=ppt/slides/slide25.xml><?xml version="1.0" encoding="utf-8"?>
+<p:sld xmlns:a="http://schemas.openxmlformats.org/drawingml/2006/main" xmlns:r="http://schemas.openxmlformats.org/officeDocument/2006/relationships" xmlns:p="http://schemas.openxmlformats.org/presentationml/2006/main">
+  <p:cSld>
+    <p:spTree>
+      <p:nvGrpSpPr>
+        <p:cNvPr id="1" name="Shape 428"/>
+        <p:cNvGrpSpPr/>
+        <p:nvPr/>
+      </p:nvGrpSpPr>
+      <p:grpSpPr>
+        <a:xfrm>
+          <a:off x="0" y="0"/>
+          <a:ext cx="0" cy="0"/>
+          <a:chOff x="0" y="0"/>
+          <a:chExt cx="0" cy="0"/>
+        </a:xfrm>
+      </p:grpSpPr>
+      <p:pic>
+        <p:nvPicPr>
+          <p:cNvPr id="6" name="Image 5">
+            <a:extLst>
+              <a:ext uri="{FF2B5EF4-FFF2-40B4-BE49-F238E27FC236}">
+                <a16:creationId xmlns:a16="http://schemas.microsoft.com/office/drawing/2014/main" id="{2D62A984-E7EE-9C30-691D-EDE5B3DBB6CA}"/>
+              </a:ext>
+            </a:extLst>
+          </p:cNvPr>
+          <p:cNvPicPr>
+            <a:picLocks noChangeAspect="1"/>
+          </p:cNvPicPr>
+          <p:nvPr/>
+        </p:nvPicPr>
+        <p:blipFill>
+          <a:blip r:embed="rId3"/>
+          <a:stretch>
+            <a:fillRect/>
+          </a:stretch>
+        </p:blipFill>
+        <p:spPr>
+          <a:xfrm>
+            <a:off x="244526" y="205584"/>
+            <a:ext cx="4012176" cy="1245886"/>
+          </a:xfrm>
+          <a:prstGeom prst="rect">
+            <a:avLst/>
+          </a:prstGeom>
+        </p:spPr>
+      </p:pic>
+      <p:pic>
+        <p:nvPicPr>
+          <p:cNvPr id="8" name="Image 7">
+            <a:extLst>
+              <a:ext uri="{FF2B5EF4-FFF2-40B4-BE49-F238E27FC236}">
+                <a16:creationId xmlns:a16="http://schemas.microsoft.com/office/drawing/2014/main" id="{09C6BFE0-65CA-29D4-1044-0B5324204CA8}"/>
+              </a:ext>
+            </a:extLst>
+          </p:cNvPr>
+          <p:cNvPicPr>
+            <a:picLocks noChangeAspect="1"/>
+          </p:cNvPicPr>
+          <p:nvPr/>
+        </p:nvPicPr>
+        <p:blipFill>
+          <a:blip r:embed="rId4"/>
+          <a:stretch>
+            <a:fillRect/>
+          </a:stretch>
+        </p:blipFill>
+        <p:spPr>
+          <a:xfrm>
+            <a:off x="4572000" y="55381"/>
+            <a:ext cx="4501230" cy="5032737"/>
+          </a:xfrm>
+          <a:prstGeom prst="rect">
+            <a:avLst/>
+          </a:prstGeom>
+        </p:spPr>
+      </p:pic>
+      <p:pic>
+        <p:nvPicPr>
+          <p:cNvPr id="14" name="Image 13">
+            <a:extLst>
+              <a:ext uri="{FF2B5EF4-FFF2-40B4-BE49-F238E27FC236}">
+                <a16:creationId xmlns:a16="http://schemas.microsoft.com/office/drawing/2014/main" id="{38FF64DE-9E30-168F-7380-5D915A0D7E03}"/>
+              </a:ext>
+            </a:extLst>
+          </p:cNvPr>
+          <p:cNvPicPr>
+            <a:picLocks noChangeAspect="1"/>
+          </p:cNvPicPr>
+          <p:nvPr/>
+        </p:nvPicPr>
+        <p:blipFill>
+          <a:blip r:embed="rId5"/>
+          <a:stretch>
+            <a:fillRect/>
+          </a:stretch>
+        </p:blipFill>
+        <p:spPr>
+          <a:xfrm>
+            <a:off x="70770" y="1983098"/>
+            <a:ext cx="4416117" cy="2844545"/>
+          </a:xfrm>
+          <a:prstGeom prst="rect">
+            <a:avLst/>
+          </a:prstGeom>
+        </p:spPr>
+      </p:pic>
+    </p:spTree>
+    <p:extLst>
+      <p:ext uri="{BB962C8B-B14F-4D97-AF65-F5344CB8AC3E}">
+        <p14:creationId xmlns:p14="http://schemas.microsoft.com/office/powerpoint/2010/main" val="2733422008"/>
+      </p:ext>
+    </p:extLst>
+  </p:cSld>
+  <p:clrMapOvr>
+    <a:masterClrMapping/>
+  </p:clrMapOvr>
+</p:sld>
+</file>
+
+<file path=ppt/slides/slide26.xml><?xml version="1.0" encoding="utf-8"?>
+<p:sld xmlns:a="http://schemas.openxmlformats.org/drawingml/2006/main" xmlns:r="http://schemas.openxmlformats.org/officeDocument/2006/relationships" xmlns:p="http://schemas.openxmlformats.org/presentationml/2006/main">
+  <p:cSld>
+    <p:spTree>
+      <p:nvGrpSpPr>
+        <p:cNvPr id="1" name="Shape 428"/>
+        <p:cNvGrpSpPr/>
+        <p:nvPr/>
+      </p:nvGrpSpPr>
+      <p:grpSpPr>
+        <a:xfrm>
+          <a:off x="0" y="0"/>
+          <a:ext cx="0" cy="0"/>
+          <a:chOff x="0" y="0"/>
+          <a:chExt cx="0" cy="0"/>
+        </a:xfrm>
+      </p:grpSpPr>
+      <p:pic>
+        <p:nvPicPr>
+          <p:cNvPr id="12" name="Image 11">
+            <a:extLst>
+              <a:ext uri="{FF2B5EF4-FFF2-40B4-BE49-F238E27FC236}">
+                <a16:creationId xmlns:a16="http://schemas.microsoft.com/office/drawing/2014/main" id="{E72C17CB-1C12-2471-5EBD-C3DEDC852EFE}"/>
+              </a:ext>
+            </a:extLst>
+          </p:cNvPr>
+          <p:cNvPicPr>
+            <a:picLocks noChangeAspect="1"/>
+          </p:cNvPicPr>
+          <p:nvPr/>
+        </p:nvPicPr>
+        <p:blipFill>
+          <a:blip r:embed="rId3"/>
+          <a:stretch>
+            <a:fillRect/>
+          </a:stretch>
+        </p:blipFill>
+        <p:spPr>
+          <a:xfrm>
+            <a:off x="1913859" y="95693"/>
+            <a:ext cx="5084239" cy="3459990"/>
+          </a:xfrm>
+          <a:prstGeom prst="rect">
+            <a:avLst/>
+          </a:prstGeom>
+        </p:spPr>
+      </p:pic>
+      <p:pic>
+        <p:nvPicPr>
+          <p:cNvPr id="3" name="Image 2">
+            <a:extLst>
+              <a:ext uri="{FF2B5EF4-FFF2-40B4-BE49-F238E27FC236}">
+                <a16:creationId xmlns:a16="http://schemas.microsoft.com/office/drawing/2014/main" id="{76590C7D-40E9-A6BF-54E6-091FD72048C6}"/>
+              </a:ext>
+            </a:extLst>
+          </p:cNvPr>
+          <p:cNvPicPr>
+            <a:picLocks noChangeAspect="1"/>
+          </p:cNvPicPr>
+          <p:nvPr/>
+        </p:nvPicPr>
+        <p:blipFill>
+          <a:blip r:embed="rId4"/>
+          <a:stretch>
+            <a:fillRect/>
+          </a:stretch>
+        </p:blipFill>
+        <p:spPr>
+          <a:xfrm>
+            <a:off x="1046032" y="3936895"/>
+            <a:ext cx="7388135" cy="581942"/>
+          </a:xfrm>
+          <a:prstGeom prst="rect">
+            <a:avLst/>
+          </a:prstGeom>
+        </p:spPr>
+      </p:pic>
+    </p:spTree>
+    <p:extLst>
+      <p:ext uri="{BB962C8B-B14F-4D97-AF65-F5344CB8AC3E}">
+        <p14:creationId xmlns:p14="http://schemas.microsoft.com/office/powerpoint/2010/main" val="2492475757"/>
+      </p:ext>
+    </p:extLst>
+  </p:cSld>
+  <p:clrMapOvr>
+    <a:masterClrMapping/>
+  </p:clrMapOvr>
+</p:sld>
+</file>
+
+<file path=ppt/slides/slide27.xml><?xml version="1.0" encoding="utf-8"?>
+<p:sld xmlns:a="http://schemas.openxmlformats.org/drawingml/2006/main" xmlns:r="http://schemas.openxmlformats.org/officeDocument/2006/relationships" xmlns:p="http://schemas.openxmlformats.org/presentationml/2006/main">
+  <p:cSld>
+    <p:spTree>
+      <p:nvGrpSpPr>
         <p:cNvPr id="1" name="Shape 341"/>
         <p:cNvGrpSpPr/>
         <p:nvPr/>
@@ -35620,8 +36005,8 @@
         </p:nvSpPr>
         <p:spPr>
           <a:xfrm>
-            <a:off x="178765" y="721109"/>
-            <a:ext cx="2553986" cy="572700"/>
+            <a:off x="370710" y="1167349"/>
+            <a:ext cx="4248600" cy="572700"/>
           </a:xfrm>
           <a:prstGeom prst="rect">
             <a:avLst/>
@@ -35644,13 +36029,8 @@
             </a:pPr>
             <a:r>
               <a:rPr lang="en-CA" dirty="0"/>
-              <a:t>     </a:t>
+              <a:t>     Conclusion</a:t>
             </a:r>
-            <a:r>
-              <a:rPr lang="en-CA" dirty="0" err="1"/>
-              <a:t>Exempe</a:t>
-            </a:r>
-            <a:endParaRPr lang="en-CA" dirty="0"/>
           </a:p>
         </p:txBody>
       </p:sp>
@@ -35666,8 +36046,8 @@
         </p:nvSpPr>
         <p:spPr>
           <a:xfrm>
-            <a:off x="3668233" y="0"/>
-            <a:ext cx="5475767" cy="5143500"/>
+            <a:off x="279280" y="2104366"/>
+            <a:ext cx="8068091" cy="2482117"/>
           </a:xfrm>
           <a:prstGeom prst="rect">
             <a:avLst/>
@@ -35683,1041 +36063,24 @@
               <a:buNone/>
             </a:pPr>
             <a:r>
-              <a:rPr lang="fr-FR" b="1" dirty="0">
+              <a:rPr lang="fr-FR" sz="2000" b="0" i="0" dirty="0">
                 <a:solidFill>
-                  <a:schemeClr val="tx2">
-                    <a:lumMod val="10000"/>
+                  <a:schemeClr val="bg2">
+                    <a:lumMod val="75000"/>
                   </a:schemeClr>
                 </a:solidFill>
+                <a:effectLst/>
+                <a:latin typeface="Söhne"/>
               </a:rPr>
-              <a:t>public class Personne {</a:t>
+              <a:t>Les design patterns sont des bonnes pratiques de programmation qui simplifient de nombreuses tâches de développement. En comprenant et en utilisant ces modèles, les développeurs peuvent résoudre efficacement des problèmes complexes, améliorer la structure de leur code et accroître la réutilisabilité. </a:t>
             </a:r>
-          </a:p>
-          <a:p>
-            <a:pPr marL="0" lvl="0" indent="0">
-              <a:buNone/>
-            </a:pPr>
-            <a:r>
-              <a:rPr lang="fr-FR" b="1" dirty="0">
-                <a:solidFill>
-                  <a:schemeClr val="tx2">
-                    <a:lumMod val="10000"/>
-                  </a:schemeClr>
-                </a:solidFill>
-              </a:rPr>
-              <a:t>    </a:t>
-            </a:r>
-            <a:r>
-              <a:rPr lang="fr-FR" b="1" dirty="0" err="1">
-                <a:solidFill>
-                  <a:schemeClr val="tx2">
-                    <a:lumMod val="10000"/>
-                  </a:schemeClr>
-                </a:solidFill>
-              </a:rPr>
-              <a:t>private</a:t>
-            </a:r>
-            <a:r>
-              <a:rPr lang="fr-FR" b="1" dirty="0">
-                <a:solidFill>
-                  <a:schemeClr val="tx2">
-                    <a:lumMod val="10000"/>
-                  </a:schemeClr>
-                </a:solidFill>
-              </a:rPr>
-              <a:t> String nom;</a:t>
-            </a:r>
-          </a:p>
-          <a:p>
-            <a:pPr marL="0" lvl="0" indent="0">
-              <a:buNone/>
-            </a:pPr>
-            <a:r>
-              <a:rPr lang="fr-FR" b="1" dirty="0">
-                <a:solidFill>
-                  <a:schemeClr val="tx2">
-                    <a:lumMod val="10000"/>
-                  </a:schemeClr>
-                </a:solidFill>
-              </a:rPr>
-              <a:t>    </a:t>
-            </a:r>
-            <a:r>
-              <a:rPr lang="fr-FR" b="1" dirty="0" err="1">
-                <a:solidFill>
-                  <a:schemeClr val="tx2">
-                    <a:lumMod val="10000"/>
-                  </a:schemeClr>
-                </a:solidFill>
-              </a:rPr>
-              <a:t>private</a:t>
-            </a:r>
-            <a:r>
-              <a:rPr lang="fr-FR" b="1" dirty="0">
-                <a:solidFill>
-                  <a:schemeClr val="tx2">
-                    <a:lumMod val="10000"/>
-                  </a:schemeClr>
-                </a:solidFill>
-              </a:rPr>
-              <a:t> String </a:t>
-            </a:r>
-            <a:r>
-              <a:rPr lang="fr-FR" b="1" dirty="0" err="1">
-                <a:solidFill>
-                  <a:schemeClr val="tx2">
-                    <a:lumMod val="10000"/>
-                  </a:schemeClr>
-                </a:solidFill>
-              </a:rPr>
-              <a:t>prenom</a:t>
-            </a:r>
-            <a:r>
-              <a:rPr lang="fr-FR" b="1" dirty="0">
-                <a:solidFill>
-                  <a:schemeClr val="tx2">
-                    <a:lumMod val="10000"/>
-                  </a:schemeClr>
-                </a:solidFill>
-              </a:rPr>
-              <a:t>;</a:t>
-            </a:r>
-          </a:p>
-          <a:p>
-            <a:pPr marL="0" lvl="0" indent="0">
-              <a:buNone/>
-            </a:pPr>
-            <a:r>
-              <a:rPr lang="fr-FR" b="1" dirty="0">
-                <a:solidFill>
-                  <a:schemeClr val="tx2">
-                    <a:lumMod val="10000"/>
-                  </a:schemeClr>
-                </a:solidFill>
-              </a:rPr>
-              <a:t>    </a:t>
-            </a:r>
-            <a:r>
-              <a:rPr lang="fr-FR" b="1" dirty="0" err="1">
-                <a:solidFill>
-                  <a:schemeClr val="tx2">
-                    <a:lumMod val="10000"/>
-                  </a:schemeClr>
-                </a:solidFill>
-              </a:rPr>
-              <a:t>private</a:t>
-            </a:r>
-            <a:r>
-              <a:rPr lang="fr-FR" b="1" dirty="0">
-                <a:solidFill>
-                  <a:schemeClr val="tx2">
-                    <a:lumMod val="10000"/>
-                  </a:schemeClr>
-                </a:solidFill>
-              </a:rPr>
-              <a:t> </a:t>
-            </a:r>
-            <a:r>
-              <a:rPr lang="fr-FR" b="1" dirty="0" err="1">
-                <a:solidFill>
-                  <a:schemeClr val="tx2">
-                    <a:lumMod val="10000"/>
-                  </a:schemeClr>
-                </a:solidFill>
-              </a:rPr>
-              <a:t>int</a:t>
-            </a:r>
-            <a:r>
-              <a:rPr lang="fr-FR" b="1" dirty="0">
-                <a:solidFill>
-                  <a:schemeClr val="tx2">
-                    <a:lumMod val="10000"/>
-                  </a:schemeClr>
-                </a:solidFill>
-              </a:rPr>
-              <a:t> </a:t>
-            </a:r>
-            <a:r>
-              <a:rPr lang="fr-FR" b="1" dirty="0" err="1">
-                <a:solidFill>
-                  <a:schemeClr val="tx2">
-                    <a:lumMod val="10000"/>
-                  </a:schemeClr>
-                </a:solidFill>
-              </a:rPr>
-              <a:t>age</a:t>
-            </a:r>
-            <a:r>
-              <a:rPr lang="fr-FR" b="1" dirty="0">
-                <a:solidFill>
-                  <a:schemeClr val="tx2">
-                    <a:lumMod val="10000"/>
-                  </a:schemeClr>
-                </a:solidFill>
-              </a:rPr>
-              <a:t>;</a:t>
-            </a:r>
-          </a:p>
-          <a:p>
-            <a:pPr marL="0" lvl="0" indent="0">
-              <a:buNone/>
-            </a:pPr>
-            <a:r>
-              <a:rPr lang="fr-FR" b="1" dirty="0">
-                <a:solidFill>
-                  <a:schemeClr val="tx2">
-                    <a:lumMod val="10000"/>
-                  </a:schemeClr>
-                </a:solidFill>
-              </a:rPr>
-              <a:t>    </a:t>
-            </a:r>
-            <a:r>
-              <a:rPr lang="fr-FR" b="1" dirty="0" err="1">
-                <a:solidFill>
-                  <a:schemeClr val="tx2">
-                    <a:lumMod val="10000"/>
-                  </a:schemeClr>
-                </a:solidFill>
-              </a:rPr>
-              <a:t>private</a:t>
-            </a:r>
-            <a:r>
-              <a:rPr lang="fr-FR" b="1" dirty="0">
-                <a:solidFill>
-                  <a:schemeClr val="tx2">
-                    <a:lumMod val="10000"/>
-                  </a:schemeClr>
-                </a:solidFill>
-              </a:rPr>
-              <a:t> String </a:t>
-            </a:r>
-            <a:r>
-              <a:rPr lang="fr-FR" b="1" dirty="0" err="1">
-                <a:solidFill>
-                  <a:schemeClr val="tx2">
-                    <a:lumMod val="10000"/>
-                  </a:schemeClr>
-                </a:solidFill>
-              </a:rPr>
-              <a:t>telephone</a:t>
-            </a:r>
-            <a:r>
-              <a:rPr lang="fr-FR" b="1" dirty="0">
-                <a:solidFill>
-                  <a:schemeClr val="tx2">
-                    <a:lumMod val="10000"/>
-                  </a:schemeClr>
-                </a:solidFill>
-              </a:rPr>
-              <a:t>;</a:t>
-            </a:r>
-          </a:p>
-          <a:p>
-            <a:pPr marL="0" lvl="0" indent="0">
-              <a:buNone/>
-            </a:pPr>
-            <a:r>
-              <a:rPr lang="fr-FR" b="1" dirty="0">
-                <a:solidFill>
-                  <a:schemeClr val="tx2">
-                    <a:lumMod val="10000"/>
-                  </a:schemeClr>
-                </a:solidFill>
-              </a:rPr>
-              <a:t>    </a:t>
-            </a:r>
-            <a:r>
-              <a:rPr lang="fr-FR" b="1" dirty="0" err="1">
-                <a:solidFill>
-                  <a:schemeClr val="tx2">
-                    <a:lumMod val="10000"/>
-                  </a:schemeClr>
-                </a:solidFill>
-              </a:rPr>
-              <a:t>private</a:t>
-            </a:r>
-            <a:r>
-              <a:rPr lang="fr-FR" b="1" dirty="0">
-                <a:solidFill>
-                  <a:schemeClr val="tx2">
-                    <a:lumMod val="10000"/>
-                  </a:schemeClr>
-                </a:solidFill>
-              </a:rPr>
-              <a:t> String email;</a:t>
-            </a:r>
-          </a:p>
-          <a:p>
-            <a:pPr marL="0" lvl="0" indent="0">
-              <a:buNone/>
-            </a:pPr>
-            <a:endParaRPr lang="fr-FR" b="1" dirty="0">
+            <a:endParaRPr sz="1400" dirty="0">
               <a:solidFill>
-                <a:schemeClr val="tx2">
-                  <a:lumMod val="10000"/>
+                <a:schemeClr val="bg2">
+                  <a:lumMod val="75000"/>
                 </a:schemeClr>
               </a:solidFill>
             </a:endParaRPr>
-          </a:p>
-          <a:p>
-            <a:pPr marL="0" lvl="0" indent="0">
-              <a:buNone/>
-            </a:pPr>
-            <a:r>
-              <a:rPr lang="fr-FR" b="1" dirty="0">
-                <a:solidFill>
-                  <a:schemeClr val="tx2">
-                    <a:lumMod val="10000"/>
-                  </a:schemeClr>
-                </a:solidFill>
-              </a:rPr>
-              <a:t>    public Personne(String nom, String </a:t>
-            </a:r>
-            <a:r>
-              <a:rPr lang="fr-FR" b="1" dirty="0" err="1">
-                <a:solidFill>
-                  <a:schemeClr val="tx2">
-                    <a:lumMod val="10000"/>
-                  </a:schemeClr>
-                </a:solidFill>
-              </a:rPr>
-              <a:t>prenom</a:t>
-            </a:r>
-            <a:r>
-              <a:rPr lang="fr-FR" b="1" dirty="0">
-                <a:solidFill>
-                  <a:schemeClr val="tx2">
-                    <a:lumMod val="10000"/>
-                  </a:schemeClr>
-                </a:solidFill>
-              </a:rPr>
-              <a:t>) {</a:t>
-            </a:r>
-          </a:p>
-          <a:p>
-            <a:pPr marL="0" lvl="0" indent="0">
-              <a:buNone/>
-            </a:pPr>
-            <a:r>
-              <a:rPr lang="fr-FR" b="1" dirty="0">
-                <a:solidFill>
-                  <a:schemeClr val="tx2">
-                    <a:lumMod val="10000"/>
-                  </a:schemeClr>
-                </a:solidFill>
-              </a:rPr>
-              <a:t>        </a:t>
-            </a:r>
-            <a:r>
-              <a:rPr lang="fr-FR" b="1" dirty="0" err="1">
-                <a:solidFill>
-                  <a:schemeClr val="tx2">
-                    <a:lumMod val="10000"/>
-                  </a:schemeClr>
-                </a:solidFill>
-              </a:rPr>
-              <a:t>this.nom</a:t>
-            </a:r>
-            <a:r>
-              <a:rPr lang="fr-FR" b="1" dirty="0">
-                <a:solidFill>
-                  <a:schemeClr val="tx2">
-                    <a:lumMod val="10000"/>
-                  </a:schemeClr>
-                </a:solidFill>
-              </a:rPr>
-              <a:t> = nom;</a:t>
-            </a:r>
-          </a:p>
-          <a:p>
-            <a:pPr marL="0" lvl="0" indent="0">
-              <a:buNone/>
-            </a:pPr>
-            <a:r>
-              <a:rPr lang="fr-FR" b="1" dirty="0">
-                <a:solidFill>
-                  <a:schemeClr val="tx2">
-                    <a:lumMod val="10000"/>
-                  </a:schemeClr>
-                </a:solidFill>
-              </a:rPr>
-              <a:t>        </a:t>
-            </a:r>
-            <a:r>
-              <a:rPr lang="fr-FR" b="1" dirty="0" err="1">
-                <a:solidFill>
-                  <a:schemeClr val="tx2">
-                    <a:lumMod val="10000"/>
-                  </a:schemeClr>
-                </a:solidFill>
-              </a:rPr>
-              <a:t>this.prenom</a:t>
-            </a:r>
-            <a:r>
-              <a:rPr lang="fr-FR" b="1" dirty="0">
-                <a:solidFill>
-                  <a:schemeClr val="tx2">
-                    <a:lumMod val="10000"/>
-                  </a:schemeClr>
-                </a:solidFill>
-              </a:rPr>
-              <a:t> = </a:t>
-            </a:r>
-            <a:r>
-              <a:rPr lang="fr-FR" b="1" dirty="0" err="1">
-                <a:solidFill>
-                  <a:schemeClr val="tx2">
-                    <a:lumMod val="10000"/>
-                  </a:schemeClr>
-                </a:solidFill>
-              </a:rPr>
-              <a:t>prenom</a:t>
-            </a:r>
-            <a:r>
-              <a:rPr lang="fr-FR" b="1" dirty="0">
-                <a:solidFill>
-                  <a:schemeClr val="tx2">
-                    <a:lumMod val="10000"/>
-                  </a:schemeClr>
-                </a:solidFill>
-              </a:rPr>
-              <a:t>;</a:t>
-            </a:r>
-          </a:p>
-          <a:p>
-            <a:pPr marL="0" lvl="0" indent="0">
-              <a:buNone/>
-            </a:pPr>
-            <a:r>
-              <a:rPr lang="fr-FR" b="1" dirty="0">
-                <a:solidFill>
-                  <a:schemeClr val="tx2">
-                    <a:lumMod val="10000"/>
-                  </a:schemeClr>
-                </a:solidFill>
-              </a:rPr>
-              <a:t>    }</a:t>
-            </a:r>
-          </a:p>
-          <a:p>
-            <a:pPr marL="0" lvl="0" indent="0">
-              <a:buNone/>
-            </a:pPr>
-            <a:endParaRPr lang="fr-FR" b="1" dirty="0">
-              <a:solidFill>
-                <a:schemeClr val="tx2">
-                  <a:lumMod val="10000"/>
-                </a:schemeClr>
-              </a:solidFill>
-            </a:endParaRPr>
-          </a:p>
-          <a:p>
-            <a:pPr marL="0" lvl="0" indent="0">
-              <a:buNone/>
-            </a:pPr>
-            <a:r>
-              <a:rPr lang="fr-FR" b="1" dirty="0">
-                <a:solidFill>
-                  <a:schemeClr val="tx2">
-                    <a:lumMod val="10000"/>
-                  </a:schemeClr>
-                </a:solidFill>
-              </a:rPr>
-              <a:t>    public Personne(String nom, String </a:t>
-            </a:r>
-            <a:r>
-              <a:rPr lang="fr-FR" b="1" dirty="0" err="1">
-                <a:solidFill>
-                  <a:schemeClr val="tx2">
-                    <a:lumMod val="10000"/>
-                  </a:schemeClr>
-                </a:solidFill>
-              </a:rPr>
-              <a:t>prenom</a:t>
-            </a:r>
-            <a:r>
-              <a:rPr lang="fr-FR" b="1" dirty="0">
-                <a:solidFill>
-                  <a:schemeClr val="tx2">
-                    <a:lumMod val="10000"/>
-                  </a:schemeClr>
-                </a:solidFill>
-              </a:rPr>
-              <a:t>, </a:t>
-            </a:r>
-            <a:r>
-              <a:rPr lang="fr-FR" b="1" dirty="0" err="1">
-                <a:solidFill>
-                  <a:schemeClr val="tx2">
-                    <a:lumMod val="10000"/>
-                  </a:schemeClr>
-                </a:solidFill>
-              </a:rPr>
-              <a:t>int</a:t>
-            </a:r>
-            <a:r>
-              <a:rPr lang="fr-FR" b="1" dirty="0">
-                <a:solidFill>
-                  <a:schemeClr val="tx2">
-                    <a:lumMod val="10000"/>
-                  </a:schemeClr>
-                </a:solidFill>
-              </a:rPr>
-              <a:t> </a:t>
-            </a:r>
-            <a:r>
-              <a:rPr lang="fr-FR" b="1" dirty="0" err="1">
-                <a:solidFill>
-                  <a:schemeClr val="tx2">
-                    <a:lumMod val="10000"/>
-                  </a:schemeClr>
-                </a:solidFill>
-              </a:rPr>
-              <a:t>age</a:t>
-            </a:r>
-            <a:r>
-              <a:rPr lang="fr-FR" b="1" dirty="0">
-                <a:solidFill>
-                  <a:schemeClr val="tx2">
-                    <a:lumMod val="10000"/>
-                  </a:schemeClr>
-                </a:solidFill>
-              </a:rPr>
-              <a:t>) {</a:t>
-            </a:r>
-          </a:p>
-          <a:p>
-            <a:pPr marL="0" lvl="0" indent="0">
-              <a:buNone/>
-            </a:pPr>
-            <a:r>
-              <a:rPr lang="fr-FR" b="1" dirty="0">
-                <a:solidFill>
-                  <a:schemeClr val="tx2">
-                    <a:lumMod val="10000"/>
-                  </a:schemeClr>
-                </a:solidFill>
-              </a:rPr>
-              <a:t>        </a:t>
-            </a:r>
-            <a:r>
-              <a:rPr lang="fr-FR" b="1" dirty="0" err="1">
-                <a:solidFill>
-                  <a:schemeClr val="tx2">
-                    <a:lumMod val="10000"/>
-                  </a:schemeClr>
-                </a:solidFill>
-              </a:rPr>
-              <a:t>this.nom</a:t>
-            </a:r>
-            <a:r>
-              <a:rPr lang="fr-FR" b="1" dirty="0">
-                <a:solidFill>
-                  <a:schemeClr val="tx2">
-                    <a:lumMod val="10000"/>
-                  </a:schemeClr>
-                </a:solidFill>
-              </a:rPr>
-              <a:t> = nom;</a:t>
-            </a:r>
-          </a:p>
-          <a:p>
-            <a:pPr marL="0" lvl="0" indent="0">
-              <a:buNone/>
-            </a:pPr>
-            <a:r>
-              <a:rPr lang="fr-FR" b="1" dirty="0">
-                <a:solidFill>
-                  <a:schemeClr val="tx2">
-                    <a:lumMod val="10000"/>
-                  </a:schemeClr>
-                </a:solidFill>
-              </a:rPr>
-              <a:t>        </a:t>
-            </a:r>
-            <a:r>
-              <a:rPr lang="fr-FR" b="1" dirty="0" err="1">
-                <a:solidFill>
-                  <a:schemeClr val="tx2">
-                    <a:lumMod val="10000"/>
-                  </a:schemeClr>
-                </a:solidFill>
-              </a:rPr>
-              <a:t>this.prenom</a:t>
-            </a:r>
-            <a:r>
-              <a:rPr lang="fr-FR" b="1" dirty="0">
-                <a:solidFill>
-                  <a:schemeClr val="tx2">
-                    <a:lumMod val="10000"/>
-                  </a:schemeClr>
-                </a:solidFill>
-              </a:rPr>
-              <a:t> = </a:t>
-            </a:r>
-            <a:r>
-              <a:rPr lang="fr-FR" b="1" dirty="0" err="1">
-                <a:solidFill>
-                  <a:schemeClr val="tx2">
-                    <a:lumMod val="10000"/>
-                  </a:schemeClr>
-                </a:solidFill>
-              </a:rPr>
-              <a:t>prenom</a:t>
-            </a:r>
-            <a:r>
-              <a:rPr lang="fr-FR" b="1" dirty="0">
-                <a:solidFill>
-                  <a:schemeClr val="tx2">
-                    <a:lumMod val="10000"/>
-                  </a:schemeClr>
-                </a:solidFill>
-              </a:rPr>
-              <a:t>;</a:t>
-            </a:r>
-          </a:p>
-          <a:p>
-            <a:pPr marL="0" lvl="0" indent="0">
-              <a:buNone/>
-            </a:pPr>
-            <a:r>
-              <a:rPr lang="fr-FR" b="1" dirty="0">
-                <a:solidFill>
-                  <a:schemeClr val="tx2">
-                    <a:lumMod val="10000"/>
-                  </a:schemeClr>
-                </a:solidFill>
-              </a:rPr>
-              <a:t>        </a:t>
-            </a:r>
-            <a:r>
-              <a:rPr lang="fr-FR" b="1" dirty="0" err="1">
-                <a:solidFill>
-                  <a:schemeClr val="tx2">
-                    <a:lumMod val="10000"/>
-                  </a:schemeClr>
-                </a:solidFill>
-              </a:rPr>
-              <a:t>this.age</a:t>
-            </a:r>
-            <a:r>
-              <a:rPr lang="fr-FR" b="1" dirty="0">
-                <a:solidFill>
-                  <a:schemeClr val="tx2">
-                    <a:lumMod val="10000"/>
-                  </a:schemeClr>
-                </a:solidFill>
-              </a:rPr>
-              <a:t> = </a:t>
-            </a:r>
-            <a:r>
-              <a:rPr lang="fr-FR" b="1" dirty="0" err="1">
-                <a:solidFill>
-                  <a:schemeClr val="tx2">
-                    <a:lumMod val="10000"/>
-                  </a:schemeClr>
-                </a:solidFill>
-              </a:rPr>
-              <a:t>age</a:t>
-            </a:r>
-            <a:r>
-              <a:rPr lang="fr-FR" b="1" dirty="0">
-                <a:solidFill>
-                  <a:schemeClr val="tx2">
-                    <a:lumMod val="10000"/>
-                  </a:schemeClr>
-                </a:solidFill>
-              </a:rPr>
-              <a:t>;</a:t>
-            </a:r>
-          </a:p>
-          <a:p>
-            <a:pPr marL="0" lvl="0" indent="0">
-              <a:buNone/>
-            </a:pPr>
-            <a:r>
-              <a:rPr lang="fr-FR" b="1" dirty="0">
-                <a:solidFill>
-                  <a:schemeClr val="tx2">
-                    <a:lumMod val="10000"/>
-                  </a:schemeClr>
-                </a:solidFill>
-              </a:rPr>
-              <a:t>    }</a:t>
-            </a:r>
-          </a:p>
-          <a:p>
-            <a:pPr marL="0" lvl="0" indent="0">
-              <a:buNone/>
-            </a:pPr>
-            <a:endParaRPr lang="fr-FR" b="1" dirty="0">
-              <a:solidFill>
-                <a:schemeClr val="tx2">
-                  <a:lumMod val="10000"/>
-                </a:schemeClr>
-              </a:solidFill>
-            </a:endParaRPr>
-          </a:p>
-          <a:p>
-            <a:pPr marL="0" lvl="0" indent="0">
-              <a:buNone/>
-            </a:pPr>
-            <a:r>
-              <a:rPr lang="fr-FR" b="1" dirty="0">
-                <a:solidFill>
-                  <a:schemeClr val="tx2">
-                    <a:lumMod val="10000"/>
-                  </a:schemeClr>
-                </a:solidFill>
-              </a:rPr>
-              <a:t>    public Personne(String nom, String </a:t>
-            </a:r>
-            <a:r>
-              <a:rPr lang="fr-FR" b="1" dirty="0" err="1">
-                <a:solidFill>
-                  <a:schemeClr val="tx2">
-                    <a:lumMod val="10000"/>
-                  </a:schemeClr>
-                </a:solidFill>
-              </a:rPr>
-              <a:t>prenom</a:t>
-            </a:r>
-            <a:r>
-              <a:rPr lang="fr-FR" b="1" dirty="0">
-                <a:solidFill>
-                  <a:schemeClr val="tx2">
-                    <a:lumMod val="10000"/>
-                  </a:schemeClr>
-                </a:solidFill>
-              </a:rPr>
-              <a:t>, </a:t>
-            </a:r>
-            <a:r>
-              <a:rPr lang="fr-FR" b="1" dirty="0" err="1">
-                <a:solidFill>
-                  <a:schemeClr val="tx2">
-                    <a:lumMod val="10000"/>
-                  </a:schemeClr>
-                </a:solidFill>
-              </a:rPr>
-              <a:t>int</a:t>
-            </a:r>
-            <a:r>
-              <a:rPr lang="fr-FR" b="1" dirty="0">
-                <a:solidFill>
-                  <a:schemeClr val="tx2">
-                    <a:lumMod val="10000"/>
-                  </a:schemeClr>
-                </a:solidFill>
-              </a:rPr>
-              <a:t> </a:t>
-            </a:r>
-            <a:r>
-              <a:rPr lang="fr-FR" b="1" dirty="0" err="1">
-                <a:solidFill>
-                  <a:schemeClr val="tx2">
-                    <a:lumMod val="10000"/>
-                  </a:schemeClr>
-                </a:solidFill>
-              </a:rPr>
-              <a:t>age</a:t>
-            </a:r>
-            <a:r>
-              <a:rPr lang="fr-FR" b="1" dirty="0">
-                <a:solidFill>
-                  <a:schemeClr val="tx2">
-                    <a:lumMod val="10000"/>
-                  </a:schemeClr>
-                </a:solidFill>
-              </a:rPr>
-              <a:t>, String </a:t>
-            </a:r>
-            <a:r>
-              <a:rPr lang="fr-FR" b="1" dirty="0" err="1">
-                <a:solidFill>
-                  <a:schemeClr val="tx2">
-                    <a:lumMod val="10000"/>
-                  </a:schemeClr>
-                </a:solidFill>
-              </a:rPr>
-              <a:t>telephone</a:t>
-            </a:r>
-            <a:r>
-              <a:rPr lang="fr-FR" b="1" dirty="0">
-                <a:solidFill>
-                  <a:schemeClr val="tx2">
-                    <a:lumMod val="10000"/>
-                  </a:schemeClr>
-                </a:solidFill>
-              </a:rPr>
-              <a:t>, String email) {</a:t>
-            </a:r>
-          </a:p>
-          <a:p>
-            <a:pPr marL="0" lvl="0" indent="0">
-              <a:buNone/>
-            </a:pPr>
-            <a:r>
-              <a:rPr lang="fr-FR" b="1" dirty="0">
-                <a:solidFill>
-                  <a:schemeClr val="tx2">
-                    <a:lumMod val="10000"/>
-                  </a:schemeClr>
-                </a:solidFill>
-              </a:rPr>
-              <a:t>        </a:t>
-            </a:r>
-            <a:r>
-              <a:rPr lang="fr-FR" b="1" dirty="0" err="1">
-                <a:solidFill>
-                  <a:schemeClr val="tx2">
-                    <a:lumMod val="10000"/>
-                  </a:schemeClr>
-                </a:solidFill>
-              </a:rPr>
-              <a:t>this.nom</a:t>
-            </a:r>
-            <a:r>
-              <a:rPr lang="fr-FR" b="1" dirty="0">
-                <a:solidFill>
-                  <a:schemeClr val="tx2">
-                    <a:lumMod val="10000"/>
-                  </a:schemeClr>
-                </a:solidFill>
-              </a:rPr>
-              <a:t> = nom;</a:t>
-            </a:r>
-          </a:p>
-          <a:p>
-            <a:pPr marL="0" lvl="0" indent="0">
-              <a:buNone/>
-            </a:pPr>
-            <a:r>
-              <a:rPr lang="fr-FR" b="1" dirty="0">
-                <a:solidFill>
-                  <a:schemeClr val="tx2">
-                    <a:lumMod val="10000"/>
-                  </a:schemeClr>
-                </a:solidFill>
-              </a:rPr>
-              <a:t>        </a:t>
-            </a:r>
-            <a:r>
-              <a:rPr lang="fr-FR" b="1" dirty="0" err="1">
-                <a:solidFill>
-                  <a:schemeClr val="tx2">
-                    <a:lumMod val="10000"/>
-                  </a:schemeClr>
-                </a:solidFill>
-              </a:rPr>
-              <a:t>this.prenom</a:t>
-            </a:r>
-            <a:r>
-              <a:rPr lang="fr-FR" b="1" dirty="0">
-                <a:solidFill>
-                  <a:schemeClr val="tx2">
-                    <a:lumMod val="10000"/>
-                  </a:schemeClr>
-                </a:solidFill>
-              </a:rPr>
-              <a:t> = </a:t>
-            </a:r>
-            <a:r>
-              <a:rPr lang="fr-FR" b="1" dirty="0" err="1">
-                <a:solidFill>
-                  <a:schemeClr val="tx2">
-                    <a:lumMod val="10000"/>
-                  </a:schemeClr>
-                </a:solidFill>
-              </a:rPr>
-              <a:t>prenom</a:t>
-            </a:r>
-            <a:r>
-              <a:rPr lang="fr-FR" b="1" dirty="0">
-                <a:solidFill>
-                  <a:schemeClr val="tx2">
-                    <a:lumMod val="10000"/>
-                  </a:schemeClr>
-                </a:solidFill>
-              </a:rPr>
-              <a:t>;</a:t>
-            </a:r>
-          </a:p>
-          <a:p>
-            <a:pPr marL="0" lvl="0" indent="0">
-              <a:buNone/>
-            </a:pPr>
-            <a:r>
-              <a:rPr lang="fr-FR" b="1" dirty="0">
-                <a:solidFill>
-                  <a:schemeClr val="tx2">
-                    <a:lumMod val="10000"/>
-                  </a:schemeClr>
-                </a:solidFill>
-              </a:rPr>
-              <a:t>        </a:t>
-            </a:r>
-            <a:r>
-              <a:rPr lang="fr-FR" b="1" dirty="0" err="1">
-                <a:solidFill>
-                  <a:schemeClr val="tx2">
-                    <a:lumMod val="10000"/>
-                  </a:schemeClr>
-                </a:solidFill>
-              </a:rPr>
-              <a:t>this.age</a:t>
-            </a:r>
-            <a:r>
-              <a:rPr lang="fr-FR" b="1" dirty="0">
-                <a:solidFill>
-                  <a:schemeClr val="tx2">
-                    <a:lumMod val="10000"/>
-                  </a:schemeClr>
-                </a:solidFill>
-              </a:rPr>
-              <a:t> = </a:t>
-            </a:r>
-            <a:r>
-              <a:rPr lang="fr-FR" b="1" dirty="0" err="1">
-                <a:solidFill>
-                  <a:schemeClr val="tx2">
-                    <a:lumMod val="10000"/>
-                  </a:schemeClr>
-                </a:solidFill>
-              </a:rPr>
-              <a:t>age</a:t>
-            </a:r>
-            <a:r>
-              <a:rPr lang="fr-FR" b="1" dirty="0">
-                <a:solidFill>
-                  <a:schemeClr val="tx2">
-                    <a:lumMod val="10000"/>
-                  </a:schemeClr>
-                </a:solidFill>
-              </a:rPr>
-              <a:t>;</a:t>
-            </a:r>
-          </a:p>
-          <a:p>
-            <a:pPr marL="0" lvl="0" indent="0">
-              <a:buNone/>
-            </a:pPr>
-            <a:r>
-              <a:rPr lang="fr-FR" b="1" dirty="0">
-                <a:solidFill>
-                  <a:schemeClr val="tx2">
-                    <a:lumMod val="10000"/>
-                  </a:schemeClr>
-                </a:solidFill>
-              </a:rPr>
-              <a:t>        </a:t>
-            </a:r>
-            <a:r>
-              <a:rPr lang="fr-FR" b="1" dirty="0" err="1">
-                <a:solidFill>
-                  <a:schemeClr val="tx2">
-                    <a:lumMod val="10000"/>
-                  </a:schemeClr>
-                </a:solidFill>
-              </a:rPr>
-              <a:t>this.telephone</a:t>
-            </a:r>
-            <a:r>
-              <a:rPr lang="fr-FR" b="1" dirty="0">
-                <a:solidFill>
-                  <a:schemeClr val="tx2">
-                    <a:lumMod val="10000"/>
-                  </a:schemeClr>
-                </a:solidFill>
-              </a:rPr>
-              <a:t> = </a:t>
-            </a:r>
-            <a:r>
-              <a:rPr lang="fr-FR" b="1" dirty="0" err="1">
-                <a:solidFill>
-                  <a:schemeClr val="tx2">
-                    <a:lumMod val="10000"/>
-                  </a:schemeClr>
-                </a:solidFill>
-              </a:rPr>
-              <a:t>telephone</a:t>
-            </a:r>
-            <a:r>
-              <a:rPr lang="fr-FR" b="1" dirty="0">
-                <a:solidFill>
-                  <a:schemeClr val="tx2">
-                    <a:lumMod val="10000"/>
-                  </a:schemeClr>
-                </a:solidFill>
-              </a:rPr>
-              <a:t>;</a:t>
-            </a:r>
-          </a:p>
-          <a:p>
-            <a:pPr marL="0" lvl="0" indent="0">
-              <a:buNone/>
-            </a:pPr>
-            <a:r>
-              <a:rPr lang="fr-FR" b="1" dirty="0">
-                <a:solidFill>
-                  <a:schemeClr val="tx2">
-                    <a:lumMod val="10000"/>
-                  </a:schemeClr>
-                </a:solidFill>
-              </a:rPr>
-              <a:t>        </a:t>
-            </a:r>
-            <a:r>
-              <a:rPr lang="fr-FR" b="1" dirty="0" err="1">
-                <a:solidFill>
-                  <a:schemeClr val="tx2">
-                    <a:lumMod val="10000"/>
-                  </a:schemeClr>
-                </a:solidFill>
-              </a:rPr>
-              <a:t>this.email</a:t>
-            </a:r>
-            <a:r>
-              <a:rPr lang="fr-FR" b="1" dirty="0">
-                <a:solidFill>
-                  <a:schemeClr val="tx2">
-                    <a:lumMod val="10000"/>
-                  </a:schemeClr>
-                </a:solidFill>
-              </a:rPr>
-              <a:t> = email;</a:t>
-            </a:r>
-          </a:p>
-          <a:p>
-            <a:pPr marL="0" lvl="0" indent="0">
-              <a:buNone/>
-            </a:pPr>
-            <a:r>
-              <a:rPr lang="fr-FR" b="1" dirty="0">
-                <a:solidFill>
-                  <a:schemeClr val="tx2">
-                    <a:lumMod val="10000"/>
-                  </a:schemeClr>
-                </a:solidFill>
-              </a:rPr>
-              <a:t>    }</a:t>
-            </a:r>
-          </a:p>
-          <a:p>
-            <a:pPr marL="0" lvl="0" indent="0">
-              <a:buNone/>
-            </a:pPr>
-            <a:r>
-              <a:rPr lang="fr-FR" b="1" dirty="0">
-                <a:solidFill>
-                  <a:schemeClr val="tx2">
-                    <a:lumMod val="10000"/>
-                  </a:schemeClr>
-                </a:solidFill>
-              </a:rPr>
-              <a:t>}</a:t>
-            </a:r>
           </a:p>
         </p:txBody>
       </p:sp>
@@ -36729,7 +36092,7 @@
         </p:nvGrpSpPr>
         <p:grpSpPr>
           <a:xfrm rot="-682722" flipH="1">
-            <a:off x="4455377" y="-311614"/>
+            <a:off x="4455377" y="-290348"/>
             <a:ext cx="1802474" cy="1222709"/>
             <a:chOff x="710475" y="4431950"/>
             <a:chExt cx="1470700" cy="997650"/>
@@ -37383,12 +36746,537 @@
           </p:txBody>
         </p:sp>
       </p:grpSp>
+    </p:spTree>
+    <p:extLst>
+      <p:ext uri="{BB962C8B-B14F-4D97-AF65-F5344CB8AC3E}">
+        <p14:creationId xmlns:p14="http://schemas.microsoft.com/office/powerpoint/2010/main" val="1494631445"/>
+      </p:ext>
+    </p:extLst>
+  </p:cSld>
+  <p:clrMapOvr>
+    <a:masterClrMapping/>
+  </p:clrMapOvr>
+</p:sld>
+</file>
+
+<file path=ppt/slides/slide28.xml><?xml version="1.0" encoding="utf-8"?>
+<p:sld xmlns:a="http://schemas.openxmlformats.org/drawingml/2006/main" xmlns:r="http://schemas.openxmlformats.org/officeDocument/2006/relationships" xmlns:p="http://schemas.openxmlformats.org/presentationml/2006/main">
+  <p:cSld>
+    <p:spTree>
+      <p:nvGrpSpPr>
+        <p:cNvPr id="1" name="Shape 428"/>
+        <p:cNvGrpSpPr/>
+        <p:nvPr/>
+      </p:nvGrpSpPr>
+      <p:grpSpPr>
+        <a:xfrm>
+          <a:off x="0" y="0"/>
+          <a:ext cx="0" cy="0"/>
+          <a:chOff x="0" y="0"/>
+          <a:chExt cx="0" cy="0"/>
+        </a:xfrm>
+      </p:grpSpPr>
       <p:grpSp>
         <p:nvGrpSpPr>
-          <p:cNvPr id="13" name="Google Shape;10496;p63">
+          <p:cNvPr id="10" name="Google Shape;349;p31">
             <a:extLst>
               <a:ext uri="{FF2B5EF4-FFF2-40B4-BE49-F238E27FC236}">
-                <a16:creationId xmlns:a16="http://schemas.microsoft.com/office/drawing/2014/main" id="{ECF9763C-AB46-5A42-C95E-01FB82664906}"/>
+                <a16:creationId xmlns:a16="http://schemas.microsoft.com/office/drawing/2014/main" id="{8D4543FC-1580-F7C1-C2D1-B72CC352C351}"/>
+              </a:ext>
+            </a:extLst>
+          </p:cNvPr>
+          <p:cNvGrpSpPr/>
+          <p:nvPr/>
+        </p:nvGrpSpPr>
+        <p:grpSpPr>
+          <a:xfrm rot="-10117237" flipH="1">
+            <a:off x="371487" y="4178745"/>
+            <a:ext cx="813271" cy="642730"/>
+            <a:chOff x="7800400" y="280725"/>
+            <a:chExt cx="1861508" cy="1471154"/>
+          </a:xfrm>
+        </p:grpSpPr>
+        <p:sp>
+          <p:nvSpPr>
+            <p:cNvPr id="11" name="Google Shape;350;p31">
+              <a:extLst>
+                <a:ext uri="{FF2B5EF4-FFF2-40B4-BE49-F238E27FC236}">
+                  <a16:creationId xmlns:a16="http://schemas.microsoft.com/office/drawing/2014/main" id="{7F8E5480-ED92-B9C9-57C2-317079CF0A69}"/>
+                </a:ext>
+              </a:extLst>
+            </p:cNvPr>
+            <p:cNvSpPr/>
+            <p:nvPr/>
+          </p:nvSpPr>
+          <p:spPr>
+            <a:xfrm>
+              <a:off x="7800400" y="484927"/>
+              <a:ext cx="1458012" cy="1262825"/>
+            </a:xfrm>
+            <a:custGeom>
+              <a:avLst/>
+              <a:gdLst/>
+              <a:ahLst/>
+              <a:cxnLst/>
+              <a:rect l="l" t="t" r="r" b="b"/>
+              <a:pathLst>
+                <a:path w="46074" h="39906" fill="none" extrusionOk="0">
+                  <a:moveTo>
+                    <a:pt x="34562" y="1"/>
+                  </a:moveTo>
+                  <a:lnTo>
+                    <a:pt x="11513" y="1"/>
+                  </a:lnTo>
+                  <a:lnTo>
+                    <a:pt x="1" y="19954"/>
+                  </a:lnTo>
+                  <a:lnTo>
+                    <a:pt x="11513" y="39906"/>
+                  </a:lnTo>
+                  <a:lnTo>
+                    <a:pt x="34562" y="39906"/>
+                  </a:lnTo>
+                  <a:lnTo>
+                    <a:pt x="46074" y="19954"/>
+                  </a:lnTo>
+                  <a:close/>
+                </a:path>
+              </a:pathLst>
+            </a:custGeom>
+            <a:noFill/>
+            <a:ln w="13575" cap="flat" cmpd="sng">
+              <a:solidFill>
+                <a:schemeClr val="dk2"/>
+              </a:solidFill>
+              <a:prstDash val="solid"/>
+              <a:miter lim="2065"/>
+              <a:headEnd type="none" w="sm" len="sm"/>
+              <a:tailEnd type="none" w="sm" len="sm"/>
+            </a:ln>
+          </p:spPr>
+          <p:txBody>
+            <a:bodyPr spcFirstLastPara="1" wrap="square" lIns="91425" tIns="91425" rIns="91425" bIns="91425" anchor="ctr" anchorCtr="0">
+              <a:noAutofit/>
+            </a:bodyPr>
+            <a:lstStyle/>
+            <a:p>
+              <a:pPr marL="0" lvl="0" indent="0" algn="l" rtl="0">
+                <a:spcBef>
+                  <a:spcPts val="0"/>
+                </a:spcBef>
+                <a:spcAft>
+                  <a:spcPts val="0"/>
+                </a:spcAft>
+                <a:buNone/>
+              </a:pPr>
+              <a:endParaRPr dirty="0"/>
+            </a:p>
+          </p:txBody>
+        </p:sp>
+        <p:sp>
+          <p:nvSpPr>
+            <p:cNvPr id="12" name="Google Shape;351;p31">
+              <a:extLst>
+                <a:ext uri="{FF2B5EF4-FFF2-40B4-BE49-F238E27FC236}">
+                  <a16:creationId xmlns:a16="http://schemas.microsoft.com/office/drawing/2014/main" id="{54FA8602-A980-BBA4-0440-F241FAF5A927}"/>
+                </a:ext>
+              </a:extLst>
+            </p:cNvPr>
+            <p:cNvSpPr/>
+            <p:nvPr/>
+          </p:nvSpPr>
+          <p:spPr>
+            <a:xfrm>
+              <a:off x="8203042" y="283225"/>
+              <a:ext cx="1458866" cy="1262825"/>
+            </a:xfrm>
+            <a:custGeom>
+              <a:avLst/>
+              <a:gdLst/>
+              <a:ahLst/>
+              <a:cxnLst/>
+              <a:rect l="l" t="t" r="r" b="b"/>
+              <a:pathLst>
+                <a:path w="46101" h="39906" fill="none" extrusionOk="0">
+                  <a:moveTo>
+                    <a:pt x="34589" y="0"/>
+                  </a:moveTo>
+                  <a:lnTo>
+                    <a:pt x="11540" y="0"/>
+                  </a:lnTo>
+                  <a:lnTo>
+                    <a:pt x="1" y="19952"/>
+                  </a:lnTo>
+                  <a:lnTo>
+                    <a:pt x="11540" y="39905"/>
+                  </a:lnTo>
+                  <a:lnTo>
+                    <a:pt x="34589" y="39905"/>
+                  </a:lnTo>
+                  <a:lnTo>
+                    <a:pt x="46101" y="19952"/>
+                  </a:lnTo>
+                  <a:close/>
+                </a:path>
+              </a:pathLst>
+            </a:custGeom>
+            <a:noFill/>
+            <a:ln w="13575" cap="flat" cmpd="sng">
+              <a:solidFill>
+                <a:schemeClr val="dk2"/>
+              </a:solidFill>
+              <a:prstDash val="solid"/>
+              <a:miter lim="2065"/>
+              <a:headEnd type="none" w="sm" len="sm"/>
+              <a:tailEnd type="none" w="sm" len="sm"/>
+            </a:ln>
+          </p:spPr>
+          <p:txBody>
+            <a:bodyPr spcFirstLastPara="1" wrap="square" lIns="91425" tIns="91425" rIns="91425" bIns="91425" anchor="ctr" anchorCtr="0">
+              <a:noAutofit/>
+            </a:bodyPr>
+            <a:lstStyle/>
+            <a:p>
+              <a:pPr marL="0" lvl="0" indent="0" algn="l" rtl="0">
+                <a:spcBef>
+                  <a:spcPts val="0"/>
+                </a:spcBef>
+                <a:spcAft>
+                  <a:spcPts val="0"/>
+                </a:spcAft>
+                <a:buNone/>
+              </a:pPr>
+              <a:endParaRPr dirty="0"/>
+            </a:p>
+          </p:txBody>
+        </p:sp>
+        <p:sp>
+          <p:nvSpPr>
+            <p:cNvPr id="13" name="Google Shape;352;p31">
+              <a:extLst>
+                <a:ext uri="{FF2B5EF4-FFF2-40B4-BE49-F238E27FC236}">
+                  <a16:creationId xmlns:a16="http://schemas.microsoft.com/office/drawing/2014/main" id="{1938C1C1-9367-64B8-AA09-CDECEE9C90F1}"/>
+                </a:ext>
+              </a:extLst>
+            </p:cNvPr>
+            <p:cNvSpPr/>
+            <p:nvPr/>
+          </p:nvSpPr>
+          <p:spPr>
+            <a:xfrm>
+              <a:off x="7800400" y="914563"/>
+              <a:ext cx="402683" cy="201832"/>
+            </a:xfrm>
+            <a:custGeom>
+              <a:avLst/>
+              <a:gdLst/>
+              <a:ahLst/>
+              <a:cxnLst/>
+              <a:rect l="l" t="t" r="r" b="b"/>
+              <a:pathLst>
+                <a:path w="12725" h="6378" fill="none" extrusionOk="0">
+                  <a:moveTo>
+                    <a:pt x="1" y="6377"/>
+                  </a:moveTo>
+                  <a:lnTo>
+                    <a:pt x="12725" y="1"/>
+                  </a:lnTo>
+                </a:path>
+              </a:pathLst>
+            </a:custGeom>
+            <a:noFill/>
+            <a:ln w="13575" cap="flat" cmpd="sng">
+              <a:solidFill>
+                <a:schemeClr val="dk2"/>
+              </a:solidFill>
+              <a:prstDash val="solid"/>
+              <a:miter lim="2065"/>
+              <a:headEnd type="none" w="sm" len="sm"/>
+              <a:tailEnd type="none" w="sm" len="sm"/>
+            </a:ln>
+          </p:spPr>
+          <p:txBody>
+            <a:bodyPr spcFirstLastPara="1" wrap="square" lIns="91425" tIns="91425" rIns="91425" bIns="91425" anchor="ctr" anchorCtr="0">
+              <a:noAutofit/>
+            </a:bodyPr>
+            <a:lstStyle/>
+            <a:p>
+              <a:pPr marL="0" lvl="0" indent="0" algn="l" rtl="0">
+                <a:spcBef>
+                  <a:spcPts val="0"/>
+                </a:spcBef>
+                <a:spcAft>
+                  <a:spcPts val="0"/>
+                </a:spcAft>
+                <a:buNone/>
+              </a:pPr>
+              <a:endParaRPr dirty="0"/>
+            </a:p>
+          </p:txBody>
+        </p:sp>
+        <p:sp>
+          <p:nvSpPr>
+            <p:cNvPr id="14" name="Google Shape;353;p31">
+              <a:extLst>
+                <a:ext uri="{FF2B5EF4-FFF2-40B4-BE49-F238E27FC236}">
+                  <a16:creationId xmlns:a16="http://schemas.microsoft.com/office/drawing/2014/main" id="{6FAC6185-25CA-544D-ACA7-5418AD7CF9DD}"/>
+                </a:ext>
+              </a:extLst>
+            </p:cNvPr>
+            <p:cNvSpPr/>
+            <p:nvPr/>
+          </p:nvSpPr>
+          <p:spPr>
+            <a:xfrm>
+              <a:off x="8898172" y="283225"/>
+              <a:ext cx="403537" cy="200946"/>
+            </a:xfrm>
+            <a:custGeom>
+              <a:avLst/>
+              <a:gdLst/>
+              <a:ahLst/>
+              <a:cxnLst/>
+              <a:rect l="l" t="t" r="r" b="b"/>
+              <a:pathLst>
+                <a:path w="12752" h="6350" fill="none" extrusionOk="0">
+                  <a:moveTo>
+                    <a:pt x="1" y="6350"/>
+                  </a:moveTo>
+                  <a:lnTo>
+                    <a:pt x="12752" y="0"/>
+                  </a:lnTo>
+                </a:path>
+              </a:pathLst>
+            </a:custGeom>
+            <a:noFill/>
+            <a:ln w="13575" cap="flat" cmpd="sng">
+              <a:solidFill>
+                <a:schemeClr val="dk2"/>
+              </a:solidFill>
+              <a:prstDash val="solid"/>
+              <a:miter lim="2065"/>
+              <a:headEnd type="none" w="sm" len="sm"/>
+              <a:tailEnd type="none" w="sm" len="sm"/>
+            </a:ln>
+          </p:spPr>
+          <p:txBody>
+            <a:bodyPr spcFirstLastPara="1" wrap="square" lIns="91425" tIns="91425" rIns="91425" bIns="91425" anchor="ctr" anchorCtr="0">
+              <a:noAutofit/>
+            </a:bodyPr>
+            <a:lstStyle/>
+            <a:p>
+              <a:pPr marL="0" lvl="0" indent="0" algn="l" rtl="0">
+                <a:spcBef>
+                  <a:spcPts val="0"/>
+                </a:spcBef>
+                <a:spcAft>
+                  <a:spcPts val="0"/>
+                </a:spcAft>
+                <a:buNone/>
+              </a:pPr>
+              <a:endParaRPr dirty="0"/>
+            </a:p>
+          </p:txBody>
+        </p:sp>
+        <p:sp>
+          <p:nvSpPr>
+            <p:cNvPr id="15" name="Google Shape;354;p31">
+              <a:extLst>
+                <a:ext uri="{FF2B5EF4-FFF2-40B4-BE49-F238E27FC236}">
+                  <a16:creationId xmlns:a16="http://schemas.microsoft.com/office/drawing/2014/main" id="{F570D303-4F94-6FB8-E917-A716E40B2F9F}"/>
+                </a:ext>
+              </a:extLst>
+            </p:cNvPr>
+            <p:cNvSpPr/>
+            <p:nvPr/>
+          </p:nvSpPr>
+          <p:spPr>
+            <a:xfrm>
+              <a:off x="8161430" y="280725"/>
+              <a:ext cx="403537" cy="200977"/>
+            </a:xfrm>
+            <a:custGeom>
+              <a:avLst/>
+              <a:gdLst/>
+              <a:ahLst/>
+              <a:cxnLst/>
+              <a:rect l="l" t="t" r="r" b="b"/>
+              <a:pathLst>
+                <a:path w="12752" h="6351" fill="none" extrusionOk="0">
+                  <a:moveTo>
+                    <a:pt x="0" y="6350"/>
+                  </a:moveTo>
+                  <a:lnTo>
+                    <a:pt x="12752" y="1"/>
+                  </a:lnTo>
+                </a:path>
+              </a:pathLst>
+            </a:custGeom>
+            <a:noFill/>
+            <a:ln w="13575" cap="flat" cmpd="sng">
+              <a:solidFill>
+                <a:schemeClr val="dk2"/>
+              </a:solidFill>
+              <a:prstDash val="solid"/>
+              <a:miter lim="2065"/>
+              <a:headEnd type="none" w="sm" len="sm"/>
+              <a:tailEnd type="none" w="sm" len="sm"/>
+            </a:ln>
+          </p:spPr>
+          <p:txBody>
+            <a:bodyPr spcFirstLastPara="1" wrap="square" lIns="91425" tIns="91425" rIns="91425" bIns="91425" anchor="ctr" anchorCtr="0">
+              <a:noAutofit/>
+            </a:bodyPr>
+            <a:lstStyle/>
+            <a:p>
+              <a:pPr marL="0" lvl="0" indent="0" algn="l" rtl="0">
+                <a:spcBef>
+                  <a:spcPts val="0"/>
+                </a:spcBef>
+                <a:spcAft>
+                  <a:spcPts val="0"/>
+                </a:spcAft>
+                <a:buNone/>
+              </a:pPr>
+              <a:endParaRPr dirty="0"/>
+            </a:p>
+          </p:txBody>
+        </p:sp>
+        <p:sp>
+          <p:nvSpPr>
+            <p:cNvPr id="16" name="Google Shape;355;p31">
+              <a:extLst>
+                <a:ext uri="{FF2B5EF4-FFF2-40B4-BE49-F238E27FC236}">
+                  <a16:creationId xmlns:a16="http://schemas.microsoft.com/office/drawing/2014/main" id="{D7AEDA4D-BE18-45AF-A90F-816B1CB92DA0}"/>
+                </a:ext>
+              </a:extLst>
+            </p:cNvPr>
+            <p:cNvSpPr/>
+            <p:nvPr/>
+          </p:nvSpPr>
+          <p:spPr>
+            <a:xfrm>
+              <a:off x="8161430" y="1550047"/>
+              <a:ext cx="403537" cy="201832"/>
+            </a:xfrm>
+            <a:custGeom>
+              <a:avLst/>
+              <a:gdLst/>
+              <a:ahLst/>
+              <a:cxnLst/>
+              <a:rect l="l" t="t" r="r" b="b"/>
+              <a:pathLst>
+                <a:path w="12752" h="6378" fill="none" extrusionOk="0">
+                  <a:moveTo>
+                    <a:pt x="0" y="6377"/>
+                  </a:moveTo>
+                  <a:lnTo>
+                    <a:pt x="12752" y="0"/>
+                  </a:lnTo>
+                </a:path>
+              </a:pathLst>
+            </a:custGeom>
+            <a:noFill/>
+            <a:ln w="13575" cap="flat" cmpd="sng">
+              <a:solidFill>
+                <a:schemeClr val="dk2"/>
+              </a:solidFill>
+              <a:prstDash val="solid"/>
+              <a:miter lim="2065"/>
+              <a:headEnd type="none" w="sm" len="sm"/>
+              <a:tailEnd type="none" w="sm" len="sm"/>
+            </a:ln>
+          </p:spPr>
+          <p:txBody>
+            <a:bodyPr spcFirstLastPara="1" wrap="square" lIns="91425" tIns="91425" rIns="91425" bIns="91425" anchor="ctr" anchorCtr="0">
+              <a:noAutofit/>
+            </a:bodyPr>
+            <a:lstStyle/>
+            <a:p>
+              <a:pPr marL="0" lvl="0" indent="0" algn="l" rtl="0">
+                <a:spcBef>
+                  <a:spcPts val="0"/>
+                </a:spcBef>
+                <a:spcAft>
+                  <a:spcPts val="0"/>
+                </a:spcAft>
+                <a:buNone/>
+              </a:pPr>
+              <a:endParaRPr dirty="0"/>
+            </a:p>
+          </p:txBody>
+        </p:sp>
+        <p:sp>
+          <p:nvSpPr>
+            <p:cNvPr id="17" name="Google Shape;356;p31">
+              <a:extLst>
+                <a:ext uri="{FF2B5EF4-FFF2-40B4-BE49-F238E27FC236}">
+                  <a16:creationId xmlns:a16="http://schemas.microsoft.com/office/drawing/2014/main" id="{B0266D69-58DB-EAC9-3987-EBA93B48B556}"/>
+                </a:ext>
+              </a:extLst>
+            </p:cNvPr>
+            <p:cNvSpPr/>
+            <p:nvPr/>
+          </p:nvSpPr>
+          <p:spPr>
+            <a:xfrm>
+              <a:off x="8897317" y="1548401"/>
+              <a:ext cx="403569" cy="200977"/>
+            </a:xfrm>
+            <a:custGeom>
+              <a:avLst/>
+              <a:gdLst/>
+              <a:ahLst/>
+              <a:cxnLst/>
+              <a:rect l="l" t="t" r="r" b="b"/>
+              <a:pathLst>
+                <a:path w="12753" h="6351" fill="none" extrusionOk="0">
+                  <a:moveTo>
+                    <a:pt x="1" y="6351"/>
+                  </a:moveTo>
+                  <a:lnTo>
+                    <a:pt x="12752" y="1"/>
+                  </a:lnTo>
+                </a:path>
+              </a:pathLst>
+            </a:custGeom>
+            <a:noFill/>
+            <a:ln w="13575" cap="flat" cmpd="sng">
+              <a:solidFill>
+                <a:schemeClr val="dk2"/>
+              </a:solidFill>
+              <a:prstDash val="solid"/>
+              <a:miter lim="2065"/>
+              <a:headEnd type="none" w="sm" len="sm"/>
+              <a:tailEnd type="none" w="sm" len="sm"/>
+            </a:ln>
+          </p:spPr>
+          <p:txBody>
+            <a:bodyPr spcFirstLastPara="1" wrap="square" lIns="91425" tIns="91425" rIns="91425" bIns="91425" anchor="ctr" anchorCtr="0">
+              <a:noAutofit/>
+            </a:bodyPr>
+            <a:lstStyle/>
+            <a:p>
+              <a:pPr marL="0" lvl="0" indent="0" algn="l" rtl="0">
+                <a:spcBef>
+                  <a:spcPts val="0"/>
+                </a:spcBef>
+                <a:spcAft>
+                  <a:spcPts val="0"/>
+                </a:spcAft>
+                <a:buNone/>
+              </a:pPr>
+              <a:endParaRPr dirty="0"/>
+            </a:p>
+          </p:txBody>
+        </p:sp>
+      </p:grpSp>
+      <p:grpSp>
+        <p:nvGrpSpPr>
+          <p:cNvPr id="19" name="Google Shape;10496;p63">
+            <a:extLst>
+              <a:ext uri="{FF2B5EF4-FFF2-40B4-BE49-F238E27FC236}">
+                <a16:creationId xmlns:a16="http://schemas.microsoft.com/office/drawing/2014/main" id="{06D43EFD-8A94-79FB-97E5-88D7DE75842A}"/>
               </a:ext>
             </a:extLst>
           </p:cNvPr>
@@ -37405,10 +37293,10 @@
         </p:grpSpPr>
         <p:sp>
           <p:nvSpPr>
-            <p:cNvPr id="14" name="Google Shape;10497;p63">
+            <p:cNvPr id="20" name="Google Shape;10497;p63">
               <a:extLst>
                 <a:ext uri="{FF2B5EF4-FFF2-40B4-BE49-F238E27FC236}">
-                  <a16:creationId xmlns:a16="http://schemas.microsoft.com/office/drawing/2014/main" id="{64201C9F-CC1B-9CF7-D29D-0F7E8DEC6A0E}"/>
+                  <a16:creationId xmlns:a16="http://schemas.microsoft.com/office/drawing/2014/main" id="{58155E3C-7DCF-B9A2-DBBC-C6FDC5AFFA1A}"/>
                 </a:ext>
               </a:extLst>
             </p:cNvPr>
@@ -37614,10 +37502,10 @@
         </p:sp>
         <p:sp>
           <p:nvSpPr>
-            <p:cNvPr id="15" name="Google Shape;10498;p63">
+            <p:cNvPr id="21" name="Google Shape;10498;p63">
               <a:extLst>
                 <a:ext uri="{FF2B5EF4-FFF2-40B4-BE49-F238E27FC236}">
-                  <a16:creationId xmlns:a16="http://schemas.microsoft.com/office/drawing/2014/main" id="{EEE94CE6-3D9D-AF07-DD40-A3509DDB67F5}"/>
+                  <a16:creationId xmlns:a16="http://schemas.microsoft.com/office/drawing/2014/main" id="{28E07429-C1C3-502D-537F-4F90007E72BA}"/>
                 </a:ext>
               </a:extLst>
             </p:cNvPr>
@@ -37793,10 +37681,10 @@
         </p:sp>
         <p:sp>
           <p:nvSpPr>
-            <p:cNvPr id="16" name="Google Shape;10499;p63">
+            <p:cNvPr id="22" name="Google Shape;10499;p63">
               <a:extLst>
                 <a:ext uri="{FF2B5EF4-FFF2-40B4-BE49-F238E27FC236}">
-                  <a16:creationId xmlns:a16="http://schemas.microsoft.com/office/drawing/2014/main" id="{7D8B1812-504A-1838-B37F-B4310C6C834D}"/>
+                  <a16:creationId xmlns:a16="http://schemas.microsoft.com/office/drawing/2014/main" id="{A02E079A-04DD-D27A-688D-65FFF8DDBAD5}"/>
                 </a:ext>
               </a:extLst>
             </p:cNvPr>
@@ -37933,10 +37821,10 @@
         </p:sp>
         <p:sp>
           <p:nvSpPr>
-            <p:cNvPr id="17" name="Google Shape;10500;p63">
+            <p:cNvPr id="23" name="Google Shape;10500;p63">
               <a:extLst>
                 <a:ext uri="{FF2B5EF4-FFF2-40B4-BE49-F238E27FC236}">
-                  <a16:creationId xmlns:a16="http://schemas.microsoft.com/office/drawing/2014/main" id="{174375EA-E2E8-EDB2-5116-CABBDF10900E}"/>
+                  <a16:creationId xmlns:a16="http://schemas.microsoft.com/office/drawing/2014/main" id="{8C8CD0CE-23F5-9535-DED6-76DF0F4984D1}"/>
                 </a:ext>
               </a:extLst>
             </p:cNvPr>
@@ -38059,10 +37947,10 @@
         </p:sp>
         <p:sp>
           <p:nvSpPr>
-            <p:cNvPr id="18" name="Google Shape;10501;p63">
+            <p:cNvPr id="24" name="Google Shape;10501;p63">
               <a:extLst>
                 <a:ext uri="{FF2B5EF4-FFF2-40B4-BE49-F238E27FC236}">
-                  <a16:creationId xmlns:a16="http://schemas.microsoft.com/office/drawing/2014/main" id="{0280E208-2DE7-BE2F-AC8A-E9A043D36D72}"/>
+                  <a16:creationId xmlns:a16="http://schemas.microsoft.com/office/drawing/2014/main" id="{F5C659D6-2928-E4F8-EE4C-5BA3CE988487}"/>
                 </a:ext>
               </a:extLst>
             </p:cNvPr>
@@ -38340,10 +38228,10 @@
         </p:sp>
         <p:sp>
           <p:nvSpPr>
-            <p:cNvPr id="19" name="Google Shape;10502;p63">
+            <p:cNvPr id="25" name="Google Shape;10502;p63">
               <a:extLst>
                 <a:ext uri="{FF2B5EF4-FFF2-40B4-BE49-F238E27FC236}">
-                  <a16:creationId xmlns:a16="http://schemas.microsoft.com/office/drawing/2014/main" id="{D98BE9BA-F0F6-9C28-B3A9-B71F5F2C780D}"/>
+                  <a16:creationId xmlns:a16="http://schemas.microsoft.com/office/drawing/2014/main" id="{CA4A3131-3A42-4BC0-03AE-58C610CD774F}"/>
                 </a:ext>
               </a:extLst>
             </p:cNvPr>
@@ -38538,10 +38426,10 @@
         </p:sp>
         <p:sp>
           <p:nvSpPr>
-            <p:cNvPr id="20" name="Google Shape;10503;p63">
+            <p:cNvPr id="27" name="Google Shape;10503;p63">
               <a:extLst>
                 <a:ext uri="{FF2B5EF4-FFF2-40B4-BE49-F238E27FC236}">
-                  <a16:creationId xmlns:a16="http://schemas.microsoft.com/office/drawing/2014/main" id="{DD95C598-609A-8EEB-6DCA-B87F25119831}"/>
+                  <a16:creationId xmlns:a16="http://schemas.microsoft.com/office/drawing/2014/main" id="{622606AE-83AA-8C38-D83F-6C94FE6DCBB7}"/>
                 </a:ext>
               </a:extLst>
             </p:cNvPr>
@@ -38646,54 +38534,10 @@
       </p:grpSp>
       <p:sp>
         <p:nvSpPr>
-          <p:cNvPr id="3" name="Accolade ouvrante 2">
+          <p:cNvPr id="31" name="ZoneTexte 30">
             <a:extLst>
               <a:ext uri="{FF2B5EF4-FFF2-40B4-BE49-F238E27FC236}">
-                <a16:creationId xmlns:a16="http://schemas.microsoft.com/office/drawing/2014/main" id="{C65C628A-86DF-2B25-4CDD-E457CD792EF6}"/>
-              </a:ext>
-            </a:extLst>
-          </p:cNvPr>
-          <p:cNvSpPr/>
-          <p:nvPr/>
-        </p:nvSpPr>
-        <p:spPr>
-          <a:xfrm>
-            <a:off x="3267106" y="1594836"/>
-            <a:ext cx="317017" cy="3034703"/>
-          </a:xfrm>
-          <a:prstGeom prst="leftBrace">
-            <a:avLst/>
-          </a:prstGeom>
-        </p:spPr>
-        <p:style>
-          <a:lnRef idx="3">
-            <a:schemeClr val="accent2"/>
-          </a:lnRef>
-          <a:fillRef idx="0">
-            <a:schemeClr val="accent2"/>
-          </a:fillRef>
-          <a:effectRef idx="2">
-            <a:schemeClr val="accent2"/>
-          </a:effectRef>
-          <a:fontRef idx="minor">
-            <a:schemeClr val="tx1"/>
-          </a:fontRef>
-        </p:style>
-        <p:txBody>
-          <a:bodyPr rtlCol="0" anchor="ctr"/>
-          <a:lstStyle/>
-          <a:p>
-            <a:pPr algn="ctr"/>
-            <a:endParaRPr lang="fr-FR"/>
-          </a:p>
-        </p:txBody>
-      </p:sp>
-      <p:sp>
-        <p:nvSpPr>
-          <p:cNvPr id="5" name="ZoneTexte 4">
-            <a:extLst>
-              <a:ext uri="{FF2B5EF4-FFF2-40B4-BE49-F238E27FC236}">
-                <a16:creationId xmlns:a16="http://schemas.microsoft.com/office/drawing/2014/main" id="{7CEC0B84-7544-2F98-5610-40D7C383DD6F}"/>
+                <a16:creationId xmlns:a16="http://schemas.microsoft.com/office/drawing/2014/main" id="{3D6679F1-2F40-A7F0-7DC5-6A5610D33CE7}"/>
               </a:ext>
             </a:extLst>
           </p:cNvPr>
@@ -38702,8 +38546,8 @@
         </p:nvSpPr>
         <p:spPr>
           <a:xfrm>
-            <a:off x="580118" y="2796137"/>
-            <a:ext cx="2553986" cy="830997"/>
+            <a:off x="1204832" y="1435348"/>
+            <a:ext cx="6435039" cy="1754326"/>
           </a:xfrm>
           <a:prstGeom prst="rect">
             <a:avLst/>
@@ -38717,2519 +38561,29 @@
           <a:lstStyle/>
           <a:p>
             <a:r>
-              <a:rPr lang="fr-FR" sz="2400" b="0" i="0" dirty="0">
+              <a:rPr lang="fr-FR" sz="5400" dirty="0">
                 <a:solidFill>
-                  <a:srgbClr val="374151"/>
-                </a:solidFill>
-                <a:effectLst/>
-                <a:latin typeface="Söhne"/>
-              </a:rPr>
-              <a:t>Définition de trois constructeurs.</a:t>
-            </a:r>
-            <a:endParaRPr lang="fr-FR" sz="2400" dirty="0"/>
-          </a:p>
-        </p:txBody>
-      </p:sp>
-    </p:spTree>
-    <p:extLst>
-      <p:ext uri="{BB962C8B-B14F-4D97-AF65-F5344CB8AC3E}">
-        <p14:creationId xmlns:p14="http://schemas.microsoft.com/office/powerpoint/2010/main" val="2667552894"/>
-      </p:ext>
-    </p:extLst>
-  </p:cSld>
-  <p:clrMapOvr>
-    <a:masterClrMapping/>
-  </p:clrMapOvr>
-</p:sld>
-</file>
-
-<file path=ppt/slides/slide24.xml><?xml version="1.0" encoding="utf-8"?>
-<p:sld xmlns:a="http://schemas.openxmlformats.org/drawingml/2006/main" xmlns:r="http://schemas.openxmlformats.org/officeDocument/2006/relationships" xmlns:p="http://schemas.openxmlformats.org/presentationml/2006/main">
-  <p:cSld>
-    <p:spTree>
-      <p:nvGrpSpPr>
-        <p:cNvPr id="1" name="Shape 428"/>
-        <p:cNvGrpSpPr/>
-        <p:nvPr/>
-      </p:nvGrpSpPr>
-      <p:grpSpPr>
-        <a:xfrm>
-          <a:off x="0" y="0"/>
-          <a:ext cx="0" cy="0"/>
-          <a:chOff x="0" y="0"/>
-          <a:chExt cx="0" cy="0"/>
-        </a:xfrm>
-      </p:grpSpPr>
-      <p:sp>
-        <p:nvSpPr>
-          <p:cNvPr id="429" name="Google Shape;429;p35"/>
-          <p:cNvSpPr txBox="1">
-            <a:spLocks noGrp="1"/>
-          </p:cNvSpPr>
-          <p:nvPr>
-            <p:ph type="title"/>
-          </p:nvPr>
-        </p:nvSpPr>
-        <p:spPr>
-          <a:xfrm>
-            <a:off x="552893" y="179211"/>
-            <a:ext cx="7704000" cy="572700"/>
-          </a:xfrm>
-          <a:prstGeom prst="rect">
-            <a:avLst/>
-          </a:prstGeom>
-          <a:solidFill>
-            <a:schemeClr val="dk1"/>
-          </a:solidFill>
-          <a:effectLst>
-            <a:outerShdw dist="171450" dir="19140000" algn="bl" rotWithShape="0">
-              <a:schemeClr val="dk2"/>
-            </a:outerShdw>
-          </a:effectLst>
-        </p:spPr>
-        <p:txBody>
-          <a:bodyPr spcFirstLastPara="1" wrap="square" lIns="91425" tIns="91425" rIns="91425" bIns="91425" anchor="t" anchorCtr="0">
-            <a:noAutofit/>
-          </a:bodyPr>
-          <a:lstStyle/>
-          <a:p>
-            <a:pPr marL="0" lvl="0" indent="0" algn="ctr" rtl="0">
-              <a:spcBef>
-                <a:spcPts val="0"/>
-              </a:spcBef>
-              <a:spcAft>
-                <a:spcPts val="0"/>
-              </a:spcAft>
-              <a:buNone/>
-            </a:pPr>
-            <a:r>
-              <a:rPr lang="fr-FR" dirty="0">
-                <a:solidFill>
-                  <a:schemeClr val="lt1"/>
-                </a:solidFill>
-              </a:rPr>
-              <a:t>simple implémentation en Java</a:t>
-            </a:r>
-          </a:p>
-        </p:txBody>
-      </p:sp>
-      <p:sp>
-        <p:nvSpPr>
-          <p:cNvPr id="26" name="Google Shape;416;p34">
-            <a:extLst>
-              <a:ext uri="{FF2B5EF4-FFF2-40B4-BE49-F238E27FC236}">
-                <a16:creationId xmlns:a16="http://schemas.microsoft.com/office/drawing/2014/main" id="{EA65EE94-FFD6-538C-977F-653B7600E73B}"/>
-              </a:ext>
-            </a:extLst>
-          </p:cNvPr>
-          <p:cNvSpPr txBox="1">
-            <a:spLocks/>
-          </p:cNvSpPr>
-          <p:nvPr/>
-        </p:nvSpPr>
-        <p:spPr>
-          <a:xfrm>
-            <a:off x="1871330" y="886355"/>
-            <a:ext cx="7272670" cy="3980699"/>
-          </a:xfrm>
-          <a:prstGeom prst="rect">
-            <a:avLst/>
-          </a:prstGeom>
-          <a:solidFill>
-            <a:schemeClr val="lt2"/>
-          </a:solidFill>
-          <a:ln>
-            <a:noFill/>
-          </a:ln>
-        </p:spPr>
-        <p:txBody>
-          <a:bodyPr spcFirstLastPara="1" wrap="square" lIns="91425" tIns="91425" rIns="91425" bIns="91425" anchor="ctr" anchorCtr="0">
-            <a:noAutofit/>
-          </a:bodyPr>
-          <a:lstStyle>
-            <a:defPPr marR="0" lvl="0" algn="l" rtl="0">
-              <a:lnSpc>
-                <a:spcPct val="100000"/>
-              </a:lnSpc>
-              <a:spcBef>
-                <a:spcPts val="0"/>
-              </a:spcBef>
-              <a:spcAft>
-                <a:spcPts val="0"/>
-              </a:spcAft>
-            </a:defPPr>
-            <a:lvl1pPr marL="457200" marR="0" lvl="0" indent="-304800" algn="ctr" rtl="0">
-              <a:lnSpc>
-                <a:spcPct val="100000"/>
-              </a:lnSpc>
-              <a:spcBef>
-                <a:spcPts val="0"/>
-              </a:spcBef>
-              <a:spcAft>
-                <a:spcPts val="0"/>
-              </a:spcAft>
-              <a:buClr>
-                <a:schemeClr val="dk1"/>
-              </a:buClr>
-              <a:buSzPts val="1400"/>
-              <a:buFont typeface="Anuphan"/>
-              <a:buNone/>
-              <a:defRPr sz="1200" b="0" i="0" u="none" strike="noStrike" cap="none">
-                <a:solidFill>
-                  <a:schemeClr val="dk1"/>
-                </a:solidFill>
-                <a:latin typeface="Anuphan"/>
-                <a:ea typeface="Anuphan"/>
-                <a:cs typeface="Anuphan"/>
-                <a:sym typeface="Anuphan"/>
-              </a:defRPr>
-            </a:lvl1pPr>
-            <a:lvl2pPr marL="914400" marR="0" lvl="1" indent="-304800" algn="ctr" rtl="0">
-              <a:lnSpc>
-                <a:spcPct val="100000"/>
-              </a:lnSpc>
-              <a:spcBef>
-                <a:spcPts val="0"/>
-              </a:spcBef>
-              <a:spcAft>
-                <a:spcPts val="0"/>
-              </a:spcAft>
-              <a:buClr>
-                <a:schemeClr val="dk1"/>
-              </a:buClr>
-              <a:buSzPts val="1200"/>
-              <a:buFont typeface="Anuphan"/>
-              <a:buNone/>
-              <a:defRPr sz="1200" b="0" i="0" u="none" strike="noStrike" cap="none">
-                <a:solidFill>
-                  <a:schemeClr val="dk1"/>
-                </a:solidFill>
-                <a:latin typeface="Anuphan"/>
-                <a:ea typeface="Anuphan"/>
-                <a:cs typeface="Anuphan"/>
-                <a:sym typeface="Anuphan"/>
-              </a:defRPr>
-            </a:lvl2pPr>
-            <a:lvl3pPr marL="1371600" marR="0" lvl="2" indent="-304800" algn="ctr" rtl="0">
-              <a:lnSpc>
-                <a:spcPct val="100000"/>
-              </a:lnSpc>
-              <a:spcBef>
-                <a:spcPts val="0"/>
-              </a:spcBef>
-              <a:spcAft>
-                <a:spcPts val="0"/>
-              </a:spcAft>
-              <a:buClr>
-                <a:schemeClr val="dk1"/>
-              </a:buClr>
-              <a:buSzPts val="1200"/>
-              <a:buFont typeface="Anuphan"/>
-              <a:buNone/>
-              <a:defRPr sz="1200" b="0" i="0" u="none" strike="noStrike" cap="none">
-                <a:solidFill>
-                  <a:schemeClr val="dk1"/>
-                </a:solidFill>
-                <a:latin typeface="Anuphan"/>
-                <a:ea typeface="Anuphan"/>
-                <a:cs typeface="Anuphan"/>
-                <a:sym typeface="Anuphan"/>
-              </a:defRPr>
-            </a:lvl3pPr>
-            <a:lvl4pPr marL="1828800" marR="0" lvl="3" indent="-304800" algn="ctr" rtl="0">
-              <a:lnSpc>
-                <a:spcPct val="100000"/>
-              </a:lnSpc>
-              <a:spcBef>
-                <a:spcPts val="0"/>
-              </a:spcBef>
-              <a:spcAft>
-                <a:spcPts val="0"/>
-              </a:spcAft>
-              <a:buClr>
-                <a:schemeClr val="dk1"/>
-              </a:buClr>
-              <a:buSzPts val="1200"/>
-              <a:buFont typeface="Anuphan"/>
-              <a:buNone/>
-              <a:defRPr sz="1200" b="0" i="0" u="none" strike="noStrike" cap="none">
-                <a:solidFill>
-                  <a:schemeClr val="dk1"/>
-                </a:solidFill>
-                <a:latin typeface="Anuphan"/>
-                <a:ea typeface="Anuphan"/>
-                <a:cs typeface="Anuphan"/>
-                <a:sym typeface="Anuphan"/>
-              </a:defRPr>
-            </a:lvl4pPr>
-            <a:lvl5pPr marL="2286000" marR="0" lvl="4" indent="-304800" algn="ctr" rtl="0">
-              <a:lnSpc>
-                <a:spcPct val="100000"/>
-              </a:lnSpc>
-              <a:spcBef>
-                <a:spcPts val="0"/>
-              </a:spcBef>
-              <a:spcAft>
-                <a:spcPts val="0"/>
-              </a:spcAft>
-              <a:buClr>
-                <a:schemeClr val="dk1"/>
-              </a:buClr>
-              <a:buSzPts val="1200"/>
-              <a:buFont typeface="Anuphan"/>
-              <a:buNone/>
-              <a:defRPr sz="1200" b="0" i="0" u="none" strike="noStrike" cap="none">
-                <a:solidFill>
-                  <a:schemeClr val="dk1"/>
-                </a:solidFill>
-                <a:latin typeface="Anuphan"/>
-                <a:ea typeface="Anuphan"/>
-                <a:cs typeface="Anuphan"/>
-                <a:sym typeface="Anuphan"/>
-              </a:defRPr>
-            </a:lvl5pPr>
-            <a:lvl6pPr marL="2743200" marR="0" lvl="5" indent="-304800" algn="ctr" rtl="0">
-              <a:lnSpc>
-                <a:spcPct val="100000"/>
-              </a:lnSpc>
-              <a:spcBef>
-                <a:spcPts val="0"/>
-              </a:spcBef>
-              <a:spcAft>
-                <a:spcPts val="0"/>
-              </a:spcAft>
-              <a:buClr>
-                <a:schemeClr val="dk1"/>
-              </a:buClr>
-              <a:buSzPts val="1200"/>
-              <a:buFont typeface="Anuphan"/>
-              <a:buNone/>
-              <a:defRPr sz="1200" b="0" i="0" u="none" strike="noStrike" cap="none">
-                <a:solidFill>
-                  <a:schemeClr val="dk1"/>
-                </a:solidFill>
-                <a:latin typeface="Anuphan"/>
-                <a:ea typeface="Anuphan"/>
-                <a:cs typeface="Anuphan"/>
-                <a:sym typeface="Anuphan"/>
-              </a:defRPr>
-            </a:lvl6pPr>
-            <a:lvl7pPr marL="3200400" marR="0" lvl="6" indent="-304800" algn="ctr" rtl="0">
-              <a:lnSpc>
-                <a:spcPct val="100000"/>
-              </a:lnSpc>
-              <a:spcBef>
-                <a:spcPts val="0"/>
-              </a:spcBef>
-              <a:spcAft>
-                <a:spcPts val="0"/>
-              </a:spcAft>
-              <a:buClr>
-                <a:schemeClr val="dk1"/>
-              </a:buClr>
-              <a:buSzPts val="1200"/>
-              <a:buFont typeface="Anuphan"/>
-              <a:buNone/>
-              <a:defRPr sz="1200" b="0" i="0" u="none" strike="noStrike" cap="none">
-                <a:solidFill>
-                  <a:schemeClr val="dk1"/>
-                </a:solidFill>
-                <a:latin typeface="Anuphan"/>
-                <a:ea typeface="Anuphan"/>
-                <a:cs typeface="Anuphan"/>
-                <a:sym typeface="Anuphan"/>
-              </a:defRPr>
-            </a:lvl7pPr>
-            <a:lvl8pPr marL="3657600" marR="0" lvl="7" indent="-304800" algn="ctr" rtl="0">
-              <a:lnSpc>
-                <a:spcPct val="100000"/>
-              </a:lnSpc>
-              <a:spcBef>
-                <a:spcPts val="0"/>
-              </a:spcBef>
-              <a:spcAft>
-                <a:spcPts val="0"/>
-              </a:spcAft>
-              <a:buClr>
-                <a:schemeClr val="dk1"/>
-              </a:buClr>
-              <a:buSzPts val="1200"/>
-              <a:buFont typeface="Anuphan"/>
-              <a:buNone/>
-              <a:defRPr sz="1200" b="0" i="0" u="none" strike="noStrike" cap="none">
-                <a:solidFill>
-                  <a:schemeClr val="dk1"/>
-                </a:solidFill>
-                <a:latin typeface="Anuphan"/>
-                <a:ea typeface="Anuphan"/>
-                <a:cs typeface="Anuphan"/>
-                <a:sym typeface="Anuphan"/>
-              </a:defRPr>
-            </a:lvl8pPr>
-            <a:lvl9pPr marL="4114800" marR="0" lvl="8" indent="-304800" algn="ctr" rtl="0">
-              <a:lnSpc>
-                <a:spcPct val="100000"/>
-              </a:lnSpc>
-              <a:spcBef>
-                <a:spcPts val="0"/>
-              </a:spcBef>
-              <a:spcAft>
-                <a:spcPts val="0"/>
-              </a:spcAft>
-              <a:buClr>
-                <a:schemeClr val="dk1"/>
-              </a:buClr>
-              <a:buSzPts val="1200"/>
-              <a:buFont typeface="Anuphan"/>
-              <a:buNone/>
-              <a:defRPr sz="1200" b="0" i="0" u="none" strike="noStrike" cap="none">
-                <a:solidFill>
-                  <a:schemeClr val="dk1"/>
-                </a:solidFill>
-                <a:latin typeface="Anuphan"/>
-                <a:ea typeface="Anuphan"/>
-                <a:cs typeface="Anuphan"/>
-                <a:sym typeface="Anuphan"/>
-              </a:defRPr>
-            </a:lvl9pPr>
-          </a:lstStyle>
-          <a:p>
-            <a:pPr marL="0" lvl="0" indent="0" algn="l">
-              <a:buNone/>
-            </a:pPr>
-            <a:r>
-              <a:rPr lang="fr-FR" sz="1400" b="1" dirty="0">
-                <a:solidFill>
-                  <a:schemeClr val="tx2">
-                    <a:lumMod val="10000"/>
+                  <a:schemeClr val="bg2">
+                    <a:lumMod val="75000"/>
                   </a:schemeClr>
                 </a:solidFill>
+                <a:latin typeface="Algerian" panose="04020705040A02060702" pitchFamily="82" charset="0"/>
               </a:rPr>
-              <a:t>public class Personne {</a:t>
+              <a:t>Merci Pour Votre </a:t>
             </a:r>
           </a:p>
           <a:p>
-            <a:pPr marL="914400" lvl="2" indent="0" algn="l"/>
             <a:r>
-              <a:rPr lang="fr-FR" sz="1400" b="1" dirty="0">
+              <a:rPr lang="fr-FR" sz="5400" dirty="0">
                 <a:solidFill>
-                  <a:schemeClr val="tx2">
-                    <a:lumMod val="10000"/>
+                  <a:schemeClr val="bg2">
+                    <a:lumMod val="75000"/>
                   </a:schemeClr>
                 </a:solidFill>
+                <a:latin typeface="Algerian" panose="04020705040A02060702" pitchFamily="82" charset="0"/>
               </a:rPr>
-              <a:t>  </a:t>
+              <a:t>	 Attention</a:t>
             </a:r>
-            <a:r>
-              <a:rPr lang="fr-FR" sz="1400" b="1" dirty="0" err="1">
-                <a:solidFill>
-                  <a:schemeClr val="tx2">
-                    <a:lumMod val="10000"/>
-                  </a:schemeClr>
-                </a:solidFill>
-              </a:rPr>
-              <a:t>private</a:t>
-            </a:r>
-            <a:r>
-              <a:rPr lang="fr-FR" sz="1400" b="1" dirty="0">
-                <a:solidFill>
-                  <a:schemeClr val="tx2">
-                    <a:lumMod val="10000"/>
-                  </a:schemeClr>
-                </a:solidFill>
-              </a:rPr>
-              <a:t> String nom;</a:t>
-            </a:r>
-          </a:p>
-          <a:p>
-            <a:pPr marL="914400" lvl="2" indent="0" algn="l"/>
-            <a:r>
-              <a:rPr lang="fr-FR" sz="1400" b="1" dirty="0">
-                <a:solidFill>
-                  <a:schemeClr val="tx2">
-                    <a:lumMod val="10000"/>
-                  </a:schemeClr>
-                </a:solidFill>
-              </a:rPr>
-              <a:t>  </a:t>
-            </a:r>
-            <a:r>
-              <a:rPr lang="fr-FR" sz="1400" b="1" dirty="0" err="1">
-                <a:solidFill>
-                  <a:schemeClr val="tx2">
-                    <a:lumMod val="10000"/>
-                  </a:schemeClr>
-                </a:solidFill>
-              </a:rPr>
-              <a:t>private</a:t>
-            </a:r>
-            <a:r>
-              <a:rPr lang="fr-FR" sz="1400" b="1" dirty="0">
-                <a:solidFill>
-                  <a:schemeClr val="tx2">
-                    <a:lumMod val="10000"/>
-                  </a:schemeClr>
-                </a:solidFill>
-              </a:rPr>
-              <a:t> String </a:t>
-            </a:r>
-            <a:r>
-              <a:rPr lang="fr-FR" sz="1400" b="1" dirty="0" err="1">
-                <a:solidFill>
-                  <a:schemeClr val="tx2">
-                    <a:lumMod val="10000"/>
-                  </a:schemeClr>
-                </a:solidFill>
-              </a:rPr>
-              <a:t>prenom</a:t>
-            </a:r>
-            <a:r>
-              <a:rPr lang="fr-FR" sz="1400" b="1" dirty="0">
-                <a:solidFill>
-                  <a:schemeClr val="tx2">
-                    <a:lumMod val="10000"/>
-                  </a:schemeClr>
-                </a:solidFill>
-              </a:rPr>
-              <a:t>;</a:t>
-            </a:r>
-          </a:p>
-          <a:p>
-            <a:pPr marL="914400" lvl="2" indent="0" algn="l"/>
-            <a:r>
-              <a:rPr lang="fr-FR" sz="1400" b="1" dirty="0">
-                <a:solidFill>
-                  <a:schemeClr val="tx2">
-                    <a:lumMod val="10000"/>
-                  </a:schemeClr>
-                </a:solidFill>
-              </a:rPr>
-              <a:t>  </a:t>
-            </a:r>
-            <a:r>
-              <a:rPr lang="fr-FR" sz="1400" b="1" dirty="0" err="1">
-                <a:solidFill>
-                  <a:schemeClr val="tx2">
-                    <a:lumMod val="10000"/>
-                  </a:schemeClr>
-                </a:solidFill>
-              </a:rPr>
-              <a:t>private</a:t>
-            </a:r>
-            <a:r>
-              <a:rPr lang="fr-FR" sz="1400" b="1" dirty="0">
-                <a:solidFill>
-                  <a:schemeClr val="tx2">
-                    <a:lumMod val="10000"/>
-                  </a:schemeClr>
-                </a:solidFill>
-              </a:rPr>
-              <a:t> </a:t>
-            </a:r>
-            <a:r>
-              <a:rPr lang="fr-FR" sz="1400" b="1" dirty="0" err="1">
-                <a:solidFill>
-                  <a:schemeClr val="tx2">
-                    <a:lumMod val="10000"/>
-                  </a:schemeClr>
-                </a:solidFill>
-              </a:rPr>
-              <a:t>int</a:t>
-            </a:r>
-            <a:r>
-              <a:rPr lang="fr-FR" sz="1400" b="1" dirty="0">
-                <a:solidFill>
-                  <a:schemeClr val="tx2">
-                    <a:lumMod val="10000"/>
-                  </a:schemeClr>
-                </a:solidFill>
-              </a:rPr>
-              <a:t> </a:t>
-            </a:r>
-            <a:r>
-              <a:rPr lang="fr-FR" sz="1400" b="1" dirty="0" err="1">
-                <a:solidFill>
-                  <a:schemeClr val="tx2">
-                    <a:lumMod val="10000"/>
-                  </a:schemeClr>
-                </a:solidFill>
-              </a:rPr>
-              <a:t>age</a:t>
-            </a:r>
-            <a:r>
-              <a:rPr lang="fr-FR" sz="1400" b="1" dirty="0">
-                <a:solidFill>
-                  <a:schemeClr val="tx2">
-                    <a:lumMod val="10000"/>
-                  </a:schemeClr>
-                </a:solidFill>
-              </a:rPr>
-              <a:t>;</a:t>
-            </a:r>
-          </a:p>
-          <a:p>
-            <a:pPr marL="914400" lvl="2" indent="0" algn="l"/>
-            <a:r>
-              <a:rPr lang="fr-FR" sz="1400" b="1" dirty="0">
-                <a:solidFill>
-                  <a:schemeClr val="tx2">
-                    <a:lumMod val="10000"/>
-                  </a:schemeClr>
-                </a:solidFill>
-              </a:rPr>
-              <a:t>  </a:t>
-            </a:r>
-            <a:r>
-              <a:rPr lang="fr-FR" sz="1400" b="1" dirty="0" err="1">
-                <a:solidFill>
-                  <a:schemeClr val="tx2">
-                    <a:lumMod val="10000"/>
-                  </a:schemeClr>
-                </a:solidFill>
-              </a:rPr>
-              <a:t>private</a:t>
-            </a:r>
-            <a:r>
-              <a:rPr lang="fr-FR" sz="1400" b="1" dirty="0">
-                <a:solidFill>
-                  <a:schemeClr val="tx2">
-                    <a:lumMod val="10000"/>
-                  </a:schemeClr>
-                </a:solidFill>
-              </a:rPr>
-              <a:t> String </a:t>
-            </a:r>
-            <a:r>
-              <a:rPr lang="fr-FR" sz="1400" b="1" dirty="0" err="1">
-                <a:solidFill>
-                  <a:schemeClr val="tx2">
-                    <a:lumMod val="10000"/>
-                  </a:schemeClr>
-                </a:solidFill>
-              </a:rPr>
-              <a:t>telephone</a:t>
-            </a:r>
-            <a:r>
-              <a:rPr lang="fr-FR" sz="1400" b="1" dirty="0">
-                <a:solidFill>
-                  <a:schemeClr val="tx2">
-                    <a:lumMod val="10000"/>
-                  </a:schemeClr>
-                </a:solidFill>
-              </a:rPr>
-              <a:t>;</a:t>
-            </a:r>
-          </a:p>
-          <a:p>
-            <a:pPr marL="914400" lvl="2" indent="0" algn="l"/>
-            <a:r>
-              <a:rPr lang="fr-FR" sz="1400" b="1" dirty="0">
-                <a:solidFill>
-                  <a:schemeClr val="tx2">
-                    <a:lumMod val="10000"/>
-                  </a:schemeClr>
-                </a:solidFill>
-              </a:rPr>
-              <a:t>  </a:t>
-            </a:r>
-            <a:r>
-              <a:rPr lang="fr-FR" sz="1400" b="1" dirty="0" err="1">
-                <a:solidFill>
-                  <a:schemeClr val="tx2">
-                    <a:lumMod val="10000"/>
-                  </a:schemeClr>
-                </a:solidFill>
-              </a:rPr>
-              <a:t>private</a:t>
-            </a:r>
-            <a:r>
-              <a:rPr lang="fr-FR" sz="1400" b="1" dirty="0">
-                <a:solidFill>
-                  <a:schemeClr val="tx2">
-                    <a:lumMod val="10000"/>
-                  </a:schemeClr>
-                </a:solidFill>
-              </a:rPr>
-              <a:t> String email;</a:t>
-            </a:r>
-          </a:p>
-          <a:p>
-            <a:pPr marL="0" lvl="0" indent="0" algn="l">
-              <a:buNone/>
-            </a:pPr>
-            <a:endParaRPr lang="fr-FR" sz="1400" b="1" dirty="0">
-              <a:solidFill>
-                <a:schemeClr val="tx2">
-                  <a:lumMod val="10000"/>
-                </a:schemeClr>
-              </a:solidFill>
-            </a:endParaRPr>
-          </a:p>
-          <a:p>
-            <a:pPr marL="0" lvl="0" indent="0" algn="l">
-              <a:buNone/>
-            </a:pPr>
-            <a:r>
-              <a:rPr lang="fr-FR" sz="1400" b="1" dirty="0">
-                <a:solidFill>
-                  <a:schemeClr val="tx2">
-                    <a:lumMod val="10000"/>
-                  </a:schemeClr>
-                </a:solidFill>
-              </a:rPr>
-              <a:t>public Personne(String nom, String </a:t>
-            </a:r>
-            <a:r>
-              <a:rPr lang="fr-FR" sz="1400" b="1" dirty="0" err="1">
-                <a:solidFill>
-                  <a:schemeClr val="tx2">
-                    <a:lumMod val="10000"/>
-                  </a:schemeClr>
-                </a:solidFill>
-              </a:rPr>
-              <a:t>prenom</a:t>
-            </a:r>
-            <a:r>
-              <a:rPr lang="fr-FR" sz="1400" b="1" dirty="0">
-                <a:solidFill>
-                  <a:schemeClr val="tx2">
-                    <a:lumMod val="10000"/>
-                  </a:schemeClr>
-                </a:solidFill>
-              </a:rPr>
-              <a:t>, </a:t>
-            </a:r>
-            <a:r>
-              <a:rPr lang="fr-FR" sz="1400" b="1" dirty="0" err="1">
-                <a:solidFill>
-                  <a:schemeClr val="tx2">
-                    <a:lumMod val="10000"/>
-                  </a:schemeClr>
-                </a:solidFill>
-              </a:rPr>
-              <a:t>int</a:t>
-            </a:r>
-            <a:r>
-              <a:rPr lang="fr-FR" sz="1400" b="1" dirty="0">
-                <a:solidFill>
-                  <a:schemeClr val="tx2">
-                    <a:lumMod val="10000"/>
-                  </a:schemeClr>
-                </a:solidFill>
-              </a:rPr>
-              <a:t> </a:t>
-            </a:r>
-            <a:r>
-              <a:rPr lang="fr-FR" sz="1400" b="1" dirty="0" err="1">
-                <a:solidFill>
-                  <a:schemeClr val="tx2">
-                    <a:lumMod val="10000"/>
-                  </a:schemeClr>
-                </a:solidFill>
-              </a:rPr>
-              <a:t>age</a:t>
-            </a:r>
-            <a:r>
-              <a:rPr lang="fr-FR" sz="1400" b="1" dirty="0">
-                <a:solidFill>
-                  <a:schemeClr val="tx2">
-                    <a:lumMod val="10000"/>
-                  </a:schemeClr>
-                </a:solidFill>
-              </a:rPr>
-              <a:t>, String </a:t>
-            </a:r>
-            <a:r>
-              <a:rPr lang="fr-FR" sz="1400" b="1" dirty="0" err="1">
-                <a:solidFill>
-                  <a:schemeClr val="tx2">
-                    <a:lumMod val="10000"/>
-                  </a:schemeClr>
-                </a:solidFill>
-              </a:rPr>
-              <a:t>telephone</a:t>
-            </a:r>
-            <a:r>
-              <a:rPr lang="fr-FR" sz="1400" b="1" dirty="0">
-                <a:solidFill>
-                  <a:schemeClr val="tx2">
-                    <a:lumMod val="10000"/>
-                  </a:schemeClr>
-                </a:solidFill>
-              </a:rPr>
-              <a:t>, String email) {</a:t>
-            </a:r>
-          </a:p>
-          <a:p>
-            <a:pPr marL="0" lvl="0" indent="0" algn="l">
-              <a:buNone/>
-            </a:pPr>
-            <a:r>
-              <a:rPr lang="en-US" sz="1400" b="1" dirty="0">
-                <a:solidFill>
-                  <a:schemeClr val="tx2">
-                    <a:lumMod val="10000"/>
-                  </a:schemeClr>
-                </a:solidFill>
-              </a:rPr>
-              <a:t>	 </a:t>
-            </a:r>
-            <a:r>
-              <a:rPr lang="en-US" sz="1400" b="1" dirty="0" err="1">
-                <a:solidFill>
-                  <a:schemeClr val="tx2">
-                    <a:lumMod val="10000"/>
-                  </a:schemeClr>
-                </a:solidFill>
-              </a:rPr>
-              <a:t>this.nom</a:t>
-            </a:r>
-            <a:r>
-              <a:rPr lang="en-US" sz="1400" b="1" dirty="0">
-                <a:solidFill>
-                  <a:schemeClr val="tx2">
-                    <a:lumMod val="10000"/>
-                  </a:schemeClr>
-                </a:solidFill>
-              </a:rPr>
-              <a:t> = nom;</a:t>
-            </a:r>
-          </a:p>
-          <a:p>
-            <a:pPr marL="0" lvl="0" indent="0" algn="l">
-              <a:buNone/>
-            </a:pPr>
-            <a:r>
-              <a:rPr lang="en-US" sz="1400" b="1" dirty="0">
-                <a:solidFill>
-                  <a:schemeClr val="tx2">
-                    <a:lumMod val="10000"/>
-                  </a:schemeClr>
-                </a:solidFill>
-              </a:rPr>
-              <a:t>       	 </a:t>
-            </a:r>
-            <a:r>
-              <a:rPr lang="en-US" sz="1400" b="1" dirty="0" err="1">
-                <a:solidFill>
-                  <a:schemeClr val="tx2">
-                    <a:lumMod val="10000"/>
-                  </a:schemeClr>
-                </a:solidFill>
-              </a:rPr>
-              <a:t>this.prenom</a:t>
-            </a:r>
-            <a:r>
-              <a:rPr lang="en-US" sz="1400" b="1" dirty="0">
-                <a:solidFill>
-                  <a:schemeClr val="tx2">
-                    <a:lumMod val="10000"/>
-                  </a:schemeClr>
-                </a:solidFill>
-              </a:rPr>
-              <a:t> = </a:t>
-            </a:r>
-            <a:r>
-              <a:rPr lang="en-US" sz="1400" b="1" dirty="0" err="1">
-                <a:solidFill>
-                  <a:schemeClr val="tx2">
-                    <a:lumMod val="10000"/>
-                  </a:schemeClr>
-                </a:solidFill>
-              </a:rPr>
-              <a:t>prenom</a:t>
-            </a:r>
-            <a:r>
-              <a:rPr lang="en-US" sz="1400" b="1" dirty="0">
-                <a:solidFill>
-                  <a:schemeClr val="tx2">
-                    <a:lumMod val="10000"/>
-                  </a:schemeClr>
-                </a:solidFill>
-              </a:rPr>
-              <a:t>;</a:t>
-            </a:r>
-          </a:p>
-          <a:p>
-            <a:pPr marL="0" lvl="0" indent="0" algn="l">
-              <a:buNone/>
-            </a:pPr>
-            <a:r>
-              <a:rPr lang="en-US" sz="1400" b="1" dirty="0">
-                <a:solidFill>
-                  <a:schemeClr val="tx2">
-                    <a:lumMod val="10000"/>
-                  </a:schemeClr>
-                </a:solidFill>
-              </a:rPr>
-              <a:t>       	 </a:t>
-            </a:r>
-            <a:r>
-              <a:rPr lang="en-US" sz="1400" b="1" dirty="0" err="1">
-                <a:solidFill>
-                  <a:schemeClr val="tx2">
-                    <a:lumMod val="10000"/>
-                  </a:schemeClr>
-                </a:solidFill>
-              </a:rPr>
-              <a:t>this.age</a:t>
-            </a:r>
-            <a:r>
-              <a:rPr lang="en-US" sz="1400" b="1" dirty="0">
-                <a:solidFill>
-                  <a:schemeClr val="tx2">
-                    <a:lumMod val="10000"/>
-                  </a:schemeClr>
-                </a:solidFill>
-              </a:rPr>
-              <a:t> = age;</a:t>
-            </a:r>
-          </a:p>
-          <a:p>
-            <a:pPr marL="0" lvl="0" indent="0" algn="l">
-              <a:buNone/>
-            </a:pPr>
-            <a:r>
-              <a:rPr lang="en-US" sz="1400" b="1" dirty="0">
-                <a:solidFill>
-                  <a:schemeClr val="tx2">
-                    <a:lumMod val="10000"/>
-                  </a:schemeClr>
-                </a:solidFill>
-              </a:rPr>
-              <a:t>       	 </a:t>
-            </a:r>
-            <a:r>
-              <a:rPr lang="en-US" sz="1400" b="1" dirty="0" err="1">
-                <a:solidFill>
-                  <a:schemeClr val="tx2">
-                    <a:lumMod val="10000"/>
-                  </a:schemeClr>
-                </a:solidFill>
-              </a:rPr>
-              <a:t>this.telephone</a:t>
-            </a:r>
-            <a:r>
-              <a:rPr lang="en-US" sz="1400" b="1" dirty="0">
-                <a:solidFill>
-                  <a:schemeClr val="tx2">
-                    <a:lumMod val="10000"/>
-                  </a:schemeClr>
-                </a:solidFill>
-              </a:rPr>
-              <a:t> = telephone;</a:t>
-            </a:r>
-          </a:p>
-          <a:p>
-            <a:pPr marL="0" lvl="0" indent="0" algn="l">
-              <a:buNone/>
-            </a:pPr>
-            <a:r>
-              <a:rPr lang="en-US" sz="1400" b="1" dirty="0">
-                <a:solidFill>
-                  <a:schemeClr val="tx2">
-                    <a:lumMod val="10000"/>
-                  </a:schemeClr>
-                </a:solidFill>
-              </a:rPr>
-              <a:t>       	 </a:t>
-            </a:r>
-            <a:r>
-              <a:rPr lang="en-US" sz="1400" b="1" dirty="0" err="1">
-                <a:solidFill>
-                  <a:schemeClr val="tx2">
-                    <a:lumMod val="10000"/>
-                  </a:schemeClr>
-                </a:solidFill>
-              </a:rPr>
-              <a:t>this.email</a:t>
-            </a:r>
-            <a:r>
-              <a:rPr lang="en-US" sz="1400" b="1" dirty="0">
-                <a:solidFill>
-                  <a:schemeClr val="tx2">
-                    <a:lumMod val="10000"/>
-                  </a:schemeClr>
-                </a:solidFill>
-              </a:rPr>
-              <a:t> = email;</a:t>
-            </a:r>
-          </a:p>
-          <a:p>
-            <a:pPr marL="0" lvl="0" indent="0" algn="l">
-              <a:buNone/>
-            </a:pPr>
-            <a:r>
-              <a:rPr lang="fr-FR" sz="1400" b="1" dirty="0">
-                <a:solidFill>
-                  <a:schemeClr val="tx2">
-                    <a:lumMod val="10000"/>
-                  </a:schemeClr>
-                </a:solidFill>
-              </a:rPr>
-              <a:t>}</a:t>
-            </a:r>
-          </a:p>
-          <a:p>
-            <a:pPr marL="0" indent="0" algn="l"/>
-            <a:r>
-              <a:rPr lang="fr-FR" sz="1400" b="1" dirty="0">
-                <a:solidFill>
-                  <a:schemeClr val="tx2">
-                    <a:lumMod val="10000"/>
-                  </a:schemeClr>
-                </a:solidFill>
-              </a:rPr>
-              <a:t>}</a:t>
-            </a:r>
-          </a:p>
-          <a:p>
-            <a:pPr marL="0" lvl="0" indent="0" algn="l">
-              <a:buNone/>
-            </a:pPr>
-            <a:endParaRPr lang="fr-FR" sz="1400" b="1" dirty="0">
-              <a:solidFill>
-                <a:schemeClr val="tx2">
-                  <a:lumMod val="10000"/>
-                </a:schemeClr>
-              </a:solidFill>
-            </a:endParaRPr>
-          </a:p>
-          <a:p>
-            <a:pPr marL="0" lvl="0" indent="0" algn="l">
-              <a:buNone/>
-            </a:pPr>
-            <a:endParaRPr lang="fr-FR" sz="1400" b="1" dirty="0">
-              <a:solidFill>
-                <a:schemeClr val="tx2">
-                  <a:lumMod val="10000"/>
-                </a:schemeClr>
-              </a:solidFill>
-            </a:endParaRPr>
-          </a:p>
-        </p:txBody>
-      </p:sp>
-    </p:spTree>
-  </p:cSld>
-  <p:clrMapOvr>
-    <a:masterClrMapping/>
-  </p:clrMapOvr>
-</p:sld>
-</file>
-
-<file path=ppt/slides/slide25.xml><?xml version="1.0" encoding="utf-8"?>
-<p:sld xmlns:a="http://schemas.openxmlformats.org/drawingml/2006/main" xmlns:r="http://schemas.openxmlformats.org/officeDocument/2006/relationships" xmlns:p="http://schemas.openxmlformats.org/presentationml/2006/main">
-  <p:cSld>
-    <p:spTree>
-      <p:nvGrpSpPr>
-        <p:cNvPr id="1" name="Shape 360"/>
-        <p:cNvGrpSpPr/>
-        <p:nvPr/>
-      </p:nvGrpSpPr>
-      <p:grpSpPr>
-        <a:xfrm>
-          <a:off x="0" y="0"/>
-          <a:ext cx="0" cy="0"/>
-          <a:chOff x="0" y="0"/>
-          <a:chExt cx="0" cy="0"/>
-        </a:xfrm>
-      </p:grpSpPr>
-      <p:sp>
-        <p:nvSpPr>
-          <p:cNvPr id="361" name="Google Shape;361;p32"/>
-          <p:cNvSpPr txBox="1">
-            <a:spLocks noGrp="1"/>
-          </p:cNvSpPr>
-          <p:nvPr>
-            <p:ph type="title"/>
-          </p:nvPr>
-        </p:nvSpPr>
-        <p:spPr>
-          <a:xfrm>
-            <a:off x="33405" y="280083"/>
-            <a:ext cx="4409610" cy="572700"/>
-          </a:xfrm>
-          <a:prstGeom prst="rect">
-            <a:avLst/>
-          </a:prstGeom>
-          <a:effectLst>
-            <a:outerShdw dist="171450" dir="19080000" algn="bl" rotWithShape="0">
-              <a:schemeClr val="dk2"/>
-            </a:outerShdw>
-          </a:effectLst>
-        </p:spPr>
-        <p:txBody>
-          <a:bodyPr spcFirstLastPara="1" wrap="square" lIns="91425" tIns="91425" rIns="91425" bIns="91425" anchor="t" anchorCtr="0">
-            <a:noAutofit/>
-          </a:bodyPr>
-          <a:lstStyle/>
-          <a:p>
-            <a:pPr lvl="0"/>
-            <a:r>
-              <a:rPr lang="en-US" b="0" dirty="0"/>
-              <a:t>une représentation UML</a:t>
-            </a:r>
-            <a:endParaRPr dirty="0"/>
-          </a:p>
-        </p:txBody>
-      </p:sp>
-      <p:pic>
-        <p:nvPicPr>
-          <p:cNvPr id="4" name="Image 3">
-            <a:extLst>
-              <a:ext uri="{FF2B5EF4-FFF2-40B4-BE49-F238E27FC236}">
-                <a16:creationId xmlns:a16="http://schemas.microsoft.com/office/drawing/2014/main" id="{1775BFCA-9D64-DC09-756C-ACCA21A449B9}"/>
-              </a:ext>
-            </a:extLst>
-          </p:cNvPr>
-          <p:cNvPicPr>
-            <a:picLocks noChangeAspect="1"/>
-          </p:cNvPicPr>
-          <p:nvPr/>
-        </p:nvPicPr>
-        <p:blipFill>
-          <a:blip r:embed="rId3"/>
-          <a:stretch>
-            <a:fillRect/>
-          </a:stretch>
-        </p:blipFill>
-        <p:spPr>
-          <a:xfrm>
-            <a:off x="4816023" y="0"/>
-            <a:ext cx="4294572" cy="4672639"/>
-          </a:xfrm>
-          <a:prstGeom prst="rect">
-            <a:avLst/>
-          </a:prstGeom>
-        </p:spPr>
-      </p:pic>
-    </p:spTree>
-    <p:extLst>
-      <p:ext uri="{BB962C8B-B14F-4D97-AF65-F5344CB8AC3E}">
-        <p14:creationId xmlns:p14="http://schemas.microsoft.com/office/powerpoint/2010/main" val="3976560969"/>
-      </p:ext>
-    </p:extLst>
-  </p:cSld>
-  <p:clrMapOvr>
-    <a:masterClrMapping/>
-  </p:clrMapOvr>
-</p:sld>
-</file>
-
-<file path=ppt/slides/slide26.xml><?xml version="1.0" encoding="utf-8"?>
-<p:sld xmlns:a="http://schemas.openxmlformats.org/drawingml/2006/main" xmlns:r="http://schemas.openxmlformats.org/officeDocument/2006/relationships" xmlns:p="http://schemas.openxmlformats.org/presentationml/2006/main">
-  <p:cSld>
-    <p:spTree>
-      <p:nvGrpSpPr>
-        <p:cNvPr id="1" name="Shape 428"/>
-        <p:cNvGrpSpPr/>
-        <p:nvPr/>
-      </p:nvGrpSpPr>
-      <p:grpSpPr>
-        <a:xfrm>
-          <a:off x="0" y="0"/>
-          <a:ext cx="0" cy="0"/>
-          <a:chOff x="0" y="0"/>
-          <a:chExt cx="0" cy="0"/>
-        </a:xfrm>
-      </p:grpSpPr>
-      <p:sp>
-        <p:nvSpPr>
-          <p:cNvPr id="26" name="Google Shape;416;p34">
-            <a:extLst>
-              <a:ext uri="{FF2B5EF4-FFF2-40B4-BE49-F238E27FC236}">
-                <a16:creationId xmlns:a16="http://schemas.microsoft.com/office/drawing/2014/main" id="{EA65EE94-FFD6-538C-977F-653B7600E73B}"/>
-              </a:ext>
-            </a:extLst>
-          </p:cNvPr>
-          <p:cNvSpPr txBox="1">
-            <a:spLocks/>
-          </p:cNvSpPr>
-          <p:nvPr/>
-        </p:nvSpPr>
-        <p:spPr>
-          <a:xfrm>
-            <a:off x="3785191" y="1"/>
-            <a:ext cx="5358809" cy="5143500"/>
-          </a:xfrm>
-          <a:prstGeom prst="rect">
-            <a:avLst/>
-          </a:prstGeom>
-          <a:solidFill>
-            <a:schemeClr val="lt2"/>
-          </a:solidFill>
-          <a:ln>
-            <a:noFill/>
-          </a:ln>
-        </p:spPr>
-        <p:txBody>
-          <a:bodyPr spcFirstLastPara="1" wrap="square" lIns="91425" tIns="91425" rIns="91425" bIns="91425" anchor="ctr" anchorCtr="0">
-            <a:noAutofit/>
-          </a:bodyPr>
-          <a:lstStyle>
-            <a:defPPr marR="0" lvl="0" algn="l" rtl="0">
-              <a:lnSpc>
-                <a:spcPct val="100000"/>
-              </a:lnSpc>
-              <a:spcBef>
-                <a:spcPts val="0"/>
-              </a:spcBef>
-              <a:spcAft>
-                <a:spcPts val="0"/>
-              </a:spcAft>
-            </a:defPPr>
-            <a:lvl1pPr marL="457200" marR="0" lvl="0" indent="-304800" algn="ctr" rtl="0">
-              <a:lnSpc>
-                <a:spcPct val="100000"/>
-              </a:lnSpc>
-              <a:spcBef>
-                <a:spcPts val="0"/>
-              </a:spcBef>
-              <a:spcAft>
-                <a:spcPts val="0"/>
-              </a:spcAft>
-              <a:buClr>
-                <a:schemeClr val="dk1"/>
-              </a:buClr>
-              <a:buSzPts val="1400"/>
-              <a:buFont typeface="Anuphan"/>
-              <a:buNone/>
-              <a:defRPr sz="1200" b="0" i="0" u="none" strike="noStrike" cap="none">
-                <a:solidFill>
-                  <a:schemeClr val="dk1"/>
-                </a:solidFill>
-                <a:latin typeface="Anuphan"/>
-                <a:ea typeface="Anuphan"/>
-                <a:cs typeface="Anuphan"/>
-                <a:sym typeface="Anuphan"/>
-              </a:defRPr>
-            </a:lvl1pPr>
-            <a:lvl2pPr marL="914400" marR="0" lvl="1" indent="-304800" algn="ctr" rtl="0">
-              <a:lnSpc>
-                <a:spcPct val="100000"/>
-              </a:lnSpc>
-              <a:spcBef>
-                <a:spcPts val="0"/>
-              </a:spcBef>
-              <a:spcAft>
-                <a:spcPts val="0"/>
-              </a:spcAft>
-              <a:buClr>
-                <a:schemeClr val="dk1"/>
-              </a:buClr>
-              <a:buSzPts val="1200"/>
-              <a:buFont typeface="Anuphan"/>
-              <a:buNone/>
-              <a:defRPr sz="1200" b="0" i="0" u="none" strike="noStrike" cap="none">
-                <a:solidFill>
-                  <a:schemeClr val="dk1"/>
-                </a:solidFill>
-                <a:latin typeface="Anuphan"/>
-                <a:ea typeface="Anuphan"/>
-                <a:cs typeface="Anuphan"/>
-                <a:sym typeface="Anuphan"/>
-              </a:defRPr>
-            </a:lvl2pPr>
-            <a:lvl3pPr marL="1371600" marR="0" lvl="2" indent="-304800" algn="ctr" rtl="0">
-              <a:lnSpc>
-                <a:spcPct val="100000"/>
-              </a:lnSpc>
-              <a:spcBef>
-                <a:spcPts val="0"/>
-              </a:spcBef>
-              <a:spcAft>
-                <a:spcPts val="0"/>
-              </a:spcAft>
-              <a:buClr>
-                <a:schemeClr val="dk1"/>
-              </a:buClr>
-              <a:buSzPts val="1200"/>
-              <a:buFont typeface="Anuphan"/>
-              <a:buNone/>
-              <a:defRPr sz="1200" b="0" i="0" u="none" strike="noStrike" cap="none">
-                <a:solidFill>
-                  <a:schemeClr val="dk1"/>
-                </a:solidFill>
-                <a:latin typeface="Anuphan"/>
-                <a:ea typeface="Anuphan"/>
-                <a:cs typeface="Anuphan"/>
-                <a:sym typeface="Anuphan"/>
-              </a:defRPr>
-            </a:lvl3pPr>
-            <a:lvl4pPr marL="1828800" marR="0" lvl="3" indent="-304800" algn="ctr" rtl="0">
-              <a:lnSpc>
-                <a:spcPct val="100000"/>
-              </a:lnSpc>
-              <a:spcBef>
-                <a:spcPts val="0"/>
-              </a:spcBef>
-              <a:spcAft>
-                <a:spcPts val="0"/>
-              </a:spcAft>
-              <a:buClr>
-                <a:schemeClr val="dk1"/>
-              </a:buClr>
-              <a:buSzPts val="1200"/>
-              <a:buFont typeface="Anuphan"/>
-              <a:buNone/>
-              <a:defRPr sz="1200" b="0" i="0" u="none" strike="noStrike" cap="none">
-                <a:solidFill>
-                  <a:schemeClr val="dk1"/>
-                </a:solidFill>
-                <a:latin typeface="Anuphan"/>
-                <a:ea typeface="Anuphan"/>
-                <a:cs typeface="Anuphan"/>
-                <a:sym typeface="Anuphan"/>
-              </a:defRPr>
-            </a:lvl4pPr>
-            <a:lvl5pPr marL="2286000" marR="0" lvl="4" indent="-304800" algn="ctr" rtl="0">
-              <a:lnSpc>
-                <a:spcPct val="100000"/>
-              </a:lnSpc>
-              <a:spcBef>
-                <a:spcPts val="0"/>
-              </a:spcBef>
-              <a:spcAft>
-                <a:spcPts val="0"/>
-              </a:spcAft>
-              <a:buClr>
-                <a:schemeClr val="dk1"/>
-              </a:buClr>
-              <a:buSzPts val="1200"/>
-              <a:buFont typeface="Anuphan"/>
-              <a:buNone/>
-              <a:defRPr sz="1200" b="0" i="0" u="none" strike="noStrike" cap="none">
-                <a:solidFill>
-                  <a:schemeClr val="dk1"/>
-                </a:solidFill>
-                <a:latin typeface="Anuphan"/>
-                <a:ea typeface="Anuphan"/>
-                <a:cs typeface="Anuphan"/>
-                <a:sym typeface="Anuphan"/>
-              </a:defRPr>
-            </a:lvl5pPr>
-            <a:lvl6pPr marL="2743200" marR="0" lvl="5" indent="-304800" algn="ctr" rtl="0">
-              <a:lnSpc>
-                <a:spcPct val="100000"/>
-              </a:lnSpc>
-              <a:spcBef>
-                <a:spcPts val="0"/>
-              </a:spcBef>
-              <a:spcAft>
-                <a:spcPts val="0"/>
-              </a:spcAft>
-              <a:buClr>
-                <a:schemeClr val="dk1"/>
-              </a:buClr>
-              <a:buSzPts val="1200"/>
-              <a:buFont typeface="Anuphan"/>
-              <a:buNone/>
-              <a:defRPr sz="1200" b="0" i="0" u="none" strike="noStrike" cap="none">
-                <a:solidFill>
-                  <a:schemeClr val="dk1"/>
-                </a:solidFill>
-                <a:latin typeface="Anuphan"/>
-                <a:ea typeface="Anuphan"/>
-                <a:cs typeface="Anuphan"/>
-                <a:sym typeface="Anuphan"/>
-              </a:defRPr>
-            </a:lvl6pPr>
-            <a:lvl7pPr marL="3200400" marR="0" lvl="6" indent="-304800" algn="ctr" rtl="0">
-              <a:lnSpc>
-                <a:spcPct val="100000"/>
-              </a:lnSpc>
-              <a:spcBef>
-                <a:spcPts val="0"/>
-              </a:spcBef>
-              <a:spcAft>
-                <a:spcPts val="0"/>
-              </a:spcAft>
-              <a:buClr>
-                <a:schemeClr val="dk1"/>
-              </a:buClr>
-              <a:buSzPts val="1200"/>
-              <a:buFont typeface="Anuphan"/>
-              <a:buNone/>
-              <a:defRPr sz="1200" b="0" i="0" u="none" strike="noStrike" cap="none">
-                <a:solidFill>
-                  <a:schemeClr val="dk1"/>
-                </a:solidFill>
-                <a:latin typeface="Anuphan"/>
-                <a:ea typeface="Anuphan"/>
-                <a:cs typeface="Anuphan"/>
-                <a:sym typeface="Anuphan"/>
-              </a:defRPr>
-            </a:lvl7pPr>
-            <a:lvl8pPr marL="3657600" marR="0" lvl="7" indent="-304800" algn="ctr" rtl="0">
-              <a:lnSpc>
-                <a:spcPct val="100000"/>
-              </a:lnSpc>
-              <a:spcBef>
-                <a:spcPts val="0"/>
-              </a:spcBef>
-              <a:spcAft>
-                <a:spcPts val="0"/>
-              </a:spcAft>
-              <a:buClr>
-                <a:schemeClr val="dk1"/>
-              </a:buClr>
-              <a:buSzPts val="1200"/>
-              <a:buFont typeface="Anuphan"/>
-              <a:buNone/>
-              <a:defRPr sz="1200" b="0" i="0" u="none" strike="noStrike" cap="none">
-                <a:solidFill>
-                  <a:schemeClr val="dk1"/>
-                </a:solidFill>
-                <a:latin typeface="Anuphan"/>
-                <a:ea typeface="Anuphan"/>
-                <a:cs typeface="Anuphan"/>
-                <a:sym typeface="Anuphan"/>
-              </a:defRPr>
-            </a:lvl8pPr>
-            <a:lvl9pPr marL="4114800" marR="0" lvl="8" indent="-304800" algn="ctr" rtl="0">
-              <a:lnSpc>
-                <a:spcPct val="100000"/>
-              </a:lnSpc>
-              <a:spcBef>
-                <a:spcPts val="0"/>
-              </a:spcBef>
-              <a:spcAft>
-                <a:spcPts val="0"/>
-              </a:spcAft>
-              <a:buClr>
-                <a:schemeClr val="dk1"/>
-              </a:buClr>
-              <a:buSzPts val="1200"/>
-              <a:buFont typeface="Anuphan"/>
-              <a:buNone/>
-              <a:defRPr sz="1200" b="0" i="0" u="none" strike="noStrike" cap="none">
-                <a:solidFill>
-                  <a:schemeClr val="dk1"/>
-                </a:solidFill>
-                <a:latin typeface="Anuphan"/>
-                <a:ea typeface="Anuphan"/>
-                <a:cs typeface="Anuphan"/>
-                <a:sym typeface="Anuphan"/>
-              </a:defRPr>
-            </a:lvl9pPr>
-          </a:lstStyle>
-          <a:p>
-            <a:pPr marL="0" lvl="0" indent="0" algn="l">
-              <a:buNone/>
-            </a:pPr>
-            <a:r>
-              <a:rPr lang="fr-FR" sz="1400" b="1" dirty="0">
-                <a:solidFill>
-                  <a:schemeClr val="tx2">
-                    <a:lumMod val="10000"/>
-                  </a:schemeClr>
-                </a:solidFill>
-              </a:rPr>
-              <a:t>public class </a:t>
-            </a:r>
-            <a:r>
-              <a:rPr lang="fr-FR" sz="1400" b="1" dirty="0" err="1">
-                <a:solidFill>
-                  <a:srgbClr val="0070C0"/>
-                </a:solidFill>
-              </a:rPr>
-              <a:t>PersonneBuilder</a:t>
-            </a:r>
-            <a:r>
-              <a:rPr lang="fr-FR" sz="1400" b="1" dirty="0">
-                <a:solidFill>
-                  <a:schemeClr val="tx2">
-                    <a:lumMod val="10000"/>
-                  </a:schemeClr>
-                </a:solidFill>
-              </a:rPr>
-              <a:t> {</a:t>
-            </a:r>
-          </a:p>
-          <a:p>
-            <a:pPr marL="914400" lvl="2" indent="0" algn="l"/>
-            <a:r>
-              <a:rPr lang="fr-FR" sz="1400" b="1" dirty="0">
-                <a:solidFill>
-                  <a:schemeClr val="tx2">
-                    <a:lumMod val="10000"/>
-                  </a:schemeClr>
-                </a:solidFill>
-              </a:rPr>
-              <a:t>  </a:t>
-            </a:r>
-            <a:r>
-              <a:rPr lang="fr-FR" sz="1400" b="1" dirty="0" err="1">
-                <a:solidFill>
-                  <a:schemeClr val="tx2">
-                    <a:lumMod val="10000"/>
-                  </a:schemeClr>
-                </a:solidFill>
-              </a:rPr>
-              <a:t>private</a:t>
-            </a:r>
-            <a:r>
-              <a:rPr lang="fr-FR" sz="1400" b="1" dirty="0">
-                <a:solidFill>
-                  <a:schemeClr val="tx2">
-                    <a:lumMod val="10000"/>
-                  </a:schemeClr>
-                </a:solidFill>
-              </a:rPr>
-              <a:t> String </a:t>
-            </a:r>
-            <a:r>
-              <a:rPr lang="fr-FR" sz="1400" b="1" dirty="0">
-                <a:solidFill>
-                  <a:srgbClr val="00B050"/>
-                </a:solidFill>
-              </a:rPr>
-              <a:t>nom</a:t>
-            </a:r>
-            <a:r>
-              <a:rPr lang="fr-FR" sz="1400" b="1" dirty="0">
-                <a:solidFill>
-                  <a:schemeClr val="tx2">
-                    <a:lumMod val="10000"/>
-                  </a:schemeClr>
-                </a:solidFill>
-              </a:rPr>
-              <a:t>;</a:t>
-            </a:r>
-          </a:p>
-          <a:p>
-            <a:pPr marL="914400" lvl="2" indent="0" algn="l"/>
-            <a:r>
-              <a:rPr lang="fr-FR" sz="1400" b="1" dirty="0">
-                <a:solidFill>
-                  <a:schemeClr val="tx2">
-                    <a:lumMod val="10000"/>
-                  </a:schemeClr>
-                </a:solidFill>
-              </a:rPr>
-              <a:t>  </a:t>
-            </a:r>
-            <a:r>
-              <a:rPr lang="fr-FR" sz="1400" b="1" dirty="0" err="1">
-                <a:solidFill>
-                  <a:schemeClr val="tx2">
-                    <a:lumMod val="10000"/>
-                  </a:schemeClr>
-                </a:solidFill>
-              </a:rPr>
-              <a:t>private</a:t>
-            </a:r>
-            <a:r>
-              <a:rPr lang="fr-FR" sz="1400" b="1" dirty="0">
-                <a:solidFill>
-                  <a:schemeClr val="tx2">
-                    <a:lumMod val="10000"/>
-                  </a:schemeClr>
-                </a:solidFill>
-              </a:rPr>
-              <a:t> String </a:t>
-            </a:r>
-            <a:r>
-              <a:rPr lang="fr-FR" sz="1400" b="1" dirty="0" err="1">
-                <a:solidFill>
-                  <a:srgbClr val="00B050"/>
-                </a:solidFill>
-              </a:rPr>
-              <a:t>prenom</a:t>
-            </a:r>
-            <a:r>
-              <a:rPr lang="fr-FR" sz="1400" b="1" dirty="0">
-                <a:solidFill>
-                  <a:schemeClr val="tx2">
-                    <a:lumMod val="10000"/>
-                  </a:schemeClr>
-                </a:solidFill>
-              </a:rPr>
-              <a:t>;</a:t>
-            </a:r>
-          </a:p>
-          <a:p>
-            <a:pPr marL="914400" lvl="2" indent="0" algn="l"/>
-            <a:r>
-              <a:rPr lang="fr-FR" sz="1400" b="1" dirty="0">
-                <a:solidFill>
-                  <a:schemeClr val="tx2">
-                    <a:lumMod val="10000"/>
-                  </a:schemeClr>
-                </a:solidFill>
-              </a:rPr>
-              <a:t>  </a:t>
-            </a:r>
-            <a:r>
-              <a:rPr lang="fr-FR" sz="1400" b="1" dirty="0" err="1">
-                <a:solidFill>
-                  <a:schemeClr val="tx2">
-                    <a:lumMod val="10000"/>
-                  </a:schemeClr>
-                </a:solidFill>
-              </a:rPr>
-              <a:t>private</a:t>
-            </a:r>
-            <a:r>
-              <a:rPr lang="fr-FR" sz="1400" b="1" dirty="0">
-                <a:solidFill>
-                  <a:schemeClr val="tx2">
-                    <a:lumMod val="10000"/>
-                  </a:schemeClr>
-                </a:solidFill>
-              </a:rPr>
-              <a:t> </a:t>
-            </a:r>
-            <a:r>
-              <a:rPr lang="fr-FR" sz="1400" b="1" dirty="0" err="1">
-                <a:solidFill>
-                  <a:schemeClr val="tx2">
-                    <a:lumMod val="10000"/>
-                  </a:schemeClr>
-                </a:solidFill>
-              </a:rPr>
-              <a:t>int</a:t>
-            </a:r>
-            <a:r>
-              <a:rPr lang="fr-FR" sz="1400" b="1" dirty="0">
-                <a:solidFill>
-                  <a:schemeClr val="tx2">
-                    <a:lumMod val="10000"/>
-                  </a:schemeClr>
-                </a:solidFill>
-              </a:rPr>
-              <a:t> </a:t>
-            </a:r>
-            <a:r>
-              <a:rPr lang="fr-FR" sz="1400" b="1" dirty="0" err="1">
-                <a:solidFill>
-                  <a:srgbClr val="00B050"/>
-                </a:solidFill>
-              </a:rPr>
-              <a:t>age</a:t>
-            </a:r>
-            <a:r>
-              <a:rPr lang="fr-FR" sz="1400" b="1" dirty="0">
-                <a:solidFill>
-                  <a:schemeClr val="tx2">
-                    <a:lumMod val="10000"/>
-                  </a:schemeClr>
-                </a:solidFill>
-              </a:rPr>
-              <a:t>;</a:t>
-            </a:r>
-          </a:p>
-          <a:p>
-            <a:pPr marL="914400" lvl="2" indent="0" algn="l"/>
-            <a:r>
-              <a:rPr lang="fr-FR" sz="1400" b="1" dirty="0">
-                <a:solidFill>
-                  <a:schemeClr val="tx2">
-                    <a:lumMod val="10000"/>
-                  </a:schemeClr>
-                </a:solidFill>
-              </a:rPr>
-              <a:t>  </a:t>
-            </a:r>
-            <a:r>
-              <a:rPr lang="fr-FR" sz="1400" b="1" dirty="0" err="1">
-                <a:solidFill>
-                  <a:schemeClr val="tx2">
-                    <a:lumMod val="10000"/>
-                  </a:schemeClr>
-                </a:solidFill>
-              </a:rPr>
-              <a:t>private</a:t>
-            </a:r>
-            <a:r>
-              <a:rPr lang="fr-FR" sz="1400" b="1" dirty="0">
-                <a:solidFill>
-                  <a:schemeClr val="tx2">
-                    <a:lumMod val="10000"/>
-                  </a:schemeClr>
-                </a:solidFill>
-              </a:rPr>
-              <a:t> String </a:t>
-            </a:r>
-            <a:r>
-              <a:rPr lang="fr-FR" sz="1400" b="1" dirty="0" err="1">
-                <a:solidFill>
-                  <a:srgbClr val="00B050"/>
-                </a:solidFill>
-              </a:rPr>
-              <a:t>telephone</a:t>
-            </a:r>
-            <a:r>
-              <a:rPr lang="fr-FR" sz="1400" b="1" dirty="0">
-                <a:solidFill>
-                  <a:schemeClr val="tx2">
-                    <a:lumMod val="10000"/>
-                  </a:schemeClr>
-                </a:solidFill>
-              </a:rPr>
-              <a:t>;</a:t>
-            </a:r>
-          </a:p>
-          <a:p>
-            <a:pPr marL="914400" lvl="2" indent="0" algn="l"/>
-            <a:r>
-              <a:rPr lang="fr-FR" sz="1400" b="1" dirty="0">
-                <a:solidFill>
-                  <a:schemeClr val="tx2">
-                    <a:lumMod val="10000"/>
-                  </a:schemeClr>
-                </a:solidFill>
-              </a:rPr>
-              <a:t>  </a:t>
-            </a:r>
-            <a:r>
-              <a:rPr lang="fr-FR" sz="1400" b="1" dirty="0" err="1">
-                <a:solidFill>
-                  <a:schemeClr val="tx2">
-                    <a:lumMod val="10000"/>
-                  </a:schemeClr>
-                </a:solidFill>
-              </a:rPr>
-              <a:t>private</a:t>
-            </a:r>
-            <a:r>
-              <a:rPr lang="fr-FR" sz="1400" b="1" dirty="0">
-                <a:solidFill>
-                  <a:schemeClr val="tx2">
-                    <a:lumMod val="10000"/>
-                  </a:schemeClr>
-                </a:solidFill>
-              </a:rPr>
-              <a:t> String </a:t>
-            </a:r>
-            <a:r>
-              <a:rPr lang="fr-FR" sz="1400" b="1" dirty="0">
-                <a:solidFill>
-                  <a:srgbClr val="00B050"/>
-                </a:solidFill>
-              </a:rPr>
-              <a:t>email</a:t>
-            </a:r>
-            <a:r>
-              <a:rPr lang="fr-FR" sz="1400" b="1" dirty="0">
-                <a:solidFill>
-                  <a:schemeClr val="tx2">
-                    <a:lumMod val="10000"/>
-                  </a:schemeClr>
-                </a:solidFill>
-              </a:rPr>
-              <a:t>;</a:t>
-            </a:r>
-          </a:p>
-          <a:p>
-            <a:pPr marL="0" lvl="0" indent="0" algn="l">
-              <a:buNone/>
-            </a:pPr>
-            <a:endParaRPr lang="fr-FR" sz="1400" b="1" dirty="0">
-              <a:solidFill>
-                <a:schemeClr val="tx2">
-                  <a:lumMod val="10000"/>
-                </a:schemeClr>
-              </a:solidFill>
-            </a:endParaRPr>
-          </a:p>
-          <a:p>
-            <a:pPr marL="0" lvl="0" indent="0" algn="l">
-              <a:buNone/>
-            </a:pPr>
-            <a:r>
-              <a:rPr lang="fr-FR" sz="1400" b="1" dirty="0">
-                <a:solidFill>
-                  <a:srgbClr val="C00000"/>
-                </a:solidFill>
-              </a:rPr>
-              <a:t>Public </a:t>
-            </a:r>
-            <a:r>
-              <a:rPr lang="fr-FR" sz="1400" b="1" dirty="0" err="1">
-                <a:solidFill>
-                  <a:srgbClr val="0070C0"/>
-                </a:solidFill>
-              </a:rPr>
-              <a:t>PersonneBuilder</a:t>
-            </a:r>
-            <a:r>
-              <a:rPr lang="fr-FR" sz="1400" b="1" dirty="0">
-                <a:solidFill>
-                  <a:srgbClr val="C00000"/>
-                </a:solidFill>
-              </a:rPr>
-              <a:t> nom(String </a:t>
-            </a:r>
-            <a:r>
-              <a:rPr lang="fr-FR" sz="1400" b="1" dirty="0">
-                <a:solidFill>
-                  <a:schemeClr val="tx2">
-                    <a:lumMod val="10000"/>
-                  </a:schemeClr>
-                </a:solidFill>
-              </a:rPr>
-              <a:t>nom</a:t>
-            </a:r>
-            <a:r>
-              <a:rPr lang="fr-FR" sz="1400" b="1" dirty="0">
-                <a:solidFill>
-                  <a:srgbClr val="C00000"/>
-                </a:solidFill>
-              </a:rPr>
-              <a:t>){</a:t>
-            </a:r>
-          </a:p>
-          <a:p>
-            <a:pPr marL="0" lvl="0" indent="0" algn="l">
-              <a:buNone/>
-            </a:pPr>
-            <a:r>
-              <a:rPr lang="fr-FR" sz="1400" b="1" dirty="0">
-                <a:solidFill>
-                  <a:srgbClr val="C00000"/>
-                </a:solidFill>
-              </a:rPr>
-              <a:t>	</a:t>
-            </a:r>
-            <a:r>
-              <a:rPr lang="fr-FR" sz="1400" b="1" dirty="0" err="1">
-                <a:solidFill>
-                  <a:srgbClr val="C00000"/>
-                </a:solidFill>
-              </a:rPr>
-              <a:t>this.</a:t>
-            </a:r>
-            <a:r>
-              <a:rPr lang="fr-FR" sz="1400" b="1" dirty="0" err="1">
-                <a:solidFill>
-                  <a:srgbClr val="00B050"/>
-                </a:solidFill>
-              </a:rPr>
-              <a:t>nom</a:t>
-            </a:r>
-            <a:r>
-              <a:rPr lang="fr-FR" sz="1400" b="1" dirty="0">
-                <a:solidFill>
-                  <a:srgbClr val="C00000"/>
-                </a:solidFill>
-              </a:rPr>
-              <a:t>=</a:t>
-            </a:r>
-            <a:r>
-              <a:rPr lang="fr-FR" sz="1400" b="1" dirty="0">
-                <a:solidFill>
-                  <a:schemeClr val="tx2">
-                    <a:lumMod val="10000"/>
-                  </a:schemeClr>
-                </a:solidFill>
-              </a:rPr>
-              <a:t>nom</a:t>
-            </a:r>
-            <a:r>
-              <a:rPr lang="fr-FR" sz="1400" b="1" dirty="0">
-                <a:solidFill>
-                  <a:srgbClr val="C00000"/>
-                </a:solidFill>
-              </a:rPr>
-              <a:t>;</a:t>
-            </a:r>
-          </a:p>
-          <a:p>
-            <a:pPr marL="0" lvl="0" indent="0" algn="l">
-              <a:buNone/>
-            </a:pPr>
-            <a:r>
-              <a:rPr lang="fr-FR" sz="1400" b="1" dirty="0">
-                <a:solidFill>
-                  <a:srgbClr val="C00000"/>
-                </a:solidFill>
-              </a:rPr>
-              <a:t>	return </a:t>
-            </a:r>
-            <a:r>
-              <a:rPr lang="fr-FR" sz="1400" b="1" dirty="0" err="1">
-                <a:solidFill>
-                  <a:srgbClr val="C00000"/>
-                </a:solidFill>
-              </a:rPr>
-              <a:t>this</a:t>
-            </a:r>
-            <a:r>
-              <a:rPr lang="fr-FR" sz="1400" b="1" dirty="0">
-                <a:solidFill>
-                  <a:srgbClr val="C00000"/>
-                </a:solidFill>
-              </a:rPr>
-              <a:t>;</a:t>
-            </a:r>
-          </a:p>
-          <a:p>
-            <a:pPr marL="0" lvl="0" indent="0" algn="l">
-              <a:buNone/>
-            </a:pPr>
-            <a:r>
-              <a:rPr lang="fr-FR" sz="1400" b="1" dirty="0">
-                <a:solidFill>
-                  <a:srgbClr val="C00000"/>
-                </a:solidFill>
-              </a:rPr>
-              <a:t>}</a:t>
-            </a:r>
-          </a:p>
-          <a:p>
-            <a:pPr marL="0" lvl="0" indent="0" algn="l">
-              <a:buNone/>
-            </a:pPr>
-            <a:r>
-              <a:rPr lang="fr-FR" sz="1400" b="1" dirty="0">
-                <a:solidFill>
-                  <a:schemeClr val="tx2">
-                    <a:lumMod val="10000"/>
-                  </a:schemeClr>
-                </a:solidFill>
-              </a:rPr>
-              <a:t> Public </a:t>
-            </a:r>
-            <a:r>
-              <a:rPr lang="fr-FR" sz="1400" b="1" dirty="0" err="1">
-                <a:solidFill>
-                  <a:srgbClr val="0070C0"/>
-                </a:solidFill>
-              </a:rPr>
-              <a:t>PersonneBuilder</a:t>
-            </a:r>
-            <a:r>
-              <a:rPr lang="fr-FR" sz="1400" b="1" dirty="0">
-                <a:solidFill>
-                  <a:schemeClr val="tx2">
-                    <a:lumMod val="10000"/>
-                  </a:schemeClr>
-                </a:solidFill>
-              </a:rPr>
-              <a:t> </a:t>
-            </a:r>
-            <a:r>
-              <a:rPr lang="fr-FR" sz="1400" b="1" dirty="0" err="1">
-                <a:solidFill>
-                  <a:schemeClr val="tx2">
-                    <a:lumMod val="10000"/>
-                  </a:schemeClr>
-                </a:solidFill>
-              </a:rPr>
-              <a:t>prenom</a:t>
-            </a:r>
-            <a:r>
-              <a:rPr lang="fr-FR" sz="1400" b="1" dirty="0">
-                <a:solidFill>
-                  <a:schemeClr val="tx2">
-                    <a:lumMod val="10000"/>
-                  </a:schemeClr>
-                </a:solidFill>
-              </a:rPr>
-              <a:t>(String </a:t>
-            </a:r>
-            <a:r>
-              <a:rPr lang="fr-FR" sz="1400" b="1" dirty="0" err="1">
-                <a:solidFill>
-                  <a:schemeClr val="tx2">
-                    <a:lumMod val="10000"/>
-                  </a:schemeClr>
-                </a:solidFill>
-              </a:rPr>
-              <a:t>prenom</a:t>
-            </a:r>
-            <a:r>
-              <a:rPr lang="fr-FR" sz="1400" b="1" dirty="0">
-                <a:solidFill>
-                  <a:schemeClr val="tx2">
-                    <a:lumMod val="10000"/>
-                  </a:schemeClr>
-                </a:solidFill>
-              </a:rPr>
-              <a:t>){</a:t>
-            </a:r>
-          </a:p>
-          <a:p>
-            <a:pPr marL="0" lvl="0" indent="0" algn="l">
-              <a:buNone/>
-            </a:pPr>
-            <a:r>
-              <a:rPr lang="fr-FR" sz="1400" b="1" dirty="0">
-                <a:solidFill>
-                  <a:schemeClr val="tx2">
-                    <a:lumMod val="10000"/>
-                  </a:schemeClr>
-                </a:solidFill>
-              </a:rPr>
-              <a:t>	</a:t>
-            </a:r>
-            <a:r>
-              <a:rPr lang="fr-FR" sz="1400" b="1" dirty="0" err="1">
-                <a:solidFill>
-                  <a:schemeClr val="tx2">
-                    <a:lumMod val="10000"/>
-                  </a:schemeClr>
-                </a:solidFill>
-              </a:rPr>
-              <a:t>this.</a:t>
-            </a:r>
-            <a:r>
-              <a:rPr lang="fr-FR" sz="1400" b="1" dirty="0" err="1">
-                <a:solidFill>
-                  <a:srgbClr val="00B050"/>
-                </a:solidFill>
-              </a:rPr>
-              <a:t>prenom</a:t>
-            </a:r>
-            <a:r>
-              <a:rPr lang="fr-FR" sz="1400" b="1" dirty="0">
-                <a:solidFill>
-                  <a:schemeClr val="tx2">
-                    <a:lumMod val="10000"/>
-                  </a:schemeClr>
-                </a:solidFill>
-              </a:rPr>
-              <a:t> = </a:t>
-            </a:r>
-            <a:r>
-              <a:rPr lang="fr-FR" sz="1400" b="1" dirty="0" err="1">
-                <a:solidFill>
-                  <a:schemeClr val="tx2">
-                    <a:lumMod val="10000"/>
-                  </a:schemeClr>
-                </a:solidFill>
-              </a:rPr>
-              <a:t>prenom</a:t>
-            </a:r>
-            <a:r>
-              <a:rPr lang="fr-FR" sz="1400" b="1" dirty="0">
-                <a:solidFill>
-                  <a:schemeClr val="tx2">
-                    <a:lumMod val="10000"/>
-                  </a:schemeClr>
-                </a:solidFill>
-              </a:rPr>
-              <a:t>;</a:t>
-            </a:r>
-          </a:p>
-          <a:p>
-            <a:pPr marL="0" lvl="0" indent="0" algn="l">
-              <a:buNone/>
-            </a:pPr>
-            <a:r>
-              <a:rPr lang="fr-FR" sz="1400" b="1" dirty="0">
-                <a:solidFill>
-                  <a:schemeClr val="tx2">
-                    <a:lumMod val="10000"/>
-                  </a:schemeClr>
-                </a:solidFill>
-              </a:rPr>
-              <a:t>	return </a:t>
-            </a:r>
-            <a:r>
-              <a:rPr lang="fr-FR" sz="1400" b="1" dirty="0" err="1">
-                <a:solidFill>
-                  <a:schemeClr val="tx2">
-                    <a:lumMod val="10000"/>
-                  </a:schemeClr>
-                </a:solidFill>
-              </a:rPr>
-              <a:t>this</a:t>
-            </a:r>
-            <a:r>
-              <a:rPr lang="fr-FR" sz="1400" b="1" dirty="0">
-                <a:solidFill>
-                  <a:schemeClr val="tx2">
-                    <a:lumMod val="10000"/>
-                  </a:schemeClr>
-                </a:solidFill>
-              </a:rPr>
-              <a:t>;</a:t>
-            </a:r>
-          </a:p>
-          <a:p>
-            <a:pPr marL="0" lvl="0" indent="0" algn="l">
-              <a:buNone/>
-            </a:pPr>
-            <a:r>
-              <a:rPr lang="fr-FR" sz="1400" b="1" dirty="0">
-                <a:solidFill>
-                  <a:schemeClr val="tx2">
-                    <a:lumMod val="10000"/>
-                  </a:schemeClr>
-                </a:solidFill>
-              </a:rPr>
-              <a:t>}</a:t>
-            </a:r>
-          </a:p>
-          <a:p>
-            <a:pPr marL="0" lvl="0" indent="0" algn="l">
-              <a:buNone/>
-            </a:pPr>
-            <a:r>
-              <a:rPr lang="fr-FR" sz="1400" b="1" dirty="0">
-                <a:solidFill>
-                  <a:schemeClr val="tx2">
-                    <a:lumMod val="10000"/>
-                  </a:schemeClr>
-                </a:solidFill>
-              </a:rPr>
-              <a:t>Public </a:t>
-            </a:r>
-            <a:r>
-              <a:rPr lang="fr-FR" sz="1400" b="1" dirty="0" err="1">
-                <a:solidFill>
-                  <a:srgbClr val="0070C0"/>
-                </a:solidFill>
-              </a:rPr>
-              <a:t>PersonneBuilder</a:t>
-            </a:r>
-            <a:r>
-              <a:rPr lang="fr-FR" sz="1400" b="1" dirty="0">
-                <a:solidFill>
-                  <a:schemeClr val="tx2">
-                    <a:lumMod val="10000"/>
-                  </a:schemeClr>
-                </a:solidFill>
-              </a:rPr>
-              <a:t> </a:t>
-            </a:r>
-            <a:r>
-              <a:rPr lang="fr-FR" sz="1400" b="1" dirty="0" err="1">
-                <a:solidFill>
-                  <a:schemeClr val="tx2">
-                    <a:lumMod val="10000"/>
-                  </a:schemeClr>
-                </a:solidFill>
-              </a:rPr>
-              <a:t>telephone</a:t>
-            </a:r>
-            <a:r>
-              <a:rPr lang="fr-FR" sz="1400" b="1" dirty="0">
-                <a:solidFill>
-                  <a:schemeClr val="tx2">
-                    <a:lumMod val="10000"/>
-                  </a:schemeClr>
-                </a:solidFill>
-              </a:rPr>
-              <a:t>(String </a:t>
-            </a:r>
-            <a:r>
-              <a:rPr lang="fr-FR" sz="1400" b="1" dirty="0" err="1">
-                <a:solidFill>
-                  <a:schemeClr val="tx2">
-                    <a:lumMod val="10000"/>
-                  </a:schemeClr>
-                </a:solidFill>
-              </a:rPr>
-              <a:t>telephone</a:t>
-            </a:r>
-            <a:r>
-              <a:rPr lang="fr-FR" sz="1400" b="1" dirty="0">
-                <a:solidFill>
-                  <a:schemeClr val="tx2">
-                    <a:lumMod val="10000"/>
-                  </a:schemeClr>
-                </a:solidFill>
-              </a:rPr>
-              <a:t>){……}</a:t>
-            </a:r>
-          </a:p>
-          <a:p>
-            <a:pPr marL="0" lvl="0" indent="0" algn="l">
-              <a:buNone/>
-            </a:pPr>
-            <a:r>
-              <a:rPr lang="fr-FR" sz="1400" b="1" dirty="0">
-                <a:solidFill>
-                  <a:schemeClr val="tx2">
-                    <a:lumMod val="10000"/>
-                  </a:schemeClr>
-                </a:solidFill>
-              </a:rPr>
-              <a:t>Public </a:t>
-            </a:r>
-            <a:r>
-              <a:rPr lang="fr-FR" sz="1400" b="1" dirty="0" err="1">
-                <a:solidFill>
-                  <a:srgbClr val="0070C0"/>
-                </a:solidFill>
-              </a:rPr>
-              <a:t>PersonneBuilder</a:t>
-            </a:r>
-            <a:r>
-              <a:rPr lang="fr-FR" sz="1400" b="1" dirty="0">
-                <a:solidFill>
-                  <a:schemeClr val="tx2">
-                    <a:lumMod val="10000"/>
-                  </a:schemeClr>
-                </a:solidFill>
-              </a:rPr>
-              <a:t> </a:t>
-            </a:r>
-            <a:r>
-              <a:rPr lang="fr-FR" sz="1400" b="1" dirty="0" err="1">
-                <a:solidFill>
-                  <a:schemeClr val="tx2">
-                    <a:lumMod val="10000"/>
-                  </a:schemeClr>
-                </a:solidFill>
-              </a:rPr>
-              <a:t>age</a:t>
-            </a:r>
-            <a:r>
-              <a:rPr lang="fr-FR" sz="1400" b="1" dirty="0">
-                <a:solidFill>
-                  <a:schemeClr val="tx2">
-                    <a:lumMod val="10000"/>
-                  </a:schemeClr>
-                </a:solidFill>
-              </a:rPr>
-              <a:t>(</a:t>
-            </a:r>
-            <a:r>
-              <a:rPr lang="fr-FR" sz="1400" b="1" dirty="0" err="1">
-                <a:solidFill>
-                  <a:schemeClr val="tx2">
-                    <a:lumMod val="10000"/>
-                  </a:schemeClr>
-                </a:solidFill>
-              </a:rPr>
-              <a:t>int</a:t>
-            </a:r>
-            <a:r>
-              <a:rPr lang="fr-FR" sz="1400" b="1" dirty="0">
-                <a:solidFill>
-                  <a:schemeClr val="tx2">
-                    <a:lumMod val="10000"/>
-                  </a:schemeClr>
-                </a:solidFill>
-              </a:rPr>
-              <a:t> </a:t>
-            </a:r>
-            <a:r>
-              <a:rPr lang="fr-FR" sz="1400" b="1" dirty="0" err="1">
-                <a:solidFill>
-                  <a:schemeClr val="tx2">
-                    <a:lumMod val="10000"/>
-                  </a:schemeClr>
-                </a:solidFill>
-              </a:rPr>
-              <a:t>age</a:t>
-            </a:r>
-            <a:r>
-              <a:rPr lang="fr-FR" sz="1400" b="1" dirty="0">
-                <a:solidFill>
-                  <a:schemeClr val="tx2">
-                    <a:lumMod val="10000"/>
-                  </a:schemeClr>
-                </a:solidFill>
-              </a:rPr>
-              <a:t>){……}</a:t>
-            </a:r>
-          </a:p>
-          <a:p>
-            <a:pPr marL="0" lvl="0" indent="0" algn="l">
-              <a:buNone/>
-            </a:pPr>
-            <a:r>
-              <a:rPr lang="fr-FR" sz="1400" b="1" dirty="0">
-                <a:solidFill>
-                  <a:schemeClr val="tx2">
-                    <a:lumMod val="10000"/>
-                  </a:schemeClr>
-                </a:solidFill>
-              </a:rPr>
-              <a:t>Public </a:t>
-            </a:r>
-            <a:r>
-              <a:rPr lang="fr-FR" sz="1400" b="1" dirty="0" err="1">
-                <a:solidFill>
-                  <a:srgbClr val="0070C0"/>
-                </a:solidFill>
-              </a:rPr>
-              <a:t>PersonneBuilder</a:t>
-            </a:r>
-            <a:r>
-              <a:rPr lang="fr-FR" sz="1400" b="1" dirty="0">
-                <a:solidFill>
-                  <a:schemeClr val="tx2">
-                    <a:lumMod val="10000"/>
-                  </a:schemeClr>
-                </a:solidFill>
-              </a:rPr>
-              <a:t> email(String email){……}</a:t>
-            </a:r>
-          </a:p>
-          <a:p>
-            <a:pPr marL="0" lvl="0" indent="0" algn="l">
-              <a:buNone/>
-            </a:pPr>
-            <a:endParaRPr lang="fr-FR" sz="1400" b="1" dirty="0">
-              <a:solidFill>
-                <a:schemeClr val="tx2">
-                  <a:lumMod val="10000"/>
-                </a:schemeClr>
-              </a:solidFill>
-            </a:endParaRPr>
-          </a:p>
-          <a:p>
-            <a:pPr marL="0" lvl="0" indent="0" algn="l">
-              <a:buNone/>
-            </a:pPr>
-            <a:r>
-              <a:rPr lang="fr-FR" sz="1400" b="1" dirty="0">
-                <a:solidFill>
-                  <a:schemeClr val="tx2">
-                    <a:lumMod val="10000"/>
-                  </a:schemeClr>
-                </a:solidFill>
-              </a:rPr>
-              <a:t>Public </a:t>
-            </a:r>
-            <a:r>
-              <a:rPr lang="fr-FR" sz="1400" b="1" dirty="0">
-                <a:solidFill>
-                  <a:srgbClr val="C00000"/>
-                </a:solidFill>
-              </a:rPr>
-              <a:t>Personne</a:t>
-            </a:r>
-            <a:r>
-              <a:rPr lang="fr-FR" sz="1400" b="1" dirty="0">
-                <a:solidFill>
-                  <a:schemeClr val="tx2">
-                    <a:lumMod val="10000"/>
-                  </a:schemeClr>
-                </a:solidFill>
-              </a:rPr>
-              <a:t> </a:t>
-            </a:r>
-            <a:r>
-              <a:rPr lang="fr-FR" sz="1400" b="1" dirty="0" err="1">
-                <a:solidFill>
-                  <a:srgbClr val="FF0000"/>
-                </a:solidFill>
-              </a:rPr>
-              <a:t>bluid</a:t>
-            </a:r>
-            <a:r>
-              <a:rPr lang="fr-FR" sz="1400" b="1" dirty="0">
-                <a:solidFill>
-                  <a:schemeClr val="tx2">
-                    <a:lumMod val="10000"/>
-                  </a:schemeClr>
-                </a:solidFill>
-              </a:rPr>
-              <a:t>(){</a:t>
-            </a:r>
-          </a:p>
-          <a:p>
-            <a:pPr marL="0" lvl="0" indent="0" algn="l">
-              <a:buNone/>
-            </a:pPr>
-            <a:r>
-              <a:rPr lang="fr-FR" sz="1400" b="1" dirty="0">
-                <a:solidFill>
-                  <a:schemeClr val="tx2">
-                    <a:lumMod val="10000"/>
-                  </a:schemeClr>
-                </a:solidFill>
-              </a:rPr>
-              <a:t>return  new Personne(</a:t>
-            </a:r>
-            <a:r>
-              <a:rPr lang="fr-FR" sz="1400" b="1" dirty="0">
-                <a:solidFill>
-                  <a:srgbClr val="00B050"/>
-                </a:solidFill>
-              </a:rPr>
-              <a:t>nom</a:t>
-            </a:r>
-            <a:r>
-              <a:rPr lang="fr-FR" sz="1400" b="1" dirty="0">
-                <a:solidFill>
-                  <a:schemeClr val="tx2">
-                    <a:lumMod val="10000"/>
-                  </a:schemeClr>
-                </a:solidFill>
-              </a:rPr>
-              <a:t> , </a:t>
-            </a:r>
-            <a:r>
-              <a:rPr lang="fr-FR" sz="1400" b="1" dirty="0" err="1">
-                <a:solidFill>
-                  <a:srgbClr val="00B050"/>
-                </a:solidFill>
-              </a:rPr>
-              <a:t>prenom</a:t>
-            </a:r>
-            <a:r>
-              <a:rPr lang="fr-FR" sz="1400" b="1" dirty="0">
-                <a:solidFill>
-                  <a:schemeClr val="tx2">
-                    <a:lumMod val="10000"/>
-                  </a:schemeClr>
-                </a:solidFill>
-              </a:rPr>
-              <a:t>,  </a:t>
-            </a:r>
-            <a:r>
-              <a:rPr lang="fr-FR" sz="1400" b="1" dirty="0" err="1">
-                <a:solidFill>
-                  <a:srgbClr val="00B050"/>
-                </a:solidFill>
-              </a:rPr>
-              <a:t>age</a:t>
-            </a:r>
-            <a:r>
-              <a:rPr lang="fr-FR" sz="1400" b="1" dirty="0">
-                <a:solidFill>
-                  <a:schemeClr val="tx2">
-                    <a:lumMod val="10000"/>
-                  </a:schemeClr>
-                </a:solidFill>
-              </a:rPr>
-              <a:t>, </a:t>
-            </a:r>
-            <a:r>
-              <a:rPr lang="fr-FR" sz="1400" b="1" dirty="0" err="1">
-                <a:solidFill>
-                  <a:srgbClr val="00B050"/>
-                </a:solidFill>
-              </a:rPr>
-              <a:t>telephone</a:t>
-            </a:r>
-            <a:r>
-              <a:rPr lang="fr-FR" sz="1400" b="1" dirty="0">
-                <a:solidFill>
-                  <a:schemeClr val="tx2">
-                    <a:lumMod val="10000"/>
-                  </a:schemeClr>
-                </a:solidFill>
-              </a:rPr>
-              <a:t>, </a:t>
-            </a:r>
-            <a:r>
-              <a:rPr lang="fr-FR" sz="1400" b="1" dirty="0">
-                <a:solidFill>
-                  <a:srgbClr val="00B050"/>
-                </a:solidFill>
-              </a:rPr>
-              <a:t>email</a:t>
-            </a:r>
-            <a:r>
-              <a:rPr lang="fr-FR" sz="1400" b="1" dirty="0">
-                <a:solidFill>
-                  <a:schemeClr val="tx2">
-                    <a:lumMod val="10000"/>
-                  </a:schemeClr>
-                </a:solidFill>
-              </a:rPr>
-              <a:t> );</a:t>
-            </a:r>
-          </a:p>
-          <a:p>
-            <a:pPr marL="0" lvl="0" indent="0" algn="l">
-              <a:buNone/>
-            </a:pPr>
-            <a:r>
-              <a:rPr lang="fr-FR" sz="1400" b="1" dirty="0">
-                <a:solidFill>
-                  <a:schemeClr val="tx2">
-                    <a:lumMod val="10000"/>
-                  </a:schemeClr>
-                </a:solidFill>
-              </a:rPr>
-              <a:t>}</a:t>
-            </a:r>
-          </a:p>
-        </p:txBody>
-      </p:sp>
-      <p:sp>
-        <p:nvSpPr>
-          <p:cNvPr id="5" name="Accolade ouvrante 4">
-            <a:extLst>
-              <a:ext uri="{FF2B5EF4-FFF2-40B4-BE49-F238E27FC236}">
-                <a16:creationId xmlns:a16="http://schemas.microsoft.com/office/drawing/2014/main" id="{AA10EF73-992A-D209-FA79-CF04D044898C}"/>
-              </a:ext>
-            </a:extLst>
-          </p:cNvPr>
-          <p:cNvSpPr/>
-          <p:nvPr/>
-        </p:nvSpPr>
-        <p:spPr>
-          <a:xfrm>
-            <a:off x="3381153" y="170121"/>
-            <a:ext cx="265814" cy="4742121"/>
-          </a:xfrm>
-          <a:prstGeom prst="leftBrace">
-            <a:avLst/>
-          </a:prstGeom>
-        </p:spPr>
-        <p:style>
-          <a:lnRef idx="3">
-            <a:schemeClr val="accent2"/>
-          </a:lnRef>
-          <a:fillRef idx="0">
-            <a:schemeClr val="accent2"/>
-          </a:fillRef>
-          <a:effectRef idx="2">
-            <a:schemeClr val="accent2"/>
-          </a:effectRef>
-          <a:fontRef idx="minor">
-            <a:schemeClr val="tx1"/>
-          </a:fontRef>
-        </p:style>
-        <p:txBody>
-          <a:bodyPr rtlCol="0" anchor="ctr"/>
-          <a:lstStyle/>
-          <a:p>
-            <a:pPr algn="ctr"/>
-            <a:endParaRPr lang="fr-FR"/>
-          </a:p>
-        </p:txBody>
-      </p:sp>
-      <p:sp>
-        <p:nvSpPr>
-          <p:cNvPr id="6" name="ZoneTexte 5">
-            <a:extLst>
-              <a:ext uri="{FF2B5EF4-FFF2-40B4-BE49-F238E27FC236}">
-                <a16:creationId xmlns:a16="http://schemas.microsoft.com/office/drawing/2014/main" id="{C998AEEC-C0EF-F685-4E0C-60B7C6ECB561}"/>
-              </a:ext>
-            </a:extLst>
-          </p:cNvPr>
-          <p:cNvSpPr txBox="1"/>
-          <p:nvPr/>
-        </p:nvSpPr>
-        <p:spPr>
-          <a:xfrm>
-            <a:off x="372140" y="2125682"/>
-            <a:ext cx="3009013" cy="830997"/>
-          </a:xfrm>
-          <a:prstGeom prst="rect">
-            <a:avLst/>
-          </a:prstGeom>
-          <a:noFill/>
-        </p:spPr>
-        <p:txBody>
-          <a:bodyPr wrap="square" rtlCol="0">
-            <a:spAutoFit/>
-          </a:bodyPr>
-          <a:lstStyle/>
-          <a:p>
-            <a:r>
-              <a:rPr lang="fr-FR" sz="2400" i="0" dirty="0">
-                <a:solidFill>
-                  <a:srgbClr val="374151"/>
-                </a:solidFill>
-                <a:effectLst/>
-                <a:latin typeface="Söhne"/>
-              </a:rPr>
-              <a:t>Création de la classe Builder</a:t>
-            </a:r>
-            <a:endParaRPr lang="fr-FR" sz="2400" dirty="0"/>
           </a:p>
         </p:txBody>
       </p:sp>
@@ -41237,905 +38591,6 @@
     <p:extLst>
       <p:ext uri="{BB962C8B-B14F-4D97-AF65-F5344CB8AC3E}">
         <p14:creationId xmlns:p14="http://schemas.microsoft.com/office/powerpoint/2010/main" val="961085985"/>
-      </p:ext>
-    </p:extLst>
-  </p:cSld>
-  <p:clrMapOvr>
-    <a:masterClrMapping/>
-  </p:clrMapOvr>
-</p:sld>
-</file>
-
-<file path=ppt/slides/slide27.xml><?xml version="1.0" encoding="utf-8"?>
-<p:sld xmlns:a="http://schemas.openxmlformats.org/drawingml/2006/main" xmlns:r="http://schemas.openxmlformats.org/officeDocument/2006/relationships" xmlns:p="http://schemas.openxmlformats.org/presentationml/2006/main">
-  <p:cSld>
-    <p:spTree>
-      <p:nvGrpSpPr>
-        <p:cNvPr id="1" name="Shape 428"/>
-        <p:cNvGrpSpPr/>
-        <p:nvPr/>
-      </p:nvGrpSpPr>
-      <p:grpSpPr>
-        <a:xfrm>
-          <a:off x="0" y="0"/>
-          <a:ext cx="0" cy="0"/>
-          <a:chOff x="0" y="0"/>
-          <a:chExt cx="0" cy="0"/>
-        </a:xfrm>
-      </p:grpSpPr>
-      <p:sp>
-        <p:nvSpPr>
-          <p:cNvPr id="26" name="Google Shape;416;p34">
-            <a:extLst>
-              <a:ext uri="{FF2B5EF4-FFF2-40B4-BE49-F238E27FC236}">
-                <a16:creationId xmlns:a16="http://schemas.microsoft.com/office/drawing/2014/main" id="{EA65EE94-FFD6-538C-977F-653B7600E73B}"/>
-              </a:ext>
-            </a:extLst>
-          </p:cNvPr>
-          <p:cNvSpPr txBox="1">
-            <a:spLocks/>
-          </p:cNvSpPr>
-          <p:nvPr/>
-        </p:nvSpPr>
-        <p:spPr>
-          <a:xfrm>
-            <a:off x="2200939" y="106327"/>
-            <a:ext cx="6783573" cy="2881422"/>
-          </a:xfrm>
-          <a:prstGeom prst="rect">
-            <a:avLst/>
-          </a:prstGeom>
-          <a:solidFill>
-            <a:schemeClr val="lt2"/>
-          </a:solidFill>
-          <a:ln>
-            <a:noFill/>
-          </a:ln>
-        </p:spPr>
-        <p:txBody>
-          <a:bodyPr spcFirstLastPara="1" wrap="square" lIns="91425" tIns="91425" rIns="91425" bIns="91425" anchor="ctr" anchorCtr="0">
-            <a:noAutofit/>
-          </a:bodyPr>
-          <a:lstStyle>
-            <a:defPPr marR="0" lvl="0" algn="l" rtl="0">
-              <a:lnSpc>
-                <a:spcPct val="100000"/>
-              </a:lnSpc>
-              <a:spcBef>
-                <a:spcPts val="0"/>
-              </a:spcBef>
-              <a:spcAft>
-                <a:spcPts val="0"/>
-              </a:spcAft>
-            </a:defPPr>
-            <a:lvl1pPr marL="457200" marR="0" lvl="0" indent="-304800" algn="ctr" rtl="0">
-              <a:lnSpc>
-                <a:spcPct val="100000"/>
-              </a:lnSpc>
-              <a:spcBef>
-                <a:spcPts val="0"/>
-              </a:spcBef>
-              <a:spcAft>
-                <a:spcPts val="0"/>
-              </a:spcAft>
-              <a:buClr>
-                <a:schemeClr val="dk1"/>
-              </a:buClr>
-              <a:buSzPts val="1400"/>
-              <a:buFont typeface="Anuphan"/>
-              <a:buNone/>
-              <a:defRPr sz="1200" b="0" i="0" u="none" strike="noStrike" cap="none">
-                <a:solidFill>
-                  <a:schemeClr val="dk1"/>
-                </a:solidFill>
-                <a:latin typeface="Anuphan"/>
-                <a:ea typeface="Anuphan"/>
-                <a:cs typeface="Anuphan"/>
-                <a:sym typeface="Anuphan"/>
-              </a:defRPr>
-            </a:lvl1pPr>
-            <a:lvl2pPr marL="914400" marR="0" lvl="1" indent="-304800" algn="ctr" rtl="0">
-              <a:lnSpc>
-                <a:spcPct val="100000"/>
-              </a:lnSpc>
-              <a:spcBef>
-                <a:spcPts val="0"/>
-              </a:spcBef>
-              <a:spcAft>
-                <a:spcPts val="0"/>
-              </a:spcAft>
-              <a:buClr>
-                <a:schemeClr val="dk1"/>
-              </a:buClr>
-              <a:buSzPts val="1200"/>
-              <a:buFont typeface="Anuphan"/>
-              <a:buNone/>
-              <a:defRPr sz="1200" b="0" i="0" u="none" strike="noStrike" cap="none">
-                <a:solidFill>
-                  <a:schemeClr val="dk1"/>
-                </a:solidFill>
-                <a:latin typeface="Anuphan"/>
-                <a:ea typeface="Anuphan"/>
-                <a:cs typeface="Anuphan"/>
-                <a:sym typeface="Anuphan"/>
-              </a:defRPr>
-            </a:lvl2pPr>
-            <a:lvl3pPr marL="1371600" marR="0" lvl="2" indent="-304800" algn="ctr" rtl="0">
-              <a:lnSpc>
-                <a:spcPct val="100000"/>
-              </a:lnSpc>
-              <a:spcBef>
-                <a:spcPts val="0"/>
-              </a:spcBef>
-              <a:spcAft>
-                <a:spcPts val="0"/>
-              </a:spcAft>
-              <a:buClr>
-                <a:schemeClr val="dk1"/>
-              </a:buClr>
-              <a:buSzPts val="1200"/>
-              <a:buFont typeface="Anuphan"/>
-              <a:buNone/>
-              <a:defRPr sz="1200" b="0" i="0" u="none" strike="noStrike" cap="none">
-                <a:solidFill>
-                  <a:schemeClr val="dk1"/>
-                </a:solidFill>
-                <a:latin typeface="Anuphan"/>
-                <a:ea typeface="Anuphan"/>
-                <a:cs typeface="Anuphan"/>
-                <a:sym typeface="Anuphan"/>
-              </a:defRPr>
-            </a:lvl3pPr>
-            <a:lvl4pPr marL="1828800" marR="0" lvl="3" indent="-304800" algn="ctr" rtl="0">
-              <a:lnSpc>
-                <a:spcPct val="100000"/>
-              </a:lnSpc>
-              <a:spcBef>
-                <a:spcPts val="0"/>
-              </a:spcBef>
-              <a:spcAft>
-                <a:spcPts val="0"/>
-              </a:spcAft>
-              <a:buClr>
-                <a:schemeClr val="dk1"/>
-              </a:buClr>
-              <a:buSzPts val="1200"/>
-              <a:buFont typeface="Anuphan"/>
-              <a:buNone/>
-              <a:defRPr sz="1200" b="0" i="0" u="none" strike="noStrike" cap="none">
-                <a:solidFill>
-                  <a:schemeClr val="dk1"/>
-                </a:solidFill>
-                <a:latin typeface="Anuphan"/>
-                <a:ea typeface="Anuphan"/>
-                <a:cs typeface="Anuphan"/>
-                <a:sym typeface="Anuphan"/>
-              </a:defRPr>
-            </a:lvl4pPr>
-            <a:lvl5pPr marL="2286000" marR="0" lvl="4" indent="-304800" algn="ctr" rtl="0">
-              <a:lnSpc>
-                <a:spcPct val="100000"/>
-              </a:lnSpc>
-              <a:spcBef>
-                <a:spcPts val="0"/>
-              </a:spcBef>
-              <a:spcAft>
-                <a:spcPts val="0"/>
-              </a:spcAft>
-              <a:buClr>
-                <a:schemeClr val="dk1"/>
-              </a:buClr>
-              <a:buSzPts val="1200"/>
-              <a:buFont typeface="Anuphan"/>
-              <a:buNone/>
-              <a:defRPr sz="1200" b="0" i="0" u="none" strike="noStrike" cap="none">
-                <a:solidFill>
-                  <a:schemeClr val="dk1"/>
-                </a:solidFill>
-                <a:latin typeface="Anuphan"/>
-                <a:ea typeface="Anuphan"/>
-                <a:cs typeface="Anuphan"/>
-                <a:sym typeface="Anuphan"/>
-              </a:defRPr>
-            </a:lvl5pPr>
-            <a:lvl6pPr marL="2743200" marR="0" lvl="5" indent="-304800" algn="ctr" rtl="0">
-              <a:lnSpc>
-                <a:spcPct val="100000"/>
-              </a:lnSpc>
-              <a:spcBef>
-                <a:spcPts val="0"/>
-              </a:spcBef>
-              <a:spcAft>
-                <a:spcPts val="0"/>
-              </a:spcAft>
-              <a:buClr>
-                <a:schemeClr val="dk1"/>
-              </a:buClr>
-              <a:buSzPts val="1200"/>
-              <a:buFont typeface="Anuphan"/>
-              <a:buNone/>
-              <a:defRPr sz="1200" b="0" i="0" u="none" strike="noStrike" cap="none">
-                <a:solidFill>
-                  <a:schemeClr val="dk1"/>
-                </a:solidFill>
-                <a:latin typeface="Anuphan"/>
-                <a:ea typeface="Anuphan"/>
-                <a:cs typeface="Anuphan"/>
-                <a:sym typeface="Anuphan"/>
-              </a:defRPr>
-            </a:lvl6pPr>
-            <a:lvl7pPr marL="3200400" marR="0" lvl="6" indent="-304800" algn="ctr" rtl="0">
-              <a:lnSpc>
-                <a:spcPct val="100000"/>
-              </a:lnSpc>
-              <a:spcBef>
-                <a:spcPts val="0"/>
-              </a:spcBef>
-              <a:spcAft>
-                <a:spcPts val="0"/>
-              </a:spcAft>
-              <a:buClr>
-                <a:schemeClr val="dk1"/>
-              </a:buClr>
-              <a:buSzPts val="1200"/>
-              <a:buFont typeface="Anuphan"/>
-              <a:buNone/>
-              <a:defRPr sz="1200" b="0" i="0" u="none" strike="noStrike" cap="none">
-                <a:solidFill>
-                  <a:schemeClr val="dk1"/>
-                </a:solidFill>
-                <a:latin typeface="Anuphan"/>
-                <a:ea typeface="Anuphan"/>
-                <a:cs typeface="Anuphan"/>
-                <a:sym typeface="Anuphan"/>
-              </a:defRPr>
-            </a:lvl7pPr>
-            <a:lvl8pPr marL="3657600" marR="0" lvl="7" indent="-304800" algn="ctr" rtl="0">
-              <a:lnSpc>
-                <a:spcPct val="100000"/>
-              </a:lnSpc>
-              <a:spcBef>
-                <a:spcPts val="0"/>
-              </a:spcBef>
-              <a:spcAft>
-                <a:spcPts val="0"/>
-              </a:spcAft>
-              <a:buClr>
-                <a:schemeClr val="dk1"/>
-              </a:buClr>
-              <a:buSzPts val="1200"/>
-              <a:buFont typeface="Anuphan"/>
-              <a:buNone/>
-              <a:defRPr sz="1200" b="0" i="0" u="none" strike="noStrike" cap="none">
-                <a:solidFill>
-                  <a:schemeClr val="dk1"/>
-                </a:solidFill>
-                <a:latin typeface="Anuphan"/>
-                <a:ea typeface="Anuphan"/>
-                <a:cs typeface="Anuphan"/>
-                <a:sym typeface="Anuphan"/>
-              </a:defRPr>
-            </a:lvl8pPr>
-            <a:lvl9pPr marL="4114800" marR="0" lvl="8" indent="-304800" algn="ctr" rtl="0">
-              <a:lnSpc>
-                <a:spcPct val="100000"/>
-              </a:lnSpc>
-              <a:spcBef>
-                <a:spcPts val="0"/>
-              </a:spcBef>
-              <a:spcAft>
-                <a:spcPts val="0"/>
-              </a:spcAft>
-              <a:buClr>
-                <a:schemeClr val="dk1"/>
-              </a:buClr>
-              <a:buSzPts val="1200"/>
-              <a:buFont typeface="Anuphan"/>
-              <a:buNone/>
-              <a:defRPr sz="1200" b="0" i="0" u="none" strike="noStrike" cap="none">
-                <a:solidFill>
-                  <a:schemeClr val="dk1"/>
-                </a:solidFill>
-                <a:latin typeface="Anuphan"/>
-                <a:ea typeface="Anuphan"/>
-                <a:cs typeface="Anuphan"/>
-                <a:sym typeface="Anuphan"/>
-              </a:defRPr>
-            </a:lvl9pPr>
-          </a:lstStyle>
-          <a:p>
-            <a:pPr marL="0" lvl="0" indent="0" algn="l">
-              <a:buNone/>
-            </a:pPr>
-            <a:r>
-              <a:rPr lang="fr-FR" sz="1400" b="1" dirty="0">
-                <a:solidFill>
-                  <a:schemeClr val="tx2">
-                    <a:lumMod val="10000"/>
-                  </a:schemeClr>
-                </a:solidFill>
-              </a:rPr>
-              <a:t>public class Test {</a:t>
-            </a:r>
-          </a:p>
-          <a:p>
-            <a:pPr marL="0" lvl="0" indent="0" algn="l">
-              <a:buNone/>
-            </a:pPr>
-            <a:endParaRPr lang="fr-FR" sz="1400" b="1" dirty="0">
-              <a:solidFill>
-                <a:schemeClr val="tx2">
-                  <a:lumMod val="10000"/>
-                </a:schemeClr>
-              </a:solidFill>
-            </a:endParaRPr>
-          </a:p>
-          <a:p>
-            <a:pPr marL="0" lvl="0" indent="0" algn="l">
-              <a:buNone/>
-            </a:pPr>
-            <a:r>
-              <a:rPr lang="fr-FR" sz="1400" b="1" dirty="0">
-                <a:solidFill>
-                  <a:schemeClr val="tx2">
-                    <a:lumMod val="10000"/>
-                  </a:schemeClr>
-                </a:solidFill>
-              </a:rPr>
-              <a:t>    public </a:t>
-            </a:r>
-            <a:r>
-              <a:rPr lang="fr-FR" sz="1400" b="1" dirty="0" err="1">
-                <a:solidFill>
-                  <a:schemeClr val="tx2">
-                    <a:lumMod val="10000"/>
-                  </a:schemeClr>
-                </a:solidFill>
-              </a:rPr>
-              <a:t>static</a:t>
-            </a:r>
-            <a:r>
-              <a:rPr lang="fr-FR" sz="1400" b="1" dirty="0">
-                <a:solidFill>
-                  <a:schemeClr val="tx2">
-                    <a:lumMod val="10000"/>
-                  </a:schemeClr>
-                </a:solidFill>
-              </a:rPr>
-              <a:t> </a:t>
-            </a:r>
-            <a:r>
-              <a:rPr lang="fr-FR" sz="1400" b="1" dirty="0" err="1">
-                <a:solidFill>
-                  <a:schemeClr val="tx2">
-                    <a:lumMod val="10000"/>
-                  </a:schemeClr>
-                </a:solidFill>
-              </a:rPr>
-              <a:t>void</a:t>
-            </a:r>
-            <a:r>
-              <a:rPr lang="fr-FR" sz="1400" b="1" dirty="0">
-                <a:solidFill>
-                  <a:schemeClr val="tx2">
-                    <a:lumMod val="10000"/>
-                  </a:schemeClr>
-                </a:solidFill>
-              </a:rPr>
-              <a:t> main(String[] args) {</a:t>
-            </a:r>
-          </a:p>
-          <a:p>
-            <a:pPr marL="0" lvl="0" indent="0" algn="l">
-              <a:buNone/>
-            </a:pPr>
-            <a:r>
-              <a:rPr lang="fr-FR" sz="1400" b="1" dirty="0">
-                <a:solidFill>
-                  <a:schemeClr val="tx2">
-                    <a:lumMod val="10000"/>
-                  </a:schemeClr>
-                </a:solidFill>
-              </a:rPr>
-              <a:t>           Personne </a:t>
-            </a:r>
-            <a:r>
-              <a:rPr lang="fr-FR" sz="1400" b="1" dirty="0">
-                <a:solidFill>
-                  <a:srgbClr val="0070C0"/>
-                </a:solidFill>
-              </a:rPr>
-              <a:t>P</a:t>
-            </a:r>
-            <a:r>
-              <a:rPr lang="fr-FR" sz="1400" b="1" dirty="0">
-                <a:solidFill>
-                  <a:schemeClr val="tx2">
-                    <a:lumMod val="10000"/>
-                  </a:schemeClr>
-                </a:solidFill>
-              </a:rPr>
-              <a:t>;</a:t>
-            </a:r>
-          </a:p>
-          <a:p>
-            <a:pPr marL="0" lvl="0" indent="0" algn="l">
-              <a:buNone/>
-            </a:pPr>
-            <a:r>
-              <a:rPr lang="fr-FR" sz="1400" b="1" dirty="0">
-                <a:solidFill>
-                  <a:schemeClr val="tx2">
-                    <a:lumMod val="10000"/>
-                  </a:schemeClr>
-                </a:solidFill>
-              </a:rPr>
-              <a:t>           </a:t>
-            </a:r>
-            <a:r>
-              <a:rPr lang="fr-FR" sz="1400" b="1" dirty="0" err="1">
-                <a:solidFill>
-                  <a:schemeClr val="bg2">
-                    <a:lumMod val="10000"/>
-                  </a:schemeClr>
-                </a:solidFill>
-              </a:rPr>
-              <a:t>PersonneBuilder</a:t>
-            </a:r>
-            <a:r>
-              <a:rPr lang="fr-FR" sz="1400" b="1" dirty="0">
-                <a:solidFill>
-                  <a:schemeClr val="tx2">
-                    <a:lumMod val="10000"/>
-                  </a:schemeClr>
-                </a:solidFill>
-              </a:rPr>
-              <a:t> </a:t>
-            </a:r>
-            <a:r>
-              <a:rPr lang="fr-FR" sz="1400" b="1" dirty="0" err="1">
-                <a:solidFill>
-                  <a:srgbClr val="00B050"/>
-                </a:solidFill>
-              </a:rPr>
-              <a:t>bluider</a:t>
-            </a:r>
-            <a:r>
-              <a:rPr lang="fr-FR" sz="1400" b="1" dirty="0">
-                <a:solidFill>
-                  <a:schemeClr val="tx2">
-                    <a:lumMod val="10000"/>
-                  </a:schemeClr>
-                </a:solidFill>
-              </a:rPr>
-              <a:t> =new </a:t>
-            </a:r>
-            <a:r>
-              <a:rPr lang="fr-FR" sz="1400" b="1" dirty="0" err="1">
-                <a:solidFill>
-                  <a:schemeClr val="bg2">
-                    <a:lumMod val="10000"/>
-                  </a:schemeClr>
-                </a:solidFill>
-              </a:rPr>
-              <a:t>PersonneBuilder</a:t>
-            </a:r>
-            <a:r>
-              <a:rPr lang="fr-FR" sz="1400" b="1" dirty="0">
-                <a:solidFill>
-                  <a:schemeClr val="bg2">
-                    <a:lumMod val="10000"/>
-                  </a:schemeClr>
-                </a:solidFill>
-              </a:rPr>
-              <a:t>();</a:t>
-            </a:r>
-          </a:p>
-          <a:p>
-            <a:pPr marL="0" lvl="0" indent="0" algn="l">
-              <a:buNone/>
-            </a:pPr>
-            <a:endParaRPr lang="fr-FR" sz="1400" b="1" dirty="0">
-              <a:solidFill>
-                <a:srgbClr val="0070C0"/>
-              </a:solidFill>
-            </a:endParaRPr>
-          </a:p>
-          <a:p>
-            <a:pPr marL="0" lvl="0" indent="0" algn="l">
-              <a:buNone/>
-            </a:pPr>
-            <a:r>
-              <a:rPr lang="fr-FR" sz="1400" b="1" dirty="0">
-                <a:solidFill>
-                  <a:srgbClr val="0070C0"/>
-                </a:solidFill>
-              </a:rPr>
-              <a:t>          P= </a:t>
-            </a:r>
-            <a:r>
-              <a:rPr lang="fr-FR" sz="1400" b="1" dirty="0" err="1">
-                <a:solidFill>
-                  <a:srgbClr val="00B050"/>
-                </a:solidFill>
-              </a:rPr>
-              <a:t>bluider</a:t>
-            </a:r>
-            <a:r>
-              <a:rPr lang="fr-FR" sz="1400" b="1" dirty="0" err="1">
-                <a:solidFill>
-                  <a:schemeClr val="tx2">
-                    <a:lumMod val="10000"/>
-                  </a:schemeClr>
-                </a:solidFill>
-              </a:rPr>
-              <a:t>.nom</a:t>
-            </a:r>
-            <a:r>
-              <a:rPr lang="fr-FR" sz="1400" b="1" dirty="0">
-                <a:solidFill>
-                  <a:schemeClr val="tx2">
-                    <a:lumMod val="10000"/>
-                  </a:schemeClr>
-                </a:solidFill>
-              </a:rPr>
-              <a:t>(" IDRISSI " ). </a:t>
-            </a:r>
-            <a:r>
-              <a:rPr lang="fr-FR" sz="1400" b="1" dirty="0" err="1">
-                <a:solidFill>
-                  <a:schemeClr val="tx2">
-                    <a:lumMod val="10000"/>
-                  </a:schemeClr>
-                </a:solidFill>
-              </a:rPr>
-              <a:t>prenom</a:t>
-            </a:r>
-            <a:r>
-              <a:rPr lang="fr-FR" sz="1400" b="1" dirty="0">
-                <a:solidFill>
-                  <a:schemeClr val="tx2">
-                    <a:lumMod val="10000"/>
-                  </a:schemeClr>
-                </a:solidFill>
-              </a:rPr>
-              <a:t>(" ABDELKARIM " ).</a:t>
-            </a:r>
-            <a:r>
-              <a:rPr lang="fr-FR" sz="1400" b="1" dirty="0" err="1">
-                <a:solidFill>
-                  <a:schemeClr val="tx2">
-                    <a:lumMod val="10000"/>
-                  </a:schemeClr>
-                </a:solidFill>
-              </a:rPr>
-              <a:t>age</a:t>
-            </a:r>
-            <a:r>
-              <a:rPr lang="fr-FR" sz="1400" b="1" dirty="0">
-                <a:solidFill>
-                  <a:schemeClr val="tx2">
-                    <a:lumMod val="10000"/>
-                  </a:schemeClr>
-                </a:solidFill>
-              </a:rPr>
-              <a:t>(22). </a:t>
-            </a:r>
-            <a:r>
-              <a:rPr lang="fr-FR" sz="1400" b="1" dirty="0" err="1">
-                <a:solidFill>
-                  <a:srgbClr val="C00000"/>
-                </a:solidFill>
-              </a:rPr>
-              <a:t>Bluid</a:t>
-            </a:r>
-            <a:r>
-              <a:rPr lang="fr-FR" sz="1400" b="1" dirty="0">
-                <a:solidFill>
-                  <a:schemeClr val="tx2">
-                    <a:lumMod val="10000"/>
-                  </a:schemeClr>
-                </a:solidFill>
-              </a:rPr>
-              <a:t>(); </a:t>
-            </a:r>
-          </a:p>
-          <a:p>
-            <a:pPr marL="0" lvl="0" indent="0" algn="l">
-              <a:buNone/>
-            </a:pPr>
-            <a:r>
-              <a:rPr lang="fr-FR" sz="1400" b="1" dirty="0">
-                <a:solidFill>
-                  <a:schemeClr val="tx2">
-                    <a:lumMod val="10000"/>
-                  </a:schemeClr>
-                </a:solidFill>
-              </a:rPr>
-              <a:t>}</a:t>
-            </a:r>
-          </a:p>
-          <a:p>
-            <a:pPr marL="0" lvl="0" indent="0" algn="l">
-              <a:buNone/>
-            </a:pPr>
-            <a:r>
-              <a:rPr lang="fr-FR" sz="1400" b="1" dirty="0">
-                <a:solidFill>
-                  <a:schemeClr val="tx2">
-                    <a:lumMod val="10000"/>
-                  </a:schemeClr>
-                </a:solidFill>
-              </a:rPr>
-              <a:t>}</a:t>
-            </a:r>
-          </a:p>
-          <a:p>
-            <a:pPr marL="0" lvl="0" indent="0" algn="l">
-              <a:buNone/>
-            </a:pPr>
-            <a:endParaRPr lang="fr-FR" sz="1400" b="1" dirty="0">
-              <a:solidFill>
-                <a:schemeClr val="tx2">
-                  <a:lumMod val="10000"/>
-                </a:schemeClr>
-              </a:solidFill>
-            </a:endParaRPr>
-          </a:p>
-        </p:txBody>
-      </p:sp>
-      <p:sp>
-        <p:nvSpPr>
-          <p:cNvPr id="5" name="Accolade ouvrante 4">
-            <a:extLst>
-              <a:ext uri="{FF2B5EF4-FFF2-40B4-BE49-F238E27FC236}">
-                <a16:creationId xmlns:a16="http://schemas.microsoft.com/office/drawing/2014/main" id="{AA10EF73-992A-D209-FA79-CF04D044898C}"/>
-              </a:ext>
-            </a:extLst>
-          </p:cNvPr>
-          <p:cNvSpPr/>
-          <p:nvPr/>
-        </p:nvSpPr>
-        <p:spPr>
-          <a:xfrm>
-            <a:off x="1679944" y="361508"/>
-            <a:ext cx="334925" cy="2371060"/>
-          </a:xfrm>
-          <a:prstGeom prst="leftBrace">
-            <a:avLst/>
-          </a:prstGeom>
-        </p:spPr>
-        <p:style>
-          <a:lnRef idx="3">
-            <a:schemeClr val="accent2"/>
-          </a:lnRef>
-          <a:fillRef idx="0">
-            <a:schemeClr val="accent2"/>
-          </a:fillRef>
-          <a:effectRef idx="2">
-            <a:schemeClr val="accent2"/>
-          </a:effectRef>
-          <a:fontRef idx="minor">
-            <a:schemeClr val="tx1"/>
-          </a:fontRef>
-        </p:style>
-        <p:txBody>
-          <a:bodyPr rtlCol="0" anchor="ctr"/>
-          <a:lstStyle/>
-          <a:p>
-            <a:pPr algn="ctr"/>
-            <a:endParaRPr lang="fr-FR" dirty="0"/>
-          </a:p>
-        </p:txBody>
-      </p:sp>
-      <p:sp>
-        <p:nvSpPr>
-          <p:cNvPr id="6" name="ZoneTexte 5">
-            <a:extLst>
-              <a:ext uri="{FF2B5EF4-FFF2-40B4-BE49-F238E27FC236}">
-                <a16:creationId xmlns:a16="http://schemas.microsoft.com/office/drawing/2014/main" id="{C998AEEC-C0EF-F685-4E0C-60B7C6ECB561}"/>
-              </a:ext>
-            </a:extLst>
-          </p:cNvPr>
-          <p:cNvSpPr txBox="1"/>
-          <p:nvPr/>
-        </p:nvSpPr>
-        <p:spPr>
-          <a:xfrm>
-            <a:off x="0" y="786055"/>
-            <a:ext cx="1679944" cy="1200329"/>
-          </a:xfrm>
-          <a:prstGeom prst="rect">
-            <a:avLst/>
-          </a:prstGeom>
-          <a:noFill/>
-        </p:spPr>
-        <p:txBody>
-          <a:bodyPr wrap="square" rtlCol="0">
-            <a:spAutoFit/>
-          </a:bodyPr>
-          <a:lstStyle/>
-          <a:p>
-            <a:r>
-              <a:rPr lang="fr-FR" sz="2400" i="0" dirty="0">
-                <a:solidFill>
-                  <a:srgbClr val="374151"/>
-                </a:solidFill>
-                <a:effectLst/>
-                <a:latin typeface="Söhne"/>
-              </a:rPr>
-              <a:t>Création de </a:t>
-            </a:r>
-          </a:p>
-          <a:p>
-            <a:r>
-              <a:rPr lang="fr-FR" sz="2400" i="0" dirty="0">
-                <a:solidFill>
-                  <a:srgbClr val="374151"/>
-                </a:solidFill>
-                <a:effectLst/>
-                <a:latin typeface="Söhne"/>
-              </a:rPr>
-              <a:t>la classe Builder </a:t>
-            </a:r>
-            <a:endParaRPr lang="fr-FR" sz="2400" dirty="0"/>
-          </a:p>
-        </p:txBody>
-      </p:sp>
-      <p:sp>
-        <p:nvSpPr>
-          <p:cNvPr id="2" name="ZoneTexte 1">
-            <a:extLst>
-              <a:ext uri="{FF2B5EF4-FFF2-40B4-BE49-F238E27FC236}">
-                <a16:creationId xmlns:a16="http://schemas.microsoft.com/office/drawing/2014/main" id="{CF3D1CEB-F670-7A70-12FE-9EDB04423C4E}"/>
-              </a:ext>
-            </a:extLst>
-          </p:cNvPr>
-          <p:cNvSpPr txBox="1"/>
-          <p:nvPr/>
-        </p:nvSpPr>
-        <p:spPr>
-          <a:xfrm>
-            <a:off x="1286539" y="3519376"/>
-            <a:ext cx="5465135" cy="369332"/>
-          </a:xfrm>
-          <a:prstGeom prst="rect">
-            <a:avLst/>
-          </a:prstGeom>
-          <a:noFill/>
-        </p:spPr>
-        <p:txBody>
-          <a:bodyPr wrap="square" rtlCol="0">
-            <a:spAutoFit/>
-          </a:bodyPr>
-          <a:lstStyle/>
-          <a:p>
-            <a:r>
-              <a:rPr lang="fr-FR" sz="1800" b="0" i="0" dirty="0">
-                <a:solidFill>
-                  <a:srgbClr val="374151"/>
-                </a:solidFill>
-                <a:effectLst/>
-                <a:latin typeface="Söhne"/>
-              </a:rPr>
-              <a:t>Les attributs email et téléphone seront affectés à </a:t>
-            </a:r>
-            <a:r>
-              <a:rPr lang="fr-FR" sz="1800" b="0" i="0" dirty="0" err="1">
-                <a:solidFill>
-                  <a:srgbClr val="C00000"/>
-                </a:solidFill>
-                <a:effectLst/>
-                <a:latin typeface="Söhne"/>
-              </a:rPr>
-              <a:t>null</a:t>
-            </a:r>
-            <a:r>
-              <a:rPr lang="fr-FR" sz="1800" b="0" i="0" dirty="0">
-                <a:solidFill>
-                  <a:srgbClr val="374151"/>
-                </a:solidFill>
-                <a:effectLst/>
-                <a:latin typeface="Söhne"/>
-              </a:rPr>
-              <a:t>.</a:t>
-            </a:r>
-            <a:endParaRPr lang="fr-FR" sz="1800" dirty="0"/>
-          </a:p>
-        </p:txBody>
-      </p:sp>
-      <p:sp>
-        <p:nvSpPr>
-          <p:cNvPr id="12" name="Accolade ouvrante 11">
-            <a:extLst>
-              <a:ext uri="{FF2B5EF4-FFF2-40B4-BE49-F238E27FC236}">
-                <a16:creationId xmlns:a16="http://schemas.microsoft.com/office/drawing/2014/main" id="{0820491F-E6E4-B53F-B6EE-FCB90BC8C4C8}"/>
-              </a:ext>
-            </a:extLst>
-          </p:cNvPr>
-          <p:cNvSpPr/>
-          <p:nvPr/>
-        </p:nvSpPr>
-        <p:spPr>
-          <a:xfrm rot="16200000">
-            <a:off x="3859086" y="1220750"/>
-            <a:ext cx="320040" cy="2027364"/>
-          </a:xfrm>
-          <a:prstGeom prst="leftBrace">
-            <a:avLst/>
-          </a:prstGeom>
-        </p:spPr>
-        <p:style>
-          <a:lnRef idx="2">
-            <a:schemeClr val="accent6"/>
-          </a:lnRef>
-          <a:fillRef idx="0">
-            <a:schemeClr val="accent6"/>
-          </a:fillRef>
-          <a:effectRef idx="1">
-            <a:schemeClr val="accent6"/>
-          </a:effectRef>
-          <a:fontRef idx="minor">
-            <a:schemeClr val="tx1"/>
-          </a:fontRef>
-        </p:style>
-        <p:txBody>
-          <a:bodyPr rtlCol="0" anchor="ctr"/>
-          <a:lstStyle/>
-          <a:p>
-            <a:pPr algn="ctr"/>
-            <a:endParaRPr lang="fr-FR"/>
-          </a:p>
-        </p:txBody>
-      </p:sp>
-      <p:sp>
-        <p:nvSpPr>
-          <p:cNvPr id="13" name="ZoneTexte 12">
-            <a:extLst>
-              <a:ext uri="{FF2B5EF4-FFF2-40B4-BE49-F238E27FC236}">
-                <a16:creationId xmlns:a16="http://schemas.microsoft.com/office/drawing/2014/main" id="{B530612D-116A-04F9-7DCA-3D2EFCE85F16}"/>
-              </a:ext>
-            </a:extLst>
-          </p:cNvPr>
-          <p:cNvSpPr txBox="1"/>
-          <p:nvPr/>
-        </p:nvSpPr>
-        <p:spPr>
-          <a:xfrm>
-            <a:off x="2858628" y="2463031"/>
-            <a:ext cx="2320956" cy="307777"/>
-          </a:xfrm>
-          <a:prstGeom prst="rect">
-            <a:avLst/>
-          </a:prstGeom>
-          <a:noFill/>
-        </p:spPr>
-        <p:txBody>
-          <a:bodyPr wrap="square" rtlCol="0">
-            <a:spAutoFit/>
-          </a:bodyPr>
-          <a:lstStyle/>
-          <a:p>
-            <a:r>
-              <a:rPr lang="fr-FR" dirty="0"/>
-              <a:t>Return </a:t>
-            </a:r>
-            <a:r>
-              <a:rPr lang="fr-FR" sz="1400" b="1" dirty="0" err="1">
-                <a:solidFill>
-                  <a:srgbClr val="00B050"/>
-                </a:solidFill>
-              </a:rPr>
-              <a:t>bluider</a:t>
-            </a:r>
-            <a:endParaRPr lang="fr-FR" dirty="0"/>
-          </a:p>
-        </p:txBody>
-      </p:sp>
-    </p:spTree>
-    <p:extLst>
-      <p:ext uri="{BB962C8B-B14F-4D97-AF65-F5344CB8AC3E}">
-        <p14:creationId xmlns:p14="http://schemas.microsoft.com/office/powerpoint/2010/main" val="2790353493"/>
       </p:ext>
     </p:extLst>
   </p:cSld>
